--- a/Allen_Brain_Observatory_Dataset.pptx
+++ b/Allen_Brain_Observatory_Dataset.pptx
@@ -5,7 +5,7 @@
     <p:sldMasterId id="2147483648" r:id="rId1"/>
   </p:sldMasterIdLst>
   <p:notesMasterIdLst>
-    <p:notesMasterId r:id="rId24"/>
+    <p:notesMasterId r:id="rId25"/>
   </p:notesMasterIdLst>
   <p:sldIdLst>
     <p:sldId id="256" r:id="rId2"/>
@@ -20,16 +20,17 @@
     <p:sldId id="268" r:id="rId11"/>
     <p:sldId id="267" r:id="rId12"/>
     <p:sldId id="276" r:id="rId13"/>
-    <p:sldId id="270" r:id="rId14"/>
-    <p:sldId id="269" r:id="rId15"/>
-    <p:sldId id="273" r:id="rId16"/>
-    <p:sldId id="271" r:id="rId17"/>
-    <p:sldId id="274" r:id="rId18"/>
-    <p:sldId id="278" r:id="rId19"/>
-    <p:sldId id="279" r:id="rId20"/>
-    <p:sldId id="266" r:id="rId21"/>
-    <p:sldId id="260" r:id="rId22"/>
-    <p:sldId id="263" r:id="rId23"/>
+    <p:sldId id="281" r:id="rId14"/>
+    <p:sldId id="270" r:id="rId15"/>
+    <p:sldId id="269" r:id="rId16"/>
+    <p:sldId id="273" r:id="rId17"/>
+    <p:sldId id="271" r:id="rId18"/>
+    <p:sldId id="274" r:id="rId19"/>
+    <p:sldId id="278" r:id="rId20"/>
+    <p:sldId id="279" r:id="rId21"/>
+    <p:sldId id="266" r:id="rId22"/>
+    <p:sldId id="260" r:id="rId23"/>
+    <p:sldId id="263" r:id="rId24"/>
   </p:sldIdLst>
   <p:sldSz cx="9144000" cy="6858000" type="screen4x3"/>
   <p:notesSz cx="6858000" cy="9144000"/>
@@ -213,7 +214,7 @@
           <a:p>
             <a:fld id="{B8357E1E-2B70-43D4-B0E0-6955748132D1}" type="datetimeFigureOut">
               <a:rPr lang="en-US" smtClean="0"/>
-              <a:t>10/24/16</a:t>
+              <a:t>10/25/16</a:t>
             </a:fld>
             <a:endParaRPr lang="en-US"/>
           </a:p>
@@ -940,7 +941,7 @@
           <a:p>
             <a:fld id="{5E665C15-95BD-4FB6-9F40-D435F1FF678C}" type="slidenum">
               <a:rPr lang="en-US" smtClean="0"/>
-              <a:t>18</a:t>
+              <a:t>19</a:t>
             </a:fld>
             <a:endParaRPr lang="en-US"/>
           </a:p>
@@ -1032,7 +1033,7 @@
           <a:p>
             <a:fld id="{5E665C15-95BD-4FB6-9F40-D435F1FF678C}" type="slidenum">
               <a:rPr lang="en-US" smtClean="0"/>
-              <a:t>19</a:t>
+              <a:t>20</a:t>
             </a:fld>
             <a:endParaRPr lang="en-US"/>
           </a:p>
@@ -1232,7 +1233,7 @@
           <a:p>
             <a:fld id="{6FD0DE33-FEBE-4B8B-9489-0ACF0F755D80}" type="datetimeFigureOut">
               <a:rPr lang="en-US" smtClean="0"/>
-              <a:t>10/24/16</a:t>
+              <a:t>10/25/16</a:t>
             </a:fld>
             <a:endParaRPr lang="en-US"/>
           </a:p>
@@ -1402,7 +1403,7 @@
           <a:p>
             <a:fld id="{6FD0DE33-FEBE-4B8B-9489-0ACF0F755D80}" type="datetimeFigureOut">
               <a:rPr lang="en-US" smtClean="0"/>
-              <a:t>10/24/16</a:t>
+              <a:t>10/25/16</a:t>
             </a:fld>
             <a:endParaRPr lang="en-US"/>
           </a:p>
@@ -1582,7 +1583,7 @@
           <a:p>
             <a:fld id="{6FD0DE33-FEBE-4B8B-9489-0ACF0F755D80}" type="datetimeFigureOut">
               <a:rPr lang="en-US" smtClean="0"/>
-              <a:t>10/24/16</a:t>
+              <a:t>10/25/16</a:t>
             </a:fld>
             <a:endParaRPr lang="en-US"/>
           </a:p>
@@ -1752,7 +1753,7 @@
           <a:p>
             <a:fld id="{6FD0DE33-FEBE-4B8B-9489-0ACF0F755D80}" type="datetimeFigureOut">
               <a:rPr lang="en-US" smtClean="0"/>
-              <a:t>10/24/16</a:t>
+              <a:t>10/25/16</a:t>
             </a:fld>
             <a:endParaRPr lang="en-US"/>
           </a:p>
@@ -1998,7 +1999,7 @@
           <a:p>
             <a:fld id="{6FD0DE33-FEBE-4B8B-9489-0ACF0F755D80}" type="datetimeFigureOut">
               <a:rPr lang="en-US" smtClean="0"/>
-              <a:t>10/24/16</a:t>
+              <a:t>10/25/16</a:t>
             </a:fld>
             <a:endParaRPr lang="en-US"/>
           </a:p>
@@ -2286,7 +2287,7 @@
           <a:p>
             <a:fld id="{6FD0DE33-FEBE-4B8B-9489-0ACF0F755D80}" type="datetimeFigureOut">
               <a:rPr lang="en-US" smtClean="0"/>
-              <a:t>10/24/16</a:t>
+              <a:t>10/25/16</a:t>
             </a:fld>
             <a:endParaRPr lang="en-US"/>
           </a:p>
@@ -2708,7 +2709,7 @@
           <a:p>
             <a:fld id="{6FD0DE33-FEBE-4B8B-9489-0ACF0F755D80}" type="datetimeFigureOut">
               <a:rPr lang="en-US" smtClean="0"/>
-              <a:t>10/24/16</a:t>
+              <a:t>10/25/16</a:t>
             </a:fld>
             <a:endParaRPr lang="en-US"/>
           </a:p>
@@ -2826,7 +2827,7 @@
           <a:p>
             <a:fld id="{6FD0DE33-FEBE-4B8B-9489-0ACF0F755D80}" type="datetimeFigureOut">
               <a:rPr lang="en-US" smtClean="0"/>
-              <a:t>10/24/16</a:t>
+              <a:t>10/25/16</a:t>
             </a:fld>
             <a:endParaRPr lang="en-US"/>
           </a:p>
@@ -2921,7 +2922,7 @@
           <a:p>
             <a:fld id="{6FD0DE33-FEBE-4B8B-9489-0ACF0F755D80}" type="datetimeFigureOut">
               <a:rPr lang="en-US" smtClean="0"/>
-              <a:t>10/24/16</a:t>
+              <a:t>10/25/16</a:t>
             </a:fld>
             <a:endParaRPr lang="en-US"/>
           </a:p>
@@ -3198,7 +3199,7 @@
           <a:p>
             <a:fld id="{6FD0DE33-FEBE-4B8B-9489-0ACF0F755D80}" type="datetimeFigureOut">
               <a:rPr lang="en-US" smtClean="0"/>
-              <a:t>10/24/16</a:t>
+              <a:t>10/25/16</a:t>
             </a:fld>
             <a:endParaRPr lang="en-US"/>
           </a:p>
@@ -3451,7 +3452,7 @@
           <a:p>
             <a:fld id="{6FD0DE33-FEBE-4B8B-9489-0ACF0F755D80}" type="datetimeFigureOut">
               <a:rPr lang="en-US" smtClean="0"/>
-              <a:t>10/24/16</a:t>
+              <a:t>10/25/16</a:t>
             </a:fld>
             <a:endParaRPr lang="en-US"/>
           </a:p>
@@ -3664,7 +3665,7 @@
           <a:p>
             <a:fld id="{6FD0DE33-FEBE-4B8B-9489-0ACF0F755D80}" type="datetimeFigureOut">
               <a:rPr lang="en-US" smtClean="0"/>
-              <a:t>10/24/16</a:t>
+              <a:t>10/25/16</a:t>
             </a:fld>
             <a:endParaRPr lang="en-US"/>
           </a:p>
@@ -4143,15 +4144,7 @@
           <a:p>
             <a:r>
               <a:rPr lang="en-US" dirty="0" smtClean="0"/>
-              <a:t>[Most slides are from Allen Institute’s Marina </a:t>
-            </a:r>
-            <a:r>
-              <a:rPr lang="en-US" dirty="0" smtClean="0"/>
-              <a:t>Garrett, or th</a:t>
-            </a:r>
-            <a:r>
-              <a:rPr lang="en-US" dirty="0" smtClean="0"/>
-              <a:t>e Observatory </a:t>
+              <a:t>[Most slides are from Allen Institute’s Marina Garrett, or the Observatory </a:t>
             </a:r>
             <a:r>
               <a:rPr lang="en-US" dirty="0"/>
@@ -4235,15 +4228,7 @@
             <a:pPr algn="l"/>
             <a:r>
               <a:rPr lang="en-US" sz="5400" b="1" dirty="0" smtClean="0"/>
-              <a:t>You can access some of the data (meta-data and extracted </a:t>
-            </a:r>
-            <a:r>
-              <a:rPr lang="en-US" sz="5400" b="1" dirty="0" smtClean="0"/>
-              <a:t>features</a:t>
-            </a:r>
-            <a:r>
-              <a:rPr lang="en-US" sz="5400" b="1" dirty="0" smtClean="0"/>
-              <a:t>) from the web. The rest (raw, post-processed, features) are accessible through a python package.</a:t>
+              <a:t>You can access some of the data (meta-data and extracted features) from the web. The rest (raw, post-processed, features) are accessible through a python package.</a:t>
             </a:r>
             <a:endParaRPr lang="en-US" sz="5400" b="1" dirty="0"/>
           </a:p>
@@ -4410,7 +4395,9 @@
         </p:nvSpPr>
         <p:spPr/>
         <p:txBody>
-          <a:bodyPr/>
+          <a:bodyPr>
+            <a:normAutofit/>
+          </a:bodyPr>
           <a:lstStyle/>
           <a:p>
             <a:r>
@@ -4477,22 +4464,16 @@
                 <a:solidFill>
                   <a:srgbClr val="2A0EFA"/>
                 </a:solidFill>
+                <a:hlinkClick r:id="rId2"/>
               </a:rPr>
-              <a:t>https://</a:t>
-            </a:r>
-            <a:r>
-              <a:rPr lang="en-US" dirty="0" err="1" smtClean="0">
-                <a:solidFill>
-                  <a:srgbClr val="2A0EFA"/>
-                </a:solidFill>
-              </a:rPr>
-              <a:t>crcns.org</a:t>
+              <a:t>https://crcns.org</a:t>
             </a:r>
             <a:r>
               <a:rPr lang="en-US" dirty="0" smtClean="0">
                 <a:solidFill>
                   <a:srgbClr val="2A0EFA"/>
                 </a:solidFill>
+                <a:hlinkClick r:id="rId2"/>
               </a:rPr>
               <a:t>/</a:t>
             </a:r>
@@ -4501,6 +4482,47 @@
                 <a:srgbClr val="2A0EFA"/>
               </a:solidFill>
             </a:endParaRPr>
+          </a:p>
+          <a:p>
+            <a:r>
+              <a:rPr lang="en-US" dirty="0" smtClean="0"/>
+              <a:t>This</a:t>
+            </a:r>
+            <a:r>
+              <a:rPr lang="en-US" dirty="0" smtClean="0">
+                <a:hlinkClick r:id="rId3"/>
+              </a:rPr>
+              <a:t> paper </a:t>
+            </a:r>
+            <a:r>
+              <a:rPr lang="en-US" dirty="0" smtClean="0"/>
+              <a:t>has code snippets for </a:t>
+            </a:r>
+            <a:r>
+              <a:rPr lang="en-US" dirty="0" err="1" smtClean="0"/>
+              <a:t>reading;writing</a:t>
+            </a:r>
+            <a:r>
+              <a:rPr lang="en-US" dirty="0" smtClean="0"/>
+              <a:t> NWB data into </a:t>
+            </a:r>
+            <a:r>
+              <a:rPr lang="en-US" dirty="0" err="1" smtClean="0"/>
+              <a:t>matlab</a:t>
+            </a:r>
+            <a:r>
+              <a:rPr lang="en-US" dirty="0" smtClean="0"/>
+              <a:t> </a:t>
+            </a:r>
+            <a:r>
+              <a:rPr lang="en-US" dirty="0"/>
+              <a:t>or python</a:t>
+            </a:r>
+            <a:r>
+              <a:rPr lang="en-US" dirty="0" smtClean="0"/>
+              <a:t>:</a:t>
+            </a:r>
+            <a:endParaRPr lang="en-US" dirty="0" smtClean="0"/>
           </a:p>
         </p:txBody>
       </p:sp>
@@ -4543,57 +4565,110 @@
       </p:grpSpPr>
       <p:sp>
         <p:nvSpPr>
-          <p:cNvPr id="2" name="Title 1"/>
-          <p:cNvSpPr>
-            <a:spLocks noGrp="1"/>
-          </p:cNvSpPr>
-          <p:nvPr>
-            <p:ph type="title"/>
-          </p:nvPr>
+          <p:cNvPr id="3" name="Content Placeholder 2"/>
+          <p:cNvSpPr>
+            <a:spLocks noGrp="1"/>
+          </p:cNvSpPr>
+          <p:nvPr>
+            <p:ph idx="1"/>
+          </p:nvPr>
+        </p:nvSpPr>
+        <p:spPr/>
+        <p:txBody>
+          <a:bodyPr/>
+          <a:lstStyle/>
+          <a:p>
+            <a:r>
+              <a:rPr lang="en-US" dirty="0" err="1" smtClean="0"/>
+              <a:t>AllenSDK</a:t>
+            </a:r>
+            <a:r>
+              <a:rPr lang="en-US" dirty="0" smtClean="0"/>
+              <a:t> python package (toolbox) for downloading raw and processed data</a:t>
+            </a:r>
+          </a:p>
+          <a:p>
+            <a:endParaRPr lang="en-US" dirty="0"/>
+          </a:p>
+          <a:p>
+            <a:r>
+              <a:rPr lang="en-US" dirty="0" smtClean="0"/>
+              <a:t>Start with this </a:t>
+            </a:r>
+            <a:r>
+              <a:rPr lang="en-US" dirty="0" smtClean="0">
+                <a:hlinkClick r:id="rId2"/>
+              </a:rPr>
+              <a:t>example</a:t>
+            </a:r>
+            <a:r>
+              <a:rPr lang="en-US" dirty="0" smtClean="0"/>
+              <a:t> </a:t>
+            </a:r>
+            <a:r>
+              <a:rPr lang="en-US" dirty="0" err="1" smtClean="0"/>
+              <a:t>jupyter</a:t>
+            </a:r>
+            <a:r>
+              <a:rPr lang="en-US" dirty="0" smtClean="0"/>
+              <a:t> notebook</a:t>
+            </a:r>
+          </a:p>
+          <a:p>
+            <a:endParaRPr lang="en-US" dirty="0"/>
+          </a:p>
+        </p:txBody>
+      </p:sp>
+      <p:sp>
+        <p:nvSpPr>
+          <p:cNvPr id="4" name="Title 1"/>
+          <p:cNvSpPr txBox="1">
+            <a:spLocks/>
+          </p:cNvSpPr>
+          <p:nvPr/>
         </p:nvSpPr>
         <p:spPr>
           <a:xfrm>
             <a:off x="457200" y="304800"/>
-            <a:ext cx="8229600" cy="6096000"/>
+            <a:ext cx="8229600" cy="1143000"/>
           </a:xfrm>
+          <a:prstGeom prst="rect">
+            <a:avLst/>
+          </a:prstGeom>
         </p:spPr>
         <p:txBody>
-          <a:bodyPr>
+          <a:bodyPr vert="horz" lIns="91440" tIns="45720" rIns="91440" bIns="45720" rtlCol="0" anchor="ctr">
             <a:normAutofit/>
           </a:bodyPr>
-          <a:lstStyle/>
-          <a:p>
-            <a:pPr algn="l"/>
-            <a:r>
-              <a:rPr lang="en-US" sz="5400" b="1" dirty="0" smtClean="0"/>
-              <a:t>A Jupyter/Python notebook is just a web app that lets you interactively run python code, and look at the output.</a:t>
-            </a:r>
-            <a:r>
-              <a:rPr lang="en-US" sz="5400" dirty="0">
-                <a:hlinkClick r:id="rId2"/>
-              </a:rPr>
-              <a:t> http://</a:t>
-            </a:r>
-            <a:r>
-              <a:rPr lang="en-US" sz="5400" dirty="0" err="1">
-                <a:hlinkClick r:id="rId2"/>
-              </a:rPr>
-              <a:t>jupyter.org</a:t>
-            </a:r>
-            <a:r>
-              <a:rPr lang="en-US" sz="5400" dirty="0">
-                <a:hlinkClick r:id="rId2"/>
-              </a:rPr>
-              <a:t>/</a:t>
-            </a:r>
-            <a:endParaRPr lang="en-US" sz="5400" b="1" dirty="0"/>
+          <a:lstStyle>
+            <a:lvl1pPr algn="ctr" defTabSz="914400" rtl="0" eaLnBrk="1" latinLnBrk="0" hangingPunct="1">
+              <a:spcBef>
+                <a:spcPct val="0"/>
+              </a:spcBef>
+              <a:buNone/>
+              <a:defRPr sz="4400" kern="1200">
+                <a:solidFill>
+                  <a:schemeClr val="tx1"/>
+                </a:solidFill>
+                <a:latin typeface="+mj-lt"/>
+                <a:ea typeface="+mj-ea"/>
+                <a:cs typeface="+mj-cs"/>
+              </a:defRPr>
+            </a:lvl1pPr>
+          </a:lstStyle>
+          <a:p>
+            <a:r>
+              <a:rPr lang="en-US" b="1" dirty="0" smtClean="0"/>
+              <a:t>Accessing the Data (Python)</a:t>
+            </a:r>
+            <a:endParaRPr lang="en-US" b="1" dirty="0"/>
           </a:p>
         </p:txBody>
       </p:sp>
     </p:spTree>
     <p:extLst>
       <p:ext uri="{BB962C8B-B14F-4D97-AF65-F5344CB8AC3E}">
-        <p14:creationId xmlns:p14="http://schemas.microsoft.com/office/powerpoint/2010/main" val="395867012"/>
+        <p14:creationId xmlns:p14="http://schemas.microsoft.com/office/powerpoint/2010/main" val="1438495189"/>
       </p:ext>
     </p:extLst>
   </p:cSld>
@@ -4629,97 +4704,57 @@
       </p:grpSpPr>
       <p:sp>
         <p:nvSpPr>
-          <p:cNvPr id="3" name="Content Placeholder 2"/>
-          <p:cNvSpPr>
-            <a:spLocks noGrp="1"/>
-          </p:cNvSpPr>
-          <p:nvPr>
-            <p:ph idx="1"/>
-          </p:nvPr>
-        </p:nvSpPr>
-        <p:spPr/>
-        <p:txBody>
-          <a:bodyPr/>
-          <a:lstStyle/>
-          <a:p>
-            <a:r>
-              <a:rPr lang="en-US" dirty="0" smtClean="0"/>
-              <a:t>Start with this </a:t>
-            </a:r>
-            <a:r>
-              <a:rPr lang="en-US" dirty="0" smtClean="0">
-                <a:hlinkClick r:id="rId2"/>
-              </a:rPr>
-              <a:t>example</a:t>
-            </a:r>
-            <a:r>
-              <a:rPr lang="en-US" dirty="0" smtClean="0"/>
-              <a:t> notebook</a:t>
-            </a:r>
-          </a:p>
-          <a:p>
-            <a:endParaRPr lang="en-US" dirty="0"/>
-          </a:p>
-        </p:txBody>
-      </p:sp>
-      <p:sp>
-        <p:nvSpPr>
-          <p:cNvPr id="4" name="Title 1"/>
-          <p:cNvSpPr txBox="1">
-            <a:spLocks/>
-          </p:cNvSpPr>
-          <p:nvPr/>
+          <p:cNvPr id="2" name="Title 1"/>
+          <p:cNvSpPr>
+            <a:spLocks noGrp="1"/>
+          </p:cNvSpPr>
+          <p:nvPr>
+            <p:ph type="title"/>
+          </p:nvPr>
         </p:nvSpPr>
         <p:spPr>
           <a:xfrm>
             <a:off x="457200" y="304800"/>
-            <a:ext cx="8229600" cy="1143000"/>
+            <a:ext cx="8229600" cy="6096000"/>
           </a:xfrm>
-          <a:prstGeom prst="rect">
-            <a:avLst/>
-          </a:prstGeom>
         </p:spPr>
         <p:txBody>
-          <a:bodyPr vert="horz" lIns="91440" tIns="45720" rIns="91440" bIns="45720" rtlCol="0" anchor="ctr">
+          <a:bodyPr>
             <a:normAutofit/>
           </a:bodyPr>
-          <a:lstStyle>
-            <a:lvl1pPr algn="ctr" defTabSz="914400" rtl="0" eaLnBrk="1" latinLnBrk="0" hangingPunct="1">
-              <a:spcBef>
-                <a:spcPct val="0"/>
-              </a:spcBef>
-              <a:buNone/>
-              <a:defRPr sz="4400" kern="1200">
-                <a:solidFill>
-                  <a:schemeClr val="tx1"/>
-                </a:solidFill>
-                <a:latin typeface="+mj-lt"/>
-                <a:ea typeface="+mj-ea"/>
-                <a:cs typeface="+mj-cs"/>
-              </a:defRPr>
-            </a:lvl1pPr>
-          </a:lstStyle>
-          <a:p>
-            <a:r>
-              <a:rPr lang="en-US" b="1" dirty="0" smtClean="0"/>
-              <a:t>Accessing the Data </a:t>
-            </a:r>
-            <a:r>
-              <a:rPr lang="en-US" b="1" dirty="0" smtClean="0"/>
-              <a:t>(Python</a:t>
-            </a:r>
-            <a:r>
-              <a:rPr lang="en-US" b="1" dirty="0" smtClean="0"/>
-              <a:t>)</a:t>
-            </a:r>
-            <a:endParaRPr lang="en-US" b="1" dirty="0"/>
+          <a:lstStyle/>
+          <a:p>
+            <a:pPr algn="l"/>
+            <a:r>
+              <a:rPr lang="en-US" sz="5400" b="1" dirty="0" smtClean="0"/>
+              <a:t>A Jupyter/Python notebook is just a web app that lets you interactively run python code, and look at the output.</a:t>
+            </a:r>
+            <a:r>
+              <a:rPr lang="en-US" sz="5400" dirty="0">
+                <a:hlinkClick r:id="rId2"/>
+              </a:rPr>
+              <a:t> http://</a:t>
+            </a:r>
+            <a:r>
+              <a:rPr lang="en-US" sz="5400" dirty="0" err="1">
+                <a:hlinkClick r:id="rId2"/>
+              </a:rPr>
+              <a:t>jupyter.org</a:t>
+            </a:r>
+            <a:r>
+              <a:rPr lang="en-US" sz="5400" dirty="0">
+                <a:hlinkClick r:id="rId2"/>
+              </a:rPr>
+              <a:t>/</a:t>
+            </a:r>
+            <a:endParaRPr lang="en-US" sz="5400" b="1" dirty="0"/>
           </a:p>
         </p:txBody>
       </p:sp>
     </p:spTree>
     <p:extLst>
       <p:ext uri="{BB962C8B-B14F-4D97-AF65-F5344CB8AC3E}">
-        <p14:creationId xmlns:p14="http://schemas.microsoft.com/office/powerpoint/2010/main" val="2595377064"/>
+        <p14:creationId xmlns:p14="http://schemas.microsoft.com/office/powerpoint/2010/main" val="395867012"/>
       </p:ext>
     </p:extLst>
   </p:cSld>
@@ -4755,67 +4790,92 @@
       </p:grpSpPr>
       <p:sp>
         <p:nvSpPr>
-          <p:cNvPr id="2" name="Title 1"/>
-          <p:cNvSpPr>
-            <a:spLocks noGrp="1"/>
-          </p:cNvSpPr>
-          <p:nvPr>
-            <p:ph type="title"/>
-          </p:nvPr>
+          <p:cNvPr id="3" name="Content Placeholder 2"/>
+          <p:cNvSpPr>
+            <a:spLocks noGrp="1"/>
+          </p:cNvSpPr>
+          <p:nvPr>
+            <p:ph idx="1"/>
+          </p:nvPr>
+        </p:nvSpPr>
+        <p:spPr/>
+        <p:txBody>
+          <a:bodyPr/>
+          <a:lstStyle/>
+          <a:p>
+            <a:r>
+              <a:rPr lang="en-US" dirty="0" smtClean="0"/>
+              <a:t>Run the notebook interactively (</a:t>
+            </a:r>
+            <a:r>
+              <a:rPr lang="en-US" dirty="0" smtClean="0">
+                <a:hlinkClick r:id="rId2"/>
+              </a:rPr>
+              <a:t>binder</a:t>
+            </a:r>
+            <a:r>
+              <a:rPr lang="en-US" dirty="0" smtClean="0"/>
+              <a:t>)</a:t>
+            </a:r>
+          </a:p>
+          <a:p>
+            <a:endParaRPr lang="en-US" dirty="0" smtClean="0"/>
+          </a:p>
+          <a:p>
+            <a:endParaRPr lang="en-US" dirty="0"/>
+          </a:p>
+        </p:txBody>
+      </p:sp>
+      <p:sp>
+        <p:nvSpPr>
+          <p:cNvPr id="4" name="Title 1"/>
+          <p:cNvSpPr txBox="1">
+            <a:spLocks/>
+          </p:cNvSpPr>
+          <p:nvPr/>
         </p:nvSpPr>
         <p:spPr>
           <a:xfrm>
-            <a:off x="228600" y="304800"/>
-            <a:ext cx="8686800" cy="6096000"/>
+            <a:off x="457200" y="304800"/>
+            <a:ext cx="8229600" cy="1143000"/>
           </a:xfrm>
+          <a:prstGeom prst="rect">
+            <a:avLst/>
+          </a:prstGeom>
         </p:spPr>
         <p:txBody>
-          <a:bodyPr>
+          <a:bodyPr vert="horz" lIns="91440" tIns="45720" rIns="91440" bIns="45720" rtlCol="0" anchor="ctr">
             <a:normAutofit/>
           </a:bodyPr>
-          <a:lstStyle/>
-          <a:p>
-            <a:pPr algn="l"/>
-            <a:r>
-              <a:rPr lang="en-US" sz="5400" b="1" dirty="0" smtClean="0"/>
-              <a:t>What do to with all this data? You could:</a:t>
-            </a:r>
-            <a:br>
-              <a:rPr lang="en-US" sz="5400" b="1" dirty="0" smtClean="0"/>
-            </a:br>
-            <a:r>
-              <a:rPr lang="en-US" sz="3600" b="1" dirty="0" smtClean="0"/>
-              <a:t>1) benchmark various motion correction/spike-extraction algorithms</a:t>
-            </a:r>
-            <a:br>
-              <a:rPr lang="en-US" sz="3600" b="1" dirty="0" smtClean="0"/>
-            </a:br>
-            <a:r>
-              <a:rPr lang="en-US" sz="3600" b="1" dirty="0" smtClean="0"/>
-              <a:t>2) Validate previous work on bigger dataset</a:t>
-            </a:r>
-            <a:br>
-              <a:rPr lang="en-US" sz="3600" b="1" dirty="0" smtClean="0"/>
-            </a:br>
-            <a:r>
-              <a:rPr lang="en-US" sz="3600" b="1" dirty="0" smtClean="0"/>
-              <a:t>3) Test new theories (running?)</a:t>
-            </a:r>
-            <a:br>
-              <a:rPr lang="en-US" sz="3600" b="1" dirty="0" smtClean="0"/>
-            </a:br>
-            <a:r>
-              <a:rPr lang="en-US" sz="3600" b="1" dirty="0" smtClean="0"/>
-              <a:t>4) Use it for teaching</a:t>
-            </a:r>
-            <a:endParaRPr lang="en-US" sz="3600" b="1" dirty="0"/>
+          <a:lstStyle>
+            <a:lvl1pPr algn="ctr" defTabSz="914400" rtl="0" eaLnBrk="1" latinLnBrk="0" hangingPunct="1">
+              <a:spcBef>
+                <a:spcPct val="0"/>
+              </a:spcBef>
+              <a:buNone/>
+              <a:defRPr sz="4400" kern="1200">
+                <a:solidFill>
+                  <a:schemeClr val="tx1"/>
+                </a:solidFill>
+                <a:latin typeface="+mj-lt"/>
+                <a:ea typeface="+mj-ea"/>
+                <a:cs typeface="+mj-cs"/>
+              </a:defRPr>
+            </a:lvl1pPr>
+          </a:lstStyle>
+          <a:p>
+            <a:r>
+              <a:rPr lang="en-US" b="1" dirty="0" smtClean="0"/>
+              <a:t>Accessing the Data (Python)</a:t>
+            </a:r>
+            <a:endParaRPr lang="en-US" b="1" dirty="0"/>
           </a:p>
         </p:txBody>
       </p:sp>
     </p:spTree>
     <p:extLst>
       <p:ext uri="{BB962C8B-B14F-4D97-AF65-F5344CB8AC3E}">
-        <p14:creationId xmlns:p14="http://schemas.microsoft.com/office/powerpoint/2010/main" val="2890401281"/>
+        <p14:creationId xmlns:p14="http://schemas.microsoft.com/office/powerpoint/2010/main" val="2595377064"/>
       </p:ext>
     </p:extLst>
   </p:cSld>
@@ -4859,75 +4919,59 @@
             <p:ph type="title"/>
           </p:nvPr>
         </p:nvSpPr>
-        <p:spPr/>
+        <p:spPr>
+          <a:xfrm>
+            <a:off x="228600" y="304800"/>
+            <a:ext cx="8686800" cy="6096000"/>
+          </a:xfrm>
+        </p:spPr>
         <p:txBody>
           <a:bodyPr>
             <a:normAutofit/>
           </a:bodyPr>
           <a:lstStyle/>
           <a:p>
-            <a:r>
-              <a:rPr lang="en-US" b="1" dirty="0" smtClean="0"/>
-              <a:t>Observatory Data </a:t>
-            </a:r>
-            <a:r>
-              <a:rPr lang="en-US" b="1" i="1" dirty="0" smtClean="0"/>
-              <a:t>Not</a:t>
-            </a:r>
-            <a:r>
-              <a:rPr lang="en-US" b="1" dirty="0" smtClean="0"/>
-              <a:t> Good for:</a:t>
-            </a:r>
-            <a:endParaRPr lang="en-US" b="1" dirty="0"/>
-          </a:p>
-        </p:txBody>
-      </p:sp>
-      <p:sp>
-        <p:nvSpPr>
-          <p:cNvPr id="3" name="Content Placeholder 2"/>
-          <p:cNvSpPr>
-            <a:spLocks noGrp="1"/>
-          </p:cNvSpPr>
-          <p:nvPr>
-            <p:ph idx="1"/>
-          </p:nvPr>
-        </p:nvSpPr>
-        <p:spPr/>
-        <p:txBody>
-          <a:bodyPr/>
-          <a:lstStyle/>
-          <a:p>
-            <a:r>
-              <a:rPr lang="en-US" dirty="0" smtClean="0"/>
-              <a:t>High temporal resolution (Calcium imaging)</a:t>
-            </a:r>
-          </a:p>
-          <a:p>
-            <a:pPr lvl="1"/>
-            <a:r>
-              <a:rPr lang="en-US" dirty="0" smtClean="0"/>
-              <a:t>Imaging frame rate is 30 Hz</a:t>
-            </a:r>
-          </a:p>
-          <a:p>
-            <a:r>
-              <a:rPr lang="en-US" dirty="0" smtClean="0"/>
-              <a:t>Anything with precise spatial location</a:t>
-            </a:r>
-          </a:p>
-          <a:p>
-            <a:pPr lvl="1"/>
-            <a:r>
-              <a:rPr lang="en-US" dirty="0" smtClean="0"/>
-              <a:t>Eye movement not controlled for until future release</a:t>
-            </a:r>
+            <a:pPr algn="l"/>
+            <a:r>
+              <a:rPr lang="en-US" sz="5400" b="1" dirty="0" smtClean="0"/>
+              <a:t>What do to with all this data? You could:</a:t>
+            </a:r>
+            <a:br>
+              <a:rPr lang="en-US" sz="5400" b="1" dirty="0" smtClean="0"/>
+            </a:br>
+            <a:r>
+              <a:rPr lang="en-US" sz="3600" b="1" dirty="0" smtClean="0"/>
+              <a:t>1) benchmark various motion correction/spike-extraction algorithms</a:t>
+            </a:r>
+            <a:br>
+              <a:rPr lang="en-US" sz="3600" b="1" dirty="0" smtClean="0"/>
+            </a:br>
+            <a:r>
+              <a:rPr lang="en-US" sz="3600" b="1" dirty="0" smtClean="0"/>
+              <a:t>2) Validate previous work on bigger dataset</a:t>
+            </a:r>
+            <a:br>
+              <a:rPr lang="en-US" sz="3600" b="1" dirty="0" smtClean="0"/>
+            </a:br>
+            <a:r>
+              <a:rPr lang="en-US" sz="3600" b="1" dirty="0" smtClean="0"/>
+              <a:t>3) Test new theories (running?)</a:t>
+            </a:r>
+            <a:br>
+              <a:rPr lang="en-US" sz="3600" b="1" dirty="0" smtClean="0"/>
+            </a:br>
+            <a:r>
+              <a:rPr lang="en-US" sz="3600" b="1" dirty="0" smtClean="0"/>
+              <a:t>4) Use it for teaching</a:t>
+            </a:r>
+            <a:endParaRPr lang="en-US" sz="3600" b="1" dirty="0"/>
           </a:p>
         </p:txBody>
       </p:sp>
     </p:spTree>
     <p:extLst>
       <p:ext uri="{BB962C8B-B14F-4D97-AF65-F5344CB8AC3E}">
-        <p14:creationId xmlns:p14="http://schemas.microsoft.com/office/powerpoint/2010/main" val="680154838"/>
+        <p14:creationId xmlns:p14="http://schemas.microsoft.com/office/powerpoint/2010/main" val="2890401281"/>
       </p:ext>
     </p:extLst>
   </p:cSld>
@@ -4980,7 +5024,15 @@
           <a:p>
             <a:r>
               <a:rPr lang="en-US" b="1" dirty="0" smtClean="0"/>
-              <a:t>Observatory Data Good for:</a:t>
+              <a:t>Observatory Data </a:t>
+            </a:r>
+            <a:r>
+              <a:rPr lang="en-US" b="1" i="1" dirty="0" smtClean="0"/>
+              <a:t>Not</a:t>
+            </a:r>
+            <a:r>
+              <a:rPr lang="en-US" b="1" dirty="0" smtClean="0"/>
+              <a:t> Good for:</a:t>
             </a:r>
             <a:endParaRPr lang="en-US" b="1" dirty="0"/>
           </a:p>
@@ -4998,62 +5050,32 @@
         </p:nvSpPr>
         <p:spPr/>
         <p:txBody>
-          <a:bodyPr>
-            <a:normAutofit/>
-          </a:bodyPr>
+          <a:bodyPr/>
           <a:lstStyle/>
           <a:p>
             <a:r>
               <a:rPr lang="en-US" dirty="0" smtClean="0"/>
-              <a:t>Response variability with: areas, </a:t>
-            </a:r>
-            <a:r>
-              <a:rPr lang="en-US" dirty="0" err="1" smtClean="0"/>
-              <a:t>cre</a:t>
-            </a:r>
+              <a:t>High temporal resolution (Calcium imaging)</a:t>
+            </a:r>
+          </a:p>
+          <a:p>
+            <a:pPr lvl="1"/>
             <a:r>
               <a:rPr lang="en-US" dirty="0" smtClean="0"/>
-              <a:t>-lines, layers, running, pupil diameter (extract)</a:t>
+              <a:t>Imaging frame rate is 30 Hz</a:t>
             </a:r>
           </a:p>
           <a:p>
             <a:r>
               <a:rPr lang="en-US" dirty="0" smtClean="0"/>
-              <a:t>Modeling signal and noise variability with brain state (</a:t>
-            </a:r>
-            <a:r>
-              <a:rPr lang="en-US" dirty="0" err="1" smtClean="0"/>
-              <a:t>Scholvinck</a:t>
-            </a:r>
+              <a:t>Anything with precise spatial location</a:t>
+            </a:r>
+          </a:p>
+          <a:p>
+            <a:pPr lvl="1"/>
             <a:r>
               <a:rPr lang="en-US" dirty="0" smtClean="0"/>
-              <a:t> 2015+)</a:t>
-            </a:r>
-          </a:p>
-          <a:p>
-            <a:r>
-              <a:rPr lang="en-US" dirty="0" smtClean="0"/>
-              <a:t>Encoding with correlations (Pillow 2008+) </a:t>
-            </a:r>
-          </a:p>
-          <a:p>
-            <a:pPr lvl="1"/>
-            <a:r>
-              <a:rPr lang="en-US" dirty="0" smtClean="0"/>
-              <a:t>Also as a function of tuning similarity  (sign-rule?)</a:t>
-            </a:r>
-          </a:p>
-          <a:p>
-            <a:r>
-              <a:rPr lang="en-US" dirty="0" smtClean="0"/>
-              <a:t>Decoding with correlations</a:t>
-            </a:r>
-          </a:p>
-          <a:p>
-            <a:pPr lvl="1"/>
-            <a:r>
-              <a:rPr lang="en-US" dirty="0" smtClean="0"/>
-              <a:t>Does shuffling trials reduce performance?</a:t>
+              <a:t>Eye movement  (1/4 RF width) not controlled for until future release</a:t>
             </a:r>
           </a:p>
         </p:txBody>
@@ -5061,7 +5083,7 @@
     </p:spTree>
     <p:extLst>
       <p:ext uri="{BB962C8B-B14F-4D97-AF65-F5344CB8AC3E}">
-        <p14:creationId xmlns:p14="http://schemas.microsoft.com/office/powerpoint/2010/main" val="3821417294"/>
+        <p14:creationId xmlns:p14="http://schemas.microsoft.com/office/powerpoint/2010/main" val="680154838"/>
       </p:ext>
     </p:extLst>
   </p:cSld>
@@ -5105,218 +5127,97 @@
             <p:ph type="title"/>
           </p:nvPr>
         </p:nvSpPr>
-        <p:spPr>
-          <a:xfrm>
-            <a:off x="457200" y="119894"/>
-            <a:ext cx="8229600" cy="1143000"/>
-          </a:xfrm>
-        </p:spPr>
+        <p:spPr/>
         <p:txBody>
           <a:bodyPr>
-            <a:normAutofit fontScale="90000"/>
+            <a:normAutofit/>
           </a:bodyPr>
           <a:lstStyle/>
           <a:p>
             <a:r>
               <a:rPr lang="en-US" b="1" dirty="0" smtClean="0"/>
-              <a:t>Population Coupling:</a:t>
-            </a:r>
-            <a:br>
-              <a:rPr lang="en-US" b="1" dirty="0" smtClean="0"/>
-            </a:br>
-            <a:r>
-              <a:rPr lang="en-US" b="1" dirty="0" smtClean="0"/>
-              <a:t> an invariant neuronal property?</a:t>
+              <a:t>Observatory Data Good for:</a:t>
             </a:r>
             <a:endParaRPr lang="en-US" b="1" dirty="0"/>
           </a:p>
         </p:txBody>
       </p:sp>
-      <p:pic>
-        <p:nvPicPr>
-          <p:cNvPr id="4" name="Shape 71"/>
-          <p:cNvPicPr preferRelativeResize="0"/>
-          <p:nvPr/>
-        </p:nvPicPr>
-        <p:blipFill rotWithShape="1">
-          <a:blip r:embed="rId3">
-            <a:alphaModFix/>
-          </a:blip>
-          <a:srcRect l="1327" t="3789" r="2252" b="3505"/>
-          <a:stretch/>
-        </p:blipFill>
-        <p:spPr>
-          <a:xfrm>
-            <a:off x="2244176" y="1771428"/>
-            <a:ext cx="6442624" cy="4691043"/>
-          </a:xfrm>
-          <a:prstGeom prst="rect">
-            <a:avLst/>
-          </a:prstGeom>
-          <a:noFill/>
-          <a:ln>
-            <a:noFill/>
-          </a:ln>
-        </p:spPr>
-      </p:pic>
-      <p:sp>
-        <p:nvSpPr>
-          <p:cNvPr id="8" name="TextBox 7"/>
-          <p:cNvSpPr txBox="1"/>
-          <p:nvPr/>
-        </p:nvSpPr>
-        <p:spPr>
-          <a:xfrm>
-            <a:off x="242781" y="2356035"/>
-            <a:ext cx="1998280" cy="3170099"/>
-          </a:xfrm>
-          <a:prstGeom prst="rect">
-            <a:avLst/>
-          </a:prstGeom>
-          <a:noFill/>
-        </p:spPr>
-        <p:txBody>
-          <a:bodyPr wrap="square" rtlCol="0">
-            <a:spAutoFit/>
+      <p:sp>
+        <p:nvSpPr>
+          <p:cNvPr id="3" name="Content Placeholder 2"/>
+          <p:cNvSpPr>
+            <a:spLocks noGrp="1"/>
+          </p:cNvSpPr>
+          <p:nvPr>
+            <p:ph idx="1"/>
+          </p:nvPr>
+        </p:nvSpPr>
+        <p:spPr/>
+        <p:txBody>
+          <a:bodyPr>
+            <a:normAutofit/>
           </a:bodyPr>
           <a:lstStyle/>
           <a:p>
             <a:r>
-              <a:rPr lang="en-US" sz="2400" dirty="0" smtClean="0"/>
-              <a:t>Pop coupling: correlation between each cell’s activity and total population activity.</a:t>
-            </a:r>
-          </a:p>
-          <a:p>
-            <a:r>
-              <a:rPr lang="en-US" sz="1600" dirty="0" smtClean="0"/>
-              <a:t>[not quite Pearson’s </a:t>
-            </a:r>
-            <a:r>
-              <a:rPr lang="en-US" sz="1600" dirty="0" err="1" smtClean="0"/>
-              <a:t>corr</a:t>
-            </a:r>
-            <a:r>
-              <a:rPr lang="en-US" sz="1600" dirty="0" smtClean="0"/>
-              <a:t>, see paper]</a:t>
-            </a:r>
-            <a:endParaRPr lang="en-US" sz="1600" dirty="0"/>
-          </a:p>
-        </p:txBody>
-      </p:sp>
-      <p:sp>
-        <p:nvSpPr>
-          <p:cNvPr id="3" name="TextBox 2"/>
-          <p:cNvSpPr txBox="1"/>
-          <p:nvPr/>
-        </p:nvSpPr>
-        <p:spPr>
-          <a:xfrm>
-            <a:off x="5711672" y="1471346"/>
-            <a:ext cx="1556635" cy="600164"/>
-          </a:xfrm>
-          <a:prstGeom prst="rect">
-            <a:avLst/>
-          </a:prstGeom>
-          <a:noFill/>
-        </p:spPr>
-        <p:txBody>
-          <a:bodyPr wrap="square" rtlCol="0">
-            <a:spAutoFit/>
-          </a:bodyPr>
-          <a:lstStyle/>
-          <a:p>
-            <a:r>
-              <a:rPr lang="en-US" sz="1100" dirty="0" smtClean="0"/>
-              <a:t>PC is peak of the spike-triggered population rate (</a:t>
-            </a:r>
-            <a:r>
-              <a:rPr lang="en-US" sz="1100" dirty="0" err="1" smtClean="0"/>
-              <a:t>stPR</a:t>
-            </a:r>
-            <a:r>
-              <a:rPr lang="en-US" sz="1100" dirty="0" smtClean="0"/>
-              <a:t>)</a:t>
-            </a:r>
-            <a:endParaRPr lang="en-US" sz="1100" dirty="0"/>
-          </a:p>
-        </p:txBody>
-      </p:sp>
-      <p:sp>
-        <p:nvSpPr>
-          <p:cNvPr id="5" name="TextBox 4"/>
-          <p:cNvSpPr txBox="1"/>
-          <p:nvPr/>
-        </p:nvSpPr>
-        <p:spPr>
-          <a:xfrm>
-            <a:off x="2455192" y="6084514"/>
-            <a:ext cx="3746789" cy="369332"/>
-          </a:xfrm>
-          <a:prstGeom prst="rect">
-            <a:avLst/>
-          </a:prstGeom>
-          <a:solidFill>
-            <a:schemeClr val="bg1"/>
-          </a:solidFill>
-        </p:spPr>
-        <p:txBody>
-          <a:bodyPr wrap="square" rtlCol="0">
-            <a:spAutoFit/>
-          </a:bodyPr>
-          <a:lstStyle/>
-          <a:p>
+              <a:rPr lang="en-US" dirty="0" smtClean="0"/>
+              <a:t>Response variability with: areas, </a:t>
+            </a:r>
             <a:r>
               <a:rPr lang="en-US" dirty="0" err="1" smtClean="0"/>
-              <a:t>Okun</a:t>
+              <a:t>cre</a:t>
             </a:r>
             <a:r>
               <a:rPr lang="en-US" dirty="0" smtClean="0"/>
-              <a:t> et al. Nature 521 (511-15), 2015</a:t>
-            </a:r>
-            <a:endParaRPr lang="en-US" dirty="0"/>
-          </a:p>
-        </p:txBody>
-      </p:sp>
-      <p:sp>
-        <p:nvSpPr>
-          <p:cNvPr id="6" name="TextBox 5"/>
-          <p:cNvSpPr txBox="1"/>
-          <p:nvPr/>
-        </p:nvSpPr>
-        <p:spPr>
-          <a:xfrm>
-            <a:off x="3165230" y="2091482"/>
-            <a:ext cx="2100965" cy="338554"/>
-          </a:xfrm>
-          <a:prstGeom prst="rect">
-            <a:avLst/>
-          </a:prstGeom>
-          <a:solidFill>
-            <a:schemeClr val="bg1"/>
-          </a:solidFill>
-        </p:spPr>
-        <p:txBody>
-          <a:bodyPr wrap="square" rtlCol="0">
-            <a:spAutoFit/>
-          </a:bodyPr>
-          <a:lstStyle/>
-          <a:p>
-            <a:r>
-              <a:rPr lang="en-US" sz="1600" b="1" dirty="0" err="1" smtClean="0"/>
-              <a:t>Okun</a:t>
-            </a:r>
-            <a:r>
-              <a:rPr lang="en-US" sz="1600" b="1" dirty="0" smtClean="0"/>
-              <a:t> et al. Figure 1</a:t>
-            </a:r>
-            <a:endParaRPr lang="en-US" sz="1600" b="1" dirty="0"/>
+              <a:t>-lines, layers, running, pupil diameter (extract)</a:t>
+            </a:r>
+          </a:p>
+          <a:p>
+            <a:r>
+              <a:rPr lang="en-US" dirty="0" smtClean="0"/>
+              <a:t>Modeling signal and noise variability with brain state (</a:t>
+            </a:r>
+            <a:r>
+              <a:rPr lang="en-US" dirty="0" err="1" smtClean="0"/>
+              <a:t>Scholvinck</a:t>
+            </a:r>
+            <a:r>
+              <a:rPr lang="en-US" dirty="0" smtClean="0"/>
+              <a:t> 2015+)</a:t>
+            </a:r>
+          </a:p>
+          <a:p>
+            <a:r>
+              <a:rPr lang="en-US" dirty="0" smtClean="0"/>
+              <a:t>Encoding with correlations (Pillow 2008+) </a:t>
+            </a:r>
+          </a:p>
+          <a:p>
+            <a:pPr lvl="1"/>
+            <a:r>
+              <a:rPr lang="en-US" dirty="0" smtClean="0"/>
+              <a:t>Also as a function of tuning similarity  (sign-rule?)</a:t>
+            </a:r>
+          </a:p>
+          <a:p>
+            <a:r>
+              <a:rPr lang="en-US" dirty="0" smtClean="0"/>
+              <a:t>Decoding with correlations</a:t>
+            </a:r>
+          </a:p>
+          <a:p>
+            <a:pPr lvl="1"/>
+            <a:r>
+              <a:rPr lang="en-US" dirty="0" smtClean="0"/>
+              <a:t>Does shuffling trials reduce performance?</a:t>
+            </a:r>
           </a:p>
         </p:txBody>
       </p:sp>
     </p:spTree>
     <p:extLst>
       <p:ext uri="{BB962C8B-B14F-4D97-AF65-F5344CB8AC3E}">
-        <p14:creationId xmlns:p14="http://schemas.microsoft.com/office/powerpoint/2010/main" val="1236861414"/>
+        <p14:creationId xmlns:p14="http://schemas.microsoft.com/office/powerpoint/2010/main" val="3821417294"/>
       </p:ext>
     </p:extLst>
   </p:cSld>
@@ -5350,45 +5251,80 @@
           <a:chExt cx="0" cy="0"/>
         </a:xfrm>
       </p:grpSpPr>
+      <p:sp>
+        <p:nvSpPr>
+          <p:cNvPr id="2" name="Title 1"/>
+          <p:cNvSpPr>
+            <a:spLocks noGrp="1"/>
+          </p:cNvSpPr>
+          <p:nvPr>
+            <p:ph type="title"/>
+          </p:nvPr>
+        </p:nvSpPr>
+        <p:spPr>
+          <a:xfrm>
+            <a:off x="457200" y="119894"/>
+            <a:ext cx="8229600" cy="1143000"/>
+          </a:xfrm>
+        </p:spPr>
+        <p:txBody>
+          <a:bodyPr>
+            <a:normAutofit fontScale="90000"/>
+          </a:bodyPr>
+          <a:lstStyle/>
+          <a:p>
+            <a:r>
+              <a:rPr lang="en-US" b="1" dirty="0" smtClean="0"/>
+              <a:t>Population Coupling:</a:t>
+            </a:r>
+            <a:br>
+              <a:rPr lang="en-US" b="1" dirty="0" smtClean="0"/>
+            </a:br>
+            <a:r>
+              <a:rPr lang="en-US" b="1" dirty="0" smtClean="0"/>
+              <a:t> an invariant neuronal property?</a:t>
+            </a:r>
+            <a:endParaRPr lang="en-US" b="1" dirty="0"/>
+          </a:p>
+        </p:txBody>
+      </p:sp>
       <p:pic>
         <p:nvPicPr>
-          <p:cNvPr id="2" name="Picture 1"/>
-          <p:cNvPicPr>
-            <a:picLocks noChangeAspect="1"/>
-          </p:cNvPicPr>
+          <p:cNvPr id="4" name="Shape 71"/>
+          <p:cNvPicPr preferRelativeResize="0"/>
           <p:nvPr/>
         </p:nvPicPr>
         <p:blipFill rotWithShape="1">
           <a:blip r:embed="rId3">
-            <a:extLst>
-              <a:ext uri="{28A0092B-C50C-407E-A947-70E740481C1C}">
-                <a14:useLocalDpi xmlns:a14="http://schemas.microsoft.com/office/drawing/2010/main" val="0"/>
-              </a:ext>
-            </a:extLst>
+            <a:alphaModFix/>
           </a:blip>
-          <a:srcRect l="5353" r="7457" b="4205"/>
+          <a:srcRect l="1327" t="3789" r="2252" b="3505"/>
           <a:stretch/>
         </p:blipFill>
         <p:spPr>
           <a:xfrm>
-            <a:off x="1001432" y="0"/>
-            <a:ext cx="7343550" cy="6858000"/>
+            <a:off x="2244176" y="1771428"/>
+            <a:ext cx="6442624" cy="4691043"/>
           </a:xfrm>
           <a:prstGeom prst="rect">
             <a:avLst/>
           </a:prstGeom>
+          <a:noFill/>
+          <a:ln>
+            <a:noFill/>
+          </a:ln>
         </p:spPr>
       </p:pic>
       <p:sp>
         <p:nvSpPr>
-          <p:cNvPr id="3" name="TextBox 2"/>
+          <p:cNvPr id="8" name="TextBox 7"/>
           <p:cNvSpPr txBox="1"/>
           <p:nvPr/>
         </p:nvSpPr>
         <p:spPr>
           <a:xfrm>
-            <a:off x="7640132" y="520700"/>
-            <a:ext cx="1155700" cy="461665"/>
+            <a:off x="242781" y="2356035"/>
+            <a:ext cx="1998280" cy="2677656"/>
           </a:xfrm>
           <a:prstGeom prst="rect">
             <a:avLst/>
@@ -5403,22 +5339,21 @@
           <a:p>
             <a:r>
               <a:rPr lang="en-US" sz="2400" dirty="0" smtClean="0"/>
-              <a:t>strong </a:t>
-            </a:r>
-            <a:endParaRPr lang="en-US" sz="2400" dirty="0"/>
-          </a:p>
-        </p:txBody>
-      </p:sp>
-      <p:sp>
-        <p:nvSpPr>
-          <p:cNvPr id="6" name="TextBox 5"/>
+              <a:t>Pop coupling: correlation between each cell’s activity and total population activity.</a:t>
+            </a:r>
+          </a:p>
+        </p:txBody>
+      </p:sp>
+      <p:sp>
+        <p:nvSpPr>
+          <p:cNvPr id="3" name="TextBox 2"/>
           <p:cNvSpPr txBox="1"/>
           <p:nvPr/>
         </p:nvSpPr>
         <p:spPr>
           <a:xfrm>
-            <a:off x="7640132" y="5753100"/>
-            <a:ext cx="1155700" cy="461665"/>
+            <a:off x="5711672" y="1471346"/>
+            <a:ext cx="1556635" cy="600164"/>
           </a:xfrm>
           <a:prstGeom prst="rect">
             <a:avLst/>
@@ -5432,28 +5367,38 @@
           <a:lstStyle/>
           <a:p>
             <a:r>
-              <a:rPr lang="en-US" sz="2400" dirty="0" smtClean="0"/>
-              <a:t>weak</a:t>
-            </a:r>
-            <a:endParaRPr lang="en-US" sz="2400" dirty="0"/>
-          </a:p>
-        </p:txBody>
-      </p:sp>
-      <p:sp>
-        <p:nvSpPr>
-          <p:cNvPr id="4" name="TextBox 3"/>
+              <a:rPr lang="en-US" sz="1100" dirty="0" smtClean="0"/>
+              <a:t>PC is peak of the spike-triggered population rate (</a:t>
+            </a:r>
+            <a:r>
+              <a:rPr lang="en-US" sz="1100" dirty="0" err="1" smtClean="0"/>
+              <a:t>stPR</a:t>
+            </a:r>
+            <a:r>
+              <a:rPr lang="en-US" sz="1100" dirty="0" smtClean="0"/>
+              <a:t>)</a:t>
+            </a:r>
+            <a:endParaRPr lang="en-US" sz="1100" dirty="0"/>
+          </a:p>
+        </p:txBody>
+      </p:sp>
+      <p:sp>
+        <p:nvSpPr>
+          <p:cNvPr id="5" name="TextBox 4"/>
           <p:cNvSpPr txBox="1"/>
           <p:nvPr/>
         </p:nvSpPr>
         <p:spPr>
           <a:xfrm>
-            <a:off x="482600" y="475734"/>
-            <a:ext cx="1185582" cy="369332"/>
+            <a:off x="2455192" y="6084514"/>
+            <a:ext cx="3746789" cy="369332"/>
           </a:xfrm>
           <a:prstGeom prst="rect">
             <a:avLst/>
           </a:prstGeom>
-          <a:noFill/>
+          <a:solidFill>
+            <a:schemeClr val="bg1"/>
+          </a:solidFill>
         </p:spPr>
         <p:txBody>
           <a:bodyPr wrap="square" rtlCol="0">
@@ -5462,72 +5407,34 @@
           <a:lstStyle/>
           <a:p>
             <a:r>
-              <a:rPr lang="en-US" dirty="0" smtClean="0">
-                <a:solidFill>
-                  <a:srgbClr val="0000FF"/>
-                </a:solidFill>
-              </a:rPr>
-              <a:t>~Soloists</a:t>
-            </a:r>
-            <a:endParaRPr lang="en-US" dirty="0">
-              <a:solidFill>
-                <a:srgbClr val="0000FF"/>
-              </a:solidFill>
-            </a:endParaRPr>
-          </a:p>
-        </p:txBody>
-      </p:sp>
-      <p:cxnSp>
-        <p:nvCxnSpPr>
-          <p:cNvPr id="7" name="Straight Arrow Connector 6"/>
-          <p:cNvCxnSpPr/>
+              <a:rPr lang="en-US" dirty="0" err="1" smtClean="0"/>
+              <a:t>Okun</a:t>
+            </a:r>
+            <a:r>
+              <a:rPr lang="en-US" dirty="0" smtClean="0"/>
+              <a:t> et al. Nature 521 (511-15), 2015</a:t>
+            </a:r>
+            <a:endParaRPr lang="en-US" dirty="0"/>
+          </a:p>
+        </p:txBody>
+      </p:sp>
+      <p:sp>
+        <p:nvSpPr>
+          <p:cNvPr id="6" name="TextBox 5"/>
+          <p:cNvSpPr txBox="1"/>
           <p:nvPr/>
-        </p:nvCxnSpPr>
+        </p:nvSpPr>
         <p:spPr>
           <a:xfrm>
-            <a:off x="600542" y="806966"/>
-            <a:ext cx="986958" cy="0"/>
-          </a:xfrm>
-          <a:prstGeom prst="straightConnector1">
-            <a:avLst/>
-          </a:prstGeom>
-          <a:ln>
-            <a:solidFill>
-              <a:srgbClr val="0000FF"/>
-            </a:solidFill>
-            <a:tailEnd type="arrow"/>
-          </a:ln>
-        </p:spPr>
-        <p:style>
-          <a:lnRef idx="2">
-            <a:schemeClr val="accent1"/>
-          </a:lnRef>
-          <a:fillRef idx="0">
-            <a:schemeClr val="accent1"/>
-          </a:fillRef>
-          <a:effectRef idx="1">
-            <a:schemeClr val="accent1"/>
-          </a:effectRef>
-          <a:fontRef idx="minor">
-            <a:schemeClr val="tx1"/>
-          </a:fontRef>
-        </p:style>
-      </p:cxnSp>
-      <p:sp>
-        <p:nvSpPr>
-          <p:cNvPr id="8" name="TextBox 7"/>
-          <p:cNvSpPr txBox="1"/>
-          <p:nvPr/>
-        </p:nvSpPr>
-        <p:spPr>
-          <a:xfrm>
-            <a:off x="363630" y="5686167"/>
-            <a:ext cx="1304552" cy="369332"/>
+            <a:off x="3165230" y="2091482"/>
+            <a:ext cx="2100965" cy="338554"/>
           </a:xfrm>
           <a:prstGeom prst="rect">
             <a:avLst/>
           </a:prstGeom>
-          <a:noFill/>
+          <a:solidFill>
+            <a:schemeClr val="bg1"/>
+          </a:solidFill>
         </p:spPr>
         <p:txBody>
           <a:bodyPr wrap="square" rtlCol="0">
@@ -5536,151 +5443,21 @@
           <a:lstStyle/>
           <a:p>
             <a:r>
-              <a:rPr lang="en-US" dirty="0" smtClean="0">
-                <a:solidFill>
-                  <a:srgbClr val="FF0000"/>
-                </a:solidFill>
-              </a:rPr>
-              <a:t>~Choristers</a:t>
-            </a:r>
-            <a:endParaRPr lang="en-US" dirty="0">
-              <a:solidFill>
-                <a:srgbClr val="FF0000"/>
-              </a:solidFill>
-            </a:endParaRPr>
-          </a:p>
-        </p:txBody>
-      </p:sp>
-      <p:cxnSp>
-        <p:nvCxnSpPr>
-          <p:cNvPr id="9" name="Straight Arrow Connector 8"/>
-          <p:cNvCxnSpPr/>
-          <p:nvPr/>
-        </p:nvCxnSpPr>
-        <p:spPr>
-          <a:xfrm>
-            <a:off x="381000" y="6017399"/>
-            <a:ext cx="1206500" cy="0"/>
-          </a:xfrm>
-          <a:prstGeom prst="straightConnector1">
-            <a:avLst/>
-          </a:prstGeom>
-          <a:ln>
-            <a:solidFill>
-              <a:srgbClr val="FF0000"/>
-            </a:solidFill>
-            <a:tailEnd type="arrow"/>
-          </a:ln>
-        </p:spPr>
-        <p:style>
-          <a:lnRef idx="2">
-            <a:schemeClr val="accent1"/>
-          </a:lnRef>
-          <a:fillRef idx="0">
-            <a:schemeClr val="accent1"/>
-          </a:fillRef>
-          <a:effectRef idx="1">
-            <a:schemeClr val="accent1"/>
-          </a:effectRef>
-          <a:fontRef idx="minor">
-            <a:schemeClr val="tx1"/>
-          </a:fontRef>
-        </p:style>
-      </p:cxnSp>
-      <p:sp>
-        <p:nvSpPr>
-          <p:cNvPr id="11" name="TextBox 10"/>
-          <p:cNvSpPr txBox="1"/>
-          <p:nvPr/>
-        </p:nvSpPr>
-        <p:spPr>
-          <a:xfrm rot="16200000">
-            <a:off x="-902385" y="3244333"/>
-            <a:ext cx="3139301" cy="369332"/>
-          </a:xfrm>
-          <a:prstGeom prst="rect">
-            <a:avLst/>
-          </a:prstGeom>
-          <a:noFill/>
-        </p:spPr>
-        <p:txBody>
-          <a:bodyPr wrap="square" rtlCol="0">
-            <a:spAutoFit/>
-          </a:bodyPr>
-          <a:lstStyle/>
-          <a:p>
-            <a:r>
-              <a:rPr lang="en-US" dirty="0" smtClean="0"/>
-              <a:t>Rows (cells) sorted by mean PC</a:t>
-            </a:r>
-            <a:endParaRPr lang="en-US" dirty="0"/>
-          </a:p>
-        </p:txBody>
-      </p:sp>
-      <p:sp>
-        <p:nvSpPr>
-          <p:cNvPr id="5" name="TextBox 4"/>
-          <p:cNvSpPr txBox="1"/>
-          <p:nvPr/>
-        </p:nvSpPr>
-        <p:spPr>
-          <a:xfrm>
-            <a:off x="600542" y="845066"/>
-            <a:ext cx="889001" cy="461665"/>
-          </a:xfrm>
-          <a:prstGeom prst="rect">
-            <a:avLst/>
-          </a:prstGeom>
-          <a:noFill/>
-        </p:spPr>
-        <p:txBody>
-          <a:bodyPr wrap="square" rtlCol="0">
-            <a:spAutoFit/>
-          </a:bodyPr>
-          <a:lstStyle/>
-          <a:p>
-            <a:r>
-              <a:rPr lang="en-US" sz="1200" dirty="0" smtClean="0"/>
-              <a:t>PC low and invariant</a:t>
-            </a:r>
-            <a:endParaRPr lang="en-US" sz="1200" dirty="0"/>
-          </a:p>
-        </p:txBody>
-      </p:sp>
-      <p:sp>
-        <p:nvSpPr>
-          <p:cNvPr id="12" name="TextBox 11"/>
-          <p:cNvSpPr txBox="1"/>
-          <p:nvPr/>
-        </p:nvSpPr>
-        <p:spPr>
-          <a:xfrm>
-            <a:off x="512790" y="5273458"/>
-            <a:ext cx="1096777" cy="461665"/>
-          </a:xfrm>
-          <a:prstGeom prst="rect">
-            <a:avLst/>
-          </a:prstGeom>
-          <a:noFill/>
-        </p:spPr>
-        <p:txBody>
-          <a:bodyPr wrap="square" rtlCol="0">
-            <a:spAutoFit/>
-          </a:bodyPr>
-          <a:lstStyle/>
-          <a:p>
-            <a:r>
-              <a:rPr lang="en-US" sz="1200" dirty="0" smtClean="0"/>
-              <a:t>PC high and invariant</a:t>
-            </a:r>
-            <a:endParaRPr lang="en-US" sz="1200" dirty="0"/>
+              <a:rPr lang="en-US" sz="1600" b="1" dirty="0" err="1" smtClean="0"/>
+              <a:t>Okun</a:t>
+            </a:r>
+            <a:r>
+              <a:rPr lang="en-US" sz="1600" b="1" dirty="0" smtClean="0"/>
+              <a:t> et al. Figure 1</a:t>
+            </a:r>
+            <a:endParaRPr lang="en-US" sz="1600" b="1" dirty="0"/>
           </a:p>
         </p:txBody>
       </p:sp>
     </p:spTree>
     <p:extLst>
       <p:ext uri="{BB962C8B-B14F-4D97-AF65-F5344CB8AC3E}">
-        <p14:creationId xmlns:p14="http://schemas.microsoft.com/office/powerpoint/2010/main" val="475790486"/>
+        <p14:creationId xmlns:p14="http://schemas.microsoft.com/office/powerpoint/2010/main" val="1236861414"/>
       </p:ext>
     </p:extLst>
   </p:cSld>
@@ -5860,6 +5637,370 @@
           <a:chExt cx="0" cy="0"/>
         </a:xfrm>
       </p:grpSpPr>
+      <p:pic>
+        <p:nvPicPr>
+          <p:cNvPr id="2" name="Picture 1"/>
+          <p:cNvPicPr>
+            <a:picLocks noChangeAspect="1"/>
+          </p:cNvPicPr>
+          <p:nvPr/>
+        </p:nvPicPr>
+        <p:blipFill rotWithShape="1">
+          <a:blip r:embed="rId3">
+            <a:extLst>
+              <a:ext uri="{28A0092B-C50C-407E-A947-70E740481C1C}">
+                <a14:useLocalDpi xmlns:a14="http://schemas.microsoft.com/office/drawing/2010/main" val="0"/>
+              </a:ext>
+            </a:extLst>
+          </a:blip>
+          <a:srcRect l="5353" r="7457" b="4205"/>
+          <a:stretch/>
+        </p:blipFill>
+        <p:spPr>
+          <a:xfrm>
+            <a:off x="1001432" y="0"/>
+            <a:ext cx="7343550" cy="6858000"/>
+          </a:xfrm>
+          <a:prstGeom prst="rect">
+            <a:avLst/>
+          </a:prstGeom>
+        </p:spPr>
+      </p:pic>
+      <p:sp>
+        <p:nvSpPr>
+          <p:cNvPr id="3" name="TextBox 2"/>
+          <p:cNvSpPr txBox="1"/>
+          <p:nvPr/>
+        </p:nvSpPr>
+        <p:spPr>
+          <a:xfrm>
+            <a:off x="7640132" y="520700"/>
+            <a:ext cx="1155700" cy="461665"/>
+          </a:xfrm>
+          <a:prstGeom prst="rect">
+            <a:avLst/>
+          </a:prstGeom>
+          <a:noFill/>
+        </p:spPr>
+        <p:txBody>
+          <a:bodyPr wrap="square" rtlCol="0">
+            <a:spAutoFit/>
+          </a:bodyPr>
+          <a:lstStyle/>
+          <a:p>
+            <a:r>
+              <a:rPr lang="en-US" sz="2400" dirty="0" smtClean="0"/>
+              <a:t>strong </a:t>
+            </a:r>
+            <a:endParaRPr lang="en-US" sz="2400" dirty="0"/>
+          </a:p>
+        </p:txBody>
+      </p:sp>
+      <p:sp>
+        <p:nvSpPr>
+          <p:cNvPr id="6" name="TextBox 5"/>
+          <p:cNvSpPr txBox="1"/>
+          <p:nvPr/>
+        </p:nvSpPr>
+        <p:spPr>
+          <a:xfrm>
+            <a:off x="7640132" y="5753100"/>
+            <a:ext cx="1155700" cy="461665"/>
+          </a:xfrm>
+          <a:prstGeom prst="rect">
+            <a:avLst/>
+          </a:prstGeom>
+          <a:noFill/>
+        </p:spPr>
+        <p:txBody>
+          <a:bodyPr wrap="square" rtlCol="0">
+            <a:spAutoFit/>
+          </a:bodyPr>
+          <a:lstStyle/>
+          <a:p>
+            <a:r>
+              <a:rPr lang="en-US" sz="2400" dirty="0" smtClean="0"/>
+              <a:t>weak</a:t>
+            </a:r>
+            <a:endParaRPr lang="en-US" sz="2400" dirty="0"/>
+          </a:p>
+        </p:txBody>
+      </p:sp>
+      <p:sp>
+        <p:nvSpPr>
+          <p:cNvPr id="4" name="TextBox 3"/>
+          <p:cNvSpPr txBox="1"/>
+          <p:nvPr/>
+        </p:nvSpPr>
+        <p:spPr>
+          <a:xfrm>
+            <a:off x="482600" y="475734"/>
+            <a:ext cx="1185582" cy="369332"/>
+          </a:xfrm>
+          <a:prstGeom prst="rect">
+            <a:avLst/>
+          </a:prstGeom>
+          <a:noFill/>
+        </p:spPr>
+        <p:txBody>
+          <a:bodyPr wrap="square" rtlCol="0">
+            <a:spAutoFit/>
+          </a:bodyPr>
+          <a:lstStyle/>
+          <a:p>
+            <a:r>
+              <a:rPr lang="en-US" dirty="0" smtClean="0">
+                <a:solidFill>
+                  <a:srgbClr val="0000FF"/>
+                </a:solidFill>
+              </a:rPr>
+              <a:t>~Soloists</a:t>
+            </a:r>
+            <a:endParaRPr lang="en-US" dirty="0">
+              <a:solidFill>
+                <a:srgbClr val="0000FF"/>
+              </a:solidFill>
+            </a:endParaRPr>
+          </a:p>
+        </p:txBody>
+      </p:sp>
+      <p:cxnSp>
+        <p:nvCxnSpPr>
+          <p:cNvPr id="7" name="Straight Arrow Connector 6"/>
+          <p:cNvCxnSpPr/>
+          <p:nvPr/>
+        </p:nvCxnSpPr>
+        <p:spPr>
+          <a:xfrm>
+            <a:off x="600542" y="806966"/>
+            <a:ext cx="986958" cy="0"/>
+          </a:xfrm>
+          <a:prstGeom prst="straightConnector1">
+            <a:avLst/>
+          </a:prstGeom>
+          <a:ln>
+            <a:solidFill>
+              <a:srgbClr val="0000FF"/>
+            </a:solidFill>
+            <a:tailEnd type="arrow"/>
+          </a:ln>
+        </p:spPr>
+        <p:style>
+          <a:lnRef idx="2">
+            <a:schemeClr val="accent1"/>
+          </a:lnRef>
+          <a:fillRef idx="0">
+            <a:schemeClr val="accent1"/>
+          </a:fillRef>
+          <a:effectRef idx="1">
+            <a:schemeClr val="accent1"/>
+          </a:effectRef>
+          <a:fontRef idx="minor">
+            <a:schemeClr val="tx1"/>
+          </a:fontRef>
+        </p:style>
+      </p:cxnSp>
+      <p:sp>
+        <p:nvSpPr>
+          <p:cNvPr id="8" name="TextBox 7"/>
+          <p:cNvSpPr txBox="1"/>
+          <p:nvPr/>
+        </p:nvSpPr>
+        <p:spPr>
+          <a:xfrm>
+            <a:off x="363630" y="5686167"/>
+            <a:ext cx="1304552" cy="369332"/>
+          </a:xfrm>
+          <a:prstGeom prst="rect">
+            <a:avLst/>
+          </a:prstGeom>
+          <a:noFill/>
+        </p:spPr>
+        <p:txBody>
+          <a:bodyPr wrap="square" rtlCol="0">
+            <a:spAutoFit/>
+          </a:bodyPr>
+          <a:lstStyle/>
+          <a:p>
+            <a:r>
+              <a:rPr lang="en-US" dirty="0" smtClean="0">
+                <a:solidFill>
+                  <a:srgbClr val="FF0000"/>
+                </a:solidFill>
+              </a:rPr>
+              <a:t>~Choristers</a:t>
+            </a:r>
+            <a:endParaRPr lang="en-US" dirty="0">
+              <a:solidFill>
+                <a:srgbClr val="FF0000"/>
+              </a:solidFill>
+            </a:endParaRPr>
+          </a:p>
+        </p:txBody>
+      </p:sp>
+      <p:cxnSp>
+        <p:nvCxnSpPr>
+          <p:cNvPr id="9" name="Straight Arrow Connector 8"/>
+          <p:cNvCxnSpPr/>
+          <p:nvPr/>
+        </p:nvCxnSpPr>
+        <p:spPr>
+          <a:xfrm>
+            <a:off x="381000" y="6017399"/>
+            <a:ext cx="1206500" cy="0"/>
+          </a:xfrm>
+          <a:prstGeom prst="straightConnector1">
+            <a:avLst/>
+          </a:prstGeom>
+          <a:ln>
+            <a:solidFill>
+              <a:srgbClr val="FF0000"/>
+            </a:solidFill>
+            <a:tailEnd type="arrow"/>
+          </a:ln>
+        </p:spPr>
+        <p:style>
+          <a:lnRef idx="2">
+            <a:schemeClr val="accent1"/>
+          </a:lnRef>
+          <a:fillRef idx="0">
+            <a:schemeClr val="accent1"/>
+          </a:fillRef>
+          <a:effectRef idx="1">
+            <a:schemeClr val="accent1"/>
+          </a:effectRef>
+          <a:fontRef idx="minor">
+            <a:schemeClr val="tx1"/>
+          </a:fontRef>
+        </p:style>
+      </p:cxnSp>
+      <p:sp>
+        <p:nvSpPr>
+          <p:cNvPr id="11" name="TextBox 10"/>
+          <p:cNvSpPr txBox="1"/>
+          <p:nvPr/>
+        </p:nvSpPr>
+        <p:spPr>
+          <a:xfrm rot="16200000">
+            <a:off x="-902385" y="3244333"/>
+            <a:ext cx="3139301" cy="369332"/>
+          </a:xfrm>
+          <a:prstGeom prst="rect">
+            <a:avLst/>
+          </a:prstGeom>
+          <a:noFill/>
+        </p:spPr>
+        <p:txBody>
+          <a:bodyPr wrap="square" rtlCol="0">
+            <a:spAutoFit/>
+          </a:bodyPr>
+          <a:lstStyle/>
+          <a:p>
+            <a:r>
+              <a:rPr lang="en-US" dirty="0" smtClean="0"/>
+              <a:t>Rows (cells) sorted by mean PC</a:t>
+            </a:r>
+            <a:endParaRPr lang="en-US" dirty="0"/>
+          </a:p>
+        </p:txBody>
+      </p:sp>
+      <p:sp>
+        <p:nvSpPr>
+          <p:cNvPr id="5" name="TextBox 4"/>
+          <p:cNvSpPr txBox="1"/>
+          <p:nvPr/>
+        </p:nvSpPr>
+        <p:spPr>
+          <a:xfrm>
+            <a:off x="600542" y="845066"/>
+            <a:ext cx="889001" cy="461665"/>
+          </a:xfrm>
+          <a:prstGeom prst="rect">
+            <a:avLst/>
+          </a:prstGeom>
+          <a:noFill/>
+        </p:spPr>
+        <p:txBody>
+          <a:bodyPr wrap="square" rtlCol="0">
+            <a:spAutoFit/>
+          </a:bodyPr>
+          <a:lstStyle/>
+          <a:p>
+            <a:r>
+              <a:rPr lang="en-US" sz="1200" dirty="0" smtClean="0"/>
+              <a:t>PC low and invariant</a:t>
+            </a:r>
+            <a:endParaRPr lang="en-US" sz="1200" dirty="0"/>
+          </a:p>
+        </p:txBody>
+      </p:sp>
+      <p:sp>
+        <p:nvSpPr>
+          <p:cNvPr id="12" name="TextBox 11"/>
+          <p:cNvSpPr txBox="1"/>
+          <p:nvPr/>
+        </p:nvSpPr>
+        <p:spPr>
+          <a:xfrm>
+            <a:off x="512790" y="5273458"/>
+            <a:ext cx="1096777" cy="461665"/>
+          </a:xfrm>
+          <a:prstGeom prst="rect">
+            <a:avLst/>
+          </a:prstGeom>
+          <a:noFill/>
+        </p:spPr>
+        <p:txBody>
+          <a:bodyPr wrap="square" rtlCol="0">
+            <a:spAutoFit/>
+          </a:bodyPr>
+          <a:lstStyle/>
+          <a:p>
+            <a:r>
+              <a:rPr lang="en-US" sz="1200" dirty="0" smtClean="0"/>
+              <a:t>PC high and invariant</a:t>
+            </a:r>
+            <a:endParaRPr lang="en-US" sz="1200" dirty="0"/>
+          </a:p>
+        </p:txBody>
+      </p:sp>
+    </p:spTree>
+    <p:extLst>
+      <p:ext uri="{BB962C8B-B14F-4D97-AF65-F5344CB8AC3E}">
+        <p14:creationId xmlns:p14="http://schemas.microsoft.com/office/powerpoint/2010/main" val="475790486"/>
+      </p:ext>
+    </p:extLst>
+  </p:cSld>
+  <p:clrMapOvr>
+    <a:masterClrMapping/>
+  </p:clrMapOvr>
+  <p:timing>
+    <p:tnLst>
+      <p:par>
+        <p:cTn xmlns:p14="http://schemas.microsoft.com/office/powerpoint/2010/main" id="1" dur="indefinite" restart="never" nodeType="tmRoot"/>
+      </p:par>
+    </p:tnLst>
+  </p:timing>
+</p:sld>
+</file>
+
+<file path=ppt/slides/slide21.xml><?xml version="1.0" encoding="utf-8"?>
+<p:sld xmlns:a="http://schemas.openxmlformats.org/drawingml/2006/main" xmlns:r="http://schemas.openxmlformats.org/officeDocument/2006/relationships" xmlns:p="http://schemas.openxmlformats.org/presentationml/2006/main">
+  <p:cSld>
+    <p:spTree>
+      <p:nvGrpSpPr>
+        <p:cNvPr id="1" name=""/>
+        <p:cNvGrpSpPr/>
+        <p:nvPr/>
+      </p:nvGrpSpPr>
+      <p:grpSpPr>
+        <a:xfrm>
+          <a:off x="0" y="0"/>
+          <a:ext cx="0" cy="0"/>
+          <a:chOff x="0" y="0"/>
+          <a:chExt cx="0" cy="0"/>
+        </a:xfrm>
+      </p:grpSpPr>
       <p:sp>
         <p:nvSpPr>
           <p:cNvPr id="4" name="Title 3"/>
@@ -5878,7 +6019,7 @@
         </p:spPr>
         <p:txBody>
           <a:bodyPr>
-            <a:normAutofit/>
+            <a:normAutofit fontScale="90000"/>
           </a:bodyPr>
           <a:lstStyle/>
           <a:p>
@@ -5911,15 +6052,7 @@
                   <a:srgbClr val="0070C0"/>
                 </a:solidFill>
               </a:rPr>
-              <a:t>/</a:t>
-            </a:r>
-            <a:r>
-              <a:rPr lang="en-US" dirty="0" err="1" smtClean="0">
-                <a:solidFill>
-                  <a:srgbClr val="0070C0"/>
-                </a:solidFill>
-              </a:rPr>
-              <a:t>CNI</a:t>
+              <a:t>/CNI-JC</a:t>
             </a:r>
             <a:endParaRPr lang="en-US" dirty="0">
               <a:solidFill>
@@ -5969,11 +6102,7 @@
           <a:p>
             <a:r>
               <a:rPr lang="en-US" b="1" dirty="0" smtClean="0"/>
-              <a:t>Much More </a:t>
-            </a:r>
-            <a:r>
-              <a:rPr lang="en-US" b="1" dirty="0" smtClean="0"/>
-              <a:t>info on Observatory:</a:t>
+              <a:t>Much More info on Observatory:</a:t>
             </a:r>
             <a:br>
               <a:rPr lang="en-US" b="1" dirty="0" smtClean="0"/>
@@ -6014,7 +6143,7 @@
 </p:sld>
 </file>
 
-<file path=ppt/slides/slide21.xml><?xml version="1.0" encoding="utf-8"?>
+<file path=ppt/slides/slide22.xml><?xml version="1.0" encoding="utf-8"?>
 <p:sld xmlns:a="http://schemas.openxmlformats.org/drawingml/2006/main" xmlns:r="http://schemas.openxmlformats.org/officeDocument/2006/relationships" xmlns:p="http://schemas.openxmlformats.org/presentationml/2006/main">
   <p:cSld>
     <p:spTree>
@@ -6134,7 +6263,7 @@
 </p:sld>
 </file>
 
-<file path=ppt/slides/slide22.xml><?xml version="1.0" encoding="utf-8"?>
+<file path=ppt/slides/slide23.xml><?xml version="1.0" encoding="utf-8"?>
 <p:sld xmlns:a="http://schemas.openxmlformats.org/drawingml/2006/main" xmlns:r="http://schemas.openxmlformats.org/officeDocument/2006/relationships" xmlns:p="http://schemas.openxmlformats.org/presentationml/2006/main">
   <p:cSld>
     <p:spTree>
@@ -6437,15 +6566,7 @@
             <a:pPr algn="ctr"/>
             <a:r>
               <a:rPr lang="en-US" sz="2400" b="1" dirty="0" smtClean="0"/>
-              <a:t>Awake, head-fixed mice, looking at </a:t>
-            </a:r>
-            <a:r>
-              <a:rPr lang="en-US" sz="2400" b="1" dirty="0" smtClean="0"/>
-              <a:t>visual </a:t>
-            </a:r>
-            <a:r>
-              <a:rPr lang="en-US" sz="2400" b="1" dirty="0" smtClean="0"/>
-              <a:t>stimuli</a:t>
+              <a:t>Awake, head-fixed mice, looking at visual stimuli</a:t>
             </a:r>
             <a:r>
               <a:rPr lang="en-US" dirty="0" smtClean="0"/>
@@ -7412,6 +7533,44 @@
           </a:p>
         </p:txBody>
       </p:sp>
+      <p:sp>
+        <p:nvSpPr>
+          <p:cNvPr id="3" name="TextBox 2"/>
+          <p:cNvSpPr txBox="1"/>
+          <p:nvPr/>
+        </p:nvSpPr>
+        <p:spPr>
+          <a:xfrm>
+            <a:off x="457200" y="4876800"/>
+            <a:ext cx="2057400" cy="923330"/>
+          </a:xfrm>
+          <a:prstGeom prst="rect">
+            <a:avLst/>
+          </a:prstGeom>
+          <a:noFill/>
+        </p:spPr>
+        <p:txBody>
+          <a:bodyPr wrap="square" rtlCol="0">
+            <a:spAutoFit/>
+          </a:bodyPr>
+          <a:lstStyle/>
+          <a:p>
+            <a:r>
+              <a:rPr lang="en-US" b="1" dirty="0" smtClean="0">
+                <a:solidFill>
+                  <a:srgbClr val="FF0000"/>
+                </a:solidFill>
+              </a:rPr>
+              <a:t>All raw (pre-processed) data also available.</a:t>
+            </a:r>
+            <a:endParaRPr lang="en-US" b="1" dirty="0">
+              <a:solidFill>
+                <a:srgbClr val="FF0000"/>
+              </a:solidFill>
+            </a:endParaRPr>
+          </a:p>
+        </p:txBody>
+      </p:sp>
     </p:spTree>
     <p:extLst>
       <p:ext uri="{BB962C8B-B14F-4D97-AF65-F5344CB8AC3E}">
@@ -7443,7 +7602,7 @@
                             </p:stCondLst>
                             <p:childTnLst>
                               <p:par>
-                                <p:cTn id="5" presetID="1" presetClass="entr" presetSubtype="0" fill="hold" nodeType="clickEffect">
+                                <p:cTn id="5" presetID="1" presetClass="entr" presetSubtype="0" fill="hold" grpId="0" nodeType="clickEffect">
                                   <p:stCondLst>
                                     <p:cond delay="0"/>
                                   </p:stCondLst>
@@ -7451,6 +7610,51 @@
                                     <p:set>
                                       <p:cBhvr>
                                         <p:cTn id="6" dur="1" fill="hold">
+                                          <p:stCondLst>
+                                            <p:cond delay="0"/>
+                                          </p:stCondLst>
+                                        </p:cTn>
+                                        <p:tgtEl>
+                                          <p:spTgt spid="3"/>
+                                        </p:tgtEl>
+                                        <p:attrNameLst>
+                                          <p:attrName>style.visibility</p:attrName>
+                                        </p:attrNameLst>
+                                      </p:cBhvr>
+                                      <p:to>
+                                        <p:strVal val="visible"/>
+                                      </p:to>
+                                    </p:set>
+                                  </p:childTnLst>
+                                </p:cTn>
+                              </p:par>
+                            </p:childTnLst>
+                          </p:cTn>
+                        </p:par>
+                      </p:childTnLst>
+                    </p:cTn>
+                  </p:par>
+                  <p:par>
+                    <p:cTn id="7" fill="hold">
+                      <p:stCondLst>
+                        <p:cond delay="indefinite"/>
+                      </p:stCondLst>
+                      <p:childTnLst>
+                        <p:par>
+                          <p:cTn id="8" fill="hold">
+                            <p:stCondLst>
+                              <p:cond delay="0"/>
+                            </p:stCondLst>
+                            <p:childTnLst>
+                              <p:par>
+                                <p:cTn id="9" presetID="1" presetClass="entr" presetSubtype="0" fill="hold" nodeType="clickEffect">
+                                  <p:stCondLst>
+                                    <p:cond delay="0"/>
+                                  </p:stCondLst>
+                                  <p:childTnLst>
+                                    <p:set>
+                                      <p:cBhvr>
+                                        <p:cTn id="10" dur="1" fill="hold">
                                           <p:stCondLst>
                                             <p:cond delay="0"/>
                                           </p:stCondLst>
@@ -7474,14 +7678,14 @@
                                 </p:cTn>
                               </p:par>
                               <p:par>
-                                <p:cTn id="7" presetID="1" presetClass="entr" presetSubtype="0" fill="hold" nodeType="withEffect">
+                                <p:cTn id="11" presetID="1" presetClass="entr" presetSubtype="0" fill="hold" nodeType="withEffect">
                                   <p:stCondLst>
                                     <p:cond delay="0"/>
                                   </p:stCondLst>
                                   <p:childTnLst>
                                     <p:set>
                                       <p:cBhvr>
-                                        <p:cTn id="8" dur="1" fill="hold">
+                                        <p:cTn id="12" dur="1" fill="hold">
                                           <p:stCondLst>
                                             <p:cond delay="0"/>
                                           </p:stCondLst>
@@ -7531,6 +7735,9 @@
         </p:cTn>
       </p:par>
     </p:tnLst>
+    <p:bldLst>
+      <p:bldP spid="3" grpId="0"/>
+    </p:bldLst>
   </p:timing>
 </p:sld>
 </file>
@@ -7598,7 +7805,10 @@
               </a:rPr>
               <a:t>Stimuli</a:t>
             </a:r>
-            <a:endParaRPr lang="en-US" dirty="0" smtClean="0"/>
+            <a:r>
+              <a:rPr lang="en-US" dirty="0" smtClean="0"/>
+              <a:t>, shown in three 1 hour sessions</a:t>
+            </a:r>
           </a:p>
           <a:p>
             <a:endParaRPr lang="en-US" dirty="0"/>

--- a/Allen_Brain_Observatory_Dataset.pptx
+++ b/Allen_Brain_Observatory_Dataset.pptx
@@ -5,32 +5,33 @@
     <p:sldMasterId id="2147483648" r:id="rId1"/>
   </p:sldMasterIdLst>
   <p:notesMasterIdLst>
-    <p:notesMasterId r:id="rId25"/>
+    <p:notesMasterId r:id="rId26"/>
   </p:notesMasterIdLst>
   <p:sldIdLst>
-    <p:sldId id="256" r:id="rId2"/>
-    <p:sldId id="262" r:id="rId3"/>
-    <p:sldId id="277" r:id="rId4"/>
-    <p:sldId id="258" r:id="rId5"/>
-    <p:sldId id="259" r:id="rId6"/>
-    <p:sldId id="265" r:id="rId7"/>
-    <p:sldId id="261" r:id="rId8"/>
-    <p:sldId id="264" r:id="rId9"/>
-    <p:sldId id="280" r:id="rId10"/>
-    <p:sldId id="268" r:id="rId11"/>
-    <p:sldId id="267" r:id="rId12"/>
-    <p:sldId id="276" r:id="rId13"/>
+    <p:sldId id="282" r:id="rId2"/>
+    <p:sldId id="256" r:id="rId3"/>
+    <p:sldId id="262" r:id="rId4"/>
+    <p:sldId id="277" r:id="rId5"/>
+    <p:sldId id="258" r:id="rId6"/>
+    <p:sldId id="259" r:id="rId7"/>
+    <p:sldId id="265" r:id="rId8"/>
+    <p:sldId id="261" r:id="rId9"/>
+    <p:sldId id="264" r:id="rId10"/>
+    <p:sldId id="280" r:id="rId11"/>
+    <p:sldId id="268" r:id="rId12"/>
+    <p:sldId id="267" r:id="rId13"/>
     <p:sldId id="281" r:id="rId14"/>
     <p:sldId id="270" r:id="rId15"/>
     <p:sldId id="269" r:id="rId16"/>
-    <p:sldId id="273" r:id="rId17"/>
-    <p:sldId id="271" r:id="rId18"/>
-    <p:sldId id="274" r:id="rId19"/>
-    <p:sldId id="278" r:id="rId20"/>
-    <p:sldId id="279" r:id="rId21"/>
-    <p:sldId id="266" r:id="rId22"/>
-    <p:sldId id="260" r:id="rId23"/>
-    <p:sldId id="263" r:id="rId24"/>
+    <p:sldId id="276" r:id="rId17"/>
+    <p:sldId id="273" r:id="rId18"/>
+    <p:sldId id="271" r:id="rId19"/>
+    <p:sldId id="274" r:id="rId20"/>
+    <p:sldId id="278" r:id="rId21"/>
+    <p:sldId id="279" r:id="rId22"/>
+    <p:sldId id="266" r:id="rId23"/>
+    <p:sldId id="260" r:id="rId24"/>
+    <p:sldId id="263" r:id="rId25"/>
   </p:sldIdLst>
   <p:sldSz cx="9144000" cy="6858000" type="screen4x3"/>
   <p:notesSz cx="6858000" cy="9144000"/>
@@ -526,6 +527,272 @@
           <a:bodyPr/>
           <a:lstStyle/>
           <a:p>
+            <a:r>
+              <a:rPr lang="en-US" sz="1200" kern="1200" dirty="0" err="1" smtClean="0">
+                <a:solidFill>
+                  <a:schemeClr val="tx1"/>
+                </a:solidFill>
+                <a:latin typeface="+mn-lt"/>
+                <a:ea typeface="+mn-ea"/>
+                <a:cs typeface="+mn-cs"/>
+              </a:rPr>
+              <a:t>i</a:t>
+            </a:r>
+            <a:r>
+              <a:rPr lang="en-US" sz="1200" kern="1200" dirty="0" smtClean="0">
+                <a:solidFill>
+                  <a:schemeClr val="tx1"/>
+                </a:solidFill>
+                <a:latin typeface="+mn-lt"/>
+                <a:ea typeface="+mn-ea"/>
+                <a:cs typeface="+mn-cs"/>
+              </a:rPr>
+              <a:t> try to go to a summer workshop every year and, this year </a:t>
+            </a:r>
+            <a:r>
+              <a:rPr lang="en-US" sz="1200" kern="1200" dirty="0" err="1" smtClean="0">
+                <a:solidFill>
+                  <a:schemeClr val="tx1"/>
+                </a:solidFill>
+                <a:latin typeface="+mn-lt"/>
+                <a:ea typeface="+mn-ea"/>
+                <a:cs typeface="+mn-cs"/>
+              </a:rPr>
+              <a:t>i</a:t>
+            </a:r>
+            <a:r>
+              <a:rPr lang="en-US" sz="1200" kern="1200" dirty="0" smtClean="0">
+                <a:solidFill>
+                  <a:schemeClr val="tx1"/>
+                </a:solidFill>
+                <a:latin typeface="+mn-lt"/>
+                <a:ea typeface="+mn-ea"/>
+                <a:cs typeface="+mn-cs"/>
+              </a:rPr>
+              <a:t> ended up at a relatively new workshop that </a:t>
+            </a:r>
+            <a:r>
+              <a:rPr lang="en-US" sz="1200" kern="1200" dirty="0" err="1" smtClean="0">
+                <a:solidFill>
+                  <a:schemeClr val="tx1"/>
+                </a:solidFill>
+                <a:latin typeface="+mn-lt"/>
+                <a:ea typeface="+mn-ea"/>
+                <a:cs typeface="+mn-cs"/>
+              </a:rPr>
+              <a:t>adrienne</a:t>
+            </a:r>
+            <a:r>
+              <a:rPr lang="en-US" sz="1200" kern="1200" dirty="0" smtClean="0">
+                <a:solidFill>
+                  <a:schemeClr val="tx1"/>
+                </a:solidFill>
+                <a:latin typeface="+mn-lt"/>
+                <a:ea typeface="+mn-ea"/>
+                <a:cs typeface="+mn-cs"/>
+              </a:rPr>
+              <a:t> </a:t>
+            </a:r>
+            <a:r>
+              <a:rPr lang="en-US" sz="1200" kern="1200" dirty="0" err="1" smtClean="0">
+                <a:solidFill>
+                  <a:schemeClr val="tx1"/>
+                </a:solidFill>
+                <a:latin typeface="+mn-lt"/>
+                <a:ea typeface="+mn-ea"/>
+                <a:cs typeface="+mn-cs"/>
+              </a:rPr>
+              <a:t>fairhall</a:t>
+            </a:r>
+            <a:r>
+              <a:rPr lang="en-US" sz="1200" kern="1200" dirty="0" smtClean="0">
+                <a:solidFill>
+                  <a:schemeClr val="tx1"/>
+                </a:solidFill>
+                <a:latin typeface="+mn-lt"/>
+                <a:ea typeface="+mn-ea"/>
+                <a:cs typeface="+mn-cs"/>
+              </a:rPr>
+              <a:t> hosts along with some people from the </a:t>
+            </a:r>
+            <a:r>
+              <a:rPr lang="en-US" sz="1200" kern="1200" dirty="0" err="1" smtClean="0">
+                <a:solidFill>
+                  <a:schemeClr val="tx1"/>
+                </a:solidFill>
+                <a:latin typeface="+mn-lt"/>
+                <a:ea typeface="+mn-ea"/>
+                <a:cs typeface="+mn-cs"/>
+              </a:rPr>
+              <a:t>allen</a:t>
+            </a:r>
+            <a:r>
+              <a:rPr lang="en-US" sz="1200" kern="1200" dirty="0" smtClean="0">
+                <a:solidFill>
+                  <a:schemeClr val="tx1"/>
+                </a:solidFill>
+                <a:latin typeface="+mn-lt"/>
+                <a:ea typeface="+mn-ea"/>
+                <a:cs typeface="+mn-cs"/>
+              </a:rPr>
+              <a:t> institute. it was a great workshop all around, but the biggest takeaway for me was familiarity with the observatory dataset that the </a:t>
+            </a:r>
+            <a:r>
+              <a:rPr lang="en-US" sz="1200" kern="1200" dirty="0" err="1" smtClean="0">
+                <a:solidFill>
+                  <a:schemeClr val="tx1"/>
+                </a:solidFill>
+                <a:latin typeface="+mn-lt"/>
+                <a:ea typeface="+mn-ea"/>
+                <a:cs typeface="+mn-cs"/>
+              </a:rPr>
+              <a:t>allen</a:t>
+            </a:r>
+            <a:r>
+              <a:rPr lang="en-US" sz="1200" kern="1200" dirty="0" smtClean="0">
+                <a:solidFill>
+                  <a:schemeClr val="tx1"/>
+                </a:solidFill>
+                <a:latin typeface="+mn-lt"/>
+                <a:ea typeface="+mn-ea"/>
+                <a:cs typeface="+mn-cs"/>
+              </a:rPr>
+              <a:t> institute published this summer. it’s a ton of data, and they’ve worked pretty hard to make it accessible and transparent, so </a:t>
+            </a:r>
+            <a:r>
+              <a:rPr lang="en-US" sz="1200" kern="1200" dirty="0" err="1" smtClean="0">
+                <a:solidFill>
+                  <a:schemeClr val="tx1"/>
+                </a:solidFill>
+                <a:latin typeface="+mn-lt"/>
+                <a:ea typeface="+mn-ea"/>
+                <a:cs typeface="+mn-cs"/>
+              </a:rPr>
+              <a:t>i</a:t>
+            </a:r>
+            <a:r>
+              <a:rPr lang="en-US" sz="1200" kern="1200" dirty="0" smtClean="0">
+                <a:solidFill>
+                  <a:schemeClr val="tx1"/>
+                </a:solidFill>
+                <a:latin typeface="+mn-lt"/>
+                <a:ea typeface="+mn-ea"/>
+                <a:cs typeface="+mn-cs"/>
+              </a:rPr>
+              <a:t> just wanted to pass on my knowledge. because </a:t>
+            </a:r>
+            <a:r>
+              <a:rPr lang="en-US" sz="1200" kern="1200" dirty="0" err="1" smtClean="0">
+                <a:solidFill>
+                  <a:schemeClr val="tx1"/>
+                </a:solidFill>
+                <a:latin typeface="+mn-lt"/>
+                <a:ea typeface="+mn-ea"/>
+                <a:cs typeface="+mn-cs"/>
+              </a:rPr>
+              <a:t>i</a:t>
+            </a:r>
+            <a:r>
+              <a:rPr lang="en-US" sz="1200" kern="1200" dirty="0" smtClean="0">
+                <a:solidFill>
+                  <a:schemeClr val="tx1"/>
+                </a:solidFill>
+                <a:latin typeface="+mn-lt"/>
+                <a:ea typeface="+mn-ea"/>
+                <a:cs typeface="+mn-cs"/>
+              </a:rPr>
+              <a:t> think there’s a lot of potential for this group to put it to good use.</a:t>
+            </a:r>
+          </a:p>
+          <a:p>
+            <a:endParaRPr lang="en-US" sz="1200" kern="1200" dirty="0" smtClean="0">
+              <a:solidFill>
+                <a:schemeClr val="tx1"/>
+              </a:solidFill>
+              <a:latin typeface="+mn-lt"/>
+              <a:ea typeface="+mn-ea"/>
+              <a:cs typeface="+mn-cs"/>
+            </a:endParaRPr>
+          </a:p>
+          <a:p>
+            <a:r>
+              <a:rPr lang="en-US" sz="1200" kern="1200" dirty="0" smtClean="0">
+                <a:solidFill>
+                  <a:schemeClr val="tx1"/>
+                </a:solidFill>
+                <a:latin typeface="+mn-lt"/>
+                <a:ea typeface="+mn-ea"/>
+                <a:cs typeface="+mn-cs"/>
+              </a:rPr>
+              <a:t>but let’s make this a conversation, </a:t>
+            </a:r>
+            <a:r>
+              <a:rPr lang="en-US" sz="1200" kern="1200" dirty="0" err="1" smtClean="0">
+                <a:solidFill>
+                  <a:schemeClr val="tx1"/>
+                </a:solidFill>
+                <a:latin typeface="+mn-lt"/>
+                <a:ea typeface="+mn-ea"/>
+                <a:cs typeface="+mn-cs"/>
+              </a:rPr>
+              <a:t>i</a:t>
+            </a:r>
+            <a:r>
+              <a:rPr lang="en-US" sz="1200" kern="1200" dirty="0" smtClean="0">
+                <a:solidFill>
+                  <a:schemeClr val="tx1"/>
+                </a:solidFill>
+                <a:latin typeface="+mn-lt"/>
+                <a:ea typeface="+mn-ea"/>
+                <a:cs typeface="+mn-cs"/>
+              </a:rPr>
+              <a:t> made the presentation pretty generic and short, so we have time to get into any details that you might be interested in. and you should interrupt me.</a:t>
+            </a:r>
+          </a:p>
+          <a:p>
+            <a:endParaRPr lang="en-US" sz="1200" kern="1200" dirty="0" smtClean="0">
+              <a:solidFill>
+                <a:schemeClr val="tx1"/>
+              </a:solidFill>
+              <a:latin typeface="+mn-lt"/>
+              <a:ea typeface="+mn-ea"/>
+              <a:cs typeface="+mn-cs"/>
+            </a:endParaRPr>
+          </a:p>
+          <a:p>
+            <a:r>
+              <a:rPr lang="en-US" sz="1200" kern="1200" dirty="0" smtClean="0">
+                <a:solidFill>
+                  <a:schemeClr val="tx1"/>
+                </a:solidFill>
+                <a:latin typeface="+mn-lt"/>
+                <a:ea typeface="+mn-ea"/>
+                <a:cs typeface="+mn-cs"/>
+              </a:rPr>
+              <a:t>there are some links in the slides </a:t>
+            </a:r>
+            <a:r>
+              <a:rPr lang="en-US" sz="1200" kern="1200" dirty="0" err="1" smtClean="0">
+                <a:solidFill>
+                  <a:schemeClr val="tx1"/>
+                </a:solidFill>
+                <a:latin typeface="+mn-lt"/>
+                <a:ea typeface="+mn-ea"/>
+                <a:cs typeface="+mn-cs"/>
+              </a:rPr>
+              <a:t>i’m</a:t>
+            </a:r>
+            <a:r>
+              <a:rPr lang="en-US" sz="1200" kern="1200" dirty="0" smtClean="0">
+                <a:solidFill>
+                  <a:schemeClr val="tx1"/>
+                </a:solidFill>
+                <a:latin typeface="+mn-lt"/>
+                <a:ea typeface="+mn-ea"/>
+                <a:cs typeface="+mn-cs"/>
+              </a:rPr>
+              <a:t> going to use, so if you have your computer and want to follow along, go here:</a:t>
+            </a:r>
             <a:endParaRPr lang="en-US" dirty="0"/>
           </a:p>
         </p:txBody>
@@ -556,7 +823,197 @@
     </p:spTree>
     <p:extLst>
       <p:ext uri="{BB962C8B-B14F-4D97-AF65-F5344CB8AC3E}">
-        <p14:creationId xmlns:p14="http://schemas.microsoft.com/office/powerpoint/2010/main" val="1540204884"/>
+        <p14:creationId xmlns:p14="http://schemas.microsoft.com/office/powerpoint/2010/main" val="4006435459"/>
+      </p:ext>
+    </p:extLst>
+  </p:cSld>
+  <p:clrMapOvr>
+    <a:masterClrMapping/>
+  </p:clrMapOvr>
+</p:notes>
+</file>
+
+<file path=ppt/notesSlides/notesSlide10.xml><?xml version="1.0" encoding="utf-8"?>
+<p:notes xmlns:a="http://schemas.openxmlformats.org/drawingml/2006/main" xmlns:r="http://schemas.openxmlformats.org/officeDocument/2006/relationships" xmlns:p="http://schemas.openxmlformats.org/presentationml/2006/main">
+  <p:cSld>
+    <p:spTree>
+      <p:nvGrpSpPr>
+        <p:cNvPr id="1" name=""/>
+        <p:cNvGrpSpPr/>
+        <p:nvPr/>
+      </p:nvGrpSpPr>
+      <p:grpSpPr>
+        <a:xfrm>
+          <a:off x="0" y="0"/>
+          <a:ext cx="0" cy="0"/>
+          <a:chOff x="0" y="0"/>
+          <a:chExt cx="0" cy="0"/>
+        </a:xfrm>
+      </p:grpSpPr>
+      <p:sp>
+        <p:nvSpPr>
+          <p:cNvPr id="2" name="Slide Image Placeholder 1"/>
+          <p:cNvSpPr>
+            <a:spLocks noGrp="1" noRot="1" noChangeAspect="1"/>
+          </p:cNvSpPr>
+          <p:nvPr>
+            <p:ph type="sldImg"/>
+          </p:nvPr>
+        </p:nvSpPr>
+        <p:spPr/>
+      </p:sp>
+      <p:sp>
+        <p:nvSpPr>
+          <p:cNvPr id="3" name="Notes Placeholder 2"/>
+          <p:cNvSpPr>
+            <a:spLocks noGrp="1"/>
+          </p:cNvSpPr>
+          <p:nvPr>
+            <p:ph type="body" idx="1"/>
+          </p:nvPr>
+        </p:nvSpPr>
+        <p:spPr/>
+        <p:txBody>
+          <a:bodyPr/>
+          <a:lstStyle/>
+          <a:p>
+            <a:r>
+              <a:rPr lang="en-US" dirty="0" smtClean="0"/>
+              <a:t>Only use cells stable across all three sessions.</a:t>
+            </a:r>
+          </a:p>
+          <a:p>
+            <a:r>
+              <a:rPr lang="en-US" dirty="0" smtClean="0"/>
+              <a:t>But</a:t>
+            </a:r>
+            <a:r>
+              <a:rPr lang="en-US" baseline="0" dirty="0" smtClean="0"/>
+              <a:t> define population as all cells in frame.</a:t>
+            </a:r>
+            <a:endParaRPr lang="en-US" dirty="0"/>
+          </a:p>
+        </p:txBody>
+      </p:sp>
+      <p:sp>
+        <p:nvSpPr>
+          <p:cNvPr id="4" name="Slide Number Placeholder 3"/>
+          <p:cNvSpPr>
+            <a:spLocks noGrp="1"/>
+          </p:cNvSpPr>
+          <p:nvPr>
+            <p:ph type="sldNum" sz="quarter" idx="10"/>
+          </p:nvPr>
+        </p:nvSpPr>
+        <p:spPr/>
+        <p:txBody>
+          <a:bodyPr/>
+          <a:lstStyle/>
+          <a:p>
+            <a:fld id="{5E665C15-95BD-4FB6-9F40-D435F1FF678C}" type="slidenum">
+              <a:rPr lang="en-US" smtClean="0"/>
+              <a:t>20</a:t>
+            </a:fld>
+            <a:endParaRPr lang="en-US"/>
+          </a:p>
+        </p:txBody>
+      </p:sp>
+    </p:spTree>
+    <p:extLst>
+      <p:ext uri="{BB962C8B-B14F-4D97-AF65-F5344CB8AC3E}">
+        <p14:creationId xmlns:p14="http://schemas.microsoft.com/office/powerpoint/2010/main" val="3368388202"/>
+      </p:ext>
+    </p:extLst>
+  </p:cSld>
+  <p:clrMapOvr>
+    <a:masterClrMapping/>
+  </p:clrMapOvr>
+</p:notes>
+</file>
+
+<file path=ppt/notesSlides/notesSlide11.xml><?xml version="1.0" encoding="utf-8"?>
+<p:notes xmlns:a="http://schemas.openxmlformats.org/drawingml/2006/main" xmlns:r="http://schemas.openxmlformats.org/officeDocument/2006/relationships" xmlns:p="http://schemas.openxmlformats.org/presentationml/2006/main">
+  <p:cSld>
+    <p:spTree>
+      <p:nvGrpSpPr>
+        <p:cNvPr id="1" name=""/>
+        <p:cNvGrpSpPr/>
+        <p:nvPr/>
+      </p:nvGrpSpPr>
+      <p:grpSpPr>
+        <a:xfrm>
+          <a:off x="0" y="0"/>
+          <a:ext cx="0" cy="0"/>
+          <a:chOff x="0" y="0"/>
+          <a:chExt cx="0" cy="0"/>
+        </a:xfrm>
+      </p:grpSpPr>
+      <p:sp>
+        <p:nvSpPr>
+          <p:cNvPr id="2" name="Slide Image Placeholder 1"/>
+          <p:cNvSpPr>
+            <a:spLocks noGrp="1" noRot="1" noChangeAspect="1"/>
+          </p:cNvSpPr>
+          <p:nvPr>
+            <p:ph type="sldImg"/>
+          </p:nvPr>
+        </p:nvSpPr>
+        <p:spPr/>
+      </p:sp>
+      <p:sp>
+        <p:nvSpPr>
+          <p:cNvPr id="3" name="Notes Placeholder 2"/>
+          <p:cNvSpPr>
+            <a:spLocks noGrp="1"/>
+          </p:cNvSpPr>
+          <p:nvPr>
+            <p:ph type="body" idx="1"/>
+          </p:nvPr>
+        </p:nvSpPr>
+        <p:spPr/>
+        <p:txBody>
+          <a:bodyPr/>
+          <a:lstStyle/>
+          <a:p>
+            <a:r>
+              <a:rPr lang="en-US" dirty="0" smtClean="0"/>
+              <a:t>Rows sorted</a:t>
+            </a:r>
+            <a:r>
+              <a:rPr lang="en-US" baseline="0" dirty="0" smtClean="0"/>
+              <a:t> by mean pc</a:t>
+            </a:r>
+            <a:endParaRPr lang="en-US" dirty="0"/>
+          </a:p>
+        </p:txBody>
+      </p:sp>
+      <p:sp>
+        <p:nvSpPr>
+          <p:cNvPr id="4" name="Slide Number Placeholder 3"/>
+          <p:cNvSpPr>
+            <a:spLocks noGrp="1"/>
+          </p:cNvSpPr>
+          <p:nvPr>
+            <p:ph type="sldNum" sz="quarter" idx="10"/>
+          </p:nvPr>
+        </p:nvSpPr>
+        <p:spPr/>
+        <p:txBody>
+          <a:bodyPr/>
+          <a:lstStyle/>
+          <a:p>
+            <a:fld id="{5E665C15-95BD-4FB6-9F40-D435F1FF678C}" type="slidenum">
+              <a:rPr lang="en-US" smtClean="0"/>
+              <a:t>21</a:t>
+            </a:fld>
+            <a:endParaRPr lang="en-US"/>
+          </a:p>
+        </p:txBody>
+      </p:sp>
+    </p:spTree>
+    <p:extLst>
+      <p:ext uri="{BB962C8B-B14F-4D97-AF65-F5344CB8AC3E}">
+        <p14:creationId xmlns:p14="http://schemas.microsoft.com/office/powerpoint/2010/main" val="3295502423"/>
       </p:ext>
     </p:extLst>
   </p:cSld>
@@ -631,7 +1088,7 @@
           <a:p>
             <a:fld id="{EAA819C3-C1FC-40A9-BE34-0E0DC2F1541B}" type="slidenum">
               <a:rPr lang="en-US" smtClean="0"/>
-              <a:t>3</a:t>
+              <a:t>2</a:t>
             </a:fld>
             <a:endParaRPr lang="en-US"/>
           </a:p>
@@ -640,7 +1097,7 @@
     </p:spTree>
     <p:extLst>
       <p:ext uri="{BB962C8B-B14F-4D97-AF65-F5344CB8AC3E}">
-        <p14:creationId xmlns:p14="http://schemas.microsoft.com/office/powerpoint/2010/main" val="16691632"/>
+        <p14:creationId xmlns:p14="http://schemas.microsoft.com/office/powerpoint/2010/main" val="1540204884"/>
       </p:ext>
     </p:extLst>
   </p:cSld>
@@ -694,6 +1151,22 @@
           <a:bodyPr/>
           <a:lstStyle/>
           <a:p>
+            <a:r>
+              <a:rPr lang="en-US" dirty="0" smtClean="0"/>
+              <a:t>All</a:t>
+            </a:r>
+            <a:r>
+              <a:rPr lang="en-US" baseline="0" dirty="0" smtClean="0"/>
+              <a:t> of observatory data is from about a 5 mm region around the visual cortex of the mouse. And they call it an observatory because you can get a glimpse of the mouse cortex universe, but really I think because the calcium </a:t>
+            </a:r>
+            <a:r>
+              <a:rPr lang="en-US" baseline="0" dirty="0" err="1" smtClean="0"/>
+              <a:t>flourescence</a:t>
+            </a:r>
+            <a:r>
+              <a:rPr lang="en-US" baseline="0" dirty="0" smtClean="0"/>
+              <a:t> images look like a starry sky.</a:t>
+            </a:r>
             <a:endParaRPr lang="en-US" dirty="0"/>
           </a:p>
         </p:txBody>
@@ -715,7 +1188,7 @@
           <a:p>
             <a:fld id="{EAA819C3-C1FC-40A9-BE34-0E0DC2F1541B}" type="slidenum">
               <a:rPr lang="en-US" smtClean="0"/>
-              <a:t>5</a:t>
+              <a:t>3</a:t>
             </a:fld>
             <a:endParaRPr lang="en-US"/>
           </a:p>
@@ -724,7 +1197,7 @@
     </p:spTree>
     <p:extLst>
       <p:ext uri="{BB962C8B-B14F-4D97-AF65-F5344CB8AC3E}">
-        <p14:creationId xmlns:p14="http://schemas.microsoft.com/office/powerpoint/2010/main" val="3892321646"/>
+        <p14:creationId xmlns:p14="http://schemas.microsoft.com/office/powerpoint/2010/main" val="3701914750"/>
       </p:ext>
     </p:extLst>
   </p:cSld>
@@ -780,47 +1253,19 @@
           <a:p>
             <a:r>
               <a:rPr lang="en-US" dirty="0" smtClean="0"/>
-              <a:t>If you’ve done imaging, you know that this</a:t>
+              <a:t>So here’s the setup. There’s an awake mouse</a:t>
             </a:r>
             <a:r>
               <a:rPr lang="en-US" baseline="0" dirty="0" smtClean="0"/>
-              <a:t> pipeline takes a fair amount of time to setup in your lab. And there is by no means consensus on what he best algorithms are to find the region of interest and how to subtract neuropil responses. </a:t>
-            </a:r>
-            <a:r>
-              <a:rPr lang="en-US" sz="1200" b="0" i="0" kern="1200" dirty="0" smtClean="0">
-                <a:solidFill>
-                  <a:schemeClr val="tx1"/>
-                </a:solidFill>
-                <a:effectLst/>
-                <a:latin typeface="+mn-lt"/>
-                <a:ea typeface="+mn-ea"/>
-                <a:cs typeface="+mn-cs"/>
-              </a:rPr>
-              <a:t>But these are done for you here. And you have access to all levels of the data, from completely raw fluorescence traces without</a:t>
-            </a:r>
-            <a:r>
-              <a:rPr lang="en-US" sz="1200" b="0" i="0" kern="1200" baseline="0" dirty="0" smtClean="0">
-                <a:solidFill>
-                  <a:schemeClr val="tx1"/>
-                </a:solidFill>
-                <a:effectLst/>
-                <a:latin typeface="+mn-lt"/>
-                <a:ea typeface="+mn-ea"/>
-                <a:cs typeface="+mn-cs"/>
-              </a:rPr>
-              <a:t> motion correction</a:t>
-            </a:r>
-            <a:r>
-              <a:rPr lang="en-US" sz="1200" b="0" i="0" kern="1200" dirty="0" smtClean="0">
-                <a:solidFill>
-                  <a:schemeClr val="tx1"/>
-                </a:solidFill>
-                <a:effectLst/>
-                <a:latin typeface="+mn-lt"/>
-                <a:ea typeface="+mn-ea"/>
-                <a:cs typeface="+mn-cs"/>
-              </a:rPr>
-              <a:t> to each cell’s orientation selectivity index.</a:t>
+              <a:t> on a sort of running wheel, with the head fixed and the 2P objective over its cranial window. The monitor for the visual </a:t>
+            </a:r>
+            <a:r>
+              <a:rPr lang="en-US" baseline="0" dirty="0" err="1" smtClean="0"/>
+              <a:t>stim</a:t>
+            </a:r>
+            <a:r>
+              <a:rPr lang="en-US" baseline="0" dirty="0" smtClean="0"/>
+              <a:t> is sort of sticking out of the page Then there’s a video of the eye so you can do eye tracking and capture pupil diameter, and there’s a body camera so you can get general behavior if you’re interested in that sort of thing.</a:t>
             </a:r>
             <a:endParaRPr lang="en-US" dirty="0"/>
           </a:p>
@@ -843,7 +1288,7 @@
           <a:p>
             <a:fld id="{EAA819C3-C1FC-40A9-BE34-0E0DC2F1541B}" type="slidenum">
               <a:rPr lang="en-US" smtClean="0"/>
-              <a:t>8</a:t>
+              <a:t>4</a:t>
             </a:fld>
             <a:endParaRPr lang="en-US"/>
           </a:p>
@@ -852,7 +1297,7 @@
     </p:spTree>
     <p:extLst>
       <p:ext uri="{BB962C8B-B14F-4D97-AF65-F5344CB8AC3E}">
-        <p14:creationId xmlns:p14="http://schemas.microsoft.com/office/powerpoint/2010/main" val="236874546"/>
+        <p14:creationId xmlns:p14="http://schemas.microsoft.com/office/powerpoint/2010/main" val="16691632"/>
       </p:ext>
     </p:extLst>
   </p:cSld>
@@ -908,17 +1353,11 @@
           <a:p>
             <a:r>
               <a:rPr lang="en-US" dirty="0" smtClean="0"/>
-              <a:t>Only use cells stable across all three sessions.</a:t>
-            </a:r>
-          </a:p>
-          <a:p>
-            <a:r>
-              <a:rPr lang="en-US" dirty="0" smtClean="0"/>
-              <a:t>But</a:t>
+              <a:t>So the data</a:t>
             </a:r>
             <a:r>
               <a:rPr lang="en-US" baseline="0" dirty="0" smtClean="0"/>
-              <a:t> define population as all cells in frame.</a:t>
+              <a:t> this produces is the 2P calcium fluorescence movie, the running-speed, the eye-video, and the mouse behavior video</a:t>
             </a:r>
             <a:endParaRPr lang="en-US" dirty="0"/>
           </a:p>
@@ -939,9 +1378,9 @@
           <a:bodyPr/>
           <a:lstStyle/>
           <a:p>
-            <a:fld id="{5E665C15-95BD-4FB6-9F40-D435F1FF678C}" type="slidenum">
-              <a:rPr lang="en-US" smtClean="0"/>
-              <a:t>19</a:t>
+            <a:fld id="{EAA819C3-C1FC-40A9-BE34-0E0DC2F1541B}" type="slidenum">
+              <a:rPr lang="en-US" smtClean="0"/>
+              <a:t>5</a:t>
             </a:fld>
             <a:endParaRPr lang="en-US"/>
           </a:p>
@@ -950,7 +1389,7 @@
     </p:spTree>
     <p:extLst>
       <p:ext uri="{BB962C8B-B14F-4D97-AF65-F5344CB8AC3E}">
-        <p14:creationId xmlns:p14="http://schemas.microsoft.com/office/powerpoint/2010/main" val="3368388202"/>
+        <p14:creationId xmlns:p14="http://schemas.microsoft.com/office/powerpoint/2010/main" val="899669794"/>
       </p:ext>
     </p:extLst>
   </p:cSld>
@@ -1004,14 +1443,6 @@
           <a:bodyPr/>
           <a:lstStyle/>
           <a:p>
-            <a:r>
-              <a:rPr lang="en-US" dirty="0" smtClean="0"/>
-              <a:t>Rows sorted</a:t>
-            </a:r>
-            <a:r>
-              <a:rPr lang="en-US" baseline="0" dirty="0" smtClean="0"/>
-              <a:t> by mean pc</a:t>
-            </a:r>
             <a:endParaRPr lang="en-US" dirty="0"/>
           </a:p>
         </p:txBody>
@@ -1031,9 +1462,9 @@
           <a:bodyPr/>
           <a:lstStyle/>
           <a:p>
-            <a:fld id="{5E665C15-95BD-4FB6-9F40-D435F1FF678C}" type="slidenum">
-              <a:rPr lang="en-US" smtClean="0"/>
-              <a:t>20</a:t>
+            <a:fld id="{EAA819C3-C1FC-40A9-BE34-0E0DC2F1541B}" type="slidenum">
+              <a:rPr lang="en-US" smtClean="0"/>
+              <a:t>6</a:t>
             </a:fld>
             <a:endParaRPr lang="en-US"/>
           </a:p>
@@ -1042,7 +1473,326 @@
     </p:spTree>
     <p:extLst>
       <p:ext uri="{BB962C8B-B14F-4D97-AF65-F5344CB8AC3E}">
-        <p14:creationId xmlns:p14="http://schemas.microsoft.com/office/powerpoint/2010/main" val="3295502423"/>
+        <p14:creationId xmlns:p14="http://schemas.microsoft.com/office/powerpoint/2010/main" val="3892321646"/>
+      </p:ext>
+    </p:extLst>
+  </p:cSld>
+  <p:clrMapOvr>
+    <a:masterClrMapping/>
+  </p:clrMapOvr>
+</p:notes>
+</file>
+
+<file path=ppt/notesSlides/notesSlide7.xml><?xml version="1.0" encoding="utf-8"?>
+<p:notes xmlns:a="http://schemas.openxmlformats.org/drawingml/2006/main" xmlns:r="http://schemas.openxmlformats.org/officeDocument/2006/relationships" xmlns:p="http://schemas.openxmlformats.org/presentationml/2006/main">
+  <p:cSld>
+    <p:spTree>
+      <p:nvGrpSpPr>
+        <p:cNvPr id="1" name=""/>
+        <p:cNvGrpSpPr/>
+        <p:nvPr/>
+      </p:nvGrpSpPr>
+      <p:grpSpPr>
+        <a:xfrm>
+          <a:off x="0" y="0"/>
+          <a:ext cx="0" cy="0"/>
+          <a:chOff x="0" y="0"/>
+          <a:chExt cx="0" cy="0"/>
+        </a:xfrm>
+      </p:grpSpPr>
+      <p:sp>
+        <p:nvSpPr>
+          <p:cNvPr id="2" name="Slide Image Placeholder 1"/>
+          <p:cNvSpPr>
+            <a:spLocks noGrp="1" noRot="1" noChangeAspect="1"/>
+          </p:cNvSpPr>
+          <p:nvPr>
+            <p:ph type="sldImg"/>
+          </p:nvPr>
+        </p:nvSpPr>
+        <p:spPr/>
+      </p:sp>
+      <p:sp>
+        <p:nvSpPr>
+          <p:cNvPr id="3" name="Notes Placeholder 2"/>
+          <p:cNvSpPr>
+            <a:spLocks noGrp="1"/>
+          </p:cNvSpPr>
+          <p:nvPr>
+            <p:ph type="body" idx="1"/>
+          </p:nvPr>
+        </p:nvSpPr>
+        <p:spPr/>
+        <p:txBody>
+          <a:bodyPr/>
+          <a:lstStyle/>
+          <a:p>
+            <a:pPr marL="0" marR="0" indent="0" algn="l" defTabSz="914400" rtl="0" eaLnBrk="1" fontAlgn="auto" latinLnBrk="0" hangingPunct="1">
+              <a:lnSpc>
+                <a:spcPct val="100000"/>
+              </a:lnSpc>
+              <a:spcBef>
+                <a:spcPts val="0"/>
+              </a:spcBef>
+              <a:spcAft>
+                <a:spcPts val="0"/>
+              </a:spcAft>
+              <a:buClrTx/>
+              <a:buSzTx/>
+              <a:buFontTx/>
+              <a:buNone/>
+              <a:tabLst/>
+              <a:defRPr/>
+            </a:pPr>
+            <a:r>
+              <a:rPr lang="en-US" dirty="0" smtClean="0"/>
+              <a:t>But 0 hypotheses!!!!</a:t>
+            </a:r>
+          </a:p>
+          <a:p>
+            <a:endParaRPr lang="en-US" dirty="0"/>
+          </a:p>
+        </p:txBody>
+      </p:sp>
+      <p:sp>
+        <p:nvSpPr>
+          <p:cNvPr id="4" name="Slide Number Placeholder 3"/>
+          <p:cNvSpPr>
+            <a:spLocks noGrp="1"/>
+          </p:cNvSpPr>
+          <p:nvPr>
+            <p:ph type="sldNum" sz="quarter" idx="10"/>
+          </p:nvPr>
+        </p:nvSpPr>
+        <p:spPr/>
+        <p:txBody>
+          <a:bodyPr/>
+          <a:lstStyle/>
+          <a:p>
+            <a:fld id="{EAA819C3-C1FC-40A9-BE34-0E0DC2F1541B}" type="slidenum">
+              <a:rPr lang="en-US" smtClean="0"/>
+              <a:t>7</a:t>
+            </a:fld>
+            <a:endParaRPr lang="en-US"/>
+          </a:p>
+        </p:txBody>
+      </p:sp>
+    </p:spTree>
+    <p:extLst>
+      <p:ext uri="{BB962C8B-B14F-4D97-AF65-F5344CB8AC3E}">
+        <p14:creationId xmlns:p14="http://schemas.microsoft.com/office/powerpoint/2010/main" val="2821222361"/>
+      </p:ext>
+    </p:extLst>
+  </p:cSld>
+  <p:clrMapOvr>
+    <a:masterClrMapping/>
+  </p:clrMapOvr>
+</p:notes>
+</file>
+
+<file path=ppt/notesSlides/notesSlide8.xml><?xml version="1.0" encoding="utf-8"?>
+<p:notes xmlns:a="http://schemas.openxmlformats.org/drawingml/2006/main" xmlns:r="http://schemas.openxmlformats.org/officeDocument/2006/relationships" xmlns:p="http://schemas.openxmlformats.org/presentationml/2006/main">
+  <p:cSld>
+    <p:spTree>
+      <p:nvGrpSpPr>
+        <p:cNvPr id="1" name=""/>
+        <p:cNvGrpSpPr/>
+        <p:nvPr/>
+      </p:nvGrpSpPr>
+      <p:grpSpPr>
+        <a:xfrm>
+          <a:off x="0" y="0"/>
+          <a:ext cx="0" cy="0"/>
+          <a:chOff x="0" y="0"/>
+          <a:chExt cx="0" cy="0"/>
+        </a:xfrm>
+      </p:grpSpPr>
+      <p:sp>
+        <p:nvSpPr>
+          <p:cNvPr id="2" name="Slide Image Placeholder 1"/>
+          <p:cNvSpPr>
+            <a:spLocks noGrp="1" noRot="1" noChangeAspect="1"/>
+          </p:cNvSpPr>
+          <p:nvPr>
+            <p:ph type="sldImg"/>
+          </p:nvPr>
+        </p:nvSpPr>
+        <p:spPr/>
+      </p:sp>
+      <p:sp>
+        <p:nvSpPr>
+          <p:cNvPr id="3" name="Notes Placeholder 2"/>
+          <p:cNvSpPr>
+            <a:spLocks noGrp="1"/>
+          </p:cNvSpPr>
+          <p:nvPr>
+            <p:ph type="body" idx="1"/>
+          </p:nvPr>
+        </p:nvSpPr>
+        <p:spPr/>
+        <p:txBody>
+          <a:bodyPr/>
+          <a:lstStyle/>
+          <a:p>
+            <a:endParaRPr lang="en-US" dirty="0"/>
+          </a:p>
+        </p:txBody>
+      </p:sp>
+      <p:sp>
+        <p:nvSpPr>
+          <p:cNvPr id="4" name="Slide Number Placeholder 3"/>
+          <p:cNvSpPr>
+            <a:spLocks noGrp="1"/>
+          </p:cNvSpPr>
+          <p:nvPr>
+            <p:ph type="sldNum" sz="quarter" idx="10"/>
+          </p:nvPr>
+        </p:nvSpPr>
+        <p:spPr/>
+        <p:txBody>
+          <a:bodyPr/>
+          <a:lstStyle/>
+          <a:p>
+            <a:fld id="{EAA819C3-C1FC-40A9-BE34-0E0DC2F1541B}" type="slidenum">
+              <a:rPr lang="en-US" smtClean="0"/>
+              <a:t>8</a:t>
+            </a:fld>
+            <a:endParaRPr lang="en-US"/>
+          </a:p>
+        </p:txBody>
+      </p:sp>
+    </p:spTree>
+    <p:extLst>
+      <p:ext uri="{BB962C8B-B14F-4D97-AF65-F5344CB8AC3E}">
+        <p14:creationId xmlns:p14="http://schemas.microsoft.com/office/powerpoint/2010/main" val="1208588157"/>
+      </p:ext>
+    </p:extLst>
+  </p:cSld>
+  <p:clrMapOvr>
+    <a:masterClrMapping/>
+  </p:clrMapOvr>
+</p:notes>
+</file>
+
+<file path=ppt/notesSlides/notesSlide9.xml><?xml version="1.0" encoding="utf-8"?>
+<p:notes xmlns:a="http://schemas.openxmlformats.org/drawingml/2006/main" xmlns:r="http://schemas.openxmlformats.org/officeDocument/2006/relationships" xmlns:p="http://schemas.openxmlformats.org/presentationml/2006/main">
+  <p:cSld>
+    <p:spTree>
+      <p:nvGrpSpPr>
+        <p:cNvPr id="1" name=""/>
+        <p:cNvGrpSpPr/>
+        <p:nvPr/>
+      </p:nvGrpSpPr>
+      <p:grpSpPr>
+        <a:xfrm>
+          <a:off x="0" y="0"/>
+          <a:ext cx="0" cy="0"/>
+          <a:chOff x="0" y="0"/>
+          <a:chExt cx="0" cy="0"/>
+        </a:xfrm>
+      </p:grpSpPr>
+      <p:sp>
+        <p:nvSpPr>
+          <p:cNvPr id="2" name="Slide Image Placeholder 1"/>
+          <p:cNvSpPr>
+            <a:spLocks noGrp="1" noRot="1" noChangeAspect="1"/>
+          </p:cNvSpPr>
+          <p:nvPr>
+            <p:ph type="sldImg"/>
+          </p:nvPr>
+        </p:nvSpPr>
+        <p:spPr/>
+      </p:sp>
+      <p:sp>
+        <p:nvSpPr>
+          <p:cNvPr id="3" name="Notes Placeholder 2"/>
+          <p:cNvSpPr>
+            <a:spLocks noGrp="1"/>
+          </p:cNvSpPr>
+          <p:nvPr>
+            <p:ph type="body" idx="1"/>
+          </p:nvPr>
+        </p:nvSpPr>
+        <p:spPr/>
+        <p:txBody>
+          <a:bodyPr/>
+          <a:lstStyle/>
+          <a:p>
+            <a:r>
+              <a:rPr lang="en-US" dirty="0" smtClean="0"/>
+              <a:t>If you’ve done imaging, you know that this</a:t>
+            </a:r>
+            <a:r>
+              <a:rPr lang="en-US" baseline="0" dirty="0" smtClean="0"/>
+              <a:t> pipeline takes a fair amount of time to setup in your lab. And there is by no means consensus on what he best algorithms are to find the region of interest and how to subtract neuropil responses. </a:t>
+            </a:r>
+            <a:r>
+              <a:rPr lang="en-US" sz="1200" b="0" i="0" kern="1200" dirty="0" smtClean="0">
+                <a:solidFill>
+                  <a:schemeClr val="tx1"/>
+                </a:solidFill>
+                <a:effectLst/>
+                <a:latin typeface="+mn-lt"/>
+                <a:ea typeface="+mn-ea"/>
+                <a:cs typeface="+mn-cs"/>
+              </a:rPr>
+              <a:t>But these are done for you here. And you have access to all levels of the data, from completely raw fluorescence traces without</a:t>
+            </a:r>
+            <a:r>
+              <a:rPr lang="en-US" sz="1200" b="0" i="0" kern="1200" baseline="0" dirty="0" smtClean="0">
+                <a:solidFill>
+                  <a:schemeClr val="tx1"/>
+                </a:solidFill>
+                <a:effectLst/>
+                <a:latin typeface="+mn-lt"/>
+                <a:ea typeface="+mn-ea"/>
+                <a:cs typeface="+mn-cs"/>
+              </a:rPr>
+              <a:t> motion correction</a:t>
+            </a:r>
+            <a:r>
+              <a:rPr lang="en-US" sz="1200" b="0" i="0" kern="1200" dirty="0" smtClean="0">
+                <a:solidFill>
+                  <a:schemeClr val="tx1"/>
+                </a:solidFill>
+                <a:effectLst/>
+                <a:latin typeface="+mn-lt"/>
+                <a:ea typeface="+mn-ea"/>
+                <a:cs typeface="+mn-cs"/>
+              </a:rPr>
+              <a:t> to each cell’s orientation selectivity index.</a:t>
+            </a:r>
+            <a:endParaRPr lang="en-US" dirty="0"/>
+          </a:p>
+        </p:txBody>
+      </p:sp>
+      <p:sp>
+        <p:nvSpPr>
+          <p:cNvPr id="4" name="Slide Number Placeholder 3"/>
+          <p:cNvSpPr>
+            <a:spLocks noGrp="1"/>
+          </p:cNvSpPr>
+          <p:nvPr>
+            <p:ph type="sldNum" sz="quarter" idx="10"/>
+          </p:nvPr>
+        </p:nvSpPr>
+        <p:spPr/>
+        <p:txBody>
+          <a:bodyPr/>
+          <a:lstStyle/>
+          <a:p>
+            <a:fld id="{EAA819C3-C1FC-40A9-BE34-0E0DC2F1541B}" type="slidenum">
+              <a:rPr lang="en-US" smtClean="0"/>
+              <a:t>9</a:t>
+            </a:fld>
+            <a:endParaRPr lang="en-US"/>
+          </a:p>
+        </p:txBody>
+      </p:sp>
+    </p:spTree>
+    <p:extLst>
+      <p:ext uri="{BB962C8B-B14F-4D97-AF65-F5344CB8AC3E}">
+        <p14:creationId xmlns:p14="http://schemas.microsoft.com/office/powerpoint/2010/main" val="236874546"/>
       </p:ext>
     </p:extLst>
   </p:cSld>
@@ -4057,7 +4807,7 @@
           <a:p>
             <a:r>
               <a:rPr lang="en-US" b="1" dirty="0" smtClean="0"/>
-              <a:t>Allen Brain Observatory Dataset</a:t>
+              <a:t>If you have your PC and want to follow along, download slides:</a:t>
             </a:r>
             <a:endParaRPr lang="en-US" b="1" dirty="0"/>
           </a:p>
@@ -4075,8 +4825,8 @@
         </p:nvSpPr>
         <p:spPr>
           <a:xfrm>
-            <a:off x="1371600" y="3581400"/>
-            <a:ext cx="6400800" cy="1752600"/>
+            <a:off x="533400" y="3886200"/>
+            <a:ext cx="8077200" cy="1752600"/>
           </a:xfrm>
         </p:spPr>
         <p:txBody>
@@ -4084,105 +4834,38 @@
           <a:lstStyle/>
           <a:p>
             <a:r>
-              <a:rPr lang="en-US" dirty="0" smtClean="0"/>
-              <a:t>Madineh </a:t>
-            </a:r>
-            <a:r>
-              <a:rPr lang="en-US" dirty="0" err="1" smtClean="0"/>
-              <a:t>Sedigh</a:t>
-            </a:r>
-            <a:r>
-              <a:rPr lang="en-US" dirty="0" smtClean="0"/>
-              <a:t>-Sarvestani</a:t>
-            </a:r>
-          </a:p>
-          <a:p>
-            <a:r>
-              <a:rPr lang="en-US" dirty="0" err="1" smtClean="0"/>
-              <a:t>CNI</a:t>
-            </a:r>
-            <a:r>
-              <a:rPr lang="en-US" dirty="0" smtClean="0"/>
-              <a:t> JC @ </a:t>
-            </a:r>
-            <a:r>
-              <a:rPr lang="en-US" dirty="0" err="1" smtClean="0"/>
-              <a:t>Upenn</a:t>
-            </a:r>
-            <a:endParaRPr lang="en-US" dirty="0" smtClean="0"/>
-          </a:p>
-          <a:p>
-            <a:r>
-              <a:rPr lang="en-US" dirty="0" smtClean="0"/>
-              <a:t>Oct 2016</a:t>
-            </a:r>
-            <a:endParaRPr lang="en-US" dirty="0"/>
-          </a:p>
-        </p:txBody>
-      </p:sp>
-      <p:sp>
-        <p:nvSpPr>
-          <p:cNvPr id="4" name="TextBox 3"/>
-          <p:cNvSpPr txBox="1"/>
-          <p:nvPr/>
-        </p:nvSpPr>
-        <p:spPr>
-          <a:xfrm>
-            <a:off x="1828800" y="5699156"/>
-            <a:ext cx="6248400" cy="646331"/>
-          </a:xfrm>
-          <a:prstGeom prst="rect">
-            <a:avLst/>
-          </a:prstGeom>
-          <a:noFill/>
-        </p:spPr>
-        <p:txBody>
-          <a:bodyPr wrap="square" rtlCol="0">
-            <a:spAutoFit/>
-          </a:bodyPr>
-          <a:lstStyle/>
-          <a:p>
-            <a:r>
-              <a:rPr lang="en-US" dirty="0" smtClean="0"/>
-              <a:t>[Most slides are from Allen Institute’s Marina Garrett, or the Observatory </a:t>
-            </a:r>
-            <a:r>
-              <a:rPr lang="en-US" dirty="0"/>
-              <a:t>website [</a:t>
-            </a:r>
-            <a:r>
-              <a:rPr lang="en-US" dirty="0" err="1"/>
-              <a:t>observatory.brain-map.org</a:t>
-            </a:r>
-            <a:r>
-              <a:rPr lang="en-US" dirty="0"/>
+              <a:rPr lang="en-US" b="1" dirty="0"/>
+              <a:t>https://</a:t>
+            </a:r>
+            <a:r>
+              <a:rPr lang="en-US" b="1" dirty="0" err="1"/>
+              <a:t>github.com</a:t>
+            </a:r>
+            <a:r>
+              <a:rPr lang="en-US" b="1" dirty="0"/>
               <a:t>/</a:t>
             </a:r>
             <a:r>
-              <a:rPr lang="en-US" dirty="0" smtClean="0"/>
-              <a:t>]</a:t>
-            </a:r>
-            <a:endParaRPr lang="en-US" dirty="0"/>
+              <a:rPr lang="en-US" b="1" dirty="0" err="1"/>
+              <a:t>msarvestani</a:t>
+            </a:r>
+            <a:r>
+              <a:rPr lang="en-US" b="1" dirty="0"/>
+              <a:t>/CNI-JC</a:t>
+            </a:r>
           </a:p>
         </p:txBody>
       </p:sp>
     </p:spTree>
     <p:extLst>
       <p:ext uri="{BB962C8B-B14F-4D97-AF65-F5344CB8AC3E}">
-        <p14:creationId xmlns:p14="http://schemas.microsoft.com/office/powerpoint/2010/main" val="488617663"/>
+        <p14:creationId xmlns:p14="http://schemas.microsoft.com/office/powerpoint/2010/main" val="173063985"/>
       </p:ext>
     </p:extLst>
   </p:cSld>
   <p:clrMapOvr>
     <a:masterClrMapping/>
   </p:clrMapOvr>
-  <p:timing>
-    <p:tnLst>
-      <p:par>
-        <p:cTn xmlns:p14="http://schemas.microsoft.com/office/powerpoint/2010/main" id="1" dur="indefinite" restart="never" nodeType="tmRoot"/>
-      </p:par>
-    </p:tnLst>
-  </p:timing>
 </p:sld>
 </file>
 
@@ -4213,31 +4896,102 @@
             <p:ph type="title"/>
           </p:nvPr>
         </p:nvSpPr>
-        <p:spPr>
-          <a:xfrm>
-            <a:off x="457200" y="304800"/>
-            <a:ext cx="8229600" cy="6096000"/>
-          </a:xfrm>
-        </p:spPr>
+        <p:spPr/>
+        <p:txBody>
+          <a:bodyPr/>
+          <a:lstStyle/>
+          <a:p>
+            <a:r>
+              <a:rPr lang="en-US" b="1" dirty="0" smtClean="0"/>
+              <a:t>Pre-calculated Response Features</a:t>
+            </a:r>
+            <a:endParaRPr lang="en-US" b="1" dirty="0"/>
+          </a:p>
+        </p:txBody>
+      </p:sp>
+      <p:sp>
+        <p:nvSpPr>
+          <p:cNvPr id="3" name="Content Placeholder 2"/>
+          <p:cNvSpPr>
+            <a:spLocks noGrp="1"/>
+          </p:cNvSpPr>
+          <p:nvPr>
+            <p:ph idx="1"/>
+          </p:nvPr>
+        </p:nvSpPr>
+        <p:spPr/>
         <p:txBody>
           <a:bodyPr>
-            <a:normAutofit/>
+            <a:normAutofit lnSpcReduction="10000"/>
           </a:bodyPr>
           <a:lstStyle/>
           <a:p>
-            <a:pPr algn="l"/>
-            <a:r>
-              <a:rPr lang="en-US" sz="5400" b="1" dirty="0" smtClean="0"/>
-              <a:t>You can access some of the data (meta-data and extracted features) from the web. The rest (raw, post-processed, features) are accessible through a python package.</a:t>
-            </a:r>
-            <a:endParaRPr lang="en-US" sz="5400" b="1" dirty="0"/>
+            <a:r>
+              <a:rPr lang="en-US" dirty="0" smtClean="0">
+                <a:hlinkClick r:id="rId2"/>
+              </a:rPr>
+              <a:t>Stimuli</a:t>
+            </a:r>
+            <a:r>
+              <a:rPr lang="en-US" dirty="0" smtClean="0"/>
+              <a:t>, shown in three 1 hour sessions</a:t>
+            </a:r>
+          </a:p>
+          <a:p>
+            <a:endParaRPr lang="en-US" dirty="0"/>
+          </a:p>
+          <a:p>
+            <a:r>
+              <a:rPr lang="en-US" dirty="0"/>
+              <a:t>Receptive field</a:t>
+            </a:r>
+          </a:p>
+          <a:p>
+            <a:r>
+              <a:rPr lang="en-US" dirty="0" smtClean="0"/>
+              <a:t>Response reliability for each stimulus type</a:t>
+            </a:r>
+          </a:p>
+          <a:p>
+            <a:r>
+              <a:rPr lang="en-US" dirty="0" smtClean="0"/>
+              <a:t>Orientation/direction selectivity</a:t>
+            </a:r>
+          </a:p>
+          <a:p>
+            <a:r>
+              <a:rPr lang="en-US" dirty="0" smtClean="0"/>
+              <a:t>Preferred: </a:t>
+            </a:r>
+            <a:r>
+              <a:rPr lang="en-US" dirty="0" err="1" smtClean="0"/>
+              <a:t>tf</a:t>
+            </a:r>
+            <a:r>
+              <a:rPr lang="en-US" dirty="0" smtClean="0"/>
+              <a:t>, </a:t>
+            </a:r>
+            <a:r>
+              <a:rPr lang="en-US" dirty="0" err="1" smtClean="0"/>
+              <a:t>sf</a:t>
+            </a:r>
+            <a:r>
+              <a:rPr lang="en-US" dirty="0" smtClean="0"/>
+              <a:t>, orientation, natural image frame</a:t>
+            </a:r>
+          </a:p>
+          <a:p>
+            <a:r>
+              <a:rPr lang="en-US" dirty="0" smtClean="0"/>
+              <a:t>Modulating by running</a:t>
+            </a:r>
           </a:p>
         </p:txBody>
       </p:sp>
     </p:spTree>
     <p:extLst>
       <p:ext uri="{BB962C8B-B14F-4D97-AF65-F5344CB8AC3E}">
-        <p14:creationId xmlns:p14="http://schemas.microsoft.com/office/powerpoint/2010/main" val="2086606107"/>
+        <p14:creationId xmlns:p14="http://schemas.microsoft.com/office/powerpoint/2010/main" val="318410832"/>
       </p:ext>
     </p:extLst>
   </p:cSld>
@@ -4281,52 +5035,31 @@
             <p:ph type="title"/>
           </p:nvPr>
         </p:nvSpPr>
-        <p:spPr/>
-        <p:txBody>
-          <a:bodyPr/>
-          <a:lstStyle/>
-          <a:p>
-            <a:r>
-              <a:rPr lang="en-US" b="1" dirty="0" smtClean="0"/>
-              <a:t>Accessing the Data (Web)</a:t>
-            </a:r>
-            <a:endParaRPr lang="en-US" b="1" dirty="0"/>
-          </a:p>
-        </p:txBody>
-      </p:sp>
-      <p:sp>
-        <p:nvSpPr>
-          <p:cNvPr id="3" name="Content Placeholder 2"/>
-          <p:cNvSpPr>
-            <a:spLocks noGrp="1"/>
-          </p:cNvSpPr>
-          <p:nvPr>
-            <p:ph idx="1"/>
-          </p:nvPr>
-        </p:nvSpPr>
-        <p:spPr/>
-        <p:txBody>
-          <a:bodyPr/>
-          <a:lstStyle/>
-          <a:p>
-            <a:r>
-              <a:rPr lang="en-US" dirty="0" smtClean="0"/>
-              <a:t>Web: </a:t>
-            </a:r>
-            <a:r>
-              <a:rPr lang="en-US" dirty="0" smtClean="0">
-                <a:hlinkClick r:id="rId2"/>
-              </a:rPr>
-              <a:t>observatory.brain-map.org</a:t>
-            </a:r>
-            <a:endParaRPr lang="en-US" dirty="0" smtClean="0"/>
+        <p:spPr>
+          <a:xfrm>
+            <a:off x="457200" y="304800"/>
+            <a:ext cx="8229600" cy="6096000"/>
+          </a:xfrm>
+        </p:spPr>
+        <p:txBody>
+          <a:bodyPr>
+            <a:normAutofit/>
+          </a:bodyPr>
+          <a:lstStyle/>
+          <a:p>
+            <a:pPr algn="l"/>
+            <a:r>
+              <a:rPr lang="en-US" sz="5400" b="1" dirty="0" smtClean="0"/>
+              <a:t>You can access some of the data (meta-data and extracted features) from the web. The rest (raw, post-processed, features) are accessible through a python package.</a:t>
+            </a:r>
+            <a:endParaRPr lang="en-US" sz="5400" b="1" dirty="0"/>
           </a:p>
         </p:txBody>
       </p:sp>
     </p:spTree>
     <p:extLst>
       <p:ext uri="{BB962C8B-B14F-4D97-AF65-F5344CB8AC3E}">
-        <p14:creationId xmlns:p14="http://schemas.microsoft.com/office/powerpoint/2010/main" val="506934835"/>
+        <p14:creationId xmlns:p14="http://schemas.microsoft.com/office/powerpoint/2010/main" val="2086606107"/>
       </p:ext>
     </p:extLst>
   </p:cSld>
@@ -4377,7 +5110,7 @@
           <a:p>
             <a:r>
               <a:rPr lang="en-US" b="1" dirty="0" smtClean="0"/>
-              <a:t>Data Format</a:t>
+              <a:t>Accessing the Data (Web)</a:t>
             </a:r>
             <a:endParaRPr lang="en-US" b="1" dirty="0"/>
           </a:p>
@@ -4385,7 +5118,7 @@
       </p:sp>
       <p:sp>
         <p:nvSpPr>
-          <p:cNvPr id="4" name="Content Placeholder 3"/>
+          <p:cNvPr id="3" name="Content Placeholder 2"/>
           <p:cNvSpPr>
             <a:spLocks noGrp="1"/>
           </p:cNvSpPr>
@@ -4395,132 +5128,18 @@
         </p:nvSpPr>
         <p:spPr/>
         <p:txBody>
-          <a:bodyPr>
-            <a:normAutofit/>
-          </a:bodyPr>
-          <a:lstStyle/>
-          <a:p>
-            <a:r>
-              <a:rPr lang="en-US" dirty="0" err="1" smtClean="0"/>
-              <a:t>Neurodata</a:t>
-            </a:r>
+          <a:bodyPr/>
+          <a:lstStyle/>
+          <a:p>
             <a:r>
               <a:rPr lang="en-US" dirty="0" smtClean="0"/>
-              <a:t> Without Borders (</a:t>
-            </a:r>
-            <a:r>
-              <a:rPr lang="en-US" dirty="0" err="1" smtClean="0"/>
-              <a:t>NWB</a:t>
-            </a:r>
-            <a:r>
-              <a:rPr lang="en-US" dirty="0" smtClean="0"/>
-              <a:t>).</a:t>
-            </a:r>
-          </a:p>
-          <a:p>
-            <a:pPr lvl="1"/>
-            <a:r>
-              <a:rPr lang="en-US" dirty="0" err="1" smtClean="0"/>
-              <a:t>HDF5</a:t>
-            </a:r>
-            <a:r>
-              <a:rPr lang="en-US" dirty="0" smtClean="0"/>
-              <a:t> file</a:t>
-            </a:r>
-          </a:p>
-          <a:p>
-            <a:pPr lvl="1"/>
-            <a:r>
-              <a:rPr lang="en-US" dirty="0" smtClean="0"/>
-              <a:t>Includes stimulus data and metadata</a:t>
-            </a:r>
-          </a:p>
-          <a:p>
-            <a:r>
-              <a:rPr lang="en-US" dirty="0" smtClean="0"/>
-              <a:t>Used for </a:t>
-            </a:r>
-            <a:r>
-              <a:rPr lang="en-US" dirty="0" err="1" smtClean="0"/>
-              <a:t>CRCNS</a:t>
-            </a:r>
-            <a:r>
-              <a:rPr lang="en-US" dirty="0" smtClean="0"/>
-              <a:t> </a:t>
-            </a:r>
-            <a:r>
-              <a:rPr lang="en-US" dirty="0" err="1" smtClean="0"/>
-              <a:t>ephys</a:t>
-            </a:r>
-            <a:r>
-              <a:rPr lang="en-US" dirty="0" smtClean="0"/>
-              <a:t> data sets:</a:t>
-            </a:r>
-          </a:p>
-          <a:p>
-            <a:pPr lvl="1"/>
+              <a:t>Web: </a:t>
+            </a:r>
             <a:r>
               <a:rPr lang="en-US" dirty="0" smtClean="0">
-                <a:solidFill>
-                  <a:srgbClr val="2A0EFA"/>
-                </a:solidFill>
                 <a:hlinkClick r:id="rId2"/>
               </a:rPr>
-              <a:t>https://crcns.org</a:t>
-            </a:r>
-            <a:r>
-              <a:rPr lang="en-US" dirty="0" smtClean="0">
-                <a:solidFill>
-                  <a:srgbClr val="2A0EFA"/>
-                </a:solidFill>
-                <a:hlinkClick r:id="rId2"/>
-              </a:rPr>
-              <a:t>/</a:t>
-            </a:r>
-            <a:endParaRPr lang="en-US" dirty="0">
-              <a:solidFill>
-                <a:srgbClr val="2A0EFA"/>
-              </a:solidFill>
-            </a:endParaRPr>
-          </a:p>
-          <a:p>
-            <a:r>
-              <a:rPr lang="en-US" dirty="0" smtClean="0"/>
-              <a:t>This</a:t>
-            </a:r>
-            <a:r>
-              <a:rPr lang="en-US" dirty="0" smtClean="0">
-                <a:hlinkClick r:id="rId3"/>
-              </a:rPr>
-              <a:t> paper </a:t>
-            </a:r>
-            <a:r>
-              <a:rPr lang="en-US" dirty="0" smtClean="0"/>
-              <a:t>has code snippets for </a:t>
-            </a:r>
-            <a:r>
-              <a:rPr lang="en-US" dirty="0" err="1" smtClean="0"/>
-              <a:t>reading;writing</a:t>
-            </a:r>
-            <a:r>
-              <a:rPr lang="en-US" dirty="0" smtClean="0"/>
-              <a:t> NWB data into </a:t>
-            </a:r>
-            <a:r>
-              <a:rPr lang="en-US" dirty="0" err="1" smtClean="0"/>
-              <a:t>matlab</a:t>
-            </a:r>
-            <a:r>
-              <a:rPr lang="en-US" dirty="0" smtClean="0"/>
-              <a:t> </a:t>
-            </a:r>
-            <a:r>
-              <a:rPr lang="en-US" dirty="0"/>
-              <a:t>or python</a:t>
-            </a:r>
-            <a:r>
-              <a:rPr lang="en-US" dirty="0" smtClean="0"/>
-              <a:t>:</a:t>
+              <a:t>observatory.brain-map.org</a:t>
             </a:r>
             <a:endParaRPr lang="en-US" dirty="0" smtClean="0"/>
           </a:p>
@@ -4529,7 +5148,7 @@
     </p:spTree>
     <p:extLst>
       <p:ext uri="{BB962C8B-B14F-4D97-AF65-F5344CB8AC3E}">
-        <p14:creationId xmlns:p14="http://schemas.microsoft.com/office/powerpoint/2010/main" val="1044896799"/>
+        <p14:creationId xmlns:p14="http://schemas.microsoft.com/office/powerpoint/2010/main" val="506934835"/>
       </p:ext>
     </p:extLst>
   </p:cSld>
@@ -4919,59 +5538,156 @@
             <p:ph type="title"/>
           </p:nvPr>
         </p:nvSpPr>
-        <p:spPr>
-          <a:xfrm>
-            <a:off x="228600" y="304800"/>
-            <a:ext cx="8686800" cy="6096000"/>
-          </a:xfrm>
-        </p:spPr>
+        <p:spPr/>
+        <p:txBody>
+          <a:bodyPr/>
+          <a:lstStyle/>
+          <a:p>
+            <a:r>
+              <a:rPr lang="en-US" b="1" dirty="0" smtClean="0"/>
+              <a:t>Data Format</a:t>
+            </a:r>
+            <a:endParaRPr lang="en-US" b="1" dirty="0"/>
+          </a:p>
+        </p:txBody>
+      </p:sp>
+      <p:sp>
+        <p:nvSpPr>
+          <p:cNvPr id="4" name="Content Placeholder 3"/>
+          <p:cNvSpPr>
+            <a:spLocks noGrp="1"/>
+          </p:cNvSpPr>
+          <p:nvPr>
+            <p:ph idx="1"/>
+          </p:nvPr>
+        </p:nvSpPr>
+        <p:spPr/>
         <p:txBody>
           <a:bodyPr>
             <a:normAutofit/>
           </a:bodyPr>
           <a:lstStyle/>
           <a:p>
-            <a:pPr algn="l"/>
-            <a:r>
-              <a:rPr lang="en-US" sz="5400" b="1" dirty="0" smtClean="0"/>
-              <a:t>What do to with all this data? You could:</a:t>
-            </a:r>
-            <a:br>
-              <a:rPr lang="en-US" sz="5400" b="1" dirty="0" smtClean="0"/>
-            </a:br>
-            <a:r>
-              <a:rPr lang="en-US" sz="3600" b="1" dirty="0" smtClean="0"/>
-              <a:t>1) benchmark various motion correction/spike-extraction algorithms</a:t>
-            </a:r>
-            <a:br>
-              <a:rPr lang="en-US" sz="3600" b="1" dirty="0" smtClean="0"/>
-            </a:br>
-            <a:r>
-              <a:rPr lang="en-US" sz="3600" b="1" dirty="0" smtClean="0"/>
-              <a:t>2) Validate previous work on bigger dataset</a:t>
-            </a:r>
-            <a:br>
-              <a:rPr lang="en-US" sz="3600" b="1" dirty="0" smtClean="0"/>
-            </a:br>
-            <a:r>
-              <a:rPr lang="en-US" sz="3600" b="1" dirty="0" smtClean="0"/>
-              <a:t>3) Test new theories (running?)</a:t>
-            </a:r>
-            <a:br>
-              <a:rPr lang="en-US" sz="3600" b="1" dirty="0" smtClean="0"/>
-            </a:br>
-            <a:r>
-              <a:rPr lang="en-US" sz="3600" b="1" dirty="0" smtClean="0"/>
-              <a:t>4) Use it for teaching</a:t>
-            </a:r>
-            <a:endParaRPr lang="en-US" sz="3600" b="1" dirty="0"/>
+            <a:r>
+              <a:rPr lang="en-US" dirty="0" err="1" smtClean="0"/>
+              <a:t>Neurodata</a:t>
+            </a:r>
+            <a:r>
+              <a:rPr lang="en-US" dirty="0" smtClean="0"/>
+              <a:t> Without Borders (</a:t>
+            </a:r>
+            <a:r>
+              <a:rPr lang="en-US" dirty="0" err="1" smtClean="0"/>
+              <a:t>NWB</a:t>
+            </a:r>
+            <a:r>
+              <a:rPr lang="en-US" dirty="0" smtClean="0"/>
+              <a:t>).</a:t>
+            </a:r>
+          </a:p>
+          <a:p>
+            <a:pPr lvl="1"/>
+            <a:r>
+              <a:rPr lang="en-US" dirty="0" err="1" smtClean="0"/>
+              <a:t>HDF5</a:t>
+            </a:r>
+            <a:r>
+              <a:rPr lang="en-US" dirty="0" smtClean="0"/>
+              <a:t> file</a:t>
+            </a:r>
+          </a:p>
+          <a:p>
+            <a:pPr lvl="1"/>
+            <a:r>
+              <a:rPr lang="en-US" dirty="0" smtClean="0"/>
+              <a:t>Includes stimulus data and metadata</a:t>
+            </a:r>
+          </a:p>
+          <a:p>
+            <a:r>
+              <a:rPr lang="en-US" dirty="0" smtClean="0"/>
+              <a:t>Used for </a:t>
+            </a:r>
+            <a:r>
+              <a:rPr lang="en-US" dirty="0" err="1" smtClean="0"/>
+              <a:t>CRCNS</a:t>
+            </a:r>
+            <a:r>
+              <a:rPr lang="en-US" dirty="0" smtClean="0"/>
+              <a:t> </a:t>
+            </a:r>
+            <a:r>
+              <a:rPr lang="en-US" dirty="0" err="1" smtClean="0"/>
+              <a:t>ephys</a:t>
+            </a:r>
+            <a:r>
+              <a:rPr lang="en-US" dirty="0" smtClean="0"/>
+              <a:t> data sets:</a:t>
+            </a:r>
+          </a:p>
+          <a:p>
+            <a:pPr lvl="1"/>
+            <a:r>
+              <a:rPr lang="en-US" dirty="0" smtClean="0">
+                <a:solidFill>
+                  <a:srgbClr val="2A0EFA"/>
+                </a:solidFill>
+                <a:hlinkClick r:id="rId2"/>
+              </a:rPr>
+              <a:t>https://crcns.org/</a:t>
+            </a:r>
+            <a:endParaRPr lang="en-US" dirty="0">
+              <a:solidFill>
+                <a:srgbClr val="2A0EFA"/>
+              </a:solidFill>
+            </a:endParaRPr>
+          </a:p>
+          <a:p>
+            <a:r>
+              <a:rPr lang="en-US" dirty="0" smtClean="0"/>
+              <a:t>This</a:t>
+            </a:r>
+            <a:r>
+              <a:rPr lang="en-US" dirty="0" smtClean="0">
+                <a:hlinkClick r:id="rId3"/>
+              </a:rPr>
+              <a:t> paper </a:t>
+            </a:r>
+            <a:r>
+              <a:rPr lang="en-US" dirty="0" smtClean="0"/>
+              <a:t>has code snippets for </a:t>
+            </a:r>
+            <a:r>
+              <a:rPr lang="en-US" dirty="0" err="1" smtClean="0"/>
+              <a:t>reading;writing</a:t>
+            </a:r>
+            <a:r>
+              <a:rPr lang="en-US" dirty="0" smtClean="0"/>
+              <a:t> NWB data into </a:t>
+            </a:r>
+            <a:r>
+              <a:rPr lang="en-US" dirty="0" err="1" smtClean="0"/>
+              <a:t>matlab</a:t>
+            </a:r>
+            <a:r>
+              <a:rPr lang="en-US" dirty="0" smtClean="0"/>
+              <a:t> </a:t>
+            </a:r>
+            <a:r>
+              <a:rPr lang="en-US" dirty="0"/>
+              <a:t>or python</a:t>
+            </a:r>
+            <a:r>
+              <a:rPr lang="en-US" dirty="0" smtClean="0"/>
+              <a:t>:</a:t>
+            </a:r>
           </a:p>
         </p:txBody>
       </p:sp>
     </p:spTree>
     <p:extLst>
       <p:ext uri="{BB962C8B-B14F-4D97-AF65-F5344CB8AC3E}">
-        <p14:creationId xmlns:p14="http://schemas.microsoft.com/office/powerpoint/2010/main" val="2890401281"/>
+        <p14:creationId xmlns:p14="http://schemas.microsoft.com/office/powerpoint/2010/main" val="1044896799"/>
       </p:ext>
     </p:extLst>
   </p:cSld>
@@ -5015,75 +5731,59 @@
             <p:ph type="title"/>
           </p:nvPr>
         </p:nvSpPr>
-        <p:spPr/>
+        <p:spPr>
+          <a:xfrm>
+            <a:off x="228600" y="304800"/>
+            <a:ext cx="8686800" cy="6096000"/>
+          </a:xfrm>
+        </p:spPr>
         <p:txBody>
           <a:bodyPr>
             <a:normAutofit/>
           </a:bodyPr>
           <a:lstStyle/>
           <a:p>
-            <a:r>
-              <a:rPr lang="en-US" b="1" dirty="0" smtClean="0"/>
-              <a:t>Observatory Data </a:t>
-            </a:r>
-            <a:r>
-              <a:rPr lang="en-US" b="1" i="1" dirty="0" smtClean="0"/>
-              <a:t>Not</a:t>
-            </a:r>
-            <a:r>
-              <a:rPr lang="en-US" b="1" dirty="0" smtClean="0"/>
-              <a:t> Good for:</a:t>
-            </a:r>
-            <a:endParaRPr lang="en-US" b="1" dirty="0"/>
-          </a:p>
-        </p:txBody>
-      </p:sp>
-      <p:sp>
-        <p:nvSpPr>
-          <p:cNvPr id="3" name="Content Placeholder 2"/>
-          <p:cNvSpPr>
-            <a:spLocks noGrp="1"/>
-          </p:cNvSpPr>
-          <p:nvPr>
-            <p:ph idx="1"/>
-          </p:nvPr>
-        </p:nvSpPr>
-        <p:spPr/>
-        <p:txBody>
-          <a:bodyPr/>
-          <a:lstStyle/>
-          <a:p>
-            <a:r>
-              <a:rPr lang="en-US" dirty="0" smtClean="0"/>
-              <a:t>High temporal resolution (Calcium imaging)</a:t>
-            </a:r>
-          </a:p>
-          <a:p>
-            <a:pPr lvl="1"/>
-            <a:r>
-              <a:rPr lang="en-US" dirty="0" smtClean="0"/>
-              <a:t>Imaging frame rate is 30 Hz</a:t>
-            </a:r>
-          </a:p>
-          <a:p>
-            <a:r>
-              <a:rPr lang="en-US" dirty="0" smtClean="0"/>
-              <a:t>Anything with precise spatial location</a:t>
-            </a:r>
-          </a:p>
-          <a:p>
-            <a:pPr lvl="1"/>
-            <a:r>
-              <a:rPr lang="en-US" dirty="0" smtClean="0"/>
-              <a:t>Eye movement  (1/4 RF width) not controlled for until future release</a:t>
-            </a:r>
+            <a:pPr algn="l"/>
+            <a:r>
+              <a:rPr lang="en-US" sz="5400" b="1" dirty="0" smtClean="0"/>
+              <a:t>What to do with all this data? You could:</a:t>
+            </a:r>
+            <a:br>
+              <a:rPr lang="en-US" sz="5400" b="1" dirty="0" smtClean="0"/>
+            </a:br>
+            <a:r>
+              <a:rPr lang="en-US" sz="3600" b="1" dirty="0" smtClean="0"/>
+              <a:t>1) benchmark various motion correction/spike-extraction algorithms</a:t>
+            </a:r>
+            <a:br>
+              <a:rPr lang="en-US" sz="3600" b="1" dirty="0" smtClean="0"/>
+            </a:br>
+            <a:r>
+              <a:rPr lang="en-US" sz="3600" b="1" dirty="0" smtClean="0"/>
+              <a:t>2) Validate previous work on bigger dataset</a:t>
+            </a:r>
+            <a:br>
+              <a:rPr lang="en-US" sz="3600" b="1" dirty="0" smtClean="0"/>
+            </a:br>
+            <a:r>
+              <a:rPr lang="en-US" sz="3600" b="1" dirty="0" smtClean="0"/>
+              <a:t>3) Test new theories (running?)</a:t>
+            </a:r>
+            <a:br>
+              <a:rPr lang="en-US" sz="3600" b="1" dirty="0" smtClean="0"/>
+            </a:br>
+            <a:r>
+              <a:rPr lang="en-US" sz="3600" b="1" dirty="0" smtClean="0"/>
+              <a:t>4) Use it for teaching</a:t>
+            </a:r>
+            <a:endParaRPr lang="en-US" sz="3600" b="1" dirty="0"/>
           </a:p>
         </p:txBody>
       </p:sp>
     </p:spTree>
     <p:extLst>
       <p:ext uri="{BB962C8B-B14F-4D97-AF65-F5344CB8AC3E}">
-        <p14:creationId xmlns:p14="http://schemas.microsoft.com/office/powerpoint/2010/main" val="680154838"/>
+        <p14:creationId xmlns:p14="http://schemas.microsoft.com/office/powerpoint/2010/main" val="2890401281"/>
       </p:ext>
     </p:extLst>
   </p:cSld>
@@ -5136,7 +5836,15 @@
           <a:p>
             <a:r>
               <a:rPr lang="en-US" b="1" dirty="0" smtClean="0"/>
-              <a:t>Observatory Data Good for:</a:t>
+              <a:t>Observatory Data </a:t>
+            </a:r>
+            <a:r>
+              <a:rPr lang="en-US" b="1" i="1" dirty="0" smtClean="0"/>
+              <a:t>Not</a:t>
+            </a:r>
+            <a:r>
+              <a:rPr lang="en-US" b="1" dirty="0" smtClean="0"/>
+              <a:t> Good for:</a:t>
             </a:r>
             <a:endParaRPr lang="en-US" b="1" dirty="0"/>
           </a:p>
@@ -5154,62 +5862,32 @@
         </p:nvSpPr>
         <p:spPr/>
         <p:txBody>
-          <a:bodyPr>
-            <a:normAutofit/>
-          </a:bodyPr>
+          <a:bodyPr/>
           <a:lstStyle/>
           <a:p>
             <a:r>
               <a:rPr lang="en-US" dirty="0" smtClean="0"/>
-              <a:t>Response variability with: areas, </a:t>
-            </a:r>
-            <a:r>
-              <a:rPr lang="en-US" dirty="0" err="1" smtClean="0"/>
-              <a:t>cre</a:t>
-            </a:r>
+              <a:t>High temporal resolution (Calcium imaging)</a:t>
+            </a:r>
+          </a:p>
+          <a:p>
+            <a:pPr lvl="1"/>
             <a:r>
               <a:rPr lang="en-US" dirty="0" smtClean="0"/>
-              <a:t>-lines, layers, running, pupil diameter (extract)</a:t>
+              <a:t>Imaging frame rate is 30 Hz</a:t>
             </a:r>
           </a:p>
           <a:p>
             <a:r>
               <a:rPr lang="en-US" dirty="0" smtClean="0"/>
-              <a:t>Modeling signal and noise variability with brain state (</a:t>
-            </a:r>
-            <a:r>
-              <a:rPr lang="en-US" dirty="0" err="1" smtClean="0"/>
-              <a:t>Scholvinck</a:t>
-            </a:r>
+              <a:t>Anything with precise spatial location</a:t>
+            </a:r>
+          </a:p>
+          <a:p>
+            <a:pPr lvl="1"/>
             <a:r>
               <a:rPr lang="en-US" dirty="0" smtClean="0"/>
-              <a:t> 2015+)</a:t>
-            </a:r>
-          </a:p>
-          <a:p>
-            <a:r>
-              <a:rPr lang="en-US" dirty="0" smtClean="0"/>
-              <a:t>Encoding with correlations (Pillow 2008+) </a:t>
-            </a:r>
-          </a:p>
-          <a:p>
-            <a:pPr lvl="1"/>
-            <a:r>
-              <a:rPr lang="en-US" dirty="0" smtClean="0"/>
-              <a:t>Also as a function of tuning similarity  (sign-rule?)</a:t>
-            </a:r>
-          </a:p>
-          <a:p>
-            <a:r>
-              <a:rPr lang="en-US" dirty="0" smtClean="0"/>
-              <a:t>Decoding with correlations</a:t>
-            </a:r>
-          </a:p>
-          <a:p>
-            <a:pPr lvl="1"/>
-            <a:r>
-              <a:rPr lang="en-US" dirty="0" smtClean="0"/>
-              <a:t>Does shuffling trials reduce performance?</a:t>
+              <a:t>Eye movement  (1/4 RF width) not controlled for until future release</a:t>
             </a:r>
           </a:p>
         </p:txBody>
@@ -5217,7 +5895,7 @@
     </p:spTree>
     <p:extLst>
       <p:ext uri="{BB962C8B-B14F-4D97-AF65-F5344CB8AC3E}">
-        <p14:creationId xmlns:p14="http://schemas.microsoft.com/office/powerpoint/2010/main" val="3821417294"/>
+        <p14:creationId xmlns:p14="http://schemas.microsoft.com/office/powerpoint/2010/main" val="680154838"/>
       </p:ext>
     </p:extLst>
   </p:cSld>
@@ -5261,203 +5939,97 @@
             <p:ph type="title"/>
           </p:nvPr>
         </p:nvSpPr>
-        <p:spPr>
-          <a:xfrm>
-            <a:off x="457200" y="119894"/>
-            <a:ext cx="8229600" cy="1143000"/>
-          </a:xfrm>
-        </p:spPr>
+        <p:spPr/>
         <p:txBody>
           <a:bodyPr>
-            <a:normAutofit fontScale="90000"/>
+            <a:normAutofit/>
           </a:bodyPr>
           <a:lstStyle/>
           <a:p>
             <a:r>
               <a:rPr lang="en-US" b="1" dirty="0" smtClean="0"/>
-              <a:t>Population Coupling:</a:t>
-            </a:r>
-            <a:br>
-              <a:rPr lang="en-US" b="1" dirty="0" smtClean="0"/>
-            </a:br>
-            <a:r>
-              <a:rPr lang="en-US" b="1" dirty="0" smtClean="0"/>
-              <a:t> an invariant neuronal property?</a:t>
+              <a:t>Observatory Data Good for:</a:t>
             </a:r>
             <a:endParaRPr lang="en-US" b="1" dirty="0"/>
           </a:p>
         </p:txBody>
       </p:sp>
-      <p:pic>
-        <p:nvPicPr>
-          <p:cNvPr id="4" name="Shape 71"/>
-          <p:cNvPicPr preferRelativeResize="0"/>
-          <p:nvPr/>
-        </p:nvPicPr>
-        <p:blipFill rotWithShape="1">
-          <a:blip r:embed="rId3">
-            <a:alphaModFix/>
-          </a:blip>
-          <a:srcRect l="1327" t="3789" r="2252" b="3505"/>
-          <a:stretch/>
-        </p:blipFill>
-        <p:spPr>
-          <a:xfrm>
-            <a:off x="2244176" y="1771428"/>
-            <a:ext cx="6442624" cy="4691043"/>
-          </a:xfrm>
-          <a:prstGeom prst="rect">
-            <a:avLst/>
-          </a:prstGeom>
-          <a:noFill/>
-          <a:ln>
-            <a:noFill/>
-          </a:ln>
-        </p:spPr>
-      </p:pic>
-      <p:sp>
-        <p:nvSpPr>
-          <p:cNvPr id="8" name="TextBox 7"/>
-          <p:cNvSpPr txBox="1"/>
-          <p:nvPr/>
-        </p:nvSpPr>
-        <p:spPr>
-          <a:xfrm>
-            <a:off x="242781" y="2356035"/>
-            <a:ext cx="1998280" cy="2677656"/>
-          </a:xfrm>
-          <a:prstGeom prst="rect">
-            <a:avLst/>
-          </a:prstGeom>
-          <a:noFill/>
-        </p:spPr>
-        <p:txBody>
-          <a:bodyPr wrap="square" rtlCol="0">
-            <a:spAutoFit/>
+      <p:sp>
+        <p:nvSpPr>
+          <p:cNvPr id="3" name="Content Placeholder 2"/>
+          <p:cNvSpPr>
+            <a:spLocks noGrp="1"/>
+          </p:cNvSpPr>
+          <p:nvPr>
+            <p:ph idx="1"/>
+          </p:nvPr>
+        </p:nvSpPr>
+        <p:spPr/>
+        <p:txBody>
+          <a:bodyPr>
+            <a:normAutofit/>
           </a:bodyPr>
           <a:lstStyle/>
           <a:p>
             <a:r>
-              <a:rPr lang="en-US" sz="2400" dirty="0" smtClean="0"/>
-              <a:t>Pop coupling: correlation between each cell’s activity and total population activity.</a:t>
-            </a:r>
-          </a:p>
-        </p:txBody>
-      </p:sp>
-      <p:sp>
-        <p:nvSpPr>
-          <p:cNvPr id="3" name="TextBox 2"/>
-          <p:cNvSpPr txBox="1"/>
-          <p:nvPr/>
-        </p:nvSpPr>
-        <p:spPr>
-          <a:xfrm>
-            <a:off x="5711672" y="1471346"/>
-            <a:ext cx="1556635" cy="600164"/>
-          </a:xfrm>
-          <a:prstGeom prst="rect">
-            <a:avLst/>
-          </a:prstGeom>
-          <a:noFill/>
-        </p:spPr>
-        <p:txBody>
-          <a:bodyPr wrap="square" rtlCol="0">
-            <a:spAutoFit/>
-          </a:bodyPr>
-          <a:lstStyle/>
-          <a:p>
-            <a:r>
-              <a:rPr lang="en-US" sz="1100" dirty="0" smtClean="0"/>
-              <a:t>PC is peak of the spike-triggered population rate (</a:t>
-            </a:r>
-            <a:r>
-              <a:rPr lang="en-US" sz="1100" dirty="0" err="1" smtClean="0"/>
-              <a:t>stPR</a:t>
-            </a:r>
-            <a:r>
-              <a:rPr lang="en-US" sz="1100" dirty="0" smtClean="0"/>
-              <a:t>)</a:t>
-            </a:r>
-            <a:endParaRPr lang="en-US" sz="1100" dirty="0"/>
-          </a:p>
-        </p:txBody>
-      </p:sp>
-      <p:sp>
-        <p:nvSpPr>
-          <p:cNvPr id="5" name="TextBox 4"/>
-          <p:cNvSpPr txBox="1"/>
-          <p:nvPr/>
-        </p:nvSpPr>
-        <p:spPr>
-          <a:xfrm>
-            <a:off x="2455192" y="6084514"/>
-            <a:ext cx="3746789" cy="369332"/>
-          </a:xfrm>
-          <a:prstGeom prst="rect">
-            <a:avLst/>
-          </a:prstGeom>
-          <a:solidFill>
-            <a:schemeClr val="bg1"/>
-          </a:solidFill>
-        </p:spPr>
-        <p:txBody>
-          <a:bodyPr wrap="square" rtlCol="0">
-            <a:spAutoFit/>
-          </a:bodyPr>
-          <a:lstStyle/>
-          <a:p>
+              <a:rPr lang="en-US" dirty="0" smtClean="0"/>
+              <a:t>Response variability with: areas, </a:t>
+            </a:r>
             <a:r>
               <a:rPr lang="en-US" dirty="0" err="1" smtClean="0"/>
-              <a:t>Okun</a:t>
+              <a:t>cre</a:t>
             </a:r>
             <a:r>
               <a:rPr lang="en-US" dirty="0" smtClean="0"/>
-              <a:t> et al. Nature 521 (511-15), 2015</a:t>
-            </a:r>
-            <a:endParaRPr lang="en-US" dirty="0"/>
-          </a:p>
-        </p:txBody>
-      </p:sp>
-      <p:sp>
-        <p:nvSpPr>
-          <p:cNvPr id="6" name="TextBox 5"/>
-          <p:cNvSpPr txBox="1"/>
-          <p:nvPr/>
-        </p:nvSpPr>
-        <p:spPr>
-          <a:xfrm>
-            <a:off x="3165230" y="2091482"/>
-            <a:ext cx="2100965" cy="338554"/>
-          </a:xfrm>
-          <a:prstGeom prst="rect">
-            <a:avLst/>
-          </a:prstGeom>
-          <a:solidFill>
-            <a:schemeClr val="bg1"/>
-          </a:solidFill>
-        </p:spPr>
-        <p:txBody>
-          <a:bodyPr wrap="square" rtlCol="0">
-            <a:spAutoFit/>
-          </a:bodyPr>
-          <a:lstStyle/>
-          <a:p>
-            <a:r>
-              <a:rPr lang="en-US" sz="1600" b="1" dirty="0" err="1" smtClean="0"/>
-              <a:t>Okun</a:t>
-            </a:r>
-            <a:r>
-              <a:rPr lang="en-US" sz="1600" b="1" dirty="0" smtClean="0"/>
-              <a:t> et al. Figure 1</a:t>
-            </a:r>
-            <a:endParaRPr lang="en-US" sz="1600" b="1" dirty="0"/>
+              <a:t>-lines, layers, running, pupil diameter (extract)</a:t>
+            </a:r>
+          </a:p>
+          <a:p>
+            <a:r>
+              <a:rPr lang="en-US" dirty="0" smtClean="0"/>
+              <a:t>Modeling signal and noise variability with brain state (</a:t>
+            </a:r>
+            <a:r>
+              <a:rPr lang="en-US" dirty="0" err="1" smtClean="0"/>
+              <a:t>Scholvinck</a:t>
+            </a:r>
+            <a:r>
+              <a:rPr lang="en-US" dirty="0" smtClean="0"/>
+              <a:t> 2015+)</a:t>
+            </a:r>
+          </a:p>
+          <a:p>
+            <a:r>
+              <a:rPr lang="en-US" dirty="0" smtClean="0"/>
+              <a:t>Encoding with correlations (Pillow 2008+) </a:t>
+            </a:r>
+          </a:p>
+          <a:p>
+            <a:pPr lvl="1"/>
+            <a:r>
+              <a:rPr lang="en-US" dirty="0" smtClean="0"/>
+              <a:t>Also as a function of tuning similarity  (sign-rule?)</a:t>
+            </a:r>
+          </a:p>
+          <a:p>
+            <a:r>
+              <a:rPr lang="en-US" dirty="0" smtClean="0"/>
+              <a:t>Decoding with correlations</a:t>
+            </a:r>
+          </a:p>
+          <a:p>
+            <a:pPr lvl="1"/>
+            <a:r>
+              <a:rPr lang="en-US" dirty="0" smtClean="0"/>
+              <a:t>Does shuffling trials reduce performance?</a:t>
+            </a:r>
           </a:p>
         </p:txBody>
       </p:sp>
     </p:spTree>
     <p:extLst>
       <p:ext uri="{BB962C8B-B14F-4D97-AF65-F5344CB8AC3E}">
-        <p14:creationId xmlns:p14="http://schemas.microsoft.com/office/powerpoint/2010/main" val="1236861414"/>
+        <p14:creationId xmlns:p14="http://schemas.microsoft.com/office/powerpoint/2010/main" val="3821417294"/>
       </p:ext>
     </p:extLst>
   </p:cSld>
@@ -5498,7 +6070,7 @@
             <a:spLocks noGrp="1"/>
           </p:cNvSpPr>
           <p:nvPr>
-            <p:ph type="title"/>
+            <p:ph type="ctrTitle"/>
           </p:nvPr>
         </p:nvSpPr>
         <p:spPr/>
@@ -5508,83 +6080,84 @@
           <a:p>
             <a:r>
               <a:rPr lang="en-US" b="1" dirty="0" smtClean="0"/>
-              <a:t>A ‘Window’ into the Brain</a:t>
+              <a:t>Allen Brain Observatory Dataset</a:t>
             </a:r>
             <a:endParaRPr lang="en-US" b="1" dirty="0"/>
           </a:p>
         </p:txBody>
       </p:sp>
-      <p:pic>
-        <p:nvPicPr>
-          <p:cNvPr id="4098" name="Picture 2"/>
-          <p:cNvPicPr>
-            <a:picLocks noChangeAspect="1" noChangeArrowheads="1"/>
-          </p:cNvPicPr>
+      <p:sp>
+        <p:nvSpPr>
+          <p:cNvPr id="3" name="Subtitle 2"/>
+          <p:cNvSpPr>
+            <a:spLocks noGrp="1"/>
+          </p:cNvSpPr>
+          <p:nvPr>
+            <p:ph type="subTitle" idx="1"/>
+          </p:nvPr>
+        </p:nvSpPr>
+        <p:spPr>
+          <a:xfrm>
+            <a:off x="1371600" y="3581400"/>
+            <a:ext cx="6400800" cy="1752600"/>
+          </a:xfrm>
+        </p:spPr>
+        <p:txBody>
+          <a:bodyPr/>
+          <a:lstStyle/>
+          <a:p>
+            <a:r>
+              <a:rPr lang="en-US" dirty="0" smtClean="0"/>
+              <a:t>Madineh </a:t>
+            </a:r>
+            <a:r>
+              <a:rPr lang="en-US" dirty="0" err="1" smtClean="0"/>
+              <a:t>Sedigh</a:t>
+            </a:r>
+            <a:r>
+              <a:rPr lang="en-US" dirty="0" smtClean="0"/>
+              <a:t>-Sarvestani</a:t>
+            </a:r>
+          </a:p>
+          <a:p>
+            <a:r>
+              <a:rPr lang="en-US" dirty="0" err="1" smtClean="0"/>
+              <a:t>CNI</a:t>
+            </a:r>
+            <a:r>
+              <a:rPr lang="en-US" dirty="0" smtClean="0"/>
+              <a:t> JC @ </a:t>
+            </a:r>
+            <a:r>
+              <a:rPr lang="en-US" dirty="0" err="1" smtClean="0"/>
+              <a:t>Upenn</a:t>
+            </a:r>
+            <a:endParaRPr lang="en-US" dirty="0" smtClean="0"/>
+          </a:p>
+          <a:p>
+            <a:r>
+              <a:rPr lang="en-US" dirty="0" smtClean="0"/>
+              <a:t>Oct 2016</a:t>
+            </a:r>
+            <a:endParaRPr lang="en-US" dirty="0"/>
+          </a:p>
+        </p:txBody>
+      </p:sp>
+      <p:sp>
+        <p:nvSpPr>
+          <p:cNvPr id="4" name="TextBox 3"/>
+          <p:cNvSpPr txBox="1"/>
           <p:nvPr/>
-        </p:nvPicPr>
-        <p:blipFill>
-          <a:blip r:embed="rId2">
-            <a:extLst>
-              <a:ext uri="{28A0092B-C50C-407E-A947-70E740481C1C}">
-                <a14:useLocalDpi xmlns:a14="http://schemas.microsoft.com/office/drawing/2010/main" val="0"/>
-              </a:ext>
-            </a:extLst>
-          </a:blip>
-          <a:srcRect/>
-          <a:stretch>
-            <a:fillRect/>
-          </a:stretch>
-        </p:blipFill>
-        <p:spPr bwMode="auto">
+        </p:nvSpPr>
+        <p:spPr>
           <a:xfrm>
-            <a:off x="681273" y="2057400"/>
-            <a:ext cx="7772400" cy="4152900"/>
+            <a:off x="1828800" y="5699156"/>
+            <a:ext cx="6248400" cy="646331"/>
           </a:xfrm>
           <a:prstGeom prst="rect">
             <a:avLst/>
           </a:prstGeom>
           <a:noFill/>
-          <a:ln>
-            <a:noFill/>
-          </a:ln>
-          <a:extLst>
-            <a:ext uri="{909E8E84-426E-40dd-AFC4-6F175D3DCCD1}">
-              <a14:hiddenFill xmlns:a14="http://schemas.microsoft.com/office/drawing/2010/main">
-                <a:solidFill>
-                  <a:schemeClr val="accent1"/>
-                </a:solidFill>
-              </a14:hiddenFill>
-            </a:ext>
-            <a:ext uri="{91240B29-F687-4f45-9708-019B960494DF}">
-              <a14:hiddenLine xmlns:a14="http://schemas.microsoft.com/office/drawing/2010/main" w="9525">
-                <a:solidFill>
-                  <a:schemeClr val="tx1"/>
-                </a:solidFill>
-                <a:miter lim="800000"/>
-                <a:headEnd/>
-                <a:tailEnd/>
-              </a14:hiddenLine>
-            </a:ext>
-          </a:extLst>
-        </p:spPr>
-      </p:pic>
-      <p:sp>
-        <p:nvSpPr>
-          <p:cNvPr id="4" name="TextBox 3"/>
-          <p:cNvSpPr txBox="1"/>
-          <p:nvPr/>
-        </p:nvSpPr>
-        <p:spPr>
-          <a:xfrm>
-            <a:off x="1600200" y="2057400"/>
-            <a:ext cx="1524000" cy="400110"/>
-          </a:xfrm>
-          <a:prstGeom prst="rect">
-            <a:avLst/>
-          </a:prstGeom>
-          <a:solidFill>
-            <a:schemeClr val="bg1"/>
-          </a:solidFill>
         </p:spPr>
         <p:txBody>
           <a:bodyPr wrap="square" rtlCol="0">
@@ -5593,17 +6166,33 @@
           <a:lstStyle/>
           <a:p>
             <a:r>
-              <a:rPr lang="en-US" sz="2000" b="1" dirty="0" smtClean="0"/>
-              <a:t>Mouse Brain</a:t>
-            </a:r>
-            <a:endParaRPr lang="en-US" sz="2000" b="1" dirty="0"/>
+              <a:rPr lang="en-US" dirty="0" smtClean="0"/>
+              <a:t>[Most slides are from Allen Institute’s Marina Garrett, or the Observatory </a:t>
+            </a:r>
+            <a:r>
+              <a:rPr lang="en-US" dirty="0"/>
+              <a:t>website [</a:t>
+            </a:r>
+            <a:r>
+              <a:rPr lang="en-US" dirty="0" err="1"/>
+              <a:t>observatory.brain-map.org</a:t>
+            </a:r>
+            <a:r>
+              <a:rPr lang="en-US" dirty="0"/>
+              <a:t>/</a:t>
+            </a:r>
+            <a:r>
+              <a:rPr lang="en-US" dirty="0" smtClean="0"/>
+              <a:t>]</a:t>
+            </a:r>
+            <a:endParaRPr lang="en-US" dirty="0"/>
           </a:p>
         </p:txBody>
       </p:sp>
     </p:spTree>
     <p:extLst>
       <p:ext uri="{BB962C8B-B14F-4D97-AF65-F5344CB8AC3E}">
-        <p14:creationId xmlns:p14="http://schemas.microsoft.com/office/powerpoint/2010/main" val="1816441943"/>
+        <p14:creationId xmlns:p14="http://schemas.microsoft.com/office/powerpoint/2010/main" val="488617663"/>
       </p:ext>
     </p:extLst>
   </p:cSld>
@@ -5621,6 +6210,246 @@
 </file>
 
 <file path=ppt/slides/slide20.xml><?xml version="1.0" encoding="utf-8"?>
+<p:sld xmlns:a="http://schemas.openxmlformats.org/drawingml/2006/main" xmlns:r="http://schemas.openxmlformats.org/officeDocument/2006/relationships" xmlns:p="http://schemas.openxmlformats.org/presentationml/2006/main">
+  <p:cSld>
+    <p:spTree>
+      <p:nvGrpSpPr>
+        <p:cNvPr id="1" name=""/>
+        <p:cNvGrpSpPr/>
+        <p:nvPr/>
+      </p:nvGrpSpPr>
+      <p:grpSpPr>
+        <a:xfrm>
+          <a:off x="0" y="0"/>
+          <a:ext cx="0" cy="0"/>
+          <a:chOff x="0" y="0"/>
+          <a:chExt cx="0" cy="0"/>
+        </a:xfrm>
+      </p:grpSpPr>
+      <p:sp>
+        <p:nvSpPr>
+          <p:cNvPr id="2" name="Title 1"/>
+          <p:cNvSpPr>
+            <a:spLocks noGrp="1"/>
+          </p:cNvSpPr>
+          <p:nvPr>
+            <p:ph type="title"/>
+          </p:nvPr>
+        </p:nvSpPr>
+        <p:spPr>
+          <a:xfrm>
+            <a:off x="457200" y="119894"/>
+            <a:ext cx="8229600" cy="1143000"/>
+          </a:xfrm>
+        </p:spPr>
+        <p:txBody>
+          <a:bodyPr>
+            <a:normAutofit fontScale="90000"/>
+          </a:bodyPr>
+          <a:lstStyle/>
+          <a:p>
+            <a:r>
+              <a:rPr lang="en-US" b="1" dirty="0" smtClean="0"/>
+              <a:t>Population Coupling:</a:t>
+            </a:r>
+            <a:br>
+              <a:rPr lang="en-US" b="1" dirty="0" smtClean="0"/>
+            </a:br>
+            <a:r>
+              <a:rPr lang="en-US" b="1" dirty="0" smtClean="0"/>
+              <a:t> an invariant neuronal property?</a:t>
+            </a:r>
+            <a:endParaRPr lang="en-US" b="1" dirty="0"/>
+          </a:p>
+        </p:txBody>
+      </p:sp>
+      <p:pic>
+        <p:nvPicPr>
+          <p:cNvPr id="4" name="Shape 71"/>
+          <p:cNvPicPr preferRelativeResize="0"/>
+          <p:nvPr/>
+        </p:nvPicPr>
+        <p:blipFill rotWithShape="1">
+          <a:blip r:embed="rId3">
+            <a:alphaModFix/>
+          </a:blip>
+          <a:srcRect l="1327" t="3789" r="2252" b="3505"/>
+          <a:stretch/>
+        </p:blipFill>
+        <p:spPr>
+          <a:xfrm>
+            <a:off x="2244176" y="1771428"/>
+            <a:ext cx="6442624" cy="4691043"/>
+          </a:xfrm>
+          <a:prstGeom prst="rect">
+            <a:avLst/>
+          </a:prstGeom>
+          <a:noFill/>
+          <a:ln>
+            <a:noFill/>
+          </a:ln>
+        </p:spPr>
+      </p:pic>
+      <p:sp>
+        <p:nvSpPr>
+          <p:cNvPr id="8" name="TextBox 7"/>
+          <p:cNvSpPr txBox="1"/>
+          <p:nvPr/>
+        </p:nvSpPr>
+        <p:spPr>
+          <a:xfrm>
+            <a:off x="242781" y="2356035"/>
+            <a:ext cx="1998280" cy="2677656"/>
+          </a:xfrm>
+          <a:prstGeom prst="rect">
+            <a:avLst/>
+          </a:prstGeom>
+          <a:noFill/>
+        </p:spPr>
+        <p:txBody>
+          <a:bodyPr wrap="square" rtlCol="0">
+            <a:spAutoFit/>
+          </a:bodyPr>
+          <a:lstStyle/>
+          <a:p>
+            <a:r>
+              <a:rPr lang="en-US" sz="2400" dirty="0" smtClean="0"/>
+              <a:t>Pop coupling: correlation between each cell’s activity and total population activity.</a:t>
+            </a:r>
+          </a:p>
+        </p:txBody>
+      </p:sp>
+      <p:sp>
+        <p:nvSpPr>
+          <p:cNvPr id="3" name="TextBox 2"/>
+          <p:cNvSpPr txBox="1"/>
+          <p:nvPr/>
+        </p:nvSpPr>
+        <p:spPr>
+          <a:xfrm>
+            <a:off x="5711672" y="1471346"/>
+            <a:ext cx="1556635" cy="600164"/>
+          </a:xfrm>
+          <a:prstGeom prst="rect">
+            <a:avLst/>
+          </a:prstGeom>
+          <a:noFill/>
+        </p:spPr>
+        <p:txBody>
+          <a:bodyPr wrap="square" rtlCol="0">
+            <a:spAutoFit/>
+          </a:bodyPr>
+          <a:lstStyle/>
+          <a:p>
+            <a:r>
+              <a:rPr lang="en-US" sz="1100" dirty="0" smtClean="0"/>
+              <a:t>PC is peak of the spike-triggered population rate (</a:t>
+            </a:r>
+            <a:r>
+              <a:rPr lang="en-US" sz="1100" dirty="0" err="1" smtClean="0"/>
+              <a:t>stPR</a:t>
+            </a:r>
+            <a:r>
+              <a:rPr lang="en-US" sz="1100" dirty="0" smtClean="0"/>
+              <a:t>)</a:t>
+            </a:r>
+            <a:endParaRPr lang="en-US" sz="1100" dirty="0"/>
+          </a:p>
+        </p:txBody>
+      </p:sp>
+      <p:sp>
+        <p:nvSpPr>
+          <p:cNvPr id="5" name="TextBox 4"/>
+          <p:cNvSpPr txBox="1"/>
+          <p:nvPr/>
+        </p:nvSpPr>
+        <p:spPr>
+          <a:xfrm>
+            <a:off x="2455192" y="6084514"/>
+            <a:ext cx="3746789" cy="369332"/>
+          </a:xfrm>
+          <a:prstGeom prst="rect">
+            <a:avLst/>
+          </a:prstGeom>
+          <a:solidFill>
+            <a:schemeClr val="bg1"/>
+          </a:solidFill>
+        </p:spPr>
+        <p:txBody>
+          <a:bodyPr wrap="square" rtlCol="0">
+            <a:spAutoFit/>
+          </a:bodyPr>
+          <a:lstStyle/>
+          <a:p>
+            <a:r>
+              <a:rPr lang="en-US" dirty="0" err="1" smtClean="0"/>
+              <a:t>Okun</a:t>
+            </a:r>
+            <a:r>
+              <a:rPr lang="en-US" dirty="0" smtClean="0"/>
+              <a:t> et al. Nature 521 (511-15), 2015</a:t>
+            </a:r>
+            <a:endParaRPr lang="en-US" dirty="0"/>
+          </a:p>
+        </p:txBody>
+      </p:sp>
+      <p:sp>
+        <p:nvSpPr>
+          <p:cNvPr id="6" name="TextBox 5"/>
+          <p:cNvSpPr txBox="1"/>
+          <p:nvPr/>
+        </p:nvSpPr>
+        <p:spPr>
+          <a:xfrm>
+            <a:off x="3165230" y="2091482"/>
+            <a:ext cx="2100965" cy="338554"/>
+          </a:xfrm>
+          <a:prstGeom prst="rect">
+            <a:avLst/>
+          </a:prstGeom>
+          <a:solidFill>
+            <a:schemeClr val="bg1"/>
+          </a:solidFill>
+        </p:spPr>
+        <p:txBody>
+          <a:bodyPr wrap="square" rtlCol="0">
+            <a:spAutoFit/>
+          </a:bodyPr>
+          <a:lstStyle/>
+          <a:p>
+            <a:r>
+              <a:rPr lang="en-US" sz="1600" b="1" dirty="0" err="1" smtClean="0"/>
+              <a:t>Okun</a:t>
+            </a:r>
+            <a:r>
+              <a:rPr lang="en-US" sz="1600" b="1" dirty="0" smtClean="0"/>
+              <a:t> et al. Figure 1</a:t>
+            </a:r>
+            <a:endParaRPr lang="en-US" sz="1600" b="1" dirty="0"/>
+          </a:p>
+        </p:txBody>
+      </p:sp>
+    </p:spTree>
+    <p:extLst>
+      <p:ext uri="{BB962C8B-B14F-4D97-AF65-F5344CB8AC3E}">
+        <p14:creationId xmlns:p14="http://schemas.microsoft.com/office/powerpoint/2010/main" val="1236861414"/>
+      </p:ext>
+    </p:extLst>
+  </p:cSld>
+  <p:clrMapOvr>
+    <a:masterClrMapping/>
+  </p:clrMapOvr>
+  <p:timing>
+    <p:tnLst>
+      <p:par>
+        <p:cTn xmlns:p14="http://schemas.microsoft.com/office/powerpoint/2010/main" id="1" dur="indefinite" restart="never" nodeType="tmRoot"/>
+      </p:par>
+    </p:tnLst>
+  </p:timing>
+</p:sld>
+</file>
+
+<file path=ppt/slides/slide21.xml><?xml version="1.0" encoding="utf-8"?>
 <p:sld xmlns:a="http://schemas.openxmlformats.org/drawingml/2006/main" xmlns:r="http://schemas.openxmlformats.org/officeDocument/2006/relationships" xmlns:p="http://schemas.openxmlformats.org/presentationml/2006/main">
   <p:cSld>
     <p:spTree>
@@ -5984,7 +6813,7 @@
 </p:sld>
 </file>
 
-<file path=ppt/slides/slide21.xml><?xml version="1.0" encoding="utf-8"?>
+<file path=ppt/slides/slide22.xml><?xml version="1.0" encoding="utf-8"?>
 <p:sld xmlns:a="http://schemas.openxmlformats.org/drawingml/2006/main" xmlns:r="http://schemas.openxmlformats.org/officeDocument/2006/relationships" xmlns:p="http://schemas.openxmlformats.org/presentationml/2006/main">
   <p:cSld>
     <p:spTree>
@@ -6143,7 +6972,7 @@
 </p:sld>
 </file>
 
-<file path=ppt/slides/slide22.xml><?xml version="1.0" encoding="utf-8"?>
+<file path=ppt/slides/slide23.xml><?xml version="1.0" encoding="utf-8"?>
 <p:sld xmlns:a="http://schemas.openxmlformats.org/drawingml/2006/main" xmlns:r="http://schemas.openxmlformats.org/officeDocument/2006/relationships" xmlns:p="http://schemas.openxmlformats.org/presentationml/2006/main">
   <p:cSld>
     <p:spTree>
@@ -6263,7 +7092,7 @@
 </p:sld>
 </file>
 
-<file path=ppt/slides/slide23.xml><?xml version="1.0" encoding="utf-8"?>
+<file path=ppt/slides/slide24.xml><?xml version="1.0" encoding="utf-8"?>
 <p:sld xmlns:a="http://schemas.openxmlformats.org/drawingml/2006/main" xmlns:r="http://schemas.openxmlformats.org/officeDocument/2006/relationships" xmlns:p="http://schemas.openxmlformats.org/presentationml/2006/main">
   <p:cSld>
     <p:spTree>
@@ -6398,6 +7227,152 @@
           <a:chExt cx="0" cy="0"/>
         </a:xfrm>
       </p:grpSpPr>
+      <p:sp>
+        <p:nvSpPr>
+          <p:cNvPr id="2" name="Title 1"/>
+          <p:cNvSpPr>
+            <a:spLocks noGrp="1"/>
+          </p:cNvSpPr>
+          <p:nvPr>
+            <p:ph type="title"/>
+          </p:nvPr>
+        </p:nvSpPr>
+        <p:spPr/>
+        <p:txBody>
+          <a:bodyPr/>
+          <a:lstStyle/>
+          <a:p>
+            <a:r>
+              <a:rPr lang="en-US" b="1" dirty="0" smtClean="0"/>
+              <a:t>A ‘Window’ into the Brain</a:t>
+            </a:r>
+            <a:endParaRPr lang="en-US" b="1" dirty="0"/>
+          </a:p>
+        </p:txBody>
+      </p:sp>
+      <p:pic>
+        <p:nvPicPr>
+          <p:cNvPr id="4098" name="Picture 2"/>
+          <p:cNvPicPr>
+            <a:picLocks noChangeAspect="1" noChangeArrowheads="1"/>
+          </p:cNvPicPr>
+          <p:nvPr/>
+        </p:nvPicPr>
+        <p:blipFill>
+          <a:blip r:embed="rId3">
+            <a:extLst>
+              <a:ext uri="{28A0092B-C50C-407E-A947-70E740481C1C}">
+                <a14:useLocalDpi xmlns:a14="http://schemas.microsoft.com/office/drawing/2010/main" val="0"/>
+              </a:ext>
+            </a:extLst>
+          </a:blip>
+          <a:srcRect/>
+          <a:stretch>
+            <a:fillRect/>
+          </a:stretch>
+        </p:blipFill>
+        <p:spPr bwMode="auto">
+          <a:xfrm>
+            <a:off x="681273" y="2057400"/>
+            <a:ext cx="7772400" cy="4152900"/>
+          </a:xfrm>
+          <a:prstGeom prst="rect">
+            <a:avLst/>
+          </a:prstGeom>
+          <a:noFill/>
+          <a:ln>
+            <a:noFill/>
+          </a:ln>
+          <a:extLst>
+            <a:ext uri="{909E8E84-426E-40dd-AFC4-6F175D3DCCD1}">
+              <a14:hiddenFill xmlns:a14="http://schemas.microsoft.com/office/drawing/2010/main">
+                <a:solidFill>
+                  <a:schemeClr val="accent1"/>
+                </a:solidFill>
+              </a14:hiddenFill>
+            </a:ext>
+            <a:ext uri="{91240B29-F687-4f45-9708-019B960494DF}">
+              <a14:hiddenLine xmlns:a14="http://schemas.microsoft.com/office/drawing/2010/main" w="9525">
+                <a:solidFill>
+                  <a:schemeClr val="tx1"/>
+                </a:solidFill>
+                <a:miter lim="800000"/>
+                <a:headEnd/>
+                <a:tailEnd/>
+              </a14:hiddenLine>
+            </a:ext>
+          </a:extLst>
+        </p:spPr>
+      </p:pic>
+      <p:sp>
+        <p:nvSpPr>
+          <p:cNvPr id="4" name="TextBox 3"/>
+          <p:cNvSpPr txBox="1"/>
+          <p:nvPr/>
+        </p:nvSpPr>
+        <p:spPr>
+          <a:xfrm>
+            <a:off x="1600200" y="2057400"/>
+            <a:ext cx="1524000" cy="400110"/>
+          </a:xfrm>
+          <a:prstGeom prst="rect">
+            <a:avLst/>
+          </a:prstGeom>
+          <a:solidFill>
+            <a:schemeClr val="bg1"/>
+          </a:solidFill>
+        </p:spPr>
+        <p:txBody>
+          <a:bodyPr wrap="square" rtlCol="0">
+            <a:spAutoFit/>
+          </a:bodyPr>
+          <a:lstStyle/>
+          <a:p>
+            <a:r>
+              <a:rPr lang="en-US" sz="2000" b="1" dirty="0" smtClean="0"/>
+              <a:t>Mouse Brain</a:t>
+            </a:r>
+            <a:endParaRPr lang="en-US" sz="2000" b="1" dirty="0"/>
+          </a:p>
+        </p:txBody>
+      </p:sp>
+    </p:spTree>
+    <p:extLst>
+      <p:ext uri="{BB962C8B-B14F-4D97-AF65-F5344CB8AC3E}">
+        <p14:creationId xmlns:p14="http://schemas.microsoft.com/office/powerpoint/2010/main" val="1816441943"/>
+      </p:ext>
+    </p:extLst>
+  </p:cSld>
+  <p:clrMapOvr>
+    <a:masterClrMapping/>
+  </p:clrMapOvr>
+  <p:timing>
+    <p:tnLst>
+      <p:par>
+        <p:cTn xmlns:p14="http://schemas.microsoft.com/office/powerpoint/2010/main" id="1" dur="indefinite" restart="never" nodeType="tmRoot"/>
+      </p:par>
+    </p:tnLst>
+  </p:timing>
+</p:sld>
+</file>
+
+<file path=ppt/slides/slide4.xml><?xml version="1.0" encoding="utf-8"?>
+<p:sld xmlns:a="http://schemas.openxmlformats.org/drawingml/2006/main" xmlns:r="http://schemas.openxmlformats.org/officeDocument/2006/relationships" xmlns:p="http://schemas.openxmlformats.org/presentationml/2006/main">
+  <p:cSld>
+    <p:spTree>
+      <p:nvGrpSpPr>
+        <p:cNvPr id="1" name=""/>
+        <p:cNvGrpSpPr/>
+        <p:nvPr/>
+      </p:nvGrpSpPr>
+      <p:grpSpPr>
+        <a:xfrm>
+          <a:off x="0" y="0"/>
+          <a:ext cx="0" cy="0"/>
+          <a:chOff x="0" y="0"/>
+          <a:chExt cx="0" cy="0"/>
+        </a:xfrm>
+      </p:grpSpPr>
       <p:pic>
         <p:nvPicPr>
           <p:cNvPr id="8194" name="Picture 2"/>
@@ -6470,7 +7445,7 @@
 </p:sld>
 </file>
 
-<file path=ppt/slides/slide4.xml><?xml version="1.0" encoding="utf-8"?>
+<file path=ppt/slides/slide5.xml><?xml version="1.0" encoding="utf-8"?>
 <p:sld xmlns:a="http://schemas.openxmlformats.org/drawingml/2006/main" xmlns:r="http://schemas.openxmlformats.org/officeDocument/2006/relationships" xmlns:p="http://schemas.openxmlformats.org/presentationml/2006/main">
   <p:cSld>
     <p:spTree>
@@ -6496,7 +7471,7 @@
           <p:nvPr/>
         </p:nvPicPr>
         <p:blipFill>
-          <a:blip r:embed="rId2">
+          <a:blip r:embed="rId3">
             <a:extLst>
               <a:ext uri="{28A0092B-C50C-407E-A947-70E740481C1C}">
                 <a14:useLocalDpi xmlns:a14="http://schemas.microsoft.com/office/drawing/2010/main" val="0"/>
@@ -6679,7 +7654,7 @@
 </p:sld>
 </file>
 
-<file path=ppt/slides/slide5.xml><?xml version="1.0" encoding="utf-8"?>
+<file path=ppt/slides/slide6.xml><?xml version="1.0" encoding="utf-8"?>
 <p:sld xmlns:a="http://schemas.openxmlformats.org/drawingml/2006/main" xmlns:r="http://schemas.openxmlformats.org/officeDocument/2006/relationships" xmlns:p="http://schemas.openxmlformats.org/presentationml/2006/main">
   <p:cSld>
     <p:spTree>
@@ -6809,7 +7784,7 @@
 </p:sld>
 </file>
 
-<file path=ppt/slides/slide6.xml><?xml version="1.0" encoding="utf-8"?>
+<file path=ppt/slides/slide7.xml><?xml version="1.0" encoding="utf-8"?>
 <p:sld xmlns:a="http://schemas.openxmlformats.org/drawingml/2006/main" xmlns:r="http://schemas.openxmlformats.org/officeDocument/2006/relationships" xmlns:p="http://schemas.openxmlformats.org/presentationml/2006/main">
   <p:cSld>
     <p:spTree>
@@ -6858,7 +7833,7 @@
           <p:nvPr/>
         </p:nvPicPr>
         <p:blipFill>
-          <a:blip r:embed="rId2">
+          <a:blip r:embed="rId3">
             <a:extLst>
               <a:ext uri="{28A0092B-C50C-407E-A947-70E740481C1C}">
                 <a14:useLocalDpi xmlns:a14="http://schemas.microsoft.com/office/drawing/2010/main" val="0"/>
@@ -6979,7 +7954,7 @@
           <p:nvPr/>
         </p:nvPicPr>
         <p:blipFill rotWithShape="1">
-          <a:blip r:embed="rId3">
+          <a:blip r:embed="rId4">
             <a:extLst>
               <a:ext uri="{28A0092B-C50C-407E-A947-70E740481C1C}">
                 <a14:useLocalDpi xmlns:a14="http://schemas.microsoft.com/office/drawing/2010/main" val="0"/>
@@ -7022,6 +7997,52 @@
           </a:extLst>
         </p:spPr>
       </p:pic>
+      <p:sp>
+        <p:nvSpPr>
+          <p:cNvPr id="7" name="Title 1"/>
+          <p:cNvSpPr txBox="1">
+            <a:spLocks/>
+          </p:cNvSpPr>
+          <p:nvPr/>
+        </p:nvSpPr>
+        <p:spPr>
+          <a:xfrm>
+            <a:off x="609600" y="5698227"/>
+            <a:ext cx="8229600" cy="1143000"/>
+          </a:xfrm>
+          <a:prstGeom prst="rect">
+            <a:avLst/>
+          </a:prstGeom>
+        </p:spPr>
+        <p:txBody>
+          <a:bodyPr vert="horz" lIns="91440" tIns="45720" rIns="91440" bIns="45720" rtlCol="0" anchor="ctr">
+            <a:normAutofit/>
+          </a:bodyPr>
+          <a:lstStyle>
+            <a:lvl1pPr algn="ctr" defTabSz="914400" rtl="0" eaLnBrk="1" latinLnBrk="0" hangingPunct="1">
+              <a:spcBef>
+                <a:spcPct val="0"/>
+              </a:spcBef>
+              <a:buNone/>
+              <a:defRPr sz="4400" kern="1200">
+                <a:solidFill>
+                  <a:schemeClr val="tx1"/>
+                </a:solidFill>
+                <a:latin typeface="+mj-lt"/>
+                <a:ea typeface="+mj-ea"/>
+                <a:cs typeface="+mj-cs"/>
+              </a:defRPr>
+            </a:lvl1pPr>
+          </a:lstStyle>
+          <a:p>
+            <a:r>
+              <a:rPr lang="en-US" b="1" dirty="0" smtClean="0"/>
+              <a:t>Hypothesis-free</a:t>
+            </a:r>
+            <a:endParaRPr lang="en-US" b="1" dirty="0"/>
+          </a:p>
+        </p:txBody>
+      </p:sp>
     </p:spTree>
     <p:extLst>
       <p:ext uri="{BB962C8B-B14F-4D97-AF65-F5344CB8AC3E}">
@@ -7042,7 +8063,7 @@
 </p:sld>
 </file>
 
-<file path=ppt/slides/slide7.xml><?xml version="1.0" encoding="utf-8"?>
+<file path=ppt/slides/slide8.xml><?xml version="1.0" encoding="utf-8"?>
 <p:sld xmlns:a="http://schemas.openxmlformats.org/drawingml/2006/main" xmlns:r="http://schemas.openxmlformats.org/officeDocument/2006/relationships" xmlns:p="http://schemas.openxmlformats.org/presentationml/2006/main">
   <p:cSld>
     <p:spTree>
@@ -7091,7 +8112,7 @@
           <p:nvPr/>
         </p:nvPicPr>
         <p:blipFill>
-          <a:blip r:embed="rId2">
+          <a:blip r:embed="rId3">
             <a:extLst>
               <a:ext uri="{28A0092B-C50C-407E-A947-70E740481C1C}">
                 <a14:useLocalDpi xmlns:a14="http://schemas.microsoft.com/office/drawing/2010/main" val="0"/>
@@ -7186,7 +8207,7 @@
 </p:sld>
 </file>
 
-<file path=ppt/slides/slide8.xml><?xml version="1.0" encoding="utf-8"?>
+<file path=ppt/slides/slide9.xml><?xml version="1.0" encoding="utf-8"?>
 <p:sld xmlns:a="http://schemas.openxmlformats.org/drawingml/2006/main" xmlns:r="http://schemas.openxmlformats.org/officeDocument/2006/relationships" xmlns:p="http://schemas.openxmlformats.org/presentationml/2006/main">
   <p:cSld>
     <p:spTree>
@@ -7738,145 +8759,6 @@
     <p:bldLst>
       <p:bldP spid="3" grpId="0"/>
     </p:bldLst>
-  </p:timing>
-</p:sld>
-</file>
-
-<file path=ppt/slides/slide9.xml><?xml version="1.0" encoding="utf-8"?>
-<p:sld xmlns:a="http://schemas.openxmlformats.org/drawingml/2006/main" xmlns:r="http://schemas.openxmlformats.org/officeDocument/2006/relationships" xmlns:p="http://schemas.openxmlformats.org/presentationml/2006/main">
-  <p:cSld>
-    <p:spTree>
-      <p:nvGrpSpPr>
-        <p:cNvPr id="1" name=""/>
-        <p:cNvGrpSpPr/>
-        <p:nvPr/>
-      </p:nvGrpSpPr>
-      <p:grpSpPr>
-        <a:xfrm>
-          <a:off x="0" y="0"/>
-          <a:ext cx="0" cy="0"/>
-          <a:chOff x="0" y="0"/>
-          <a:chExt cx="0" cy="0"/>
-        </a:xfrm>
-      </p:grpSpPr>
-      <p:sp>
-        <p:nvSpPr>
-          <p:cNvPr id="2" name="Title 1"/>
-          <p:cNvSpPr>
-            <a:spLocks noGrp="1"/>
-          </p:cNvSpPr>
-          <p:nvPr>
-            <p:ph type="title"/>
-          </p:nvPr>
-        </p:nvSpPr>
-        <p:spPr/>
-        <p:txBody>
-          <a:bodyPr/>
-          <a:lstStyle/>
-          <a:p>
-            <a:r>
-              <a:rPr lang="en-US" b="1" dirty="0" smtClean="0"/>
-              <a:t>Pre-calculated Response Features</a:t>
-            </a:r>
-            <a:endParaRPr lang="en-US" b="1" dirty="0"/>
-          </a:p>
-        </p:txBody>
-      </p:sp>
-      <p:sp>
-        <p:nvSpPr>
-          <p:cNvPr id="3" name="Content Placeholder 2"/>
-          <p:cNvSpPr>
-            <a:spLocks noGrp="1"/>
-          </p:cNvSpPr>
-          <p:nvPr>
-            <p:ph idx="1"/>
-          </p:nvPr>
-        </p:nvSpPr>
-        <p:spPr/>
-        <p:txBody>
-          <a:bodyPr>
-            <a:normAutofit lnSpcReduction="10000"/>
-          </a:bodyPr>
-          <a:lstStyle/>
-          <a:p>
-            <a:r>
-              <a:rPr lang="en-US" dirty="0" smtClean="0">
-                <a:hlinkClick r:id="rId2"/>
-              </a:rPr>
-              <a:t>Stimuli</a:t>
-            </a:r>
-            <a:r>
-              <a:rPr lang="en-US" dirty="0" smtClean="0"/>
-              <a:t>, shown in three 1 hour sessions</a:t>
-            </a:r>
-          </a:p>
-          <a:p>
-            <a:endParaRPr lang="en-US" dirty="0"/>
-          </a:p>
-          <a:p>
-            <a:r>
-              <a:rPr lang="en-US" dirty="0"/>
-              <a:t>Receptive field</a:t>
-            </a:r>
-          </a:p>
-          <a:p>
-            <a:r>
-              <a:rPr lang="en-US" dirty="0" smtClean="0"/>
-              <a:t>Response reliability for each stimulus type</a:t>
-            </a:r>
-          </a:p>
-          <a:p>
-            <a:r>
-              <a:rPr lang="en-US" dirty="0" smtClean="0"/>
-              <a:t>Orientation/direction selectivity</a:t>
-            </a:r>
-          </a:p>
-          <a:p>
-            <a:r>
-              <a:rPr lang="en-US" dirty="0" smtClean="0"/>
-              <a:t>Preferred: </a:t>
-            </a:r>
-            <a:r>
-              <a:rPr lang="en-US" dirty="0" err="1" smtClean="0"/>
-              <a:t>tf</a:t>
-            </a:r>
-            <a:r>
-              <a:rPr lang="en-US" dirty="0" smtClean="0"/>
-              <a:t>, </a:t>
-            </a:r>
-            <a:r>
-              <a:rPr lang="en-US" dirty="0" err="1" smtClean="0"/>
-              <a:t>sf</a:t>
-            </a:r>
-            <a:r>
-              <a:rPr lang="en-US" dirty="0" smtClean="0"/>
-              <a:t>, orientation, natural image frame</a:t>
-            </a:r>
-          </a:p>
-          <a:p>
-            <a:r>
-              <a:rPr lang="en-US" dirty="0" smtClean="0"/>
-              <a:t>Modulating by running</a:t>
-            </a:r>
-          </a:p>
-        </p:txBody>
-      </p:sp>
-    </p:spTree>
-    <p:extLst>
-      <p:ext uri="{BB962C8B-B14F-4D97-AF65-F5344CB8AC3E}">
-        <p14:creationId xmlns:p14="http://schemas.microsoft.com/office/powerpoint/2010/main" val="318410832"/>
-      </p:ext>
-    </p:extLst>
-  </p:cSld>
-  <p:clrMapOvr>
-    <a:masterClrMapping/>
-  </p:clrMapOvr>
-  <p:timing>
-    <p:tnLst>
-      <p:par>
-        <p:cTn xmlns:p14="http://schemas.microsoft.com/office/powerpoint/2010/main" id="1" dur="indefinite" restart="never" nodeType="tmRoot"/>
-      </p:par>
-    </p:tnLst>
   </p:timing>
 </p:sld>
 </file>

--- a/Allen_Brain_Observatory_Dataset.pptx
+++ b/Allen_Brain_Observatory_Dataset.pptx
@@ -5,33 +5,35 @@
     <p:sldMasterId id="2147483648" r:id="rId1"/>
   </p:sldMasterIdLst>
   <p:notesMasterIdLst>
-    <p:notesMasterId r:id="rId26"/>
+    <p:notesMasterId r:id="rId28"/>
   </p:notesMasterIdLst>
   <p:sldIdLst>
     <p:sldId id="282" r:id="rId2"/>
     <p:sldId id="256" r:id="rId3"/>
-    <p:sldId id="262" r:id="rId4"/>
-    <p:sldId id="277" r:id="rId5"/>
-    <p:sldId id="258" r:id="rId6"/>
-    <p:sldId id="259" r:id="rId7"/>
-    <p:sldId id="265" r:id="rId8"/>
-    <p:sldId id="261" r:id="rId9"/>
-    <p:sldId id="264" r:id="rId10"/>
-    <p:sldId id="280" r:id="rId11"/>
-    <p:sldId id="268" r:id="rId12"/>
-    <p:sldId id="267" r:id="rId13"/>
-    <p:sldId id="281" r:id="rId14"/>
-    <p:sldId id="270" r:id="rId15"/>
-    <p:sldId id="269" r:id="rId16"/>
-    <p:sldId id="276" r:id="rId17"/>
-    <p:sldId id="273" r:id="rId18"/>
-    <p:sldId id="271" r:id="rId19"/>
-    <p:sldId id="274" r:id="rId20"/>
-    <p:sldId id="278" r:id="rId21"/>
-    <p:sldId id="279" r:id="rId22"/>
-    <p:sldId id="266" r:id="rId23"/>
-    <p:sldId id="260" r:id="rId24"/>
-    <p:sldId id="263" r:id="rId25"/>
+    <p:sldId id="283" r:id="rId4"/>
+    <p:sldId id="262" r:id="rId5"/>
+    <p:sldId id="277" r:id="rId6"/>
+    <p:sldId id="258" r:id="rId7"/>
+    <p:sldId id="259" r:id="rId8"/>
+    <p:sldId id="265" r:id="rId9"/>
+    <p:sldId id="261" r:id="rId10"/>
+    <p:sldId id="264" r:id="rId11"/>
+    <p:sldId id="280" r:id="rId12"/>
+    <p:sldId id="268" r:id="rId13"/>
+    <p:sldId id="267" r:id="rId14"/>
+    <p:sldId id="281" r:id="rId15"/>
+    <p:sldId id="270" r:id="rId16"/>
+    <p:sldId id="269" r:id="rId17"/>
+    <p:sldId id="276" r:id="rId18"/>
+    <p:sldId id="273" r:id="rId19"/>
+    <p:sldId id="271" r:id="rId20"/>
+    <p:sldId id="274" r:id="rId21"/>
+    <p:sldId id="278" r:id="rId22"/>
+    <p:sldId id="279" r:id="rId23"/>
+    <p:sldId id="266" r:id="rId24"/>
+    <p:sldId id="260" r:id="rId25"/>
+    <p:sldId id="284" r:id="rId26"/>
+    <p:sldId id="263" r:id="rId27"/>
   </p:sldIdLst>
   <p:sldSz cx="9144000" cy="6858000" type="screen4x3"/>
   <p:notesSz cx="6858000" cy="9144000"/>
@@ -912,7 +914,7 @@
           <a:p>
             <a:fld id="{5E665C15-95BD-4FB6-9F40-D435F1FF678C}" type="slidenum">
               <a:rPr lang="en-US" smtClean="0"/>
-              <a:t>20</a:t>
+              <a:t>21</a:t>
             </a:fld>
             <a:endParaRPr lang="en-US"/>
           </a:p>
@@ -1004,7 +1006,7 @@
           <a:p>
             <a:fld id="{5E665C15-95BD-4FB6-9F40-D435F1FF678C}" type="slidenum">
               <a:rPr lang="en-US" smtClean="0"/>
-              <a:t>21</a:t>
+              <a:t>22</a:t>
             </a:fld>
             <a:endParaRPr lang="en-US"/>
           </a:p>
@@ -1188,7 +1190,7 @@
           <a:p>
             <a:fld id="{EAA819C3-C1FC-40A9-BE34-0E0DC2F1541B}" type="slidenum">
               <a:rPr lang="en-US" smtClean="0"/>
-              <a:t>3</a:t>
+              <a:t>4</a:t>
             </a:fld>
             <a:endParaRPr lang="en-US"/>
           </a:p>
@@ -1288,7 +1290,7 @@
           <a:p>
             <a:fld id="{EAA819C3-C1FC-40A9-BE34-0E0DC2F1541B}" type="slidenum">
               <a:rPr lang="en-US" smtClean="0"/>
-              <a:t>4</a:t>
+              <a:t>5</a:t>
             </a:fld>
             <a:endParaRPr lang="en-US"/>
           </a:p>
@@ -1380,7 +1382,7 @@
           <a:p>
             <a:fld id="{EAA819C3-C1FC-40A9-BE34-0E0DC2F1541B}" type="slidenum">
               <a:rPr lang="en-US" smtClean="0"/>
-              <a:t>5</a:t>
+              <a:t>6</a:t>
             </a:fld>
             <a:endParaRPr lang="en-US"/>
           </a:p>
@@ -1464,7 +1466,7 @@
           <a:p>
             <a:fld id="{EAA819C3-C1FC-40A9-BE34-0E0DC2F1541B}" type="slidenum">
               <a:rPr lang="en-US" smtClean="0"/>
-              <a:t>6</a:t>
+              <a:t>7</a:t>
             </a:fld>
             <a:endParaRPr lang="en-US"/>
           </a:p>
@@ -1571,7 +1573,7 @@
           <a:p>
             <a:fld id="{EAA819C3-C1FC-40A9-BE34-0E0DC2F1541B}" type="slidenum">
               <a:rPr lang="en-US" smtClean="0"/>
-              <a:t>7</a:t>
+              <a:t>8</a:t>
             </a:fld>
             <a:endParaRPr lang="en-US"/>
           </a:p>
@@ -1655,7 +1657,7 @@
           <a:p>
             <a:fld id="{EAA819C3-C1FC-40A9-BE34-0E0DC2F1541B}" type="slidenum">
               <a:rPr lang="en-US" smtClean="0"/>
-              <a:t>8</a:t>
+              <a:t>9</a:t>
             </a:fld>
             <a:endParaRPr lang="en-US"/>
           </a:p>
@@ -1783,7 +1785,7 @@
           <a:p>
             <a:fld id="{EAA819C3-C1FC-40A9-BE34-0E0DC2F1541B}" type="slidenum">
               <a:rPr lang="en-US" smtClean="0"/>
-              <a:t>9</a:t>
+              <a:t>10</a:t>
             </a:fld>
             <a:endParaRPr lang="en-US"/>
           </a:p>
@@ -4896,3344 +4898,6 @@
             <p:ph type="title"/>
           </p:nvPr>
         </p:nvSpPr>
-        <p:spPr/>
-        <p:txBody>
-          <a:bodyPr/>
-          <a:lstStyle/>
-          <a:p>
-            <a:r>
-              <a:rPr lang="en-US" b="1" dirty="0" smtClean="0"/>
-              <a:t>Pre-calculated Response Features</a:t>
-            </a:r>
-            <a:endParaRPr lang="en-US" b="1" dirty="0"/>
-          </a:p>
-        </p:txBody>
-      </p:sp>
-      <p:sp>
-        <p:nvSpPr>
-          <p:cNvPr id="3" name="Content Placeholder 2"/>
-          <p:cNvSpPr>
-            <a:spLocks noGrp="1"/>
-          </p:cNvSpPr>
-          <p:nvPr>
-            <p:ph idx="1"/>
-          </p:nvPr>
-        </p:nvSpPr>
-        <p:spPr/>
-        <p:txBody>
-          <a:bodyPr>
-            <a:normAutofit lnSpcReduction="10000"/>
-          </a:bodyPr>
-          <a:lstStyle/>
-          <a:p>
-            <a:r>
-              <a:rPr lang="en-US" dirty="0" smtClean="0">
-                <a:hlinkClick r:id="rId2"/>
-              </a:rPr>
-              <a:t>Stimuli</a:t>
-            </a:r>
-            <a:r>
-              <a:rPr lang="en-US" dirty="0" smtClean="0"/>
-              <a:t>, shown in three 1 hour sessions</a:t>
-            </a:r>
-          </a:p>
-          <a:p>
-            <a:endParaRPr lang="en-US" dirty="0"/>
-          </a:p>
-          <a:p>
-            <a:r>
-              <a:rPr lang="en-US" dirty="0"/>
-              <a:t>Receptive field</a:t>
-            </a:r>
-          </a:p>
-          <a:p>
-            <a:r>
-              <a:rPr lang="en-US" dirty="0" smtClean="0"/>
-              <a:t>Response reliability for each stimulus type</a:t>
-            </a:r>
-          </a:p>
-          <a:p>
-            <a:r>
-              <a:rPr lang="en-US" dirty="0" smtClean="0"/>
-              <a:t>Orientation/direction selectivity</a:t>
-            </a:r>
-          </a:p>
-          <a:p>
-            <a:r>
-              <a:rPr lang="en-US" dirty="0" smtClean="0"/>
-              <a:t>Preferred: </a:t>
-            </a:r>
-            <a:r>
-              <a:rPr lang="en-US" dirty="0" err="1" smtClean="0"/>
-              <a:t>tf</a:t>
-            </a:r>
-            <a:r>
-              <a:rPr lang="en-US" dirty="0" smtClean="0"/>
-              <a:t>, </a:t>
-            </a:r>
-            <a:r>
-              <a:rPr lang="en-US" dirty="0" err="1" smtClean="0"/>
-              <a:t>sf</a:t>
-            </a:r>
-            <a:r>
-              <a:rPr lang="en-US" dirty="0" smtClean="0"/>
-              <a:t>, orientation, natural image frame</a:t>
-            </a:r>
-          </a:p>
-          <a:p>
-            <a:r>
-              <a:rPr lang="en-US" dirty="0" smtClean="0"/>
-              <a:t>Modulating by running</a:t>
-            </a:r>
-          </a:p>
-        </p:txBody>
-      </p:sp>
-    </p:spTree>
-    <p:extLst>
-      <p:ext uri="{BB962C8B-B14F-4D97-AF65-F5344CB8AC3E}">
-        <p14:creationId xmlns:p14="http://schemas.microsoft.com/office/powerpoint/2010/main" val="318410832"/>
-      </p:ext>
-    </p:extLst>
-  </p:cSld>
-  <p:clrMapOvr>
-    <a:masterClrMapping/>
-  </p:clrMapOvr>
-  <p:timing>
-    <p:tnLst>
-      <p:par>
-        <p:cTn xmlns:p14="http://schemas.microsoft.com/office/powerpoint/2010/main" id="1" dur="indefinite" restart="never" nodeType="tmRoot"/>
-      </p:par>
-    </p:tnLst>
-  </p:timing>
-</p:sld>
-</file>
-
-<file path=ppt/slides/slide11.xml><?xml version="1.0" encoding="utf-8"?>
-<p:sld xmlns:a="http://schemas.openxmlformats.org/drawingml/2006/main" xmlns:r="http://schemas.openxmlformats.org/officeDocument/2006/relationships" xmlns:p="http://schemas.openxmlformats.org/presentationml/2006/main">
-  <p:cSld>
-    <p:spTree>
-      <p:nvGrpSpPr>
-        <p:cNvPr id="1" name=""/>
-        <p:cNvGrpSpPr/>
-        <p:nvPr/>
-      </p:nvGrpSpPr>
-      <p:grpSpPr>
-        <a:xfrm>
-          <a:off x="0" y="0"/>
-          <a:ext cx="0" cy="0"/>
-          <a:chOff x="0" y="0"/>
-          <a:chExt cx="0" cy="0"/>
-        </a:xfrm>
-      </p:grpSpPr>
-      <p:sp>
-        <p:nvSpPr>
-          <p:cNvPr id="2" name="Title 1"/>
-          <p:cNvSpPr>
-            <a:spLocks noGrp="1"/>
-          </p:cNvSpPr>
-          <p:nvPr>
-            <p:ph type="title"/>
-          </p:nvPr>
-        </p:nvSpPr>
-        <p:spPr>
-          <a:xfrm>
-            <a:off x="457200" y="304800"/>
-            <a:ext cx="8229600" cy="6096000"/>
-          </a:xfrm>
-        </p:spPr>
-        <p:txBody>
-          <a:bodyPr>
-            <a:normAutofit/>
-          </a:bodyPr>
-          <a:lstStyle/>
-          <a:p>
-            <a:pPr algn="l"/>
-            <a:r>
-              <a:rPr lang="en-US" sz="5400" b="1" dirty="0" smtClean="0"/>
-              <a:t>You can access some of the data (meta-data and extracted features) from the web. The rest (raw, post-processed, features) are accessible through a python package.</a:t>
-            </a:r>
-            <a:endParaRPr lang="en-US" sz="5400" b="1" dirty="0"/>
-          </a:p>
-        </p:txBody>
-      </p:sp>
-    </p:spTree>
-    <p:extLst>
-      <p:ext uri="{BB962C8B-B14F-4D97-AF65-F5344CB8AC3E}">
-        <p14:creationId xmlns:p14="http://schemas.microsoft.com/office/powerpoint/2010/main" val="2086606107"/>
-      </p:ext>
-    </p:extLst>
-  </p:cSld>
-  <p:clrMapOvr>
-    <a:masterClrMapping/>
-  </p:clrMapOvr>
-  <p:timing>
-    <p:tnLst>
-      <p:par>
-        <p:cTn xmlns:p14="http://schemas.microsoft.com/office/powerpoint/2010/main" id="1" dur="indefinite" restart="never" nodeType="tmRoot"/>
-      </p:par>
-    </p:tnLst>
-  </p:timing>
-</p:sld>
-</file>
-
-<file path=ppt/slides/slide12.xml><?xml version="1.0" encoding="utf-8"?>
-<p:sld xmlns:a="http://schemas.openxmlformats.org/drawingml/2006/main" xmlns:r="http://schemas.openxmlformats.org/officeDocument/2006/relationships" xmlns:p="http://schemas.openxmlformats.org/presentationml/2006/main">
-  <p:cSld>
-    <p:spTree>
-      <p:nvGrpSpPr>
-        <p:cNvPr id="1" name=""/>
-        <p:cNvGrpSpPr/>
-        <p:nvPr/>
-      </p:nvGrpSpPr>
-      <p:grpSpPr>
-        <a:xfrm>
-          <a:off x="0" y="0"/>
-          <a:ext cx="0" cy="0"/>
-          <a:chOff x="0" y="0"/>
-          <a:chExt cx="0" cy="0"/>
-        </a:xfrm>
-      </p:grpSpPr>
-      <p:sp>
-        <p:nvSpPr>
-          <p:cNvPr id="2" name="Title 1"/>
-          <p:cNvSpPr>
-            <a:spLocks noGrp="1"/>
-          </p:cNvSpPr>
-          <p:nvPr>
-            <p:ph type="title"/>
-          </p:nvPr>
-        </p:nvSpPr>
-        <p:spPr/>
-        <p:txBody>
-          <a:bodyPr/>
-          <a:lstStyle/>
-          <a:p>
-            <a:r>
-              <a:rPr lang="en-US" b="1" dirty="0" smtClean="0"/>
-              <a:t>Accessing the Data (Web)</a:t>
-            </a:r>
-            <a:endParaRPr lang="en-US" b="1" dirty="0"/>
-          </a:p>
-        </p:txBody>
-      </p:sp>
-      <p:sp>
-        <p:nvSpPr>
-          <p:cNvPr id="3" name="Content Placeholder 2"/>
-          <p:cNvSpPr>
-            <a:spLocks noGrp="1"/>
-          </p:cNvSpPr>
-          <p:nvPr>
-            <p:ph idx="1"/>
-          </p:nvPr>
-        </p:nvSpPr>
-        <p:spPr/>
-        <p:txBody>
-          <a:bodyPr/>
-          <a:lstStyle/>
-          <a:p>
-            <a:r>
-              <a:rPr lang="en-US" dirty="0" smtClean="0"/>
-              <a:t>Web: </a:t>
-            </a:r>
-            <a:r>
-              <a:rPr lang="en-US" dirty="0" smtClean="0">
-                <a:hlinkClick r:id="rId2"/>
-              </a:rPr>
-              <a:t>observatory.brain-map.org</a:t>
-            </a:r>
-            <a:endParaRPr lang="en-US" dirty="0" smtClean="0"/>
-          </a:p>
-        </p:txBody>
-      </p:sp>
-    </p:spTree>
-    <p:extLst>
-      <p:ext uri="{BB962C8B-B14F-4D97-AF65-F5344CB8AC3E}">
-        <p14:creationId xmlns:p14="http://schemas.microsoft.com/office/powerpoint/2010/main" val="506934835"/>
-      </p:ext>
-    </p:extLst>
-  </p:cSld>
-  <p:clrMapOvr>
-    <a:masterClrMapping/>
-  </p:clrMapOvr>
-  <p:timing>
-    <p:tnLst>
-      <p:par>
-        <p:cTn xmlns:p14="http://schemas.microsoft.com/office/powerpoint/2010/main" id="1" dur="indefinite" restart="never" nodeType="tmRoot"/>
-      </p:par>
-    </p:tnLst>
-  </p:timing>
-</p:sld>
-</file>
-
-<file path=ppt/slides/slide13.xml><?xml version="1.0" encoding="utf-8"?>
-<p:sld xmlns:a="http://schemas.openxmlformats.org/drawingml/2006/main" xmlns:r="http://schemas.openxmlformats.org/officeDocument/2006/relationships" xmlns:p="http://schemas.openxmlformats.org/presentationml/2006/main">
-  <p:cSld>
-    <p:spTree>
-      <p:nvGrpSpPr>
-        <p:cNvPr id="1" name=""/>
-        <p:cNvGrpSpPr/>
-        <p:nvPr/>
-      </p:nvGrpSpPr>
-      <p:grpSpPr>
-        <a:xfrm>
-          <a:off x="0" y="0"/>
-          <a:ext cx="0" cy="0"/>
-          <a:chOff x="0" y="0"/>
-          <a:chExt cx="0" cy="0"/>
-        </a:xfrm>
-      </p:grpSpPr>
-      <p:sp>
-        <p:nvSpPr>
-          <p:cNvPr id="3" name="Content Placeholder 2"/>
-          <p:cNvSpPr>
-            <a:spLocks noGrp="1"/>
-          </p:cNvSpPr>
-          <p:nvPr>
-            <p:ph idx="1"/>
-          </p:nvPr>
-        </p:nvSpPr>
-        <p:spPr/>
-        <p:txBody>
-          <a:bodyPr/>
-          <a:lstStyle/>
-          <a:p>
-            <a:r>
-              <a:rPr lang="en-US" dirty="0" err="1" smtClean="0"/>
-              <a:t>AllenSDK</a:t>
-            </a:r>
-            <a:r>
-              <a:rPr lang="en-US" dirty="0" smtClean="0"/>
-              <a:t> python package (toolbox) for downloading raw and processed data</a:t>
-            </a:r>
-          </a:p>
-          <a:p>
-            <a:endParaRPr lang="en-US" dirty="0"/>
-          </a:p>
-          <a:p>
-            <a:r>
-              <a:rPr lang="en-US" dirty="0" smtClean="0"/>
-              <a:t>Start with this </a:t>
-            </a:r>
-            <a:r>
-              <a:rPr lang="en-US" dirty="0" smtClean="0">
-                <a:hlinkClick r:id="rId2"/>
-              </a:rPr>
-              <a:t>example</a:t>
-            </a:r>
-            <a:r>
-              <a:rPr lang="en-US" dirty="0" smtClean="0"/>
-              <a:t> </a:t>
-            </a:r>
-            <a:r>
-              <a:rPr lang="en-US" dirty="0" err="1" smtClean="0"/>
-              <a:t>jupyter</a:t>
-            </a:r>
-            <a:r>
-              <a:rPr lang="en-US" dirty="0" smtClean="0"/>
-              <a:t> notebook</a:t>
-            </a:r>
-          </a:p>
-          <a:p>
-            <a:endParaRPr lang="en-US" dirty="0"/>
-          </a:p>
-        </p:txBody>
-      </p:sp>
-      <p:sp>
-        <p:nvSpPr>
-          <p:cNvPr id="4" name="Title 1"/>
-          <p:cNvSpPr txBox="1">
-            <a:spLocks/>
-          </p:cNvSpPr>
-          <p:nvPr/>
-        </p:nvSpPr>
-        <p:spPr>
-          <a:xfrm>
-            <a:off x="457200" y="304800"/>
-            <a:ext cx="8229600" cy="1143000"/>
-          </a:xfrm>
-          <a:prstGeom prst="rect">
-            <a:avLst/>
-          </a:prstGeom>
-        </p:spPr>
-        <p:txBody>
-          <a:bodyPr vert="horz" lIns="91440" tIns="45720" rIns="91440" bIns="45720" rtlCol="0" anchor="ctr">
-            <a:normAutofit/>
-          </a:bodyPr>
-          <a:lstStyle>
-            <a:lvl1pPr algn="ctr" defTabSz="914400" rtl="0" eaLnBrk="1" latinLnBrk="0" hangingPunct="1">
-              <a:spcBef>
-                <a:spcPct val="0"/>
-              </a:spcBef>
-              <a:buNone/>
-              <a:defRPr sz="4400" kern="1200">
-                <a:solidFill>
-                  <a:schemeClr val="tx1"/>
-                </a:solidFill>
-                <a:latin typeface="+mj-lt"/>
-                <a:ea typeface="+mj-ea"/>
-                <a:cs typeface="+mj-cs"/>
-              </a:defRPr>
-            </a:lvl1pPr>
-          </a:lstStyle>
-          <a:p>
-            <a:r>
-              <a:rPr lang="en-US" b="1" dirty="0" smtClean="0"/>
-              <a:t>Accessing the Data (Python)</a:t>
-            </a:r>
-            <a:endParaRPr lang="en-US" b="1" dirty="0"/>
-          </a:p>
-        </p:txBody>
-      </p:sp>
-    </p:spTree>
-    <p:extLst>
-      <p:ext uri="{BB962C8B-B14F-4D97-AF65-F5344CB8AC3E}">
-        <p14:creationId xmlns:p14="http://schemas.microsoft.com/office/powerpoint/2010/main" val="1438495189"/>
-      </p:ext>
-    </p:extLst>
-  </p:cSld>
-  <p:clrMapOvr>
-    <a:masterClrMapping/>
-  </p:clrMapOvr>
-  <p:timing>
-    <p:tnLst>
-      <p:par>
-        <p:cTn xmlns:p14="http://schemas.microsoft.com/office/powerpoint/2010/main" id="1" dur="indefinite" restart="never" nodeType="tmRoot"/>
-      </p:par>
-    </p:tnLst>
-  </p:timing>
-</p:sld>
-</file>
-
-<file path=ppt/slides/slide14.xml><?xml version="1.0" encoding="utf-8"?>
-<p:sld xmlns:a="http://schemas.openxmlformats.org/drawingml/2006/main" xmlns:r="http://schemas.openxmlformats.org/officeDocument/2006/relationships" xmlns:p="http://schemas.openxmlformats.org/presentationml/2006/main">
-  <p:cSld>
-    <p:spTree>
-      <p:nvGrpSpPr>
-        <p:cNvPr id="1" name=""/>
-        <p:cNvGrpSpPr/>
-        <p:nvPr/>
-      </p:nvGrpSpPr>
-      <p:grpSpPr>
-        <a:xfrm>
-          <a:off x="0" y="0"/>
-          <a:ext cx="0" cy="0"/>
-          <a:chOff x="0" y="0"/>
-          <a:chExt cx="0" cy="0"/>
-        </a:xfrm>
-      </p:grpSpPr>
-      <p:sp>
-        <p:nvSpPr>
-          <p:cNvPr id="2" name="Title 1"/>
-          <p:cNvSpPr>
-            <a:spLocks noGrp="1"/>
-          </p:cNvSpPr>
-          <p:nvPr>
-            <p:ph type="title"/>
-          </p:nvPr>
-        </p:nvSpPr>
-        <p:spPr>
-          <a:xfrm>
-            <a:off x="457200" y="304800"/>
-            <a:ext cx="8229600" cy="6096000"/>
-          </a:xfrm>
-        </p:spPr>
-        <p:txBody>
-          <a:bodyPr>
-            <a:normAutofit/>
-          </a:bodyPr>
-          <a:lstStyle/>
-          <a:p>
-            <a:pPr algn="l"/>
-            <a:r>
-              <a:rPr lang="en-US" sz="5400" b="1" dirty="0" smtClean="0"/>
-              <a:t>A Jupyter/Python notebook is just a web app that lets you interactively run python code, and look at the output.</a:t>
-            </a:r>
-            <a:r>
-              <a:rPr lang="en-US" sz="5400" dirty="0">
-                <a:hlinkClick r:id="rId2"/>
-              </a:rPr>
-              <a:t> http://</a:t>
-            </a:r>
-            <a:r>
-              <a:rPr lang="en-US" sz="5400" dirty="0" err="1">
-                <a:hlinkClick r:id="rId2"/>
-              </a:rPr>
-              <a:t>jupyter.org</a:t>
-            </a:r>
-            <a:r>
-              <a:rPr lang="en-US" sz="5400" dirty="0">
-                <a:hlinkClick r:id="rId2"/>
-              </a:rPr>
-              <a:t>/</a:t>
-            </a:r>
-            <a:endParaRPr lang="en-US" sz="5400" b="1" dirty="0"/>
-          </a:p>
-        </p:txBody>
-      </p:sp>
-    </p:spTree>
-    <p:extLst>
-      <p:ext uri="{BB962C8B-B14F-4D97-AF65-F5344CB8AC3E}">
-        <p14:creationId xmlns:p14="http://schemas.microsoft.com/office/powerpoint/2010/main" val="395867012"/>
-      </p:ext>
-    </p:extLst>
-  </p:cSld>
-  <p:clrMapOvr>
-    <a:masterClrMapping/>
-  </p:clrMapOvr>
-  <p:timing>
-    <p:tnLst>
-      <p:par>
-        <p:cTn xmlns:p14="http://schemas.microsoft.com/office/powerpoint/2010/main" id="1" dur="indefinite" restart="never" nodeType="tmRoot"/>
-      </p:par>
-    </p:tnLst>
-  </p:timing>
-</p:sld>
-</file>
-
-<file path=ppt/slides/slide15.xml><?xml version="1.0" encoding="utf-8"?>
-<p:sld xmlns:a="http://schemas.openxmlformats.org/drawingml/2006/main" xmlns:r="http://schemas.openxmlformats.org/officeDocument/2006/relationships" xmlns:p="http://schemas.openxmlformats.org/presentationml/2006/main">
-  <p:cSld>
-    <p:spTree>
-      <p:nvGrpSpPr>
-        <p:cNvPr id="1" name=""/>
-        <p:cNvGrpSpPr/>
-        <p:nvPr/>
-      </p:nvGrpSpPr>
-      <p:grpSpPr>
-        <a:xfrm>
-          <a:off x="0" y="0"/>
-          <a:ext cx="0" cy="0"/>
-          <a:chOff x="0" y="0"/>
-          <a:chExt cx="0" cy="0"/>
-        </a:xfrm>
-      </p:grpSpPr>
-      <p:sp>
-        <p:nvSpPr>
-          <p:cNvPr id="3" name="Content Placeholder 2"/>
-          <p:cNvSpPr>
-            <a:spLocks noGrp="1"/>
-          </p:cNvSpPr>
-          <p:nvPr>
-            <p:ph idx="1"/>
-          </p:nvPr>
-        </p:nvSpPr>
-        <p:spPr/>
-        <p:txBody>
-          <a:bodyPr/>
-          <a:lstStyle/>
-          <a:p>
-            <a:r>
-              <a:rPr lang="en-US" dirty="0" smtClean="0"/>
-              <a:t>Run the notebook interactively (</a:t>
-            </a:r>
-            <a:r>
-              <a:rPr lang="en-US" dirty="0" smtClean="0">
-                <a:hlinkClick r:id="rId2"/>
-              </a:rPr>
-              <a:t>binder</a:t>
-            </a:r>
-            <a:r>
-              <a:rPr lang="en-US" dirty="0" smtClean="0"/>
-              <a:t>)</a:t>
-            </a:r>
-          </a:p>
-          <a:p>
-            <a:endParaRPr lang="en-US" dirty="0" smtClean="0"/>
-          </a:p>
-          <a:p>
-            <a:endParaRPr lang="en-US" dirty="0"/>
-          </a:p>
-        </p:txBody>
-      </p:sp>
-      <p:sp>
-        <p:nvSpPr>
-          <p:cNvPr id="4" name="Title 1"/>
-          <p:cNvSpPr txBox="1">
-            <a:spLocks/>
-          </p:cNvSpPr>
-          <p:nvPr/>
-        </p:nvSpPr>
-        <p:spPr>
-          <a:xfrm>
-            <a:off x="457200" y="304800"/>
-            <a:ext cx="8229600" cy="1143000"/>
-          </a:xfrm>
-          <a:prstGeom prst="rect">
-            <a:avLst/>
-          </a:prstGeom>
-        </p:spPr>
-        <p:txBody>
-          <a:bodyPr vert="horz" lIns="91440" tIns="45720" rIns="91440" bIns="45720" rtlCol="0" anchor="ctr">
-            <a:normAutofit/>
-          </a:bodyPr>
-          <a:lstStyle>
-            <a:lvl1pPr algn="ctr" defTabSz="914400" rtl="0" eaLnBrk="1" latinLnBrk="0" hangingPunct="1">
-              <a:spcBef>
-                <a:spcPct val="0"/>
-              </a:spcBef>
-              <a:buNone/>
-              <a:defRPr sz="4400" kern="1200">
-                <a:solidFill>
-                  <a:schemeClr val="tx1"/>
-                </a:solidFill>
-                <a:latin typeface="+mj-lt"/>
-                <a:ea typeface="+mj-ea"/>
-                <a:cs typeface="+mj-cs"/>
-              </a:defRPr>
-            </a:lvl1pPr>
-          </a:lstStyle>
-          <a:p>
-            <a:r>
-              <a:rPr lang="en-US" b="1" dirty="0" smtClean="0"/>
-              <a:t>Accessing the Data (Python)</a:t>
-            </a:r>
-            <a:endParaRPr lang="en-US" b="1" dirty="0"/>
-          </a:p>
-        </p:txBody>
-      </p:sp>
-    </p:spTree>
-    <p:extLst>
-      <p:ext uri="{BB962C8B-B14F-4D97-AF65-F5344CB8AC3E}">
-        <p14:creationId xmlns:p14="http://schemas.microsoft.com/office/powerpoint/2010/main" val="2595377064"/>
-      </p:ext>
-    </p:extLst>
-  </p:cSld>
-  <p:clrMapOvr>
-    <a:masterClrMapping/>
-  </p:clrMapOvr>
-  <p:timing>
-    <p:tnLst>
-      <p:par>
-        <p:cTn xmlns:p14="http://schemas.microsoft.com/office/powerpoint/2010/main" id="1" dur="indefinite" restart="never" nodeType="tmRoot"/>
-      </p:par>
-    </p:tnLst>
-  </p:timing>
-</p:sld>
-</file>
-
-<file path=ppt/slides/slide16.xml><?xml version="1.0" encoding="utf-8"?>
-<p:sld xmlns:a="http://schemas.openxmlformats.org/drawingml/2006/main" xmlns:r="http://schemas.openxmlformats.org/officeDocument/2006/relationships" xmlns:p="http://schemas.openxmlformats.org/presentationml/2006/main">
-  <p:cSld>
-    <p:spTree>
-      <p:nvGrpSpPr>
-        <p:cNvPr id="1" name=""/>
-        <p:cNvGrpSpPr/>
-        <p:nvPr/>
-      </p:nvGrpSpPr>
-      <p:grpSpPr>
-        <a:xfrm>
-          <a:off x="0" y="0"/>
-          <a:ext cx="0" cy="0"/>
-          <a:chOff x="0" y="0"/>
-          <a:chExt cx="0" cy="0"/>
-        </a:xfrm>
-      </p:grpSpPr>
-      <p:sp>
-        <p:nvSpPr>
-          <p:cNvPr id="2" name="Title 1"/>
-          <p:cNvSpPr>
-            <a:spLocks noGrp="1"/>
-          </p:cNvSpPr>
-          <p:nvPr>
-            <p:ph type="title"/>
-          </p:nvPr>
-        </p:nvSpPr>
-        <p:spPr/>
-        <p:txBody>
-          <a:bodyPr/>
-          <a:lstStyle/>
-          <a:p>
-            <a:r>
-              <a:rPr lang="en-US" b="1" dirty="0" smtClean="0"/>
-              <a:t>Data Format</a:t>
-            </a:r>
-            <a:endParaRPr lang="en-US" b="1" dirty="0"/>
-          </a:p>
-        </p:txBody>
-      </p:sp>
-      <p:sp>
-        <p:nvSpPr>
-          <p:cNvPr id="4" name="Content Placeholder 3"/>
-          <p:cNvSpPr>
-            <a:spLocks noGrp="1"/>
-          </p:cNvSpPr>
-          <p:nvPr>
-            <p:ph idx="1"/>
-          </p:nvPr>
-        </p:nvSpPr>
-        <p:spPr/>
-        <p:txBody>
-          <a:bodyPr>
-            <a:normAutofit/>
-          </a:bodyPr>
-          <a:lstStyle/>
-          <a:p>
-            <a:r>
-              <a:rPr lang="en-US" dirty="0" err="1" smtClean="0"/>
-              <a:t>Neurodata</a:t>
-            </a:r>
-            <a:r>
-              <a:rPr lang="en-US" dirty="0" smtClean="0"/>
-              <a:t> Without Borders (</a:t>
-            </a:r>
-            <a:r>
-              <a:rPr lang="en-US" dirty="0" err="1" smtClean="0"/>
-              <a:t>NWB</a:t>
-            </a:r>
-            <a:r>
-              <a:rPr lang="en-US" dirty="0" smtClean="0"/>
-              <a:t>).</a:t>
-            </a:r>
-          </a:p>
-          <a:p>
-            <a:pPr lvl="1"/>
-            <a:r>
-              <a:rPr lang="en-US" dirty="0" err="1" smtClean="0"/>
-              <a:t>HDF5</a:t>
-            </a:r>
-            <a:r>
-              <a:rPr lang="en-US" dirty="0" smtClean="0"/>
-              <a:t> file</a:t>
-            </a:r>
-          </a:p>
-          <a:p>
-            <a:pPr lvl="1"/>
-            <a:r>
-              <a:rPr lang="en-US" dirty="0" smtClean="0"/>
-              <a:t>Includes stimulus data and metadata</a:t>
-            </a:r>
-          </a:p>
-          <a:p>
-            <a:r>
-              <a:rPr lang="en-US" dirty="0" smtClean="0"/>
-              <a:t>Used for </a:t>
-            </a:r>
-            <a:r>
-              <a:rPr lang="en-US" dirty="0" err="1" smtClean="0"/>
-              <a:t>CRCNS</a:t>
-            </a:r>
-            <a:r>
-              <a:rPr lang="en-US" dirty="0" smtClean="0"/>
-              <a:t> </a:t>
-            </a:r>
-            <a:r>
-              <a:rPr lang="en-US" dirty="0" err="1" smtClean="0"/>
-              <a:t>ephys</a:t>
-            </a:r>
-            <a:r>
-              <a:rPr lang="en-US" dirty="0" smtClean="0"/>
-              <a:t> data sets:</a:t>
-            </a:r>
-          </a:p>
-          <a:p>
-            <a:pPr lvl="1"/>
-            <a:r>
-              <a:rPr lang="en-US" dirty="0" smtClean="0">
-                <a:solidFill>
-                  <a:srgbClr val="2A0EFA"/>
-                </a:solidFill>
-                <a:hlinkClick r:id="rId2"/>
-              </a:rPr>
-              <a:t>https://crcns.org/</a:t>
-            </a:r>
-            <a:endParaRPr lang="en-US" dirty="0">
-              <a:solidFill>
-                <a:srgbClr val="2A0EFA"/>
-              </a:solidFill>
-            </a:endParaRPr>
-          </a:p>
-          <a:p>
-            <a:r>
-              <a:rPr lang="en-US" dirty="0" smtClean="0"/>
-              <a:t>This</a:t>
-            </a:r>
-            <a:r>
-              <a:rPr lang="en-US" dirty="0" smtClean="0">
-                <a:hlinkClick r:id="rId3"/>
-              </a:rPr>
-              <a:t> paper </a:t>
-            </a:r>
-            <a:r>
-              <a:rPr lang="en-US" dirty="0" smtClean="0"/>
-              <a:t>has code snippets for </a:t>
-            </a:r>
-            <a:r>
-              <a:rPr lang="en-US" dirty="0" err="1" smtClean="0"/>
-              <a:t>reading;writing</a:t>
-            </a:r>
-            <a:r>
-              <a:rPr lang="en-US" dirty="0" smtClean="0"/>
-              <a:t> NWB data into </a:t>
-            </a:r>
-            <a:r>
-              <a:rPr lang="en-US" dirty="0" err="1" smtClean="0"/>
-              <a:t>matlab</a:t>
-            </a:r>
-            <a:r>
-              <a:rPr lang="en-US" dirty="0" smtClean="0"/>
-              <a:t> </a:t>
-            </a:r>
-            <a:r>
-              <a:rPr lang="en-US" dirty="0"/>
-              <a:t>or python</a:t>
-            </a:r>
-            <a:r>
-              <a:rPr lang="en-US" dirty="0" smtClean="0"/>
-              <a:t>:</a:t>
-            </a:r>
-          </a:p>
-        </p:txBody>
-      </p:sp>
-    </p:spTree>
-    <p:extLst>
-      <p:ext uri="{BB962C8B-B14F-4D97-AF65-F5344CB8AC3E}">
-        <p14:creationId xmlns:p14="http://schemas.microsoft.com/office/powerpoint/2010/main" val="1044896799"/>
-      </p:ext>
-    </p:extLst>
-  </p:cSld>
-  <p:clrMapOvr>
-    <a:masterClrMapping/>
-  </p:clrMapOvr>
-  <p:timing>
-    <p:tnLst>
-      <p:par>
-        <p:cTn xmlns:p14="http://schemas.microsoft.com/office/powerpoint/2010/main" id="1" dur="indefinite" restart="never" nodeType="tmRoot"/>
-      </p:par>
-    </p:tnLst>
-  </p:timing>
-</p:sld>
-</file>
-
-<file path=ppt/slides/slide17.xml><?xml version="1.0" encoding="utf-8"?>
-<p:sld xmlns:a="http://schemas.openxmlformats.org/drawingml/2006/main" xmlns:r="http://schemas.openxmlformats.org/officeDocument/2006/relationships" xmlns:p="http://schemas.openxmlformats.org/presentationml/2006/main">
-  <p:cSld>
-    <p:spTree>
-      <p:nvGrpSpPr>
-        <p:cNvPr id="1" name=""/>
-        <p:cNvGrpSpPr/>
-        <p:nvPr/>
-      </p:nvGrpSpPr>
-      <p:grpSpPr>
-        <a:xfrm>
-          <a:off x="0" y="0"/>
-          <a:ext cx="0" cy="0"/>
-          <a:chOff x="0" y="0"/>
-          <a:chExt cx="0" cy="0"/>
-        </a:xfrm>
-      </p:grpSpPr>
-      <p:sp>
-        <p:nvSpPr>
-          <p:cNvPr id="2" name="Title 1"/>
-          <p:cNvSpPr>
-            <a:spLocks noGrp="1"/>
-          </p:cNvSpPr>
-          <p:nvPr>
-            <p:ph type="title"/>
-          </p:nvPr>
-        </p:nvSpPr>
-        <p:spPr>
-          <a:xfrm>
-            <a:off x="228600" y="304800"/>
-            <a:ext cx="8686800" cy="6096000"/>
-          </a:xfrm>
-        </p:spPr>
-        <p:txBody>
-          <a:bodyPr>
-            <a:normAutofit/>
-          </a:bodyPr>
-          <a:lstStyle/>
-          <a:p>
-            <a:pPr algn="l"/>
-            <a:r>
-              <a:rPr lang="en-US" sz="5400" b="1" dirty="0" smtClean="0"/>
-              <a:t>What to do with all this data? You could:</a:t>
-            </a:r>
-            <a:br>
-              <a:rPr lang="en-US" sz="5400" b="1" dirty="0" smtClean="0"/>
-            </a:br>
-            <a:r>
-              <a:rPr lang="en-US" sz="3600" b="1" dirty="0" smtClean="0"/>
-              <a:t>1) benchmark various motion correction/spike-extraction algorithms</a:t>
-            </a:r>
-            <a:br>
-              <a:rPr lang="en-US" sz="3600" b="1" dirty="0" smtClean="0"/>
-            </a:br>
-            <a:r>
-              <a:rPr lang="en-US" sz="3600" b="1" dirty="0" smtClean="0"/>
-              <a:t>2) Validate previous work on bigger dataset</a:t>
-            </a:r>
-            <a:br>
-              <a:rPr lang="en-US" sz="3600" b="1" dirty="0" smtClean="0"/>
-            </a:br>
-            <a:r>
-              <a:rPr lang="en-US" sz="3600" b="1" dirty="0" smtClean="0"/>
-              <a:t>3) Test new theories (running?)</a:t>
-            </a:r>
-            <a:br>
-              <a:rPr lang="en-US" sz="3600" b="1" dirty="0" smtClean="0"/>
-            </a:br>
-            <a:r>
-              <a:rPr lang="en-US" sz="3600" b="1" dirty="0" smtClean="0"/>
-              <a:t>4) Use it for teaching</a:t>
-            </a:r>
-            <a:endParaRPr lang="en-US" sz="3600" b="1" dirty="0"/>
-          </a:p>
-        </p:txBody>
-      </p:sp>
-    </p:spTree>
-    <p:extLst>
-      <p:ext uri="{BB962C8B-B14F-4D97-AF65-F5344CB8AC3E}">
-        <p14:creationId xmlns:p14="http://schemas.microsoft.com/office/powerpoint/2010/main" val="2890401281"/>
-      </p:ext>
-    </p:extLst>
-  </p:cSld>
-  <p:clrMapOvr>
-    <a:masterClrMapping/>
-  </p:clrMapOvr>
-  <p:timing>
-    <p:tnLst>
-      <p:par>
-        <p:cTn xmlns:p14="http://schemas.microsoft.com/office/powerpoint/2010/main" id="1" dur="indefinite" restart="never" nodeType="tmRoot"/>
-      </p:par>
-    </p:tnLst>
-  </p:timing>
-</p:sld>
-</file>
-
-<file path=ppt/slides/slide18.xml><?xml version="1.0" encoding="utf-8"?>
-<p:sld xmlns:a="http://schemas.openxmlformats.org/drawingml/2006/main" xmlns:r="http://schemas.openxmlformats.org/officeDocument/2006/relationships" xmlns:p="http://schemas.openxmlformats.org/presentationml/2006/main">
-  <p:cSld>
-    <p:spTree>
-      <p:nvGrpSpPr>
-        <p:cNvPr id="1" name=""/>
-        <p:cNvGrpSpPr/>
-        <p:nvPr/>
-      </p:nvGrpSpPr>
-      <p:grpSpPr>
-        <a:xfrm>
-          <a:off x="0" y="0"/>
-          <a:ext cx="0" cy="0"/>
-          <a:chOff x="0" y="0"/>
-          <a:chExt cx="0" cy="0"/>
-        </a:xfrm>
-      </p:grpSpPr>
-      <p:sp>
-        <p:nvSpPr>
-          <p:cNvPr id="2" name="Title 1"/>
-          <p:cNvSpPr>
-            <a:spLocks noGrp="1"/>
-          </p:cNvSpPr>
-          <p:nvPr>
-            <p:ph type="title"/>
-          </p:nvPr>
-        </p:nvSpPr>
-        <p:spPr/>
-        <p:txBody>
-          <a:bodyPr>
-            <a:normAutofit/>
-          </a:bodyPr>
-          <a:lstStyle/>
-          <a:p>
-            <a:r>
-              <a:rPr lang="en-US" b="1" dirty="0" smtClean="0"/>
-              <a:t>Observatory Data </a:t>
-            </a:r>
-            <a:r>
-              <a:rPr lang="en-US" b="1" i="1" dirty="0" smtClean="0"/>
-              <a:t>Not</a:t>
-            </a:r>
-            <a:r>
-              <a:rPr lang="en-US" b="1" dirty="0" smtClean="0"/>
-              <a:t> Good for:</a:t>
-            </a:r>
-            <a:endParaRPr lang="en-US" b="1" dirty="0"/>
-          </a:p>
-        </p:txBody>
-      </p:sp>
-      <p:sp>
-        <p:nvSpPr>
-          <p:cNvPr id="3" name="Content Placeholder 2"/>
-          <p:cNvSpPr>
-            <a:spLocks noGrp="1"/>
-          </p:cNvSpPr>
-          <p:nvPr>
-            <p:ph idx="1"/>
-          </p:nvPr>
-        </p:nvSpPr>
-        <p:spPr/>
-        <p:txBody>
-          <a:bodyPr/>
-          <a:lstStyle/>
-          <a:p>
-            <a:r>
-              <a:rPr lang="en-US" dirty="0" smtClean="0"/>
-              <a:t>High temporal resolution (Calcium imaging)</a:t>
-            </a:r>
-          </a:p>
-          <a:p>
-            <a:pPr lvl="1"/>
-            <a:r>
-              <a:rPr lang="en-US" dirty="0" smtClean="0"/>
-              <a:t>Imaging frame rate is 30 Hz</a:t>
-            </a:r>
-          </a:p>
-          <a:p>
-            <a:r>
-              <a:rPr lang="en-US" dirty="0" smtClean="0"/>
-              <a:t>Anything with precise spatial location</a:t>
-            </a:r>
-          </a:p>
-          <a:p>
-            <a:pPr lvl="1"/>
-            <a:r>
-              <a:rPr lang="en-US" dirty="0" smtClean="0"/>
-              <a:t>Eye movement  (1/4 RF width) not controlled for until future release</a:t>
-            </a:r>
-          </a:p>
-        </p:txBody>
-      </p:sp>
-    </p:spTree>
-    <p:extLst>
-      <p:ext uri="{BB962C8B-B14F-4D97-AF65-F5344CB8AC3E}">
-        <p14:creationId xmlns:p14="http://schemas.microsoft.com/office/powerpoint/2010/main" val="680154838"/>
-      </p:ext>
-    </p:extLst>
-  </p:cSld>
-  <p:clrMapOvr>
-    <a:masterClrMapping/>
-  </p:clrMapOvr>
-  <p:timing>
-    <p:tnLst>
-      <p:par>
-        <p:cTn xmlns:p14="http://schemas.microsoft.com/office/powerpoint/2010/main" id="1" dur="indefinite" restart="never" nodeType="tmRoot"/>
-      </p:par>
-    </p:tnLst>
-  </p:timing>
-</p:sld>
-</file>
-
-<file path=ppt/slides/slide19.xml><?xml version="1.0" encoding="utf-8"?>
-<p:sld xmlns:a="http://schemas.openxmlformats.org/drawingml/2006/main" xmlns:r="http://schemas.openxmlformats.org/officeDocument/2006/relationships" xmlns:p="http://schemas.openxmlformats.org/presentationml/2006/main">
-  <p:cSld>
-    <p:spTree>
-      <p:nvGrpSpPr>
-        <p:cNvPr id="1" name=""/>
-        <p:cNvGrpSpPr/>
-        <p:nvPr/>
-      </p:nvGrpSpPr>
-      <p:grpSpPr>
-        <a:xfrm>
-          <a:off x="0" y="0"/>
-          <a:ext cx="0" cy="0"/>
-          <a:chOff x="0" y="0"/>
-          <a:chExt cx="0" cy="0"/>
-        </a:xfrm>
-      </p:grpSpPr>
-      <p:sp>
-        <p:nvSpPr>
-          <p:cNvPr id="2" name="Title 1"/>
-          <p:cNvSpPr>
-            <a:spLocks noGrp="1"/>
-          </p:cNvSpPr>
-          <p:nvPr>
-            <p:ph type="title"/>
-          </p:nvPr>
-        </p:nvSpPr>
-        <p:spPr/>
-        <p:txBody>
-          <a:bodyPr>
-            <a:normAutofit/>
-          </a:bodyPr>
-          <a:lstStyle/>
-          <a:p>
-            <a:r>
-              <a:rPr lang="en-US" b="1" dirty="0" smtClean="0"/>
-              <a:t>Observatory Data Good for:</a:t>
-            </a:r>
-            <a:endParaRPr lang="en-US" b="1" dirty="0"/>
-          </a:p>
-        </p:txBody>
-      </p:sp>
-      <p:sp>
-        <p:nvSpPr>
-          <p:cNvPr id="3" name="Content Placeholder 2"/>
-          <p:cNvSpPr>
-            <a:spLocks noGrp="1"/>
-          </p:cNvSpPr>
-          <p:nvPr>
-            <p:ph idx="1"/>
-          </p:nvPr>
-        </p:nvSpPr>
-        <p:spPr/>
-        <p:txBody>
-          <a:bodyPr>
-            <a:normAutofit/>
-          </a:bodyPr>
-          <a:lstStyle/>
-          <a:p>
-            <a:r>
-              <a:rPr lang="en-US" dirty="0" smtClean="0"/>
-              <a:t>Response variability with: areas, </a:t>
-            </a:r>
-            <a:r>
-              <a:rPr lang="en-US" dirty="0" err="1" smtClean="0"/>
-              <a:t>cre</a:t>
-            </a:r>
-            <a:r>
-              <a:rPr lang="en-US" dirty="0" smtClean="0"/>
-              <a:t>-lines, layers, running, pupil diameter (extract)</a:t>
-            </a:r>
-          </a:p>
-          <a:p>
-            <a:r>
-              <a:rPr lang="en-US" dirty="0" smtClean="0"/>
-              <a:t>Modeling signal and noise variability with brain state (</a:t>
-            </a:r>
-            <a:r>
-              <a:rPr lang="en-US" dirty="0" err="1" smtClean="0"/>
-              <a:t>Scholvinck</a:t>
-            </a:r>
-            <a:r>
-              <a:rPr lang="en-US" dirty="0" smtClean="0"/>
-              <a:t> 2015+)</a:t>
-            </a:r>
-          </a:p>
-          <a:p>
-            <a:r>
-              <a:rPr lang="en-US" dirty="0" smtClean="0"/>
-              <a:t>Encoding with correlations (Pillow 2008+) </a:t>
-            </a:r>
-          </a:p>
-          <a:p>
-            <a:pPr lvl="1"/>
-            <a:r>
-              <a:rPr lang="en-US" dirty="0" smtClean="0"/>
-              <a:t>Also as a function of tuning similarity  (sign-rule?)</a:t>
-            </a:r>
-          </a:p>
-          <a:p>
-            <a:r>
-              <a:rPr lang="en-US" dirty="0" smtClean="0"/>
-              <a:t>Decoding with correlations</a:t>
-            </a:r>
-          </a:p>
-          <a:p>
-            <a:pPr lvl="1"/>
-            <a:r>
-              <a:rPr lang="en-US" dirty="0" smtClean="0"/>
-              <a:t>Does shuffling trials reduce performance?</a:t>
-            </a:r>
-          </a:p>
-        </p:txBody>
-      </p:sp>
-    </p:spTree>
-    <p:extLst>
-      <p:ext uri="{BB962C8B-B14F-4D97-AF65-F5344CB8AC3E}">
-        <p14:creationId xmlns:p14="http://schemas.microsoft.com/office/powerpoint/2010/main" val="3821417294"/>
-      </p:ext>
-    </p:extLst>
-  </p:cSld>
-  <p:clrMapOvr>
-    <a:masterClrMapping/>
-  </p:clrMapOvr>
-  <p:timing>
-    <p:tnLst>
-      <p:par>
-        <p:cTn xmlns:p14="http://schemas.microsoft.com/office/powerpoint/2010/main" id="1" dur="indefinite" restart="never" nodeType="tmRoot"/>
-      </p:par>
-    </p:tnLst>
-  </p:timing>
-</p:sld>
-</file>
-
-<file path=ppt/slides/slide2.xml><?xml version="1.0" encoding="utf-8"?>
-<p:sld xmlns:a="http://schemas.openxmlformats.org/drawingml/2006/main" xmlns:r="http://schemas.openxmlformats.org/officeDocument/2006/relationships" xmlns:p="http://schemas.openxmlformats.org/presentationml/2006/main">
-  <p:cSld>
-    <p:spTree>
-      <p:nvGrpSpPr>
-        <p:cNvPr id="1" name=""/>
-        <p:cNvGrpSpPr/>
-        <p:nvPr/>
-      </p:nvGrpSpPr>
-      <p:grpSpPr>
-        <a:xfrm>
-          <a:off x="0" y="0"/>
-          <a:ext cx="0" cy="0"/>
-          <a:chOff x="0" y="0"/>
-          <a:chExt cx="0" cy="0"/>
-        </a:xfrm>
-      </p:grpSpPr>
-      <p:sp>
-        <p:nvSpPr>
-          <p:cNvPr id="2" name="Title 1"/>
-          <p:cNvSpPr>
-            <a:spLocks noGrp="1"/>
-          </p:cNvSpPr>
-          <p:nvPr>
-            <p:ph type="ctrTitle"/>
-          </p:nvPr>
-        </p:nvSpPr>
-        <p:spPr/>
-        <p:txBody>
-          <a:bodyPr/>
-          <a:lstStyle/>
-          <a:p>
-            <a:r>
-              <a:rPr lang="en-US" b="1" dirty="0" smtClean="0"/>
-              <a:t>Allen Brain Observatory Dataset</a:t>
-            </a:r>
-            <a:endParaRPr lang="en-US" b="1" dirty="0"/>
-          </a:p>
-        </p:txBody>
-      </p:sp>
-      <p:sp>
-        <p:nvSpPr>
-          <p:cNvPr id="3" name="Subtitle 2"/>
-          <p:cNvSpPr>
-            <a:spLocks noGrp="1"/>
-          </p:cNvSpPr>
-          <p:nvPr>
-            <p:ph type="subTitle" idx="1"/>
-          </p:nvPr>
-        </p:nvSpPr>
-        <p:spPr>
-          <a:xfrm>
-            <a:off x="1371600" y="3581400"/>
-            <a:ext cx="6400800" cy="1752600"/>
-          </a:xfrm>
-        </p:spPr>
-        <p:txBody>
-          <a:bodyPr/>
-          <a:lstStyle/>
-          <a:p>
-            <a:r>
-              <a:rPr lang="en-US" dirty="0" smtClean="0"/>
-              <a:t>Madineh </a:t>
-            </a:r>
-            <a:r>
-              <a:rPr lang="en-US" dirty="0" err="1" smtClean="0"/>
-              <a:t>Sedigh</a:t>
-            </a:r>
-            <a:r>
-              <a:rPr lang="en-US" dirty="0" smtClean="0"/>
-              <a:t>-Sarvestani</a:t>
-            </a:r>
-          </a:p>
-          <a:p>
-            <a:r>
-              <a:rPr lang="en-US" dirty="0" err="1" smtClean="0"/>
-              <a:t>CNI</a:t>
-            </a:r>
-            <a:r>
-              <a:rPr lang="en-US" dirty="0" smtClean="0"/>
-              <a:t> JC @ </a:t>
-            </a:r>
-            <a:r>
-              <a:rPr lang="en-US" dirty="0" err="1" smtClean="0"/>
-              <a:t>Upenn</a:t>
-            </a:r>
-            <a:endParaRPr lang="en-US" dirty="0" smtClean="0"/>
-          </a:p>
-          <a:p>
-            <a:r>
-              <a:rPr lang="en-US" dirty="0" smtClean="0"/>
-              <a:t>Oct 2016</a:t>
-            </a:r>
-            <a:endParaRPr lang="en-US" dirty="0"/>
-          </a:p>
-        </p:txBody>
-      </p:sp>
-      <p:sp>
-        <p:nvSpPr>
-          <p:cNvPr id="4" name="TextBox 3"/>
-          <p:cNvSpPr txBox="1"/>
-          <p:nvPr/>
-        </p:nvSpPr>
-        <p:spPr>
-          <a:xfrm>
-            <a:off x="1828800" y="5699156"/>
-            <a:ext cx="6248400" cy="646331"/>
-          </a:xfrm>
-          <a:prstGeom prst="rect">
-            <a:avLst/>
-          </a:prstGeom>
-          <a:noFill/>
-        </p:spPr>
-        <p:txBody>
-          <a:bodyPr wrap="square" rtlCol="0">
-            <a:spAutoFit/>
-          </a:bodyPr>
-          <a:lstStyle/>
-          <a:p>
-            <a:r>
-              <a:rPr lang="en-US" dirty="0" smtClean="0"/>
-              <a:t>[Most slides are from Allen Institute’s Marina Garrett, or the Observatory </a:t>
-            </a:r>
-            <a:r>
-              <a:rPr lang="en-US" dirty="0"/>
-              <a:t>website [</a:t>
-            </a:r>
-            <a:r>
-              <a:rPr lang="en-US" dirty="0" err="1"/>
-              <a:t>observatory.brain-map.org</a:t>
-            </a:r>
-            <a:r>
-              <a:rPr lang="en-US" dirty="0"/>
-              <a:t>/</a:t>
-            </a:r>
-            <a:r>
-              <a:rPr lang="en-US" dirty="0" smtClean="0"/>
-              <a:t>]</a:t>
-            </a:r>
-            <a:endParaRPr lang="en-US" dirty="0"/>
-          </a:p>
-        </p:txBody>
-      </p:sp>
-    </p:spTree>
-    <p:extLst>
-      <p:ext uri="{BB962C8B-B14F-4D97-AF65-F5344CB8AC3E}">
-        <p14:creationId xmlns:p14="http://schemas.microsoft.com/office/powerpoint/2010/main" val="488617663"/>
-      </p:ext>
-    </p:extLst>
-  </p:cSld>
-  <p:clrMapOvr>
-    <a:masterClrMapping/>
-  </p:clrMapOvr>
-  <p:timing>
-    <p:tnLst>
-      <p:par>
-        <p:cTn xmlns:p14="http://schemas.microsoft.com/office/powerpoint/2010/main" id="1" dur="indefinite" restart="never" nodeType="tmRoot"/>
-      </p:par>
-    </p:tnLst>
-  </p:timing>
-</p:sld>
-</file>
-
-<file path=ppt/slides/slide20.xml><?xml version="1.0" encoding="utf-8"?>
-<p:sld xmlns:a="http://schemas.openxmlformats.org/drawingml/2006/main" xmlns:r="http://schemas.openxmlformats.org/officeDocument/2006/relationships" xmlns:p="http://schemas.openxmlformats.org/presentationml/2006/main">
-  <p:cSld>
-    <p:spTree>
-      <p:nvGrpSpPr>
-        <p:cNvPr id="1" name=""/>
-        <p:cNvGrpSpPr/>
-        <p:nvPr/>
-      </p:nvGrpSpPr>
-      <p:grpSpPr>
-        <a:xfrm>
-          <a:off x="0" y="0"/>
-          <a:ext cx="0" cy="0"/>
-          <a:chOff x="0" y="0"/>
-          <a:chExt cx="0" cy="0"/>
-        </a:xfrm>
-      </p:grpSpPr>
-      <p:sp>
-        <p:nvSpPr>
-          <p:cNvPr id="2" name="Title 1"/>
-          <p:cNvSpPr>
-            <a:spLocks noGrp="1"/>
-          </p:cNvSpPr>
-          <p:nvPr>
-            <p:ph type="title"/>
-          </p:nvPr>
-        </p:nvSpPr>
-        <p:spPr>
-          <a:xfrm>
-            <a:off x="457200" y="119894"/>
-            <a:ext cx="8229600" cy="1143000"/>
-          </a:xfrm>
-        </p:spPr>
-        <p:txBody>
-          <a:bodyPr>
-            <a:normAutofit fontScale="90000"/>
-          </a:bodyPr>
-          <a:lstStyle/>
-          <a:p>
-            <a:r>
-              <a:rPr lang="en-US" b="1" dirty="0" smtClean="0"/>
-              <a:t>Population Coupling:</a:t>
-            </a:r>
-            <a:br>
-              <a:rPr lang="en-US" b="1" dirty="0" smtClean="0"/>
-            </a:br>
-            <a:r>
-              <a:rPr lang="en-US" b="1" dirty="0" smtClean="0"/>
-              <a:t> an invariant neuronal property?</a:t>
-            </a:r>
-            <a:endParaRPr lang="en-US" b="1" dirty="0"/>
-          </a:p>
-        </p:txBody>
-      </p:sp>
-      <p:pic>
-        <p:nvPicPr>
-          <p:cNvPr id="4" name="Shape 71"/>
-          <p:cNvPicPr preferRelativeResize="0"/>
-          <p:nvPr/>
-        </p:nvPicPr>
-        <p:blipFill rotWithShape="1">
-          <a:blip r:embed="rId3">
-            <a:alphaModFix/>
-          </a:blip>
-          <a:srcRect l="1327" t="3789" r="2252" b="3505"/>
-          <a:stretch/>
-        </p:blipFill>
-        <p:spPr>
-          <a:xfrm>
-            <a:off x="2244176" y="1771428"/>
-            <a:ext cx="6442624" cy="4691043"/>
-          </a:xfrm>
-          <a:prstGeom prst="rect">
-            <a:avLst/>
-          </a:prstGeom>
-          <a:noFill/>
-          <a:ln>
-            <a:noFill/>
-          </a:ln>
-        </p:spPr>
-      </p:pic>
-      <p:sp>
-        <p:nvSpPr>
-          <p:cNvPr id="8" name="TextBox 7"/>
-          <p:cNvSpPr txBox="1"/>
-          <p:nvPr/>
-        </p:nvSpPr>
-        <p:spPr>
-          <a:xfrm>
-            <a:off x="242781" y="2356035"/>
-            <a:ext cx="1998280" cy="2677656"/>
-          </a:xfrm>
-          <a:prstGeom prst="rect">
-            <a:avLst/>
-          </a:prstGeom>
-          <a:noFill/>
-        </p:spPr>
-        <p:txBody>
-          <a:bodyPr wrap="square" rtlCol="0">
-            <a:spAutoFit/>
-          </a:bodyPr>
-          <a:lstStyle/>
-          <a:p>
-            <a:r>
-              <a:rPr lang="en-US" sz="2400" dirty="0" smtClean="0"/>
-              <a:t>Pop coupling: correlation between each cell’s activity and total population activity.</a:t>
-            </a:r>
-          </a:p>
-        </p:txBody>
-      </p:sp>
-      <p:sp>
-        <p:nvSpPr>
-          <p:cNvPr id="3" name="TextBox 2"/>
-          <p:cNvSpPr txBox="1"/>
-          <p:nvPr/>
-        </p:nvSpPr>
-        <p:spPr>
-          <a:xfrm>
-            <a:off x="5711672" y="1471346"/>
-            <a:ext cx="1556635" cy="600164"/>
-          </a:xfrm>
-          <a:prstGeom prst="rect">
-            <a:avLst/>
-          </a:prstGeom>
-          <a:noFill/>
-        </p:spPr>
-        <p:txBody>
-          <a:bodyPr wrap="square" rtlCol="0">
-            <a:spAutoFit/>
-          </a:bodyPr>
-          <a:lstStyle/>
-          <a:p>
-            <a:r>
-              <a:rPr lang="en-US" sz="1100" dirty="0" smtClean="0"/>
-              <a:t>PC is peak of the spike-triggered population rate (</a:t>
-            </a:r>
-            <a:r>
-              <a:rPr lang="en-US" sz="1100" dirty="0" err="1" smtClean="0"/>
-              <a:t>stPR</a:t>
-            </a:r>
-            <a:r>
-              <a:rPr lang="en-US" sz="1100" dirty="0" smtClean="0"/>
-              <a:t>)</a:t>
-            </a:r>
-            <a:endParaRPr lang="en-US" sz="1100" dirty="0"/>
-          </a:p>
-        </p:txBody>
-      </p:sp>
-      <p:sp>
-        <p:nvSpPr>
-          <p:cNvPr id="5" name="TextBox 4"/>
-          <p:cNvSpPr txBox="1"/>
-          <p:nvPr/>
-        </p:nvSpPr>
-        <p:spPr>
-          <a:xfrm>
-            <a:off x="2455192" y="6084514"/>
-            <a:ext cx="3746789" cy="369332"/>
-          </a:xfrm>
-          <a:prstGeom prst="rect">
-            <a:avLst/>
-          </a:prstGeom>
-          <a:solidFill>
-            <a:schemeClr val="bg1"/>
-          </a:solidFill>
-        </p:spPr>
-        <p:txBody>
-          <a:bodyPr wrap="square" rtlCol="0">
-            <a:spAutoFit/>
-          </a:bodyPr>
-          <a:lstStyle/>
-          <a:p>
-            <a:r>
-              <a:rPr lang="en-US" dirty="0" err="1" smtClean="0"/>
-              <a:t>Okun</a:t>
-            </a:r>
-            <a:r>
-              <a:rPr lang="en-US" dirty="0" smtClean="0"/>
-              <a:t> et al. Nature 521 (511-15), 2015</a:t>
-            </a:r>
-            <a:endParaRPr lang="en-US" dirty="0"/>
-          </a:p>
-        </p:txBody>
-      </p:sp>
-      <p:sp>
-        <p:nvSpPr>
-          <p:cNvPr id="6" name="TextBox 5"/>
-          <p:cNvSpPr txBox="1"/>
-          <p:nvPr/>
-        </p:nvSpPr>
-        <p:spPr>
-          <a:xfrm>
-            <a:off x="3165230" y="2091482"/>
-            <a:ext cx="2100965" cy="338554"/>
-          </a:xfrm>
-          <a:prstGeom prst="rect">
-            <a:avLst/>
-          </a:prstGeom>
-          <a:solidFill>
-            <a:schemeClr val="bg1"/>
-          </a:solidFill>
-        </p:spPr>
-        <p:txBody>
-          <a:bodyPr wrap="square" rtlCol="0">
-            <a:spAutoFit/>
-          </a:bodyPr>
-          <a:lstStyle/>
-          <a:p>
-            <a:r>
-              <a:rPr lang="en-US" sz="1600" b="1" dirty="0" err="1" smtClean="0"/>
-              <a:t>Okun</a:t>
-            </a:r>
-            <a:r>
-              <a:rPr lang="en-US" sz="1600" b="1" dirty="0" smtClean="0"/>
-              <a:t> et al. Figure 1</a:t>
-            </a:r>
-            <a:endParaRPr lang="en-US" sz="1600" b="1" dirty="0"/>
-          </a:p>
-        </p:txBody>
-      </p:sp>
-    </p:spTree>
-    <p:extLst>
-      <p:ext uri="{BB962C8B-B14F-4D97-AF65-F5344CB8AC3E}">
-        <p14:creationId xmlns:p14="http://schemas.microsoft.com/office/powerpoint/2010/main" val="1236861414"/>
-      </p:ext>
-    </p:extLst>
-  </p:cSld>
-  <p:clrMapOvr>
-    <a:masterClrMapping/>
-  </p:clrMapOvr>
-  <p:timing>
-    <p:tnLst>
-      <p:par>
-        <p:cTn xmlns:p14="http://schemas.microsoft.com/office/powerpoint/2010/main" id="1" dur="indefinite" restart="never" nodeType="tmRoot"/>
-      </p:par>
-    </p:tnLst>
-  </p:timing>
-</p:sld>
-</file>
-
-<file path=ppt/slides/slide21.xml><?xml version="1.0" encoding="utf-8"?>
-<p:sld xmlns:a="http://schemas.openxmlformats.org/drawingml/2006/main" xmlns:r="http://schemas.openxmlformats.org/officeDocument/2006/relationships" xmlns:p="http://schemas.openxmlformats.org/presentationml/2006/main">
-  <p:cSld>
-    <p:spTree>
-      <p:nvGrpSpPr>
-        <p:cNvPr id="1" name=""/>
-        <p:cNvGrpSpPr/>
-        <p:nvPr/>
-      </p:nvGrpSpPr>
-      <p:grpSpPr>
-        <a:xfrm>
-          <a:off x="0" y="0"/>
-          <a:ext cx="0" cy="0"/>
-          <a:chOff x="0" y="0"/>
-          <a:chExt cx="0" cy="0"/>
-        </a:xfrm>
-      </p:grpSpPr>
-      <p:pic>
-        <p:nvPicPr>
-          <p:cNvPr id="2" name="Picture 1"/>
-          <p:cNvPicPr>
-            <a:picLocks noChangeAspect="1"/>
-          </p:cNvPicPr>
-          <p:nvPr/>
-        </p:nvPicPr>
-        <p:blipFill rotWithShape="1">
-          <a:blip r:embed="rId3">
-            <a:extLst>
-              <a:ext uri="{28A0092B-C50C-407E-A947-70E740481C1C}">
-                <a14:useLocalDpi xmlns:a14="http://schemas.microsoft.com/office/drawing/2010/main" val="0"/>
-              </a:ext>
-            </a:extLst>
-          </a:blip>
-          <a:srcRect l="5353" r="7457" b="4205"/>
-          <a:stretch/>
-        </p:blipFill>
-        <p:spPr>
-          <a:xfrm>
-            <a:off x="1001432" y="0"/>
-            <a:ext cx="7343550" cy="6858000"/>
-          </a:xfrm>
-          <a:prstGeom prst="rect">
-            <a:avLst/>
-          </a:prstGeom>
-        </p:spPr>
-      </p:pic>
-      <p:sp>
-        <p:nvSpPr>
-          <p:cNvPr id="3" name="TextBox 2"/>
-          <p:cNvSpPr txBox="1"/>
-          <p:nvPr/>
-        </p:nvSpPr>
-        <p:spPr>
-          <a:xfrm>
-            <a:off x="7640132" y="520700"/>
-            <a:ext cx="1155700" cy="461665"/>
-          </a:xfrm>
-          <a:prstGeom prst="rect">
-            <a:avLst/>
-          </a:prstGeom>
-          <a:noFill/>
-        </p:spPr>
-        <p:txBody>
-          <a:bodyPr wrap="square" rtlCol="0">
-            <a:spAutoFit/>
-          </a:bodyPr>
-          <a:lstStyle/>
-          <a:p>
-            <a:r>
-              <a:rPr lang="en-US" sz="2400" dirty="0" smtClean="0"/>
-              <a:t>strong </a:t>
-            </a:r>
-            <a:endParaRPr lang="en-US" sz="2400" dirty="0"/>
-          </a:p>
-        </p:txBody>
-      </p:sp>
-      <p:sp>
-        <p:nvSpPr>
-          <p:cNvPr id="6" name="TextBox 5"/>
-          <p:cNvSpPr txBox="1"/>
-          <p:nvPr/>
-        </p:nvSpPr>
-        <p:spPr>
-          <a:xfrm>
-            <a:off x="7640132" y="5753100"/>
-            <a:ext cx="1155700" cy="461665"/>
-          </a:xfrm>
-          <a:prstGeom prst="rect">
-            <a:avLst/>
-          </a:prstGeom>
-          <a:noFill/>
-        </p:spPr>
-        <p:txBody>
-          <a:bodyPr wrap="square" rtlCol="0">
-            <a:spAutoFit/>
-          </a:bodyPr>
-          <a:lstStyle/>
-          <a:p>
-            <a:r>
-              <a:rPr lang="en-US" sz="2400" dirty="0" smtClean="0"/>
-              <a:t>weak</a:t>
-            </a:r>
-            <a:endParaRPr lang="en-US" sz="2400" dirty="0"/>
-          </a:p>
-        </p:txBody>
-      </p:sp>
-      <p:sp>
-        <p:nvSpPr>
-          <p:cNvPr id="4" name="TextBox 3"/>
-          <p:cNvSpPr txBox="1"/>
-          <p:nvPr/>
-        </p:nvSpPr>
-        <p:spPr>
-          <a:xfrm>
-            <a:off x="482600" y="475734"/>
-            <a:ext cx="1185582" cy="369332"/>
-          </a:xfrm>
-          <a:prstGeom prst="rect">
-            <a:avLst/>
-          </a:prstGeom>
-          <a:noFill/>
-        </p:spPr>
-        <p:txBody>
-          <a:bodyPr wrap="square" rtlCol="0">
-            <a:spAutoFit/>
-          </a:bodyPr>
-          <a:lstStyle/>
-          <a:p>
-            <a:r>
-              <a:rPr lang="en-US" dirty="0" smtClean="0">
-                <a:solidFill>
-                  <a:srgbClr val="0000FF"/>
-                </a:solidFill>
-              </a:rPr>
-              <a:t>~Soloists</a:t>
-            </a:r>
-            <a:endParaRPr lang="en-US" dirty="0">
-              <a:solidFill>
-                <a:srgbClr val="0000FF"/>
-              </a:solidFill>
-            </a:endParaRPr>
-          </a:p>
-        </p:txBody>
-      </p:sp>
-      <p:cxnSp>
-        <p:nvCxnSpPr>
-          <p:cNvPr id="7" name="Straight Arrow Connector 6"/>
-          <p:cNvCxnSpPr/>
-          <p:nvPr/>
-        </p:nvCxnSpPr>
-        <p:spPr>
-          <a:xfrm>
-            <a:off x="600542" y="806966"/>
-            <a:ext cx="986958" cy="0"/>
-          </a:xfrm>
-          <a:prstGeom prst="straightConnector1">
-            <a:avLst/>
-          </a:prstGeom>
-          <a:ln>
-            <a:solidFill>
-              <a:srgbClr val="0000FF"/>
-            </a:solidFill>
-            <a:tailEnd type="arrow"/>
-          </a:ln>
-        </p:spPr>
-        <p:style>
-          <a:lnRef idx="2">
-            <a:schemeClr val="accent1"/>
-          </a:lnRef>
-          <a:fillRef idx="0">
-            <a:schemeClr val="accent1"/>
-          </a:fillRef>
-          <a:effectRef idx="1">
-            <a:schemeClr val="accent1"/>
-          </a:effectRef>
-          <a:fontRef idx="minor">
-            <a:schemeClr val="tx1"/>
-          </a:fontRef>
-        </p:style>
-      </p:cxnSp>
-      <p:sp>
-        <p:nvSpPr>
-          <p:cNvPr id="8" name="TextBox 7"/>
-          <p:cNvSpPr txBox="1"/>
-          <p:nvPr/>
-        </p:nvSpPr>
-        <p:spPr>
-          <a:xfrm>
-            <a:off x="363630" y="5686167"/>
-            <a:ext cx="1304552" cy="369332"/>
-          </a:xfrm>
-          <a:prstGeom prst="rect">
-            <a:avLst/>
-          </a:prstGeom>
-          <a:noFill/>
-        </p:spPr>
-        <p:txBody>
-          <a:bodyPr wrap="square" rtlCol="0">
-            <a:spAutoFit/>
-          </a:bodyPr>
-          <a:lstStyle/>
-          <a:p>
-            <a:r>
-              <a:rPr lang="en-US" dirty="0" smtClean="0">
-                <a:solidFill>
-                  <a:srgbClr val="FF0000"/>
-                </a:solidFill>
-              </a:rPr>
-              <a:t>~Choristers</a:t>
-            </a:r>
-            <a:endParaRPr lang="en-US" dirty="0">
-              <a:solidFill>
-                <a:srgbClr val="FF0000"/>
-              </a:solidFill>
-            </a:endParaRPr>
-          </a:p>
-        </p:txBody>
-      </p:sp>
-      <p:cxnSp>
-        <p:nvCxnSpPr>
-          <p:cNvPr id="9" name="Straight Arrow Connector 8"/>
-          <p:cNvCxnSpPr/>
-          <p:nvPr/>
-        </p:nvCxnSpPr>
-        <p:spPr>
-          <a:xfrm>
-            <a:off x="381000" y="6017399"/>
-            <a:ext cx="1206500" cy="0"/>
-          </a:xfrm>
-          <a:prstGeom prst="straightConnector1">
-            <a:avLst/>
-          </a:prstGeom>
-          <a:ln>
-            <a:solidFill>
-              <a:srgbClr val="FF0000"/>
-            </a:solidFill>
-            <a:tailEnd type="arrow"/>
-          </a:ln>
-        </p:spPr>
-        <p:style>
-          <a:lnRef idx="2">
-            <a:schemeClr val="accent1"/>
-          </a:lnRef>
-          <a:fillRef idx="0">
-            <a:schemeClr val="accent1"/>
-          </a:fillRef>
-          <a:effectRef idx="1">
-            <a:schemeClr val="accent1"/>
-          </a:effectRef>
-          <a:fontRef idx="minor">
-            <a:schemeClr val="tx1"/>
-          </a:fontRef>
-        </p:style>
-      </p:cxnSp>
-      <p:sp>
-        <p:nvSpPr>
-          <p:cNvPr id="11" name="TextBox 10"/>
-          <p:cNvSpPr txBox="1"/>
-          <p:nvPr/>
-        </p:nvSpPr>
-        <p:spPr>
-          <a:xfrm rot="16200000">
-            <a:off x="-902385" y="3244333"/>
-            <a:ext cx="3139301" cy="369332"/>
-          </a:xfrm>
-          <a:prstGeom prst="rect">
-            <a:avLst/>
-          </a:prstGeom>
-          <a:noFill/>
-        </p:spPr>
-        <p:txBody>
-          <a:bodyPr wrap="square" rtlCol="0">
-            <a:spAutoFit/>
-          </a:bodyPr>
-          <a:lstStyle/>
-          <a:p>
-            <a:r>
-              <a:rPr lang="en-US" dirty="0" smtClean="0"/>
-              <a:t>Rows (cells) sorted by mean PC</a:t>
-            </a:r>
-            <a:endParaRPr lang="en-US" dirty="0"/>
-          </a:p>
-        </p:txBody>
-      </p:sp>
-      <p:sp>
-        <p:nvSpPr>
-          <p:cNvPr id="5" name="TextBox 4"/>
-          <p:cNvSpPr txBox="1"/>
-          <p:nvPr/>
-        </p:nvSpPr>
-        <p:spPr>
-          <a:xfrm>
-            <a:off x="600542" y="845066"/>
-            <a:ext cx="889001" cy="461665"/>
-          </a:xfrm>
-          <a:prstGeom prst="rect">
-            <a:avLst/>
-          </a:prstGeom>
-          <a:noFill/>
-        </p:spPr>
-        <p:txBody>
-          <a:bodyPr wrap="square" rtlCol="0">
-            <a:spAutoFit/>
-          </a:bodyPr>
-          <a:lstStyle/>
-          <a:p>
-            <a:r>
-              <a:rPr lang="en-US" sz="1200" dirty="0" smtClean="0"/>
-              <a:t>PC low and invariant</a:t>
-            </a:r>
-            <a:endParaRPr lang="en-US" sz="1200" dirty="0"/>
-          </a:p>
-        </p:txBody>
-      </p:sp>
-      <p:sp>
-        <p:nvSpPr>
-          <p:cNvPr id="12" name="TextBox 11"/>
-          <p:cNvSpPr txBox="1"/>
-          <p:nvPr/>
-        </p:nvSpPr>
-        <p:spPr>
-          <a:xfrm>
-            <a:off x="512790" y="5273458"/>
-            <a:ext cx="1096777" cy="461665"/>
-          </a:xfrm>
-          <a:prstGeom prst="rect">
-            <a:avLst/>
-          </a:prstGeom>
-          <a:noFill/>
-        </p:spPr>
-        <p:txBody>
-          <a:bodyPr wrap="square" rtlCol="0">
-            <a:spAutoFit/>
-          </a:bodyPr>
-          <a:lstStyle/>
-          <a:p>
-            <a:r>
-              <a:rPr lang="en-US" sz="1200" dirty="0" smtClean="0"/>
-              <a:t>PC high and invariant</a:t>
-            </a:r>
-            <a:endParaRPr lang="en-US" sz="1200" dirty="0"/>
-          </a:p>
-        </p:txBody>
-      </p:sp>
-    </p:spTree>
-    <p:extLst>
-      <p:ext uri="{BB962C8B-B14F-4D97-AF65-F5344CB8AC3E}">
-        <p14:creationId xmlns:p14="http://schemas.microsoft.com/office/powerpoint/2010/main" val="475790486"/>
-      </p:ext>
-    </p:extLst>
-  </p:cSld>
-  <p:clrMapOvr>
-    <a:masterClrMapping/>
-  </p:clrMapOvr>
-  <p:timing>
-    <p:tnLst>
-      <p:par>
-        <p:cTn xmlns:p14="http://schemas.microsoft.com/office/powerpoint/2010/main" id="1" dur="indefinite" restart="never" nodeType="tmRoot"/>
-      </p:par>
-    </p:tnLst>
-  </p:timing>
-</p:sld>
-</file>
-
-<file path=ppt/slides/slide22.xml><?xml version="1.0" encoding="utf-8"?>
-<p:sld xmlns:a="http://schemas.openxmlformats.org/drawingml/2006/main" xmlns:r="http://schemas.openxmlformats.org/officeDocument/2006/relationships" xmlns:p="http://schemas.openxmlformats.org/presentationml/2006/main">
-  <p:cSld>
-    <p:spTree>
-      <p:nvGrpSpPr>
-        <p:cNvPr id="1" name=""/>
-        <p:cNvGrpSpPr/>
-        <p:nvPr/>
-      </p:nvGrpSpPr>
-      <p:grpSpPr>
-        <a:xfrm>
-          <a:off x="0" y="0"/>
-          <a:ext cx="0" cy="0"/>
-          <a:chOff x="0" y="0"/>
-          <a:chExt cx="0" cy="0"/>
-        </a:xfrm>
-      </p:grpSpPr>
-      <p:sp>
-        <p:nvSpPr>
-          <p:cNvPr id="4" name="Title 3"/>
-          <p:cNvSpPr>
-            <a:spLocks noGrp="1"/>
-          </p:cNvSpPr>
-          <p:nvPr>
-            <p:ph type="ctrTitle"/>
-          </p:nvPr>
-        </p:nvSpPr>
-        <p:spPr>
-          <a:xfrm>
-            <a:off x="227744" y="1447800"/>
-            <a:ext cx="8763000" cy="1470025"/>
-          </a:xfrm>
-        </p:spPr>
-        <p:txBody>
-          <a:bodyPr>
-            <a:normAutofit fontScale="90000"/>
-          </a:bodyPr>
-          <a:lstStyle/>
-          <a:p>
-            <a:r>
-              <a:rPr lang="en-US" b="1" dirty="0" smtClean="0"/>
-              <a:t>Slides and Jupyter notebook:</a:t>
-            </a:r>
-            <a:br>
-              <a:rPr lang="en-US" b="1" dirty="0" smtClean="0"/>
-            </a:br>
-            <a:r>
-              <a:rPr lang="en-US" dirty="0" smtClean="0">
-                <a:solidFill>
-                  <a:srgbClr val="0070C0"/>
-                </a:solidFill>
-              </a:rPr>
-              <a:t>https://github.com/</a:t>
-            </a:r>
-            <a:r>
-              <a:rPr lang="en-US" dirty="0" err="1" smtClean="0">
-                <a:solidFill>
-                  <a:srgbClr val="0070C0"/>
-                </a:solidFill>
-              </a:rPr>
-              <a:t>msarvestani</a:t>
-            </a:r>
-            <a:r>
-              <a:rPr lang="en-US" dirty="0" smtClean="0">
-                <a:solidFill>
-                  <a:srgbClr val="0070C0"/>
-                </a:solidFill>
-              </a:rPr>
-              <a:t>/CNI-JC</a:t>
-            </a:r>
-            <a:endParaRPr lang="en-US" dirty="0">
-              <a:solidFill>
-                <a:srgbClr val="0070C0"/>
-              </a:solidFill>
-            </a:endParaRPr>
-          </a:p>
-        </p:txBody>
-      </p:sp>
-      <p:sp>
-        <p:nvSpPr>
-          <p:cNvPr id="6" name="Title 3"/>
-          <p:cNvSpPr txBox="1">
-            <a:spLocks/>
-          </p:cNvSpPr>
-          <p:nvPr/>
-        </p:nvSpPr>
-        <p:spPr>
-          <a:xfrm>
-            <a:off x="227744" y="3810000"/>
-            <a:ext cx="8763000" cy="1470025"/>
-          </a:xfrm>
-          <a:prstGeom prst="rect">
-            <a:avLst/>
-          </a:prstGeom>
-        </p:spPr>
-        <p:txBody>
-          <a:bodyPr vert="horz" lIns="91440" tIns="45720" rIns="91440" bIns="45720" rtlCol="0" anchor="ctr">
-            <a:normAutofit/>
-          </a:bodyPr>
-          <a:lstStyle>
-            <a:lvl1pPr algn="ctr" defTabSz="914400" rtl="0" eaLnBrk="1" latinLnBrk="0" hangingPunct="1">
-              <a:spcBef>
-                <a:spcPct val="0"/>
-              </a:spcBef>
-              <a:buNone/>
-              <a:defRPr sz="4400" kern="1200">
-                <a:solidFill>
-                  <a:schemeClr val="tx1"/>
-                </a:solidFill>
-                <a:latin typeface="+mj-lt"/>
-                <a:ea typeface="+mj-ea"/>
-                <a:cs typeface="+mj-cs"/>
-              </a:defRPr>
-            </a:lvl1pPr>
-          </a:lstStyle>
-          <a:p>
-            <a:r>
-              <a:rPr lang="en-US" b="1" dirty="0" smtClean="0"/>
-              <a:t>Much More info on Observatory:</a:t>
-            </a:r>
-            <a:br>
-              <a:rPr lang="en-US" b="1" dirty="0" smtClean="0"/>
-            </a:br>
-            <a:r>
-              <a:rPr lang="en-US" dirty="0" smtClean="0">
-                <a:solidFill>
-                  <a:srgbClr val="0070C0"/>
-                </a:solidFill>
-              </a:rPr>
-              <a:t>http://observatory.brain-map.org/</a:t>
-            </a:r>
-            <a:endParaRPr lang="en-US" dirty="0">
-              <a:solidFill>
-                <a:srgbClr val="0070C0"/>
-              </a:solidFill>
-            </a:endParaRPr>
-          </a:p>
-        </p:txBody>
-      </p:sp>
-    </p:spTree>
-    <p:extLst>
-      <p:ext uri="{BB962C8B-B14F-4D97-AF65-F5344CB8AC3E}">
-        <p14:creationId xmlns:p14="http://schemas.microsoft.com/office/powerpoint/2010/main" val="2284630223"/>
-      </p:ext>
-    </p:extLst>
-  </p:cSld>
-  <p:clrMapOvr>
-    <a:masterClrMapping/>
-  </p:clrMapOvr>
-  <p:timing>
-    <p:tnLst>
-      <p:par>
-        <p:cTn xmlns:p14="http://schemas.microsoft.com/office/powerpoint/2010/main" id="1" dur="indefinite" restart="never" nodeType="tmRoot"/>
-      </p:par>
-    </p:tnLst>
-  </p:timing>
-</p:sld>
-</file>
-
-<file path=ppt/slides/slide23.xml><?xml version="1.0" encoding="utf-8"?>
-<p:sld xmlns:a="http://schemas.openxmlformats.org/drawingml/2006/main" xmlns:r="http://schemas.openxmlformats.org/officeDocument/2006/relationships" xmlns:p="http://schemas.openxmlformats.org/presentationml/2006/main">
-  <p:cSld>
-    <p:spTree>
-      <p:nvGrpSpPr>
-        <p:cNvPr id="1" name=""/>
-        <p:cNvGrpSpPr/>
-        <p:nvPr/>
-      </p:nvGrpSpPr>
-      <p:grpSpPr>
-        <a:xfrm>
-          <a:off x="0" y="0"/>
-          <a:ext cx="0" cy="0"/>
-          <a:chOff x="0" y="0"/>
-          <a:chExt cx="0" cy="0"/>
-        </a:xfrm>
-      </p:grpSpPr>
-      <p:sp>
-        <p:nvSpPr>
-          <p:cNvPr id="2" name="Title 1"/>
-          <p:cNvSpPr>
-            <a:spLocks noGrp="1"/>
-          </p:cNvSpPr>
-          <p:nvPr>
-            <p:ph type="title"/>
-          </p:nvPr>
-        </p:nvSpPr>
-        <p:spPr/>
-        <p:txBody>
-          <a:bodyPr/>
-          <a:lstStyle/>
-          <a:p>
-            <a:r>
-              <a:rPr lang="en-US" dirty="0" err="1" smtClean="0"/>
-              <a:t>Cre</a:t>
-            </a:r>
-            <a:r>
-              <a:rPr lang="en-US" dirty="0" smtClean="0"/>
-              <a:t>-lines</a:t>
-            </a:r>
-            <a:endParaRPr lang="en-US" dirty="0"/>
-          </a:p>
-        </p:txBody>
-      </p:sp>
-      <p:pic>
-        <p:nvPicPr>
-          <p:cNvPr id="3074" name="Picture 2"/>
-          <p:cNvPicPr>
-            <a:picLocks noGrp="1" noChangeAspect="1" noChangeArrowheads="1"/>
-          </p:cNvPicPr>
-          <p:nvPr>
-            <p:ph idx="1"/>
-          </p:nvPr>
-        </p:nvPicPr>
-        <p:blipFill>
-          <a:blip r:embed="rId2">
-            <a:extLst>
-              <a:ext uri="{28A0092B-C50C-407E-A947-70E740481C1C}">
-                <a14:useLocalDpi xmlns:a14="http://schemas.microsoft.com/office/drawing/2010/main" val="0"/>
-              </a:ext>
-            </a:extLst>
-          </a:blip>
-          <a:srcRect/>
-          <a:stretch>
-            <a:fillRect/>
-          </a:stretch>
-        </p:blipFill>
-        <p:spPr bwMode="auto">
-          <a:xfrm>
-            <a:off x="457200" y="1963429"/>
-            <a:ext cx="8229600" cy="3799504"/>
-          </a:xfrm>
-          <a:prstGeom prst="rect">
-            <a:avLst/>
-          </a:prstGeom>
-          <a:noFill/>
-          <a:ln>
-            <a:noFill/>
-          </a:ln>
-          <a:extLst>
-            <a:ext uri="{909E8E84-426E-40dd-AFC4-6F175D3DCCD1}">
-              <a14:hiddenFill xmlns:a14="http://schemas.microsoft.com/office/drawing/2010/main">
-                <a:solidFill>
-                  <a:schemeClr val="accent1"/>
-                </a:solidFill>
-              </a14:hiddenFill>
-            </a:ext>
-            <a:ext uri="{91240B29-F687-4f45-9708-019B960494DF}">
-              <a14:hiddenLine xmlns:a14="http://schemas.microsoft.com/office/drawing/2010/main" w="9525">
-                <a:solidFill>
-                  <a:schemeClr val="tx1"/>
-                </a:solidFill>
-                <a:miter lim="800000"/>
-                <a:headEnd/>
-                <a:tailEnd/>
-              </a14:hiddenLine>
-            </a:ext>
-          </a:extLst>
-        </p:spPr>
-      </p:pic>
-    </p:spTree>
-    <p:extLst>
-      <p:ext uri="{BB962C8B-B14F-4D97-AF65-F5344CB8AC3E}">
-        <p14:creationId xmlns:p14="http://schemas.microsoft.com/office/powerpoint/2010/main" val="2521044364"/>
-      </p:ext>
-    </p:extLst>
-  </p:cSld>
-  <p:clrMapOvr>
-    <a:masterClrMapping/>
-  </p:clrMapOvr>
-  <p:timing>
-    <p:tnLst>
-      <p:par>
-        <p:cTn xmlns:p14="http://schemas.microsoft.com/office/powerpoint/2010/main" id="1" dur="indefinite" restart="never" nodeType="tmRoot"/>
-      </p:par>
-    </p:tnLst>
-  </p:timing>
-</p:sld>
-</file>
-
-<file path=ppt/slides/slide24.xml><?xml version="1.0" encoding="utf-8"?>
-<p:sld xmlns:a="http://schemas.openxmlformats.org/drawingml/2006/main" xmlns:r="http://schemas.openxmlformats.org/officeDocument/2006/relationships" xmlns:p="http://schemas.openxmlformats.org/presentationml/2006/main">
-  <p:cSld>
-    <p:spTree>
-      <p:nvGrpSpPr>
-        <p:cNvPr id="1" name=""/>
-        <p:cNvGrpSpPr/>
-        <p:nvPr/>
-      </p:nvGrpSpPr>
-      <p:grpSpPr>
-        <a:xfrm>
-          <a:off x="0" y="0"/>
-          <a:ext cx="0" cy="0"/>
-          <a:chOff x="0" y="0"/>
-          <a:chExt cx="0" cy="0"/>
-        </a:xfrm>
-      </p:grpSpPr>
-      <p:sp>
-        <p:nvSpPr>
-          <p:cNvPr id="2" name="Title 1"/>
-          <p:cNvSpPr>
-            <a:spLocks noGrp="1"/>
-          </p:cNvSpPr>
-          <p:nvPr>
-            <p:ph type="title"/>
-          </p:nvPr>
-        </p:nvSpPr>
-        <p:spPr/>
-        <p:txBody>
-          <a:bodyPr/>
-          <a:lstStyle/>
-          <a:p>
-            <a:r>
-              <a:rPr lang="en-US" dirty="0" err="1" smtClean="0"/>
-              <a:t>GCaMPf6f</a:t>
-            </a:r>
-            <a:r>
-              <a:rPr lang="en-US" dirty="0" smtClean="0"/>
-              <a:t> (Chen 2013)</a:t>
-            </a:r>
-            <a:endParaRPr lang="en-US" dirty="0"/>
-          </a:p>
-        </p:txBody>
-      </p:sp>
-      <p:pic>
-        <p:nvPicPr>
-          <p:cNvPr id="5122" name="Picture 2"/>
-          <p:cNvPicPr>
-            <a:picLocks noChangeAspect="1" noChangeArrowheads="1"/>
-          </p:cNvPicPr>
-          <p:nvPr/>
-        </p:nvPicPr>
-        <p:blipFill>
-          <a:blip r:embed="rId2">
-            <a:extLst>
-              <a:ext uri="{28A0092B-C50C-407E-A947-70E740481C1C}">
-                <a14:useLocalDpi xmlns:a14="http://schemas.microsoft.com/office/drawing/2010/main" val="0"/>
-              </a:ext>
-            </a:extLst>
-          </a:blip>
-          <a:srcRect/>
-          <a:stretch>
-            <a:fillRect/>
-          </a:stretch>
-        </p:blipFill>
-        <p:spPr bwMode="auto">
-          <a:xfrm>
-            <a:off x="914400" y="1447799"/>
-            <a:ext cx="7424759" cy="5076825"/>
-          </a:xfrm>
-          <a:prstGeom prst="rect">
-            <a:avLst/>
-          </a:prstGeom>
-          <a:noFill/>
-          <a:ln>
-            <a:noFill/>
-          </a:ln>
-          <a:extLst>
-            <a:ext uri="{909E8E84-426E-40dd-AFC4-6F175D3DCCD1}">
-              <a14:hiddenFill xmlns:a14="http://schemas.microsoft.com/office/drawing/2010/main">
-                <a:solidFill>
-                  <a:schemeClr val="accent1"/>
-                </a:solidFill>
-              </a14:hiddenFill>
-            </a:ext>
-            <a:ext uri="{91240B29-F687-4f45-9708-019B960494DF}">
-              <a14:hiddenLine xmlns:a14="http://schemas.microsoft.com/office/drawing/2010/main" w="9525">
-                <a:solidFill>
-                  <a:schemeClr val="tx1"/>
-                </a:solidFill>
-                <a:miter lim="800000"/>
-                <a:headEnd/>
-                <a:tailEnd/>
-              </a14:hiddenLine>
-            </a:ext>
-          </a:extLst>
-        </p:spPr>
-      </p:pic>
-    </p:spTree>
-    <p:extLst>
-      <p:ext uri="{BB962C8B-B14F-4D97-AF65-F5344CB8AC3E}">
-        <p14:creationId xmlns:p14="http://schemas.microsoft.com/office/powerpoint/2010/main" val="287711863"/>
-      </p:ext>
-    </p:extLst>
-  </p:cSld>
-  <p:clrMapOvr>
-    <a:masterClrMapping/>
-  </p:clrMapOvr>
-  <p:timing>
-    <p:tnLst>
-      <p:par>
-        <p:cTn xmlns:p14="http://schemas.microsoft.com/office/powerpoint/2010/main" id="1" dur="indefinite" restart="never" nodeType="tmRoot"/>
-      </p:par>
-    </p:tnLst>
-  </p:timing>
-</p:sld>
-</file>
-
-<file path=ppt/slides/slide3.xml><?xml version="1.0" encoding="utf-8"?>
-<p:sld xmlns:a="http://schemas.openxmlformats.org/drawingml/2006/main" xmlns:r="http://schemas.openxmlformats.org/officeDocument/2006/relationships" xmlns:p="http://schemas.openxmlformats.org/presentationml/2006/main">
-  <p:cSld>
-    <p:spTree>
-      <p:nvGrpSpPr>
-        <p:cNvPr id="1" name=""/>
-        <p:cNvGrpSpPr/>
-        <p:nvPr/>
-      </p:nvGrpSpPr>
-      <p:grpSpPr>
-        <a:xfrm>
-          <a:off x="0" y="0"/>
-          <a:ext cx="0" cy="0"/>
-          <a:chOff x="0" y="0"/>
-          <a:chExt cx="0" cy="0"/>
-        </a:xfrm>
-      </p:grpSpPr>
-      <p:sp>
-        <p:nvSpPr>
-          <p:cNvPr id="2" name="Title 1"/>
-          <p:cNvSpPr>
-            <a:spLocks noGrp="1"/>
-          </p:cNvSpPr>
-          <p:nvPr>
-            <p:ph type="title"/>
-          </p:nvPr>
-        </p:nvSpPr>
-        <p:spPr/>
-        <p:txBody>
-          <a:bodyPr/>
-          <a:lstStyle/>
-          <a:p>
-            <a:r>
-              <a:rPr lang="en-US" b="1" dirty="0" smtClean="0"/>
-              <a:t>A ‘Window’ into the Brain</a:t>
-            </a:r>
-            <a:endParaRPr lang="en-US" b="1" dirty="0"/>
-          </a:p>
-        </p:txBody>
-      </p:sp>
-      <p:pic>
-        <p:nvPicPr>
-          <p:cNvPr id="4098" name="Picture 2"/>
-          <p:cNvPicPr>
-            <a:picLocks noChangeAspect="1" noChangeArrowheads="1"/>
-          </p:cNvPicPr>
-          <p:nvPr/>
-        </p:nvPicPr>
-        <p:blipFill>
-          <a:blip r:embed="rId3">
-            <a:extLst>
-              <a:ext uri="{28A0092B-C50C-407E-A947-70E740481C1C}">
-                <a14:useLocalDpi xmlns:a14="http://schemas.microsoft.com/office/drawing/2010/main" val="0"/>
-              </a:ext>
-            </a:extLst>
-          </a:blip>
-          <a:srcRect/>
-          <a:stretch>
-            <a:fillRect/>
-          </a:stretch>
-        </p:blipFill>
-        <p:spPr bwMode="auto">
-          <a:xfrm>
-            <a:off x="681273" y="2057400"/>
-            <a:ext cx="7772400" cy="4152900"/>
-          </a:xfrm>
-          <a:prstGeom prst="rect">
-            <a:avLst/>
-          </a:prstGeom>
-          <a:noFill/>
-          <a:ln>
-            <a:noFill/>
-          </a:ln>
-          <a:extLst>
-            <a:ext uri="{909E8E84-426E-40dd-AFC4-6F175D3DCCD1}">
-              <a14:hiddenFill xmlns:a14="http://schemas.microsoft.com/office/drawing/2010/main">
-                <a:solidFill>
-                  <a:schemeClr val="accent1"/>
-                </a:solidFill>
-              </a14:hiddenFill>
-            </a:ext>
-            <a:ext uri="{91240B29-F687-4f45-9708-019B960494DF}">
-              <a14:hiddenLine xmlns:a14="http://schemas.microsoft.com/office/drawing/2010/main" w="9525">
-                <a:solidFill>
-                  <a:schemeClr val="tx1"/>
-                </a:solidFill>
-                <a:miter lim="800000"/>
-                <a:headEnd/>
-                <a:tailEnd/>
-              </a14:hiddenLine>
-            </a:ext>
-          </a:extLst>
-        </p:spPr>
-      </p:pic>
-      <p:sp>
-        <p:nvSpPr>
-          <p:cNvPr id="4" name="TextBox 3"/>
-          <p:cNvSpPr txBox="1"/>
-          <p:nvPr/>
-        </p:nvSpPr>
-        <p:spPr>
-          <a:xfrm>
-            <a:off x="1600200" y="2057400"/>
-            <a:ext cx="1524000" cy="400110"/>
-          </a:xfrm>
-          <a:prstGeom prst="rect">
-            <a:avLst/>
-          </a:prstGeom>
-          <a:solidFill>
-            <a:schemeClr val="bg1"/>
-          </a:solidFill>
-        </p:spPr>
-        <p:txBody>
-          <a:bodyPr wrap="square" rtlCol="0">
-            <a:spAutoFit/>
-          </a:bodyPr>
-          <a:lstStyle/>
-          <a:p>
-            <a:r>
-              <a:rPr lang="en-US" sz="2000" b="1" dirty="0" smtClean="0"/>
-              <a:t>Mouse Brain</a:t>
-            </a:r>
-            <a:endParaRPr lang="en-US" sz="2000" b="1" dirty="0"/>
-          </a:p>
-        </p:txBody>
-      </p:sp>
-    </p:spTree>
-    <p:extLst>
-      <p:ext uri="{BB962C8B-B14F-4D97-AF65-F5344CB8AC3E}">
-        <p14:creationId xmlns:p14="http://schemas.microsoft.com/office/powerpoint/2010/main" val="1816441943"/>
-      </p:ext>
-    </p:extLst>
-  </p:cSld>
-  <p:clrMapOvr>
-    <a:masterClrMapping/>
-  </p:clrMapOvr>
-  <p:timing>
-    <p:tnLst>
-      <p:par>
-        <p:cTn xmlns:p14="http://schemas.microsoft.com/office/powerpoint/2010/main" id="1" dur="indefinite" restart="never" nodeType="tmRoot"/>
-      </p:par>
-    </p:tnLst>
-  </p:timing>
-</p:sld>
-</file>
-
-<file path=ppt/slides/slide4.xml><?xml version="1.0" encoding="utf-8"?>
-<p:sld xmlns:a="http://schemas.openxmlformats.org/drawingml/2006/main" xmlns:r="http://schemas.openxmlformats.org/officeDocument/2006/relationships" xmlns:p="http://schemas.openxmlformats.org/presentationml/2006/main">
-  <p:cSld>
-    <p:spTree>
-      <p:nvGrpSpPr>
-        <p:cNvPr id="1" name=""/>
-        <p:cNvGrpSpPr/>
-        <p:nvPr/>
-      </p:nvGrpSpPr>
-      <p:grpSpPr>
-        <a:xfrm>
-          <a:off x="0" y="0"/>
-          <a:ext cx="0" cy="0"/>
-          <a:chOff x="0" y="0"/>
-          <a:chExt cx="0" cy="0"/>
-        </a:xfrm>
-      </p:grpSpPr>
-      <p:pic>
-        <p:nvPicPr>
-          <p:cNvPr id="8194" name="Picture 2"/>
-          <p:cNvPicPr>
-            <a:picLocks noChangeAspect="1" noChangeArrowheads="1"/>
-          </p:cNvPicPr>
-          <p:nvPr/>
-        </p:nvPicPr>
-        <p:blipFill rotWithShape="1">
-          <a:blip r:embed="rId3">
-            <a:extLst>
-              <a:ext uri="{28A0092B-C50C-407E-A947-70E740481C1C}">
-                <a14:useLocalDpi xmlns:a14="http://schemas.microsoft.com/office/drawing/2010/main" val="0"/>
-              </a:ext>
-            </a:extLst>
-          </a:blip>
-          <a:srcRect l="2606" r="30368"/>
-          <a:stretch/>
-        </p:blipFill>
-        <p:spPr bwMode="auto">
-          <a:xfrm>
-            <a:off x="20030" y="241300"/>
-            <a:ext cx="9085870" cy="6299200"/>
-          </a:xfrm>
-          <a:prstGeom prst="rect">
-            <a:avLst/>
-          </a:prstGeom>
-          <a:noFill/>
-          <a:ln>
-            <a:noFill/>
-          </a:ln>
-          <a:extLst>
-            <a:ext uri="{909E8E84-426E-40dd-AFC4-6F175D3DCCD1}">
-              <a14:hiddenFill xmlns:a14="http://schemas.microsoft.com/office/drawing/2010/main">
-                <a:solidFill>
-                  <a:schemeClr val="accent1"/>
-                </a:solidFill>
-              </a14:hiddenFill>
-            </a:ext>
-            <a:ext uri="{91240B29-F687-4f45-9708-019B960494DF}">
-              <a14:hiddenLine xmlns:a14="http://schemas.microsoft.com/office/drawing/2010/main" w="9525">
-                <a:solidFill>
-                  <a:schemeClr val="tx1"/>
-                </a:solidFill>
-                <a:miter lim="800000"/>
-                <a:headEnd/>
-                <a:tailEnd/>
-              </a14:hiddenLine>
-            </a:ext>
-          </a:extLst>
-        </p:spPr>
-      </p:pic>
-    </p:spTree>
-    <p:extLst>
-      <p:ext uri="{BB962C8B-B14F-4D97-AF65-F5344CB8AC3E}">
-        <p14:creationId xmlns:p14="http://schemas.microsoft.com/office/powerpoint/2010/main" val="2693630248"/>
-      </p:ext>
-    </p:extLst>
-  </p:cSld>
-  <p:clrMapOvr>
-    <a:masterClrMapping/>
-  </p:clrMapOvr>
-  <p:timing>
-    <p:tnLst>
-      <p:par>
-        <p:cTn xmlns:p14="http://schemas.microsoft.com/office/powerpoint/2010/main" id="1" dur="indefinite" restart="never" nodeType="tmRoot"/>
-      </p:par>
-    </p:tnLst>
-  </p:timing>
-</p:sld>
-</file>
-
-<file path=ppt/slides/slide5.xml><?xml version="1.0" encoding="utf-8"?>
-<p:sld xmlns:a="http://schemas.openxmlformats.org/drawingml/2006/main" xmlns:r="http://schemas.openxmlformats.org/officeDocument/2006/relationships" xmlns:p="http://schemas.openxmlformats.org/presentationml/2006/main">
-  <p:cSld>
-    <p:spTree>
-      <p:nvGrpSpPr>
-        <p:cNvPr id="1" name=""/>
-        <p:cNvGrpSpPr/>
-        <p:nvPr/>
-      </p:nvGrpSpPr>
-      <p:grpSpPr>
-        <a:xfrm>
-          <a:off x="0" y="0"/>
-          <a:ext cx="0" cy="0"/>
-          <a:chOff x="0" y="0"/>
-          <a:chExt cx="0" cy="0"/>
-        </a:xfrm>
-      </p:grpSpPr>
-      <p:pic>
-        <p:nvPicPr>
-          <p:cNvPr id="2050" name="Picture 2"/>
-          <p:cNvPicPr>
-            <a:picLocks noChangeAspect="1" noChangeArrowheads="1"/>
-          </p:cNvPicPr>
-          <p:nvPr/>
-        </p:nvPicPr>
-        <p:blipFill>
-          <a:blip r:embed="rId3">
-            <a:extLst>
-              <a:ext uri="{28A0092B-C50C-407E-A947-70E740481C1C}">
-                <a14:useLocalDpi xmlns:a14="http://schemas.microsoft.com/office/drawing/2010/main" val="0"/>
-              </a:ext>
-            </a:extLst>
-          </a:blip>
-          <a:srcRect/>
-          <a:stretch>
-            <a:fillRect/>
-          </a:stretch>
-        </p:blipFill>
-        <p:spPr bwMode="auto">
-          <a:xfrm>
-            <a:off x="271793" y="1524000"/>
-            <a:ext cx="8648700" cy="2800350"/>
-          </a:xfrm>
-          <a:prstGeom prst="rect">
-            <a:avLst/>
-          </a:prstGeom>
-          <a:noFill/>
-          <a:ln>
-            <a:noFill/>
-          </a:ln>
-          <a:extLst>
-            <a:ext uri="{909E8E84-426E-40dd-AFC4-6F175D3DCCD1}">
-              <a14:hiddenFill xmlns:a14="http://schemas.microsoft.com/office/drawing/2010/main">
-                <a:solidFill>
-                  <a:schemeClr val="accent1"/>
-                </a:solidFill>
-              </a14:hiddenFill>
-            </a:ext>
-            <a:ext uri="{91240B29-F687-4f45-9708-019B960494DF}">
-              <a14:hiddenLine xmlns:a14="http://schemas.microsoft.com/office/drawing/2010/main" w="9525">
-                <a:solidFill>
-                  <a:schemeClr val="tx1"/>
-                </a:solidFill>
-                <a:miter lim="800000"/>
-                <a:headEnd/>
-                <a:tailEnd/>
-              </a14:hiddenLine>
-            </a:ext>
-          </a:extLst>
-        </p:spPr>
-      </p:pic>
-      <p:sp>
-        <p:nvSpPr>
-          <p:cNvPr id="4" name="TextBox 3"/>
-          <p:cNvSpPr txBox="1"/>
-          <p:nvPr/>
-        </p:nvSpPr>
-        <p:spPr>
-          <a:xfrm>
-            <a:off x="381000" y="4419600"/>
-            <a:ext cx="2667000" cy="1200328"/>
-          </a:xfrm>
-          <a:prstGeom prst="rect">
-            <a:avLst/>
-          </a:prstGeom>
-          <a:noFill/>
-        </p:spPr>
-        <p:txBody>
-          <a:bodyPr wrap="square" rtlCol="0">
-            <a:spAutoFit/>
-          </a:bodyPr>
-          <a:lstStyle/>
-          <a:p>
-            <a:pPr algn="ctr"/>
-            <a:r>
-              <a:rPr lang="en-US" sz="2400" b="1" dirty="0" smtClean="0"/>
-              <a:t>Awake, head-fixed mice, looking at visual stimuli</a:t>
-            </a:r>
-            <a:r>
-              <a:rPr lang="en-US" dirty="0" smtClean="0"/>
-              <a:t>.</a:t>
-            </a:r>
-            <a:endParaRPr lang="en-US" dirty="0"/>
-          </a:p>
-        </p:txBody>
-      </p:sp>
-      <p:sp>
-        <p:nvSpPr>
-          <p:cNvPr id="6" name="TextBox 5"/>
-          <p:cNvSpPr txBox="1"/>
-          <p:nvPr/>
-        </p:nvSpPr>
-        <p:spPr>
-          <a:xfrm>
-            <a:off x="3124200" y="4419600"/>
-            <a:ext cx="2895600" cy="1569660"/>
-          </a:xfrm>
-          <a:prstGeom prst="rect">
-            <a:avLst/>
-          </a:prstGeom>
-          <a:noFill/>
-        </p:spPr>
-        <p:txBody>
-          <a:bodyPr wrap="square" rtlCol="0">
-            <a:spAutoFit/>
-          </a:bodyPr>
-          <a:lstStyle/>
-          <a:p>
-            <a:pPr algn="ctr"/>
-            <a:r>
-              <a:rPr lang="en-US" sz="2400" b="1" dirty="0" err="1" smtClean="0"/>
-              <a:t>2P</a:t>
-            </a:r>
-            <a:r>
-              <a:rPr lang="en-US" sz="2400" b="1" dirty="0" smtClean="0"/>
-              <a:t> calcium fluorescence responses of hundreds of neurons.</a:t>
-            </a:r>
-            <a:endParaRPr lang="en-US" dirty="0"/>
-          </a:p>
-        </p:txBody>
-      </p:sp>
-      <p:sp>
-        <p:nvSpPr>
-          <p:cNvPr id="7" name="TextBox 6"/>
-          <p:cNvSpPr txBox="1"/>
-          <p:nvPr/>
-        </p:nvSpPr>
-        <p:spPr>
-          <a:xfrm>
-            <a:off x="5638800" y="4419600"/>
-            <a:ext cx="3276599" cy="1477328"/>
-          </a:xfrm>
-          <a:prstGeom prst="rect">
-            <a:avLst/>
-          </a:prstGeom>
-          <a:noFill/>
-        </p:spPr>
-        <p:txBody>
-          <a:bodyPr wrap="square" rtlCol="0">
-            <a:spAutoFit/>
-          </a:bodyPr>
-          <a:lstStyle/>
-          <a:p>
-            <a:pPr algn="ctr"/>
-            <a:r>
-              <a:rPr lang="en-US" sz="2400" b="1" dirty="0" smtClean="0"/>
-              <a:t>+ running speed</a:t>
-            </a:r>
-          </a:p>
-          <a:p>
-            <a:pPr algn="ctr"/>
-            <a:r>
-              <a:rPr lang="en-US" sz="2400" b="1" dirty="0" smtClean="0"/>
-              <a:t>Eye video</a:t>
-            </a:r>
-          </a:p>
-          <a:p>
-            <a:pPr algn="ctr"/>
-            <a:r>
-              <a:rPr lang="en-US" sz="2400" b="1" dirty="0" smtClean="0"/>
-              <a:t>Mouse behavior</a:t>
-            </a:r>
-          </a:p>
-          <a:p>
-            <a:pPr algn="ctr"/>
-            <a:endParaRPr lang="en-US" dirty="0"/>
-          </a:p>
-        </p:txBody>
-      </p:sp>
-    </p:spTree>
-    <p:extLst>
-      <p:ext uri="{BB962C8B-B14F-4D97-AF65-F5344CB8AC3E}">
-        <p14:creationId xmlns:p14="http://schemas.microsoft.com/office/powerpoint/2010/main" val="3090618352"/>
-      </p:ext>
-    </p:extLst>
-  </p:cSld>
-  <p:clrMapOvr>
-    <a:masterClrMapping/>
-  </p:clrMapOvr>
-  <p:timing>
-    <p:tnLst>
-      <p:par>
-        <p:cTn xmlns:p14="http://schemas.microsoft.com/office/powerpoint/2010/main" id="1" dur="indefinite" restart="never" nodeType="tmRoot"/>
-      </p:par>
-    </p:tnLst>
-  </p:timing>
-</p:sld>
-</file>
-
-<file path=ppt/slides/slide6.xml><?xml version="1.0" encoding="utf-8"?>
-<p:sld xmlns:a="http://schemas.openxmlformats.org/drawingml/2006/main" xmlns:r="http://schemas.openxmlformats.org/officeDocument/2006/relationships" xmlns:p="http://schemas.openxmlformats.org/presentationml/2006/main">
-  <p:cSld>
-    <p:spTree>
-      <p:nvGrpSpPr>
-        <p:cNvPr id="1" name=""/>
-        <p:cNvGrpSpPr/>
-        <p:nvPr/>
-      </p:nvGrpSpPr>
-      <p:grpSpPr>
-        <a:xfrm>
-          <a:off x="0" y="0"/>
-          <a:ext cx="0" cy="0"/>
-          <a:chOff x="0" y="0"/>
-          <a:chExt cx="0" cy="0"/>
-        </a:xfrm>
-      </p:grpSpPr>
-      <p:sp>
-        <p:nvSpPr>
-          <p:cNvPr id="2" name="Title 1"/>
-          <p:cNvSpPr>
-            <a:spLocks noGrp="1"/>
-          </p:cNvSpPr>
-          <p:nvPr>
-            <p:ph type="title"/>
-          </p:nvPr>
-        </p:nvSpPr>
-        <p:spPr>
-          <a:xfrm>
-            <a:off x="457200" y="1600200"/>
-            <a:ext cx="8229600" cy="4495800"/>
-          </a:xfrm>
-        </p:spPr>
-        <p:txBody>
-          <a:bodyPr>
-            <a:normAutofit fontScale="90000"/>
-          </a:bodyPr>
-          <a:lstStyle/>
-          <a:p>
-            <a:pPr algn="l"/>
-            <a:r>
-              <a:rPr lang="en-US" sz="4900" b="1" dirty="0" smtClean="0"/>
-              <a:t>Genetic tools (</a:t>
-            </a:r>
-            <a:r>
-              <a:rPr lang="en-US" sz="4900" b="1" dirty="0" err="1" smtClean="0"/>
-              <a:t>Cre</a:t>
-            </a:r>
-            <a:r>
-              <a:rPr lang="en-US" sz="4900" b="1" dirty="0" smtClean="0"/>
-              <a:t>-lines x </a:t>
-            </a:r>
-            <a:r>
-              <a:rPr lang="en-US" sz="4900" b="1" dirty="0" err="1" smtClean="0"/>
-              <a:t>GCamp</a:t>
-            </a:r>
-            <a:r>
-              <a:rPr lang="en-US" sz="4900" b="1" dirty="0" smtClean="0"/>
-              <a:t>) are used to make specific cell types glow. Observatory dataset uses mice from 4 </a:t>
-            </a:r>
-            <a:r>
-              <a:rPr lang="en-US" sz="4900" b="1" dirty="0" err="1" smtClean="0"/>
-              <a:t>cre</a:t>
-            </a:r>
-            <a:r>
-              <a:rPr lang="en-US" sz="4900" b="1" dirty="0" smtClean="0"/>
-              <a:t>-lines (all </a:t>
-            </a:r>
-            <a:r>
-              <a:rPr lang="en-US" sz="4900" b="1" dirty="0" err="1" smtClean="0"/>
-              <a:t>exc</a:t>
-            </a:r>
-            <a:r>
-              <a:rPr lang="en-US" sz="4900" b="1" dirty="0" smtClean="0"/>
-              <a:t>). 7 more (</a:t>
-            </a:r>
-            <a:r>
-              <a:rPr lang="en-US" sz="4900" b="1" dirty="0" err="1" smtClean="0"/>
-              <a:t>exc</a:t>
-            </a:r>
-            <a:r>
-              <a:rPr lang="en-US" sz="4900" b="1" dirty="0" smtClean="0"/>
-              <a:t>/</a:t>
-            </a:r>
-            <a:r>
-              <a:rPr lang="en-US" sz="4900" b="1" dirty="0" err="1" smtClean="0"/>
-              <a:t>inh</a:t>
-            </a:r>
-            <a:r>
-              <a:rPr lang="en-US" sz="4900" b="1" dirty="0" smtClean="0"/>
-              <a:t>) planned for release.</a:t>
-            </a:r>
-            <a:r>
-              <a:rPr lang="en-US" sz="4900" dirty="0" smtClean="0"/>
-              <a:t/>
-            </a:r>
-            <a:br>
-              <a:rPr lang="en-US" sz="4900" dirty="0" smtClean="0"/>
-            </a:br>
-            <a:r>
-              <a:rPr lang="en-US" b="1" dirty="0" smtClean="0"/>
-              <a:t/>
-            </a:r>
-            <a:br>
-              <a:rPr lang="en-US" b="1" dirty="0" smtClean="0"/>
-            </a:br>
-            <a:endParaRPr lang="en-US" b="1" dirty="0"/>
-          </a:p>
-        </p:txBody>
-      </p:sp>
-    </p:spTree>
-    <p:extLst>
-      <p:ext uri="{BB962C8B-B14F-4D97-AF65-F5344CB8AC3E}">
-        <p14:creationId xmlns:p14="http://schemas.microsoft.com/office/powerpoint/2010/main" val="2102926617"/>
-      </p:ext>
-    </p:extLst>
-  </p:cSld>
-  <p:clrMapOvr>
-    <a:masterClrMapping/>
-  </p:clrMapOvr>
-  <p:timing>
-    <p:tnLst>
-      <p:par>
-        <p:cTn xmlns:p14="http://schemas.microsoft.com/office/powerpoint/2010/main" id="1" dur="indefinite" restart="never" nodeType="tmRoot"/>
-      </p:par>
-    </p:tnLst>
-  </p:timing>
-</p:sld>
-</file>
-
-<file path=ppt/slides/slide7.xml><?xml version="1.0" encoding="utf-8"?>
-<p:sld xmlns:a="http://schemas.openxmlformats.org/drawingml/2006/main" xmlns:r="http://schemas.openxmlformats.org/officeDocument/2006/relationships" xmlns:p="http://schemas.openxmlformats.org/presentationml/2006/main">
-  <p:cSld>
-    <p:spTree>
-      <p:nvGrpSpPr>
-        <p:cNvPr id="1" name=""/>
-        <p:cNvGrpSpPr/>
-        <p:nvPr/>
-      </p:nvGrpSpPr>
-      <p:grpSpPr>
-        <a:xfrm>
-          <a:off x="0" y="0"/>
-          <a:ext cx="0" cy="0"/>
-          <a:chOff x="0" y="0"/>
-          <a:chExt cx="0" cy="0"/>
-        </a:xfrm>
-      </p:grpSpPr>
-      <p:sp>
-        <p:nvSpPr>
-          <p:cNvPr id="2" name="Title 1"/>
-          <p:cNvSpPr>
-            <a:spLocks noGrp="1"/>
-          </p:cNvSpPr>
-          <p:nvPr>
-            <p:ph type="title"/>
-          </p:nvPr>
-        </p:nvSpPr>
-        <p:spPr/>
-        <p:txBody>
-          <a:bodyPr/>
-          <a:lstStyle/>
-          <a:p>
-            <a:r>
-              <a:rPr lang="en-US" b="1" dirty="0" smtClean="0"/>
-              <a:t>A Rich Dataset</a:t>
-            </a:r>
-            <a:endParaRPr lang="en-US" b="1" dirty="0"/>
-          </a:p>
-        </p:txBody>
-      </p:sp>
-      <p:pic>
-        <p:nvPicPr>
-          <p:cNvPr id="1026" name="Picture 2"/>
-          <p:cNvPicPr>
-            <a:picLocks noChangeAspect="1" noChangeArrowheads="1"/>
-          </p:cNvPicPr>
-          <p:nvPr/>
-        </p:nvPicPr>
-        <p:blipFill>
-          <a:blip r:embed="rId3">
-            <a:extLst>
-              <a:ext uri="{28A0092B-C50C-407E-A947-70E740481C1C}">
-                <a14:useLocalDpi xmlns:a14="http://schemas.microsoft.com/office/drawing/2010/main" val="0"/>
-              </a:ext>
-            </a:extLst>
-          </a:blip>
-          <a:srcRect/>
-          <a:stretch>
-            <a:fillRect/>
-          </a:stretch>
-        </p:blipFill>
-        <p:spPr bwMode="auto">
-          <a:xfrm>
-            <a:off x="114300" y="1828800"/>
-            <a:ext cx="9029700" cy="3209925"/>
-          </a:xfrm>
-          <a:prstGeom prst="rect">
-            <a:avLst/>
-          </a:prstGeom>
-          <a:noFill/>
-          <a:ln>
-            <a:noFill/>
-          </a:ln>
-          <a:extLst>
-            <a:ext uri="{909E8E84-426E-40dd-AFC4-6F175D3DCCD1}">
-              <a14:hiddenFill xmlns:a14="http://schemas.microsoft.com/office/drawing/2010/main">
-                <a:solidFill>
-                  <a:schemeClr val="accent1"/>
-                </a:solidFill>
-              </a14:hiddenFill>
-            </a:ext>
-            <a:ext uri="{91240B29-F687-4f45-9708-019B960494DF}">
-              <a14:hiddenLine xmlns:a14="http://schemas.microsoft.com/office/drawing/2010/main" w="9525">
-                <a:solidFill>
-                  <a:schemeClr val="tx1"/>
-                </a:solidFill>
-                <a:miter lim="800000"/>
-                <a:headEnd/>
-                <a:tailEnd/>
-              </a14:hiddenLine>
-            </a:ext>
-          </a:extLst>
-        </p:spPr>
-      </p:pic>
-      <p:sp>
-        <p:nvSpPr>
-          <p:cNvPr id="4" name="TextBox 3"/>
-          <p:cNvSpPr txBox="1"/>
-          <p:nvPr/>
-        </p:nvSpPr>
-        <p:spPr>
-          <a:xfrm>
-            <a:off x="533400" y="4775625"/>
-            <a:ext cx="2286000" cy="461665"/>
-          </a:xfrm>
-          <a:prstGeom prst="rect">
-            <a:avLst/>
-          </a:prstGeom>
-          <a:noFill/>
-        </p:spPr>
-        <p:txBody>
-          <a:bodyPr wrap="square" rtlCol="0">
-            <a:spAutoFit/>
-          </a:bodyPr>
-          <a:lstStyle/>
-          <a:p>
-            <a:r>
-              <a:rPr lang="en-US" sz="2400" b="1" dirty="0" smtClean="0"/>
-              <a:t>4 Visual areas</a:t>
-            </a:r>
-            <a:endParaRPr lang="en-US" sz="2400" b="1" dirty="0"/>
-          </a:p>
-        </p:txBody>
-      </p:sp>
-      <p:sp>
-        <p:nvSpPr>
-          <p:cNvPr id="6" name="TextBox 5"/>
-          <p:cNvSpPr txBox="1"/>
-          <p:nvPr/>
-        </p:nvSpPr>
-        <p:spPr>
-          <a:xfrm>
-            <a:off x="3048000" y="4775625"/>
-            <a:ext cx="2286000" cy="461665"/>
-          </a:xfrm>
-          <a:prstGeom prst="rect">
-            <a:avLst/>
-          </a:prstGeom>
-          <a:noFill/>
-        </p:spPr>
-        <p:txBody>
-          <a:bodyPr wrap="square" rtlCol="0">
-            <a:spAutoFit/>
-          </a:bodyPr>
-          <a:lstStyle/>
-          <a:p>
-            <a:r>
-              <a:rPr lang="en-US" sz="2400" b="1" dirty="0" smtClean="0"/>
-              <a:t>4 </a:t>
-            </a:r>
-            <a:r>
-              <a:rPr lang="en-US" sz="2400" b="1" dirty="0" err="1" smtClean="0"/>
-              <a:t>cre</a:t>
-            </a:r>
-            <a:r>
-              <a:rPr lang="en-US" sz="2400" b="1" dirty="0" smtClean="0"/>
-              <a:t>-lines</a:t>
-            </a:r>
-          </a:p>
-        </p:txBody>
-      </p:sp>
-      <p:pic>
-        <p:nvPicPr>
-          <p:cNvPr id="1027" name="Picture 3"/>
-          <p:cNvPicPr>
-            <a:picLocks noChangeAspect="1" noChangeArrowheads="1"/>
-          </p:cNvPicPr>
-          <p:nvPr/>
-        </p:nvPicPr>
-        <p:blipFill rotWithShape="1">
-          <a:blip r:embed="rId4">
-            <a:extLst>
-              <a:ext uri="{28A0092B-C50C-407E-A947-70E740481C1C}">
-                <a14:useLocalDpi xmlns:a14="http://schemas.microsoft.com/office/drawing/2010/main" val="0"/>
-              </a:ext>
-            </a:extLst>
-          </a:blip>
-          <a:srcRect l="6797" t="5252" r="6037" b="6906"/>
-          <a:stretch/>
-        </p:blipFill>
-        <p:spPr bwMode="auto">
-          <a:xfrm>
-            <a:off x="301593" y="2527955"/>
-            <a:ext cx="2516298" cy="2228054"/>
-          </a:xfrm>
-          <a:prstGeom prst="rect">
-            <a:avLst/>
-          </a:prstGeom>
-          <a:noFill/>
-          <a:ln>
-            <a:noFill/>
-          </a:ln>
-          <a:extLst>
-            <a:ext uri="{909E8E84-426E-40dd-AFC4-6F175D3DCCD1}">
-              <a14:hiddenFill xmlns:a14="http://schemas.microsoft.com/office/drawing/2010/main">
-                <a:solidFill>
-                  <a:schemeClr val="accent1"/>
-                </a:solidFill>
-              </a14:hiddenFill>
-            </a:ext>
-            <a:ext uri="{91240B29-F687-4f45-9708-019B960494DF}">
-              <a14:hiddenLine xmlns:a14="http://schemas.microsoft.com/office/drawing/2010/main" w="9525">
-                <a:solidFill>
-                  <a:schemeClr val="tx1"/>
-                </a:solidFill>
-                <a:miter lim="800000"/>
-                <a:headEnd/>
-                <a:tailEnd/>
-              </a14:hiddenLine>
-            </a:ext>
-          </a:extLst>
-        </p:spPr>
-      </p:pic>
-      <p:sp>
-        <p:nvSpPr>
-          <p:cNvPr id="7" name="Title 1"/>
-          <p:cNvSpPr txBox="1">
-            <a:spLocks/>
-          </p:cNvSpPr>
-          <p:nvPr/>
-        </p:nvSpPr>
-        <p:spPr>
-          <a:xfrm>
-            <a:off x="609600" y="5698227"/>
-            <a:ext cx="8229600" cy="1143000"/>
-          </a:xfrm>
-          <a:prstGeom prst="rect">
-            <a:avLst/>
-          </a:prstGeom>
-        </p:spPr>
-        <p:txBody>
-          <a:bodyPr vert="horz" lIns="91440" tIns="45720" rIns="91440" bIns="45720" rtlCol="0" anchor="ctr">
-            <a:normAutofit/>
-          </a:bodyPr>
-          <a:lstStyle>
-            <a:lvl1pPr algn="ctr" defTabSz="914400" rtl="0" eaLnBrk="1" latinLnBrk="0" hangingPunct="1">
-              <a:spcBef>
-                <a:spcPct val="0"/>
-              </a:spcBef>
-              <a:buNone/>
-              <a:defRPr sz="4400" kern="1200">
-                <a:solidFill>
-                  <a:schemeClr val="tx1"/>
-                </a:solidFill>
-                <a:latin typeface="+mj-lt"/>
-                <a:ea typeface="+mj-ea"/>
-                <a:cs typeface="+mj-cs"/>
-              </a:defRPr>
-            </a:lvl1pPr>
-          </a:lstStyle>
-          <a:p>
-            <a:r>
-              <a:rPr lang="en-US" b="1" dirty="0" smtClean="0"/>
-              <a:t>Hypothesis-free</a:t>
-            </a:r>
-            <a:endParaRPr lang="en-US" b="1" dirty="0"/>
-          </a:p>
-        </p:txBody>
-      </p:sp>
-    </p:spTree>
-    <p:extLst>
-      <p:ext uri="{BB962C8B-B14F-4D97-AF65-F5344CB8AC3E}">
-        <p14:creationId xmlns:p14="http://schemas.microsoft.com/office/powerpoint/2010/main" val="3579108064"/>
-      </p:ext>
-    </p:extLst>
-  </p:cSld>
-  <p:clrMapOvr>
-    <a:masterClrMapping/>
-  </p:clrMapOvr>
-  <p:timing>
-    <p:tnLst>
-      <p:par>
-        <p:cTn xmlns:p14="http://schemas.microsoft.com/office/powerpoint/2010/main" id="1" dur="indefinite" restart="never" nodeType="tmRoot"/>
-      </p:par>
-    </p:tnLst>
-  </p:timing>
-</p:sld>
-</file>
-
-<file path=ppt/slides/slide8.xml><?xml version="1.0" encoding="utf-8"?>
-<p:sld xmlns:a="http://schemas.openxmlformats.org/drawingml/2006/main" xmlns:r="http://schemas.openxmlformats.org/officeDocument/2006/relationships" xmlns:p="http://schemas.openxmlformats.org/presentationml/2006/main">
-  <p:cSld>
-    <p:spTree>
-      <p:nvGrpSpPr>
-        <p:cNvPr id="1" name=""/>
-        <p:cNvGrpSpPr/>
-        <p:nvPr/>
-      </p:nvGrpSpPr>
-      <p:grpSpPr>
-        <a:xfrm>
-          <a:off x="0" y="0"/>
-          <a:ext cx="0" cy="0"/>
-          <a:chOff x="0" y="0"/>
-          <a:chExt cx="0" cy="0"/>
-        </a:xfrm>
-      </p:grpSpPr>
-      <p:sp>
-        <p:nvSpPr>
-          <p:cNvPr id="2" name="Title 1"/>
-          <p:cNvSpPr>
-            <a:spLocks noGrp="1"/>
-          </p:cNvSpPr>
-          <p:nvPr>
-            <p:ph type="title"/>
-          </p:nvPr>
-        </p:nvSpPr>
-        <p:spPr/>
-        <p:txBody>
-          <a:bodyPr/>
-          <a:lstStyle/>
-          <a:p>
-            <a:r>
-              <a:rPr lang="en-US" b="1" dirty="0" smtClean="0"/>
-              <a:t>A Rich, Standardized, Dataset</a:t>
-            </a:r>
-            <a:endParaRPr lang="en-US" b="1" dirty="0"/>
-          </a:p>
-        </p:txBody>
-      </p:sp>
-      <p:pic>
-        <p:nvPicPr>
-          <p:cNvPr id="7170" name="Picture 2"/>
-          <p:cNvPicPr>
-            <a:picLocks noChangeAspect="1" noChangeArrowheads="1"/>
-          </p:cNvPicPr>
-          <p:nvPr/>
-        </p:nvPicPr>
-        <p:blipFill>
-          <a:blip r:embed="rId3">
-            <a:extLst>
-              <a:ext uri="{28A0092B-C50C-407E-A947-70E740481C1C}">
-                <a14:useLocalDpi xmlns:a14="http://schemas.microsoft.com/office/drawing/2010/main" val="0"/>
-              </a:ext>
-            </a:extLst>
-          </a:blip>
-          <a:srcRect/>
-          <a:stretch>
-            <a:fillRect/>
-          </a:stretch>
-        </p:blipFill>
-        <p:spPr bwMode="auto">
-          <a:xfrm>
-            <a:off x="685800" y="2209800"/>
-            <a:ext cx="8206566" cy="2492107"/>
-          </a:xfrm>
-          <a:prstGeom prst="rect">
-            <a:avLst/>
-          </a:prstGeom>
-          <a:noFill/>
-          <a:ln>
-            <a:noFill/>
-          </a:ln>
-          <a:extLst>
-            <a:ext uri="{909E8E84-426E-40dd-AFC4-6F175D3DCCD1}">
-              <a14:hiddenFill xmlns:a14="http://schemas.microsoft.com/office/drawing/2010/main">
-                <a:solidFill>
-                  <a:schemeClr val="accent1"/>
-                </a:solidFill>
-              </a14:hiddenFill>
-            </a:ext>
-            <a:ext uri="{91240B29-F687-4f45-9708-019B960494DF}">
-              <a14:hiddenLine xmlns:a14="http://schemas.microsoft.com/office/drawing/2010/main" w="9525">
-                <a:solidFill>
-                  <a:schemeClr val="tx1"/>
-                </a:solidFill>
-                <a:miter lim="800000"/>
-                <a:headEnd/>
-                <a:tailEnd/>
-              </a14:hiddenLine>
-            </a:ext>
-          </a:extLst>
-        </p:spPr>
-      </p:pic>
-      <p:sp>
-        <p:nvSpPr>
-          <p:cNvPr id="3" name="TextBox 2"/>
-          <p:cNvSpPr txBox="1"/>
-          <p:nvPr/>
-        </p:nvSpPr>
-        <p:spPr>
-          <a:xfrm>
-            <a:off x="2147935" y="5410200"/>
-            <a:ext cx="5791200" cy="461665"/>
-          </a:xfrm>
-          <a:prstGeom prst="rect">
-            <a:avLst/>
-          </a:prstGeom>
-          <a:noFill/>
-        </p:spPr>
-        <p:txBody>
-          <a:bodyPr wrap="square" rtlCol="0">
-            <a:spAutoFit/>
-          </a:bodyPr>
-          <a:lstStyle/>
-          <a:p>
-            <a:r>
-              <a:rPr lang="en-US" sz="2400" b="1" dirty="0" smtClean="0"/>
-              <a:t>Quality control throws out bad data</a:t>
-            </a:r>
-            <a:endParaRPr lang="en-US" sz="2400" b="1" dirty="0"/>
-          </a:p>
-        </p:txBody>
-      </p:sp>
-    </p:spTree>
-    <p:extLst>
-      <p:ext uri="{BB962C8B-B14F-4D97-AF65-F5344CB8AC3E}">
-        <p14:creationId xmlns:p14="http://schemas.microsoft.com/office/powerpoint/2010/main" val="731000349"/>
-      </p:ext>
-    </p:extLst>
-  </p:cSld>
-  <p:clrMapOvr>
-    <a:masterClrMapping/>
-  </p:clrMapOvr>
-  <p:timing>
-    <p:tnLst>
-      <p:par>
-        <p:cTn xmlns:p14="http://schemas.microsoft.com/office/powerpoint/2010/main" id="1" dur="indefinite" restart="never" nodeType="tmRoot"/>
-      </p:par>
-    </p:tnLst>
-  </p:timing>
-</p:sld>
-</file>
-
-<file path=ppt/slides/slide9.xml><?xml version="1.0" encoding="utf-8"?>
-<p:sld xmlns:a="http://schemas.openxmlformats.org/drawingml/2006/main" xmlns:r="http://schemas.openxmlformats.org/officeDocument/2006/relationships" xmlns:p="http://schemas.openxmlformats.org/presentationml/2006/main">
-  <p:cSld>
-    <p:spTree>
-      <p:nvGrpSpPr>
-        <p:cNvPr id="1" name=""/>
-        <p:cNvGrpSpPr/>
-        <p:nvPr/>
-      </p:nvGrpSpPr>
-      <p:grpSpPr>
-        <a:xfrm>
-          <a:off x="0" y="0"/>
-          <a:ext cx="0" cy="0"/>
-          <a:chOff x="0" y="0"/>
-          <a:chExt cx="0" cy="0"/>
-        </a:xfrm>
-      </p:grpSpPr>
-      <p:sp>
-        <p:nvSpPr>
-          <p:cNvPr id="2" name="Title 1"/>
-          <p:cNvSpPr>
-            <a:spLocks noGrp="1"/>
-          </p:cNvSpPr>
-          <p:nvPr>
-            <p:ph type="title"/>
-          </p:nvPr>
-        </p:nvSpPr>
         <p:spPr>
           <a:xfrm>
             <a:off x="457200" y="274638"/>
@@ -8759,6 +5423,3677 @@
     <p:bldLst>
       <p:bldP spid="3" grpId="0"/>
     </p:bldLst>
+  </p:timing>
+</p:sld>
+</file>
+
+<file path=ppt/slides/slide11.xml><?xml version="1.0" encoding="utf-8"?>
+<p:sld xmlns:a="http://schemas.openxmlformats.org/drawingml/2006/main" xmlns:r="http://schemas.openxmlformats.org/officeDocument/2006/relationships" xmlns:p="http://schemas.openxmlformats.org/presentationml/2006/main">
+  <p:cSld>
+    <p:spTree>
+      <p:nvGrpSpPr>
+        <p:cNvPr id="1" name=""/>
+        <p:cNvGrpSpPr/>
+        <p:nvPr/>
+      </p:nvGrpSpPr>
+      <p:grpSpPr>
+        <a:xfrm>
+          <a:off x="0" y="0"/>
+          <a:ext cx="0" cy="0"/>
+          <a:chOff x="0" y="0"/>
+          <a:chExt cx="0" cy="0"/>
+        </a:xfrm>
+      </p:grpSpPr>
+      <p:sp>
+        <p:nvSpPr>
+          <p:cNvPr id="2" name="Title 1"/>
+          <p:cNvSpPr>
+            <a:spLocks noGrp="1"/>
+          </p:cNvSpPr>
+          <p:nvPr>
+            <p:ph type="title"/>
+          </p:nvPr>
+        </p:nvSpPr>
+        <p:spPr/>
+        <p:txBody>
+          <a:bodyPr/>
+          <a:lstStyle/>
+          <a:p>
+            <a:r>
+              <a:rPr lang="en-US" b="1" dirty="0" smtClean="0"/>
+              <a:t>Pre-calculated Response Features</a:t>
+            </a:r>
+            <a:endParaRPr lang="en-US" b="1" dirty="0"/>
+          </a:p>
+        </p:txBody>
+      </p:sp>
+      <p:sp>
+        <p:nvSpPr>
+          <p:cNvPr id="3" name="Content Placeholder 2"/>
+          <p:cNvSpPr>
+            <a:spLocks noGrp="1"/>
+          </p:cNvSpPr>
+          <p:nvPr>
+            <p:ph idx="1"/>
+          </p:nvPr>
+        </p:nvSpPr>
+        <p:spPr/>
+        <p:txBody>
+          <a:bodyPr>
+            <a:normAutofit lnSpcReduction="10000"/>
+          </a:bodyPr>
+          <a:lstStyle/>
+          <a:p>
+            <a:r>
+              <a:rPr lang="en-US" dirty="0" smtClean="0">
+                <a:hlinkClick r:id="rId2"/>
+              </a:rPr>
+              <a:t>Stimuli</a:t>
+            </a:r>
+            <a:r>
+              <a:rPr lang="en-US" dirty="0" smtClean="0"/>
+              <a:t>, shown in three 1 hour sessions</a:t>
+            </a:r>
+          </a:p>
+          <a:p>
+            <a:endParaRPr lang="en-US" dirty="0"/>
+          </a:p>
+          <a:p>
+            <a:r>
+              <a:rPr lang="en-US" dirty="0"/>
+              <a:t>Receptive field</a:t>
+            </a:r>
+          </a:p>
+          <a:p>
+            <a:r>
+              <a:rPr lang="en-US" dirty="0" smtClean="0"/>
+              <a:t>Response reliability for each stimulus type</a:t>
+            </a:r>
+          </a:p>
+          <a:p>
+            <a:r>
+              <a:rPr lang="en-US" dirty="0" smtClean="0"/>
+              <a:t>Orientation/direction selectivity</a:t>
+            </a:r>
+          </a:p>
+          <a:p>
+            <a:r>
+              <a:rPr lang="en-US" dirty="0" smtClean="0"/>
+              <a:t>Preferred: </a:t>
+            </a:r>
+            <a:r>
+              <a:rPr lang="en-US" dirty="0" err="1" smtClean="0"/>
+              <a:t>tf</a:t>
+            </a:r>
+            <a:r>
+              <a:rPr lang="en-US" dirty="0" smtClean="0"/>
+              <a:t>, </a:t>
+            </a:r>
+            <a:r>
+              <a:rPr lang="en-US" dirty="0" err="1" smtClean="0"/>
+              <a:t>sf</a:t>
+            </a:r>
+            <a:r>
+              <a:rPr lang="en-US" dirty="0" smtClean="0"/>
+              <a:t>, orientation, natural image frame</a:t>
+            </a:r>
+          </a:p>
+          <a:p>
+            <a:r>
+              <a:rPr lang="en-US" dirty="0" smtClean="0"/>
+              <a:t>Modulating by running</a:t>
+            </a:r>
+          </a:p>
+        </p:txBody>
+      </p:sp>
+    </p:spTree>
+    <p:extLst>
+      <p:ext uri="{BB962C8B-B14F-4D97-AF65-F5344CB8AC3E}">
+        <p14:creationId xmlns:p14="http://schemas.microsoft.com/office/powerpoint/2010/main" val="318410832"/>
+      </p:ext>
+    </p:extLst>
+  </p:cSld>
+  <p:clrMapOvr>
+    <a:masterClrMapping/>
+  </p:clrMapOvr>
+  <p:timing>
+    <p:tnLst>
+      <p:par>
+        <p:cTn xmlns:p14="http://schemas.microsoft.com/office/powerpoint/2010/main" id="1" dur="indefinite" restart="never" nodeType="tmRoot"/>
+      </p:par>
+    </p:tnLst>
+  </p:timing>
+</p:sld>
+</file>
+
+<file path=ppt/slides/slide12.xml><?xml version="1.0" encoding="utf-8"?>
+<p:sld xmlns:a="http://schemas.openxmlformats.org/drawingml/2006/main" xmlns:r="http://schemas.openxmlformats.org/officeDocument/2006/relationships" xmlns:p="http://schemas.openxmlformats.org/presentationml/2006/main">
+  <p:cSld>
+    <p:spTree>
+      <p:nvGrpSpPr>
+        <p:cNvPr id="1" name=""/>
+        <p:cNvGrpSpPr/>
+        <p:nvPr/>
+      </p:nvGrpSpPr>
+      <p:grpSpPr>
+        <a:xfrm>
+          <a:off x="0" y="0"/>
+          <a:ext cx="0" cy="0"/>
+          <a:chOff x="0" y="0"/>
+          <a:chExt cx="0" cy="0"/>
+        </a:xfrm>
+      </p:grpSpPr>
+      <p:sp>
+        <p:nvSpPr>
+          <p:cNvPr id="2" name="Title 1"/>
+          <p:cNvSpPr>
+            <a:spLocks noGrp="1"/>
+          </p:cNvSpPr>
+          <p:nvPr>
+            <p:ph type="title"/>
+          </p:nvPr>
+        </p:nvSpPr>
+        <p:spPr>
+          <a:xfrm>
+            <a:off x="457200" y="304800"/>
+            <a:ext cx="8229600" cy="6096000"/>
+          </a:xfrm>
+        </p:spPr>
+        <p:txBody>
+          <a:bodyPr>
+            <a:normAutofit/>
+          </a:bodyPr>
+          <a:lstStyle/>
+          <a:p>
+            <a:pPr algn="l"/>
+            <a:r>
+              <a:rPr lang="en-US" sz="5400" b="1" dirty="0" smtClean="0"/>
+              <a:t>You can access some of the data (meta-data and extracted features) from the web. The rest (raw, post-processed, features) are accessible through a python package.</a:t>
+            </a:r>
+            <a:endParaRPr lang="en-US" sz="5400" b="1" dirty="0"/>
+          </a:p>
+        </p:txBody>
+      </p:sp>
+    </p:spTree>
+    <p:extLst>
+      <p:ext uri="{BB962C8B-B14F-4D97-AF65-F5344CB8AC3E}">
+        <p14:creationId xmlns:p14="http://schemas.microsoft.com/office/powerpoint/2010/main" val="2086606107"/>
+      </p:ext>
+    </p:extLst>
+  </p:cSld>
+  <p:clrMapOvr>
+    <a:masterClrMapping/>
+  </p:clrMapOvr>
+  <p:timing>
+    <p:tnLst>
+      <p:par>
+        <p:cTn xmlns:p14="http://schemas.microsoft.com/office/powerpoint/2010/main" id="1" dur="indefinite" restart="never" nodeType="tmRoot"/>
+      </p:par>
+    </p:tnLst>
+  </p:timing>
+</p:sld>
+</file>
+
+<file path=ppt/slides/slide13.xml><?xml version="1.0" encoding="utf-8"?>
+<p:sld xmlns:a="http://schemas.openxmlformats.org/drawingml/2006/main" xmlns:r="http://schemas.openxmlformats.org/officeDocument/2006/relationships" xmlns:p="http://schemas.openxmlformats.org/presentationml/2006/main">
+  <p:cSld>
+    <p:spTree>
+      <p:nvGrpSpPr>
+        <p:cNvPr id="1" name=""/>
+        <p:cNvGrpSpPr/>
+        <p:nvPr/>
+      </p:nvGrpSpPr>
+      <p:grpSpPr>
+        <a:xfrm>
+          <a:off x="0" y="0"/>
+          <a:ext cx="0" cy="0"/>
+          <a:chOff x="0" y="0"/>
+          <a:chExt cx="0" cy="0"/>
+        </a:xfrm>
+      </p:grpSpPr>
+      <p:sp>
+        <p:nvSpPr>
+          <p:cNvPr id="2" name="Title 1"/>
+          <p:cNvSpPr>
+            <a:spLocks noGrp="1"/>
+          </p:cNvSpPr>
+          <p:nvPr>
+            <p:ph type="title"/>
+          </p:nvPr>
+        </p:nvSpPr>
+        <p:spPr/>
+        <p:txBody>
+          <a:bodyPr/>
+          <a:lstStyle/>
+          <a:p>
+            <a:r>
+              <a:rPr lang="en-US" b="1" dirty="0" smtClean="0"/>
+              <a:t>Accessing the Data (Web)</a:t>
+            </a:r>
+            <a:endParaRPr lang="en-US" b="1" dirty="0"/>
+          </a:p>
+        </p:txBody>
+      </p:sp>
+      <p:sp>
+        <p:nvSpPr>
+          <p:cNvPr id="3" name="Content Placeholder 2"/>
+          <p:cNvSpPr>
+            <a:spLocks noGrp="1"/>
+          </p:cNvSpPr>
+          <p:nvPr>
+            <p:ph idx="1"/>
+          </p:nvPr>
+        </p:nvSpPr>
+        <p:spPr/>
+        <p:txBody>
+          <a:bodyPr/>
+          <a:lstStyle/>
+          <a:p>
+            <a:r>
+              <a:rPr lang="en-US" dirty="0" smtClean="0"/>
+              <a:t>Web: </a:t>
+            </a:r>
+            <a:r>
+              <a:rPr lang="en-US" dirty="0" smtClean="0">
+                <a:hlinkClick r:id="rId2"/>
+              </a:rPr>
+              <a:t>observatory.brain-map.org</a:t>
+            </a:r>
+            <a:endParaRPr lang="en-US" dirty="0" smtClean="0"/>
+          </a:p>
+        </p:txBody>
+      </p:sp>
+    </p:spTree>
+    <p:extLst>
+      <p:ext uri="{BB962C8B-B14F-4D97-AF65-F5344CB8AC3E}">
+        <p14:creationId xmlns:p14="http://schemas.microsoft.com/office/powerpoint/2010/main" val="506934835"/>
+      </p:ext>
+    </p:extLst>
+  </p:cSld>
+  <p:clrMapOvr>
+    <a:masterClrMapping/>
+  </p:clrMapOvr>
+  <p:timing>
+    <p:tnLst>
+      <p:par>
+        <p:cTn xmlns:p14="http://schemas.microsoft.com/office/powerpoint/2010/main" id="1" dur="indefinite" restart="never" nodeType="tmRoot"/>
+      </p:par>
+    </p:tnLst>
+  </p:timing>
+</p:sld>
+</file>
+
+<file path=ppt/slides/slide14.xml><?xml version="1.0" encoding="utf-8"?>
+<p:sld xmlns:a="http://schemas.openxmlformats.org/drawingml/2006/main" xmlns:r="http://schemas.openxmlformats.org/officeDocument/2006/relationships" xmlns:p="http://schemas.openxmlformats.org/presentationml/2006/main">
+  <p:cSld>
+    <p:spTree>
+      <p:nvGrpSpPr>
+        <p:cNvPr id="1" name=""/>
+        <p:cNvGrpSpPr/>
+        <p:nvPr/>
+      </p:nvGrpSpPr>
+      <p:grpSpPr>
+        <a:xfrm>
+          <a:off x="0" y="0"/>
+          <a:ext cx="0" cy="0"/>
+          <a:chOff x="0" y="0"/>
+          <a:chExt cx="0" cy="0"/>
+        </a:xfrm>
+      </p:grpSpPr>
+      <p:sp>
+        <p:nvSpPr>
+          <p:cNvPr id="3" name="Content Placeholder 2"/>
+          <p:cNvSpPr>
+            <a:spLocks noGrp="1"/>
+          </p:cNvSpPr>
+          <p:nvPr>
+            <p:ph idx="1"/>
+          </p:nvPr>
+        </p:nvSpPr>
+        <p:spPr/>
+        <p:txBody>
+          <a:bodyPr/>
+          <a:lstStyle/>
+          <a:p>
+            <a:r>
+              <a:rPr lang="en-US" dirty="0" err="1" smtClean="0"/>
+              <a:t>AllenSDK</a:t>
+            </a:r>
+            <a:r>
+              <a:rPr lang="en-US" dirty="0" smtClean="0"/>
+              <a:t> python package (toolbox) for downloading raw and processed data</a:t>
+            </a:r>
+          </a:p>
+          <a:p>
+            <a:endParaRPr lang="en-US" dirty="0"/>
+          </a:p>
+          <a:p>
+            <a:r>
+              <a:rPr lang="en-US" dirty="0" smtClean="0"/>
+              <a:t>Start with this </a:t>
+            </a:r>
+            <a:r>
+              <a:rPr lang="en-US" dirty="0" smtClean="0">
+                <a:hlinkClick r:id="rId2"/>
+              </a:rPr>
+              <a:t>example</a:t>
+            </a:r>
+            <a:r>
+              <a:rPr lang="en-US" dirty="0" smtClean="0"/>
+              <a:t> </a:t>
+            </a:r>
+            <a:r>
+              <a:rPr lang="en-US" dirty="0" err="1" smtClean="0"/>
+              <a:t>jupyter</a:t>
+            </a:r>
+            <a:r>
+              <a:rPr lang="en-US" dirty="0" smtClean="0"/>
+              <a:t> notebook</a:t>
+            </a:r>
+          </a:p>
+          <a:p>
+            <a:endParaRPr lang="en-US" dirty="0"/>
+          </a:p>
+        </p:txBody>
+      </p:sp>
+      <p:sp>
+        <p:nvSpPr>
+          <p:cNvPr id="4" name="Title 1"/>
+          <p:cNvSpPr txBox="1">
+            <a:spLocks/>
+          </p:cNvSpPr>
+          <p:nvPr/>
+        </p:nvSpPr>
+        <p:spPr>
+          <a:xfrm>
+            <a:off x="457200" y="304800"/>
+            <a:ext cx="8229600" cy="1143000"/>
+          </a:xfrm>
+          <a:prstGeom prst="rect">
+            <a:avLst/>
+          </a:prstGeom>
+        </p:spPr>
+        <p:txBody>
+          <a:bodyPr vert="horz" lIns="91440" tIns="45720" rIns="91440" bIns="45720" rtlCol="0" anchor="ctr">
+            <a:normAutofit/>
+          </a:bodyPr>
+          <a:lstStyle>
+            <a:lvl1pPr algn="ctr" defTabSz="914400" rtl="0" eaLnBrk="1" latinLnBrk="0" hangingPunct="1">
+              <a:spcBef>
+                <a:spcPct val="0"/>
+              </a:spcBef>
+              <a:buNone/>
+              <a:defRPr sz="4400" kern="1200">
+                <a:solidFill>
+                  <a:schemeClr val="tx1"/>
+                </a:solidFill>
+                <a:latin typeface="+mj-lt"/>
+                <a:ea typeface="+mj-ea"/>
+                <a:cs typeface="+mj-cs"/>
+              </a:defRPr>
+            </a:lvl1pPr>
+          </a:lstStyle>
+          <a:p>
+            <a:r>
+              <a:rPr lang="en-US" b="1" dirty="0" smtClean="0"/>
+              <a:t>Accessing the Data (Python)</a:t>
+            </a:r>
+            <a:endParaRPr lang="en-US" b="1" dirty="0"/>
+          </a:p>
+        </p:txBody>
+      </p:sp>
+    </p:spTree>
+    <p:extLst>
+      <p:ext uri="{BB962C8B-B14F-4D97-AF65-F5344CB8AC3E}">
+        <p14:creationId xmlns:p14="http://schemas.microsoft.com/office/powerpoint/2010/main" val="1438495189"/>
+      </p:ext>
+    </p:extLst>
+  </p:cSld>
+  <p:clrMapOvr>
+    <a:masterClrMapping/>
+  </p:clrMapOvr>
+  <p:timing>
+    <p:tnLst>
+      <p:par>
+        <p:cTn xmlns:p14="http://schemas.microsoft.com/office/powerpoint/2010/main" id="1" dur="indefinite" restart="never" nodeType="tmRoot"/>
+      </p:par>
+    </p:tnLst>
+  </p:timing>
+</p:sld>
+</file>
+
+<file path=ppt/slides/slide15.xml><?xml version="1.0" encoding="utf-8"?>
+<p:sld xmlns:a="http://schemas.openxmlformats.org/drawingml/2006/main" xmlns:r="http://schemas.openxmlformats.org/officeDocument/2006/relationships" xmlns:p="http://schemas.openxmlformats.org/presentationml/2006/main">
+  <p:cSld>
+    <p:spTree>
+      <p:nvGrpSpPr>
+        <p:cNvPr id="1" name=""/>
+        <p:cNvGrpSpPr/>
+        <p:nvPr/>
+      </p:nvGrpSpPr>
+      <p:grpSpPr>
+        <a:xfrm>
+          <a:off x="0" y="0"/>
+          <a:ext cx="0" cy="0"/>
+          <a:chOff x="0" y="0"/>
+          <a:chExt cx="0" cy="0"/>
+        </a:xfrm>
+      </p:grpSpPr>
+      <p:sp>
+        <p:nvSpPr>
+          <p:cNvPr id="2" name="Title 1"/>
+          <p:cNvSpPr>
+            <a:spLocks noGrp="1"/>
+          </p:cNvSpPr>
+          <p:nvPr>
+            <p:ph type="title"/>
+          </p:nvPr>
+        </p:nvSpPr>
+        <p:spPr>
+          <a:xfrm>
+            <a:off x="457200" y="304800"/>
+            <a:ext cx="8229600" cy="6096000"/>
+          </a:xfrm>
+        </p:spPr>
+        <p:txBody>
+          <a:bodyPr>
+            <a:normAutofit/>
+          </a:bodyPr>
+          <a:lstStyle/>
+          <a:p>
+            <a:pPr algn="l"/>
+            <a:r>
+              <a:rPr lang="en-US" sz="5400" b="1" dirty="0" smtClean="0"/>
+              <a:t>A Jupyter/Python notebook is just a web app that lets you interactively run python code, and look at the output.</a:t>
+            </a:r>
+            <a:r>
+              <a:rPr lang="en-US" sz="5400" dirty="0">
+                <a:hlinkClick r:id="rId2"/>
+              </a:rPr>
+              <a:t> http://</a:t>
+            </a:r>
+            <a:r>
+              <a:rPr lang="en-US" sz="5400" dirty="0" err="1">
+                <a:hlinkClick r:id="rId2"/>
+              </a:rPr>
+              <a:t>jupyter.org</a:t>
+            </a:r>
+            <a:r>
+              <a:rPr lang="en-US" sz="5400" dirty="0">
+                <a:hlinkClick r:id="rId2"/>
+              </a:rPr>
+              <a:t>/</a:t>
+            </a:r>
+            <a:endParaRPr lang="en-US" sz="5400" b="1" dirty="0"/>
+          </a:p>
+        </p:txBody>
+      </p:sp>
+    </p:spTree>
+    <p:extLst>
+      <p:ext uri="{BB962C8B-B14F-4D97-AF65-F5344CB8AC3E}">
+        <p14:creationId xmlns:p14="http://schemas.microsoft.com/office/powerpoint/2010/main" val="395867012"/>
+      </p:ext>
+    </p:extLst>
+  </p:cSld>
+  <p:clrMapOvr>
+    <a:masterClrMapping/>
+  </p:clrMapOvr>
+  <p:timing>
+    <p:tnLst>
+      <p:par>
+        <p:cTn xmlns:p14="http://schemas.microsoft.com/office/powerpoint/2010/main" id="1" dur="indefinite" restart="never" nodeType="tmRoot"/>
+      </p:par>
+    </p:tnLst>
+  </p:timing>
+</p:sld>
+</file>
+
+<file path=ppt/slides/slide16.xml><?xml version="1.0" encoding="utf-8"?>
+<p:sld xmlns:a="http://schemas.openxmlformats.org/drawingml/2006/main" xmlns:r="http://schemas.openxmlformats.org/officeDocument/2006/relationships" xmlns:p="http://schemas.openxmlformats.org/presentationml/2006/main">
+  <p:cSld>
+    <p:spTree>
+      <p:nvGrpSpPr>
+        <p:cNvPr id="1" name=""/>
+        <p:cNvGrpSpPr/>
+        <p:nvPr/>
+      </p:nvGrpSpPr>
+      <p:grpSpPr>
+        <a:xfrm>
+          <a:off x="0" y="0"/>
+          <a:ext cx="0" cy="0"/>
+          <a:chOff x="0" y="0"/>
+          <a:chExt cx="0" cy="0"/>
+        </a:xfrm>
+      </p:grpSpPr>
+      <p:sp>
+        <p:nvSpPr>
+          <p:cNvPr id="3" name="Content Placeholder 2"/>
+          <p:cNvSpPr>
+            <a:spLocks noGrp="1"/>
+          </p:cNvSpPr>
+          <p:nvPr>
+            <p:ph idx="1"/>
+          </p:nvPr>
+        </p:nvSpPr>
+        <p:spPr/>
+        <p:txBody>
+          <a:bodyPr/>
+          <a:lstStyle/>
+          <a:p>
+            <a:r>
+              <a:rPr lang="en-US" dirty="0" smtClean="0"/>
+              <a:t>Run the notebook interactively (</a:t>
+            </a:r>
+            <a:r>
+              <a:rPr lang="en-US" dirty="0" smtClean="0">
+                <a:hlinkClick r:id="rId2"/>
+              </a:rPr>
+              <a:t>binder</a:t>
+            </a:r>
+            <a:r>
+              <a:rPr lang="en-US" dirty="0" smtClean="0"/>
+              <a:t>)</a:t>
+            </a:r>
+          </a:p>
+          <a:p>
+            <a:endParaRPr lang="en-US" dirty="0" smtClean="0"/>
+          </a:p>
+          <a:p>
+            <a:endParaRPr lang="en-US" dirty="0"/>
+          </a:p>
+        </p:txBody>
+      </p:sp>
+      <p:sp>
+        <p:nvSpPr>
+          <p:cNvPr id="4" name="Title 1"/>
+          <p:cNvSpPr txBox="1">
+            <a:spLocks/>
+          </p:cNvSpPr>
+          <p:nvPr/>
+        </p:nvSpPr>
+        <p:spPr>
+          <a:xfrm>
+            <a:off x="457200" y="304800"/>
+            <a:ext cx="8229600" cy="1143000"/>
+          </a:xfrm>
+          <a:prstGeom prst="rect">
+            <a:avLst/>
+          </a:prstGeom>
+        </p:spPr>
+        <p:txBody>
+          <a:bodyPr vert="horz" lIns="91440" tIns="45720" rIns="91440" bIns="45720" rtlCol="0" anchor="ctr">
+            <a:normAutofit/>
+          </a:bodyPr>
+          <a:lstStyle>
+            <a:lvl1pPr algn="ctr" defTabSz="914400" rtl="0" eaLnBrk="1" latinLnBrk="0" hangingPunct="1">
+              <a:spcBef>
+                <a:spcPct val="0"/>
+              </a:spcBef>
+              <a:buNone/>
+              <a:defRPr sz="4400" kern="1200">
+                <a:solidFill>
+                  <a:schemeClr val="tx1"/>
+                </a:solidFill>
+                <a:latin typeface="+mj-lt"/>
+                <a:ea typeface="+mj-ea"/>
+                <a:cs typeface="+mj-cs"/>
+              </a:defRPr>
+            </a:lvl1pPr>
+          </a:lstStyle>
+          <a:p>
+            <a:r>
+              <a:rPr lang="en-US" b="1" dirty="0" smtClean="0"/>
+              <a:t>Accessing the Data (Python)</a:t>
+            </a:r>
+            <a:endParaRPr lang="en-US" b="1" dirty="0"/>
+          </a:p>
+        </p:txBody>
+      </p:sp>
+    </p:spTree>
+    <p:extLst>
+      <p:ext uri="{BB962C8B-B14F-4D97-AF65-F5344CB8AC3E}">
+        <p14:creationId xmlns:p14="http://schemas.microsoft.com/office/powerpoint/2010/main" val="2595377064"/>
+      </p:ext>
+    </p:extLst>
+  </p:cSld>
+  <p:clrMapOvr>
+    <a:masterClrMapping/>
+  </p:clrMapOvr>
+  <p:timing>
+    <p:tnLst>
+      <p:par>
+        <p:cTn xmlns:p14="http://schemas.microsoft.com/office/powerpoint/2010/main" id="1" dur="indefinite" restart="never" nodeType="tmRoot"/>
+      </p:par>
+    </p:tnLst>
+  </p:timing>
+</p:sld>
+</file>
+
+<file path=ppt/slides/slide17.xml><?xml version="1.0" encoding="utf-8"?>
+<p:sld xmlns:a="http://schemas.openxmlformats.org/drawingml/2006/main" xmlns:r="http://schemas.openxmlformats.org/officeDocument/2006/relationships" xmlns:p="http://schemas.openxmlformats.org/presentationml/2006/main">
+  <p:cSld>
+    <p:spTree>
+      <p:nvGrpSpPr>
+        <p:cNvPr id="1" name=""/>
+        <p:cNvGrpSpPr/>
+        <p:nvPr/>
+      </p:nvGrpSpPr>
+      <p:grpSpPr>
+        <a:xfrm>
+          <a:off x="0" y="0"/>
+          <a:ext cx="0" cy="0"/>
+          <a:chOff x="0" y="0"/>
+          <a:chExt cx="0" cy="0"/>
+        </a:xfrm>
+      </p:grpSpPr>
+      <p:sp>
+        <p:nvSpPr>
+          <p:cNvPr id="2" name="Title 1"/>
+          <p:cNvSpPr>
+            <a:spLocks noGrp="1"/>
+          </p:cNvSpPr>
+          <p:nvPr>
+            <p:ph type="title"/>
+          </p:nvPr>
+        </p:nvSpPr>
+        <p:spPr/>
+        <p:txBody>
+          <a:bodyPr/>
+          <a:lstStyle/>
+          <a:p>
+            <a:r>
+              <a:rPr lang="en-US" b="1" dirty="0" smtClean="0"/>
+              <a:t>Data Format</a:t>
+            </a:r>
+            <a:endParaRPr lang="en-US" b="1" dirty="0"/>
+          </a:p>
+        </p:txBody>
+      </p:sp>
+      <p:sp>
+        <p:nvSpPr>
+          <p:cNvPr id="4" name="Content Placeholder 3"/>
+          <p:cNvSpPr>
+            <a:spLocks noGrp="1"/>
+          </p:cNvSpPr>
+          <p:nvPr>
+            <p:ph idx="1"/>
+          </p:nvPr>
+        </p:nvSpPr>
+        <p:spPr/>
+        <p:txBody>
+          <a:bodyPr>
+            <a:normAutofit/>
+          </a:bodyPr>
+          <a:lstStyle/>
+          <a:p>
+            <a:r>
+              <a:rPr lang="en-US" dirty="0" err="1" smtClean="0"/>
+              <a:t>Neurodata</a:t>
+            </a:r>
+            <a:r>
+              <a:rPr lang="en-US" dirty="0" smtClean="0"/>
+              <a:t> Without Borders (</a:t>
+            </a:r>
+            <a:r>
+              <a:rPr lang="en-US" dirty="0" err="1" smtClean="0"/>
+              <a:t>NWB</a:t>
+            </a:r>
+            <a:r>
+              <a:rPr lang="en-US" dirty="0" smtClean="0"/>
+              <a:t>).</a:t>
+            </a:r>
+          </a:p>
+          <a:p>
+            <a:pPr lvl="1"/>
+            <a:r>
+              <a:rPr lang="en-US" dirty="0" err="1" smtClean="0"/>
+              <a:t>HDF5</a:t>
+            </a:r>
+            <a:r>
+              <a:rPr lang="en-US" dirty="0" smtClean="0"/>
+              <a:t> file</a:t>
+            </a:r>
+          </a:p>
+          <a:p>
+            <a:pPr lvl="1"/>
+            <a:r>
+              <a:rPr lang="en-US" dirty="0" smtClean="0"/>
+              <a:t>Includes stimulus data and metadata</a:t>
+            </a:r>
+          </a:p>
+          <a:p>
+            <a:r>
+              <a:rPr lang="en-US" dirty="0" smtClean="0"/>
+              <a:t>Used for </a:t>
+            </a:r>
+            <a:r>
+              <a:rPr lang="en-US" dirty="0" err="1" smtClean="0"/>
+              <a:t>CRCNS</a:t>
+            </a:r>
+            <a:r>
+              <a:rPr lang="en-US" dirty="0" smtClean="0"/>
+              <a:t> </a:t>
+            </a:r>
+            <a:r>
+              <a:rPr lang="en-US" dirty="0" err="1" smtClean="0"/>
+              <a:t>ephys</a:t>
+            </a:r>
+            <a:r>
+              <a:rPr lang="en-US" dirty="0" smtClean="0"/>
+              <a:t> data sets:</a:t>
+            </a:r>
+          </a:p>
+          <a:p>
+            <a:pPr lvl="1"/>
+            <a:r>
+              <a:rPr lang="en-US" dirty="0" smtClean="0">
+                <a:solidFill>
+                  <a:srgbClr val="2A0EFA"/>
+                </a:solidFill>
+                <a:hlinkClick r:id="rId2"/>
+              </a:rPr>
+              <a:t>https://crcns.org/</a:t>
+            </a:r>
+            <a:endParaRPr lang="en-US" dirty="0">
+              <a:solidFill>
+                <a:srgbClr val="2A0EFA"/>
+              </a:solidFill>
+            </a:endParaRPr>
+          </a:p>
+          <a:p>
+            <a:r>
+              <a:rPr lang="en-US" dirty="0" smtClean="0"/>
+              <a:t>This</a:t>
+            </a:r>
+            <a:r>
+              <a:rPr lang="en-US" dirty="0" smtClean="0">
+                <a:hlinkClick r:id="rId3"/>
+              </a:rPr>
+              <a:t> paper </a:t>
+            </a:r>
+            <a:r>
+              <a:rPr lang="en-US" dirty="0" smtClean="0"/>
+              <a:t>has code snippets for </a:t>
+            </a:r>
+            <a:r>
+              <a:rPr lang="en-US" dirty="0" err="1" smtClean="0"/>
+              <a:t>reading;writing</a:t>
+            </a:r>
+            <a:r>
+              <a:rPr lang="en-US" dirty="0" smtClean="0"/>
+              <a:t> NWB data into </a:t>
+            </a:r>
+            <a:r>
+              <a:rPr lang="en-US" dirty="0" err="1" smtClean="0"/>
+              <a:t>matlab</a:t>
+            </a:r>
+            <a:r>
+              <a:rPr lang="en-US" dirty="0" smtClean="0"/>
+              <a:t> </a:t>
+            </a:r>
+            <a:r>
+              <a:rPr lang="en-US" dirty="0"/>
+              <a:t>or python</a:t>
+            </a:r>
+            <a:r>
+              <a:rPr lang="en-US" dirty="0" smtClean="0"/>
+              <a:t>:</a:t>
+            </a:r>
+          </a:p>
+        </p:txBody>
+      </p:sp>
+    </p:spTree>
+    <p:extLst>
+      <p:ext uri="{BB962C8B-B14F-4D97-AF65-F5344CB8AC3E}">
+        <p14:creationId xmlns:p14="http://schemas.microsoft.com/office/powerpoint/2010/main" val="1044896799"/>
+      </p:ext>
+    </p:extLst>
+  </p:cSld>
+  <p:clrMapOvr>
+    <a:masterClrMapping/>
+  </p:clrMapOvr>
+  <p:timing>
+    <p:tnLst>
+      <p:par>
+        <p:cTn xmlns:p14="http://schemas.microsoft.com/office/powerpoint/2010/main" id="1" dur="indefinite" restart="never" nodeType="tmRoot"/>
+      </p:par>
+    </p:tnLst>
+  </p:timing>
+</p:sld>
+</file>
+
+<file path=ppt/slides/slide18.xml><?xml version="1.0" encoding="utf-8"?>
+<p:sld xmlns:a="http://schemas.openxmlformats.org/drawingml/2006/main" xmlns:r="http://schemas.openxmlformats.org/officeDocument/2006/relationships" xmlns:p="http://schemas.openxmlformats.org/presentationml/2006/main">
+  <p:cSld>
+    <p:spTree>
+      <p:nvGrpSpPr>
+        <p:cNvPr id="1" name=""/>
+        <p:cNvGrpSpPr/>
+        <p:nvPr/>
+      </p:nvGrpSpPr>
+      <p:grpSpPr>
+        <a:xfrm>
+          <a:off x="0" y="0"/>
+          <a:ext cx="0" cy="0"/>
+          <a:chOff x="0" y="0"/>
+          <a:chExt cx="0" cy="0"/>
+        </a:xfrm>
+      </p:grpSpPr>
+      <p:sp>
+        <p:nvSpPr>
+          <p:cNvPr id="2" name="Title 1"/>
+          <p:cNvSpPr>
+            <a:spLocks noGrp="1"/>
+          </p:cNvSpPr>
+          <p:nvPr>
+            <p:ph type="title"/>
+          </p:nvPr>
+        </p:nvSpPr>
+        <p:spPr>
+          <a:xfrm>
+            <a:off x="228600" y="304800"/>
+            <a:ext cx="8686800" cy="6096000"/>
+          </a:xfrm>
+        </p:spPr>
+        <p:txBody>
+          <a:bodyPr>
+            <a:normAutofit/>
+          </a:bodyPr>
+          <a:lstStyle/>
+          <a:p>
+            <a:pPr algn="l"/>
+            <a:r>
+              <a:rPr lang="en-US" sz="5400" b="1" dirty="0" smtClean="0"/>
+              <a:t>What to do with all this data? You could:</a:t>
+            </a:r>
+            <a:br>
+              <a:rPr lang="en-US" sz="5400" b="1" dirty="0" smtClean="0"/>
+            </a:br>
+            <a:r>
+              <a:rPr lang="en-US" sz="3600" b="1" dirty="0" smtClean="0"/>
+              <a:t>1) benchmark various motion correction/spike-extraction algorithms</a:t>
+            </a:r>
+            <a:br>
+              <a:rPr lang="en-US" sz="3600" b="1" dirty="0" smtClean="0"/>
+            </a:br>
+            <a:r>
+              <a:rPr lang="en-US" sz="3600" b="1" dirty="0" smtClean="0"/>
+              <a:t>2) Validate previous work on bigger dataset</a:t>
+            </a:r>
+            <a:br>
+              <a:rPr lang="en-US" sz="3600" b="1" dirty="0" smtClean="0"/>
+            </a:br>
+            <a:r>
+              <a:rPr lang="en-US" sz="3600" b="1" dirty="0" smtClean="0"/>
+              <a:t>3) Test new theories (running?)</a:t>
+            </a:r>
+            <a:br>
+              <a:rPr lang="en-US" sz="3600" b="1" dirty="0" smtClean="0"/>
+            </a:br>
+            <a:r>
+              <a:rPr lang="en-US" sz="3600" b="1" dirty="0" smtClean="0"/>
+              <a:t>4) Use it for teaching</a:t>
+            </a:r>
+            <a:endParaRPr lang="en-US" sz="3600" b="1" dirty="0"/>
+          </a:p>
+        </p:txBody>
+      </p:sp>
+    </p:spTree>
+    <p:extLst>
+      <p:ext uri="{BB962C8B-B14F-4D97-AF65-F5344CB8AC3E}">
+        <p14:creationId xmlns:p14="http://schemas.microsoft.com/office/powerpoint/2010/main" val="2890401281"/>
+      </p:ext>
+    </p:extLst>
+  </p:cSld>
+  <p:clrMapOvr>
+    <a:masterClrMapping/>
+  </p:clrMapOvr>
+  <p:timing>
+    <p:tnLst>
+      <p:par>
+        <p:cTn xmlns:p14="http://schemas.microsoft.com/office/powerpoint/2010/main" id="1" dur="indefinite" restart="never" nodeType="tmRoot"/>
+      </p:par>
+    </p:tnLst>
+  </p:timing>
+</p:sld>
+</file>
+
+<file path=ppt/slides/slide19.xml><?xml version="1.0" encoding="utf-8"?>
+<p:sld xmlns:a="http://schemas.openxmlformats.org/drawingml/2006/main" xmlns:r="http://schemas.openxmlformats.org/officeDocument/2006/relationships" xmlns:p="http://schemas.openxmlformats.org/presentationml/2006/main">
+  <p:cSld>
+    <p:spTree>
+      <p:nvGrpSpPr>
+        <p:cNvPr id="1" name=""/>
+        <p:cNvGrpSpPr/>
+        <p:nvPr/>
+      </p:nvGrpSpPr>
+      <p:grpSpPr>
+        <a:xfrm>
+          <a:off x="0" y="0"/>
+          <a:ext cx="0" cy="0"/>
+          <a:chOff x="0" y="0"/>
+          <a:chExt cx="0" cy="0"/>
+        </a:xfrm>
+      </p:grpSpPr>
+      <p:sp>
+        <p:nvSpPr>
+          <p:cNvPr id="2" name="Title 1"/>
+          <p:cNvSpPr>
+            <a:spLocks noGrp="1"/>
+          </p:cNvSpPr>
+          <p:nvPr>
+            <p:ph type="title"/>
+          </p:nvPr>
+        </p:nvSpPr>
+        <p:spPr/>
+        <p:txBody>
+          <a:bodyPr>
+            <a:normAutofit/>
+          </a:bodyPr>
+          <a:lstStyle/>
+          <a:p>
+            <a:r>
+              <a:rPr lang="en-US" b="1" dirty="0" smtClean="0"/>
+              <a:t>Observatory Data </a:t>
+            </a:r>
+            <a:r>
+              <a:rPr lang="en-US" b="1" i="1" dirty="0" smtClean="0"/>
+              <a:t>Not</a:t>
+            </a:r>
+            <a:r>
+              <a:rPr lang="en-US" b="1" dirty="0" smtClean="0"/>
+              <a:t> Good for:</a:t>
+            </a:r>
+            <a:endParaRPr lang="en-US" b="1" dirty="0"/>
+          </a:p>
+        </p:txBody>
+      </p:sp>
+      <p:sp>
+        <p:nvSpPr>
+          <p:cNvPr id="3" name="Content Placeholder 2"/>
+          <p:cNvSpPr>
+            <a:spLocks noGrp="1"/>
+          </p:cNvSpPr>
+          <p:nvPr>
+            <p:ph idx="1"/>
+          </p:nvPr>
+        </p:nvSpPr>
+        <p:spPr/>
+        <p:txBody>
+          <a:bodyPr/>
+          <a:lstStyle/>
+          <a:p>
+            <a:r>
+              <a:rPr lang="en-US" dirty="0" smtClean="0"/>
+              <a:t>High temporal resolution (Calcium imaging)</a:t>
+            </a:r>
+          </a:p>
+          <a:p>
+            <a:pPr lvl="1"/>
+            <a:r>
+              <a:rPr lang="en-US" dirty="0" smtClean="0"/>
+              <a:t>Imaging frame rate is 30 Hz</a:t>
+            </a:r>
+          </a:p>
+          <a:p>
+            <a:r>
+              <a:rPr lang="en-US" dirty="0" smtClean="0"/>
+              <a:t>Anything with precise spatial location</a:t>
+            </a:r>
+          </a:p>
+          <a:p>
+            <a:pPr lvl="1"/>
+            <a:r>
+              <a:rPr lang="en-US" dirty="0" smtClean="0"/>
+              <a:t>Eye movement  (1/4 RF width) not controlled for until future release</a:t>
+            </a:r>
+          </a:p>
+        </p:txBody>
+      </p:sp>
+    </p:spTree>
+    <p:extLst>
+      <p:ext uri="{BB962C8B-B14F-4D97-AF65-F5344CB8AC3E}">
+        <p14:creationId xmlns:p14="http://schemas.microsoft.com/office/powerpoint/2010/main" val="680154838"/>
+      </p:ext>
+    </p:extLst>
+  </p:cSld>
+  <p:clrMapOvr>
+    <a:masterClrMapping/>
+  </p:clrMapOvr>
+  <p:timing>
+    <p:tnLst>
+      <p:par>
+        <p:cTn xmlns:p14="http://schemas.microsoft.com/office/powerpoint/2010/main" id="1" dur="indefinite" restart="never" nodeType="tmRoot"/>
+      </p:par>
+    </p:tnLst>
+  </p:timing>
+</p:sld>
+</file>
+
+<file path=ppt/slides/slide2.xml><?xml version="1.0" encoding="utf-8"?>
+<p:sld xmlns:a="http://schemas.openxmlformats.org/drawingml/2006/main" xmlns:r="http://schemas.openxmlformats.org/officeDocument/2006/relationships" xmlns:p="http://schemas.openxmlformats.org/presentationml/2006/main">
+  <p:cSld>
+    <p:spTree>
+      <p:nvGrpSpPr>
+        <p:cNvPr id="1" name=""/>
+        <p:cNvGrpSpPr/>
+        <p:nvPr/>
+      </p:nvGrpSpPr>
+      <p:grpSpPr>
+        <a:xfrm>
+          <a:off x="0" y="0"/>
+          <a:ext cx="0" cy="0"/>
+          <a:chOff x="0" y="0"/>
+          <a:chExt cx="0" cy="0"/>
+        </a:xfrm>
+      </p:grpSpPr>
+      <p:sp>
+        <p:nvSpPr>
+          <p:cNvPr id="2" name="Title 1"/>
+          <p:cNvSpPr>
+            <a:spLocks noGrp="1"/>
+          </p:cNvSpPr>
+          <p:nvPr>
+            <p:ph type="ctrTitle"/>
+          </p:nvPr>
+        </p:nvSpPr>
+        <p:spPr/>
+        <p:txBody>
+          <a:bodyPr/>
+          <a:lstStyle/>
+          <a:p>
+            <a:r>
+              <a:rPr lang="en-US" b="1" dirty="0" smtClean="0"/>
+              <a:t>Allen Brain Observatory Dataset</a:t>
+            </a:r>
+            <a:endParaRPr lang="en-US" b="1" dirty="0"/>
+          </a:p>
+        </p:txBody>
+      </p:sp>
+      <p:sp>
+        <p:nvSpPr>
+          <p:cNvPr id="3" name="Subtitle 2"/>
+          <p:cNvSpPr>
+            <a:spLocks noGrp="1"/>
+          </p:cNvSpPr>
+          <p:nvPr>
+            <p:ph type="subTitle" idx="1"/>
+          </p:nvPr>
+        </p:nvSpPr>
+        <p:spPr>
+          <a:xfrm>
+            <a:off x="1371600" y="3581400"/>
+            <a:ext cx="6400800" cy="1752600"/>
+          </a:xfrm>
+        </p:spPr>
+        <p:txBody>
+          <a:bodyPr/>
+          <a:lstStyle/>
+          <a:p>
+            <a:r>
+              <a:rPr lang="en-US" dirty="0" smtClean="0"/>
+              <a:t>Madineh </a:t>
+            </a:r>
+            <a:r>
+              <a:rPr lang="en-US" dirty="0" err="1" smtClean="0"/>
+              <a:t>Sedigh</a:t>
+            </a:r>
+            <a:r>
+              <a:rPr lang="en-US" dirty="0" smtClean="0"/>
+              <a:t>-Sarvestani</a:t>
+            </a:r>
+          </a:p>
+          <a:p>
+            <a:r>
+              <a:rPr lang="en-US" dirty="0" err="1" smtClean="0"/>
+              <a:t>CNI</a:t>
+            </a:r>
+            <a:r>
+              <a:rPr lang="en-US" dirty="0" smtClean="0"/>
+              <a:t> JC @ </a:t>
+            </a:r>
+            <a:r>
+              <a:rPr lang="en-US" dirty="0" err="1" smtClean="0"/>
+              <a:t>Upenn</a:t>
+            </a:r>
+            <a:endParaRPr lang="en-US" dirty="0" smtClean="0"/>
+          </a:p>
+          <a:p>
+            <a:r>
+              <a:rPr lang="en-US" dirty="0" smtClean="0"/>
+              <a:t>Oct 2016</a:t>
+            </a:r>
+            <a:endParaRPr lang="en-US" dirty="0"/>
+          </a:p>
+        </p:txBody>
+      </p:sp>
+      <p:sp>
+        <p:nvSpPr>
+          <p:cNvPr id="4" name="TextBox 3"/>
+          <p:cNvSpPr txBox="1"/>
+          <p:nvPr/>
+        </p:nvSpPr>
+        <p:spPr>
+          <a:xfrm>
+            <a:off x="1828800" y="5699156"/>
+            <a:ext cx="6248400" cy="646331"/>
+          </a:xfrm>
+          <a:prstGeom prst="rect">
+            <a:avLst/>
+          </a:prstGeom>
+          <a:noFill/>
+        </p:spPr>
+        <p:txBody>
+          <a:bodyPr wrap="square" rtlCol="0">
+            <a:spAutoFit/>
+          </a:bodyPr>
+          <a:lstStyle/>
+          <a:p>
+            <a:r>
+              <a:rPr lang="en-US" dirty="0" smtClean="0"/>
+              <a:t>[Most slides are from Allen Institute’s Marina Garrett, or the Observatory </a:t>
+            </a:r>
+            <a:r>
+              <a:rPr lang="en-US" dirty="0"/>
+              <a:t>website [</a:t>
+            </a:r>
+            <a:r>
+              <a:rPr lang="en-US" dirty="0" err="1"/>
+              <a:t>observatory.brain-map.org</a:t>
+            </a:r>
+            <a:r>
+              <a:rPr lang="en-US" dirty="0"/>
+              <a:t>/</a:t>
+            </a:r>
+            <a:r>
+              <a:rPr lang="en-US" dirty="0" smtClean="0"/>
+              <a:t>]</a:t>
+            </a:r>
+            <a:endParaRPr lang="en-US" dirty="0"/>
+          </a:p>
+        </p:txBody>
+      </p:sp>
+    </p:spTree>
+    <p:extLst>
+      <p:ext uri="{BB962C8B-B14F-4D97-AF65-F5344CB8AC3E}">
+        <p14:creationId xmlns:p14="http://schemas.microsoft.com/office/powerpoint/2010/main" val="488617663"/>
+      </p:ext>
+    </p:extLst>
+  </p:cSld>
+  <p:clrMapOvr>
+    <a:masterClrMapping/>
+  </p:clrMapOvr>
+  <p:timing>
+    <p:tnLst>
+      <p:par>
+        <p:cTn xmlns:p14="http://schemas.microsoft.com/office/powerpoint/2010/main" id="1" dur="indefinite" restart="never" nodeType="tmRoot"/>
+      </p:par>
+    </p:tnLst>
+  </p:timing>
+</p:sld>
+</file>
+
+<file path=ppt/slides/slide20.xml><?xml version="1.0" encoding="utf-8"?>
+<p:sld xmlns:a="http://schemas.openxmlformats.org/drawingml/2006/main" xmlns:r="http://schemas.openxmlformats.org/officeDocument/2006/relationships" xmlns:p="http://schemas.openxmlformats.org/presentationml/2006/main">
+  <p:cSld>
+    <p:spTree>
+      <p:nvGrpSpPr>
+        <p:cNvPr id="1" name=""/>
+        <p:cNvGrpSpPr/>
+        <p:nvPr/>
+      </p:nvGrpSpPr>
+      <p:grpSpPr>
+        <a:xfrm>
+          <a:off x="0" y="0"/>
+          <a:ext cx="0" cy="0"/>
+          <a:chOff x="0" y="0"/>
+          <a:chExt cx="0" cy="0"/>
+        </a:xfrm>
+      </p:grpSpPr>
+      <p:sp>
+        <p:nvSpPr>
+          <p:cNvPr id="2" name="Title 1"/>
+          <p:cNvSpPr>
+            <a:spLocks noGrp="1"/>
+          </p:cNvSpPr>
+          <p:nvPr>
+            <p:ph type="title"/>
+          </p:nvPr>
+        </p:nvSpPr>
+        <p:spPr/>
+        <p:txBody>
+          <a:bodyPr>
+            <a:normAutofit/>
+          </a:bodyPr>
+          <a:lstStyle/>
+          <a:p>
+            <a:r>
+              <a:rPr lang="en-US" b="1" dirty="0" smtClean="0"/>
+              <a:t>Observatory Data Good for:</a:t>
+            </a:r>
+            <a:endParaRPr lang="en-US" b="1" dirty="0"/>
+          </a:p>
+        </p:txBody>
+      </p:sp>
+      <p:sp>
+        <p:nvSpPr>
+          <p:cNvPr id="3" name="Content Placeholder 2"/>
+          <p:cNvSpPr>
+            <a:spLocks noGrp="1"/>
+          </p:cNvSpPr>
+          <p:nvPr>
+            <p:ph idx="1"/>
+          </p:nvPr>
+        </p:nvSpPr>
+        <p:spPr/>
+        <p:txBody>
+          <a:bodyPr>
+            <a:normAutofit/>
+          </a:bodyPr>
+          <a:lstStyle/>
+          <a:p>
+            <a:r>
+              <a:rPr lang="en-US" dirty="0" smtClean="0"/>
+              <a:t>Response variability with: areas, </a:t>
+            </a:r>
+            <a:r>
+              <a:rPr lang="en-US" dirty="0" err="1" smtClean="0"/>
+              <a:t>cre</a:t>
+            </a:r>
+            <a:r>
+              <a:rPr lang="en-US" dirty="0" smtClean="0"/>
+              <a:t>-lines, layers, running, pupil diameter (extract)</a:t>
+            </a:r>
+          </a:p>
+          <a:p>
+            <a:r>
+              <a:rPr lang="en-US" dirty="0" smtClean="0"/>
+              <a:t>Modeling signal and noise variability with brain state (</a:t>
+            </a:r>
+            <a:r>
+              <a:rPr lang="en-US" dirty="0" err="1" smtClean="0"/>
+              <a:t>Scholvinck</a:t>
+            </a:r>
+            <a:r>
+              <a:rPr lang="en-US" dirty="0" smtClean="0"/>
+              <a:t> 2015+)</a:t>
+            </a:r>
+          </a:p>
+          <a:p>
+            <a:r>
+              <a:rPr lang="en-US" dirty="0" smtClean="0"/>
+              <a:t>Encoding with correlations (Pillow 2008+) </a:t>
+            </a:r>
+          </a:p>
+          <a:p>
+            <a:pPr lvl="1"/>
+            <a:r>
+              <a:rPr lang="en-US" dirty="0" smtClean="0"/>
+              <a:t>Also as a function of tuning similarity  (sign-rule?)</a:t>
+            </a:r>
+          </a:p>
+          <a:p>
+            <a:r>
+              <a:rPr lang="en-US" dirty="0" smtClean="0"/>
+              <a:t>Decoding with correlations</a:t>
+            </a:r>
+          </a:p>
+          <a:p>
+            <a:pPr lvl="1"/>
+            <a:r>
+              <a:rPr lang="en-US" dirty="0" smtClean="0"/>
+              <a:t>Does shuffling trials reduce performance?</a:t>
+            </a:r>
+          </a:p>
+        </p:txBody>
+      </p:sp>
+    </p:spTree>
+    <p:extLst>
+      <p:ext uri="{BB962C8B-B14F-4D97-AF65-F5344CB8AC3E}">
+        <p14:creationId xmlns:p14="http://schemas.microsoft.com/office/powerpoint/2010/main" val="3821417294"/>
+      </p:ext>
+    </p:extLst>
+  </p:cSld>
+  <p:clrMapOvr>
+    <a:masterClrMapping/>
+  </p:clrMapOvr>
+  <p:timing>
+    <p:tnLst>
+      <p:par>
+        <p:cTn xmlns:p14="http://schemas.microsoft.com/office/powerpoint/2010/main" id="1" dur="indefinite" restart="never" nodeType="tmRoot"/>
+      </p:par>
+    </p:tnLst>
+  </p:timing>
+</p:sld>
+</file>
+
+<file path=ppt/slides/slide21.xml><?xml version="1.0" encoding="utf-8"?>
+<p:sld xmlns:a="http://schemas.openxmlformats.org/drawingml/2006/main" xmlns:r="http://schemas.openxmlformats.org/officeDocument/2006/relationships" xmlns:p="http://schemas.openxmlformats.org/presentationml/2006/main">
+  <p:cSld>
+    <p:spTree>
+      <p:nvGrpSpPr>
+        <p:cNvPr id="1" name=""/>
+        <p:cNvGrpSpPr/>
+        <p:nvPr/>
+      </p:nvGrpSpPr>
+      <p:grpSpPr>
+        <a:xfrm>
+          <a:off x="0" y="0"/>
+          <a:ext cx="0" cy="0"/>
+          <a:chOff x="0" y="0"/>
+          <a:chExt cx="0" cy="0"/>
+        </a:xfrm>
+      </p:grpSpPr>
+      <p:sp>
+        <p:nvSpPr>
+          <p:cNvPr id="2" name="Title 1"/>
+          <p:cNvSpPr>
+            <a:spLocks noGrp="1"/>
+          </p:cNvSpPr>
+          <p:nvPr>
+            <p:ph type="title"/>
+          </p:nvPr>
+        </p:nvSpPr>
+        <p:spPr>
+          <a:xfrm>
+            <a:off x="457200" y="119894"/>
+            <a:ext cx="8229600" cy="1143000"/>
+          </a:xfrm>
+        </p:spPr>
+        <p:txBody>
+          <a:bodyPr>
+            <a:normAutofit fontScale="90000"/>
+          </a:bodyPr>
+          <a:lstStyle/>
+          <a:p>
+            <a:r>
+              <a:rPr lang="en-US" b="1" dirty="0" smtClean="0"/>
+              <a:t>Population Coupling:</a:t>
+            </a:r>
+            <a:br>
+              <a:rPr lang="en-US" b="1" dirty="0" smtClean="0"/>
+            </a:br>
+            <a:r>
+              <a:rPr lang="en-US" b="1" dirty="0" smtClean="0"/>
+              <a:t> an invariant neuronal property?</a:t>
+            </a:r>
+            <a:endParaRPr lang="en-US" b="1" dirty="0"/>
+          </a:p>
+        </p:txBody>
+      </p:sp>
+      <p:pic>
+        <p:nvPicPr>
+          <p:cNvPr id="4" name="Shape 71"/>
+          <p:cNvPicPr preferRelativeResize="0"/>
+          <p:nvPr/>
+        </p:nvPicPr>
+        <p:blipFill rotWithShape="1">
+          <a:blip r:embed="rId3">
+            <a:alphaModFix/>
+          </a:blip>
+          <a:srcRect l="1327" t="3789" r="2252" b="3505"/>
+          <a:stretch/>
+        </p:blipFill>
+        <p:spPr>
+          <a:xfrm>
+            <a:off x="2244176" y="1771428"/>
+            <a:ext cx="6442624" cy="4691043"/>
+          </a:xfrm>
+          <a:prstGeom prst="rect">
+            <a:avLst/>
+          </a:prstGeom>
+          <a:noFill/>
+          <a:ln>
+            <a:noFill/>
+          </a:ln>
+        </p:spPr>
+      </p:pic>
+      <p:sp>
+        <p:nvSpPr>
+          <p:cNvPr id="8" name="TextBox 7"/>
+          <p:cNvSpPr txBox="1"/>
+          <p:nvPr/>
+        </p:nvSpPr>
+        <p:spPr>
+          <a:xfrm>
+            <a:off x="242781" y="2356035"/>
+            <a:ext cx="1998280" cy="2677656"/>
+          </a:xfrm>
+          <a:prstGeom prst="rect">
+            <a:avLst/>
+          </a:prstGeom>
+          <a:noFill/>
+        </p:spPr>
+        <p:txBody>
+          <a:bodyPr wrap="square" rtlCol="0">
+            <a:spAutoFit/>
+          </a:bodyPr>
+          <a:lstStyle/>
+          <a:p>
+            <a:r>
+              <a:rPr lang="en-US" sz="2400" dirty="0" smtClean="0"/>
+              <a:t>Pop coupling: correlation between each cell’s activity and total population activity.</a:t>
+            </a:r>
+          </a:p>
+        </p:txBody>
+      </p:sp>
+      <p:sp>
+        <p:nvSpPr>
+          <p:cNvPr id="3" name="TextBox 2"/>
+          <p:cNvSpPr txBox="1"/>
+          <p:nvPr/>
+        </p:nvSpPr>
+        <p:spPr>
+          <a:xfrm>
+            <a:off x="5711672" y="1471346"/>
+            <a:ext cx="1556635" cy="600164"/>
+          </a:xfrm>
+          <a:prstGeom prst="rect">
+            <a:avLst/>
+          </a:prstGeom>
+          <a:noFill/>
+        </p:spPr>
+        <p:txBody>
+          <a:bodyPr wrap="square" rtlCol="0">
+            <a:spAutoFit/>
+          </a:bodyPr>
+          <a:lstStyle/>
+          <a:p>
+            <a:r>
+              <a:rPr lang="en-US" sz="1100" dirty="0" smtClean="0"/>
+              <a:t>PC is peak of the spike-triggered population rate (</a:t>
+            </a:r>
+            <a:r>
+              <a:rPr lang="en-US" sz="1100" dirty="0" err="1" smtClean="0"/>
+              <a:t>stPR</a:t>
+            </a:r>
+            <a:r>
+              <a:rPr lang="en-US" sz="1100" dirty="0" smtClean="0"/>
+              <a:t>)</a:t>
+            </a:r>
+            <a:endParaRPr lang="en-US" sz="1100" dirty="0"/>
+          </a:p>
+        </p:txBody>
+      </p:sp>
+      <p:sp>
+        <p:nvSpPr>
+          <p:cNvPr id="5" name="TextBox 4"/>
+          <p:cNvSpPr txBox="1"/>
+          <p:nvPr/>
+        </p:nvSpPr>
+        <p:spPr>
+          <a:xfrm>
+            <a:off x="2455192" y="6084514"/>
+            <a:ext cx="3746789" cy="369332"/>
+          </a:xfrm>
+          <a:prstGeom prst="rect">
+            <a:avLst/>
+          </a:prstGeom>
+          <a:solidFill>
+            <a:schemeClr val="bg1"/>
+          </a:solidFill>
+        </p:spPr>
+        <p:txBody>
+          <a:bodyPr wrap="square" rtlCol="0">
+            <a:spAutoFit/>
+          </a:bodyPr>
+          <a:lstStyle/>
+          <a:p>
+            <a:r>
+              <a:rPr lang="en-US" dirty="0" err="1" smtClean="0"/>
+              <a:t>Okun</a:t>
+            </a:r>
+            <a:r>
+              <a:rPr lang="en-US" dirty="0" smtClean="0"/>
+              <a:t> et al. Nature 521 (511-15), 2015</a:t>
+            </a:r>
+            <a:endParaRPr lang="en-US" dirty="0"/>
+          </a:p>
+        </p:txBody>
+      </p:sp>
+      <p:sp>
+        <p:nvSpPr>
+          <p:cNvPr id="6" name="TextBox 5"/>
+          <p:cNvSpPr txBox="1"/>
+          <p:nvPr/>
+        </p:nvSpPr>
+        <p:spPr>
+          <a:xfrm>
+            <a:off x="3165230" y="2091482"/>
+            <a:ext cx="2100965" cy="338554"/>
+          </a:xfrm>
+          <a:prstGeom prst="rect">
+            <a:avLst/>
+          </a:prstGeom>
+          <a:solidFill>
+            <a:schemeClr val="bg1"/>
+          </a:solidFill>
+        </p:spPr>
+        <p:txBody>
+          <a:bodyPr wrap="square" rtlCol="0">
+            <a:spAutoFit/>
+          </a:bodyPr>
+          <a:lstStyle/>
+          <a:p>
+            <a:r>
+              <a:rPr lang="en-US" sz="1600" b="1" dirty="0" err="1" smtClean="0"/>
+              <a:t>Okun</a:t>
+            </a:r>
+            <a:r>
+              <a:rPr lang="en-US" sz="1600" b="1" dirty="0" smtClean="0"/>
+              <a:t> et al. Figure 1</a:t>
+            </a:r>
+            <a:endParaRPr lang="en-US" sz="1600" b="1" dirty="0"/>
+          </a:p>
+        </p:txBody>
+      </p:sp>
+    </p:spTree>
+    <p:extLst>
+      <p:ext uri="{BB962C8B-B14F-4D97-AF65-F5344CB8AC3E}">
+        <p14:creationId xmlns:p14="http://schemas.microsoft.com/office/powerpoint/2010/main" val="1236861414"/>
+      </p:ext>
+    </p:extLst>
+  </p:cSld>
+  <p:clrMapOvr>
+    <a:masterClrMapping/>
+  </p:clrMapOvr>
+  <p:timing>
+    <p:tnLst>
+      <p:par>
+        <p:cTn xmlns:p14="http://schemas.microsoft.com/office/powerpoint/2010/main" id="1" dur="indefinite" restart="never" nodeType="tmRoot"/>
+      </p:par>
+    </p:tnLst>
+  </p:timing>
+</p:sld>
+</file>
+
+<file path=ppt/slides/slide22.xml><?xml version="1.0" encoding="utf-8"?>
+<p:sld xmlns:a="http://schemas.openxmlformats.org/drawingml/2006/main" xmlns:r="http://schemas.openxmlformats.org/officeDocument/2006/relationships" xmlns:p="http://schemas.openxmlformats.org/presentationml/2006/main">
+  <p:cSld>
+    <p:spTree>
+      <p:nvGrpSpPr>
+        <p:cNvPr id="1" name=""/>
+        <p:cNvGrpSpPr/>
+        <p:nvPr/>
+      </p:nvGrpSpPr>
+      <p:grpSpPr>
+        <a:xfrm>
+          <a:off x="0" y="0"/>
+          <a:ext cx="0" cy="0"/>
+          <a:chOff x="0" y="0"/>
+          <a:chExt cx="0" cy="0"/>
+        </a:xfrm>
+      </p:grpSpPr>
+      <p:pic>
+        <p:nvPicPr>
+          <p:cNvPr id="2" name="Picture 1"/>
+          <p:cNvPicPr>
+            <a:picLocks noChangeAspect="1"/>
+          </p:cNvPicPr>
+          <p:nvPr/>
+        </p:nvPicPr>
+        <p:blipFill rotWithShape="1">
+          <a:blip r:embed="rId3">
+            <a:extLst>
+              <a:ext uri="{28A0092B-C50C-407E-A947-70E740481C1C}">
+                <a14:useLocalDpi xmlns:a14="http://schemas.microsoft.com/office/drawing/2010/main" val="0"/>
+              </a:ext>
+            </a:extLst>
+          </a:blip>
+          <a:srcRect l="5353" r="7457" b="4205"/>
+          <a:stretch/>
+        </p:blipFill>
+        <p:spPr>
+          <a:xfrm>
+            <a:off x="1001432" y="0"/>
+            <a:ext cx="7343550" cy="6858000"/>
+          </a:xfrm>
+          <a:prstGeom prst="rect">
+            <a:avLst/>
+          </a:prstGeom>
+        </p:spPr>
+      </p:pic>
+      <p:sp>
+        <p:nvSpPr>
+          <p:cNvPr id="3" name="TextBox 2"/>
+          <p:cNvSpPr txBox="1"/>
+          <p:nvPr/>
+        </p:nvSpPr>
+        <p:spPr>
+          <a:xfrm>
+            <a:off x="7640132" y="520700"/>
+            <a:ext cx="1155700" cy="461665"/>
+          </a:xfrm>
+          <a:prstGeom prst="rect">
+            <a:avLst/>
+          </a:prstGeom>
+          <a:noFill/>
+        </p:spPr>
+        <p:txBody>
+          <a:bodyPr wrap="square" rtlCol="0">
+            <a:spAutoFit/>
+          </a:bodyPr>
+          <a:lstStyle/>
+          <a:p>
+            <a:r>
+              <a:rPr lang="en-US" sz="2400" dirty="0" smtClean="0"/>
+              <a:t>strong </a:t>
+            </a:r>
+            <a:endParaRPr lang="en-US" sz="2400" dirty="0"/>
+          </a:p>
+        </p:txBody>
+      </p:sp>
+      <p:sp>
+        <p:nvSpPr>
+          <p:cNvPr id="6" name="TextBox 5"/>
+          <p:cNvSpPr txBox="1"/>
+          <p:nvPr/>
+        </p:nvSpPr>
+        <p:spPr>
+          <a:xfrm>
+            <a:off x="7640132" y="5753100"/>
+            <a:ext cx="1155700" cy="461665"/>
+          </a:xfrm>
+          <a:prstGeom prst="rect">
+            <a:avLst/>
+          </a:prstGeom>
+          <a:noFill/>
+        </p:spPr>
+        <p:txBody>
+          <a:bodyPr wrap="square" rtlCol="0">
+            <a:spAutoFit/>
+          </a:bodyPr>
+          <a:lstStyle/>
+          <a:p>
+            <a:r>
+              <a:rPr lang="en-US" sz="2400" dirty="0" smtClean="0"/>
+              <a:t>weak</a:t>
+            </a:r>
+            <a:endParaRPr lang="en-US" sz="2400" dirty="0"/>
+          </a:p>
+        </p:txBody>
+      </p:sp>
+      <p:sp>
+        <p:nvSpPr>
+          <p:cNvPr id="4" name="TextBox 3"/>
+          <p:cNvSpPr txBox="1"/>
+          <p:nvPr/>
+        </p:nvSpPr>
+        <p:spPr>
+          <a:xfrm>
+            <a:off x="482600" y="475734"/>
+            <a:ext cx="1185582" cy="369332"/>
+          </a:xfrm>
+          <a:prstGeom prst="rect">
+            <a:avLst/>
+          </a:prstGeom>
+          <a:noFill/>
+        </p:spPr>
+        <p:txBody>
+          <a:bodyPr wrap="square" rtlCol="0">
+            <a:spAutoFit/>
+          </a:bodyPr>
+          <a:lstStyle/>
+          <a:p>
+            <a:r>
+              <a:rPr lang="en-US" dirty="0" smtClean="0">
+                <a:solidFill>
+                  <a:srgbClr val="0000FF"/>
+                </a:solidFill>
+              </a:rPr>
+              <a:t>~Soloists</a:t>
+            </a:r>
+            <a:endParaRPr lang="en-US" dirty="0">
+              <a:solidFill>
+                <a:srgbClr val="0000FF"/>
+              </a:solidFill>
+            </a:endParaRPr>
+          </a:p>
+        </p:txBody>
+      </p:sp>
+      <p:cxnSp>
+        <p:nvCxnSpPr>
+          <p:cNvPr id="7" name="Straight Arrow Connector 6"/>
+          <p:cNvCxnSpPr/>
+          <p:nvPr/>
+        </p:nvCxnSpPr>
+        <p:spPr>
+          <a:xfrm>
+            <a:off x="600542" y="806966"/>
+            <a:ext cx="986958" cy="0"/>
+          </a:xfrm>
+          <a:prstGeom prst="straightConnector1">
+            <a:avLst/>
+          </a:prstGeom>
+          <a:ln>
+            <a:solidFill>
+              <a:srgbClr val="0000FF"/>
+            </a:solidFill>
+            <a:tailEnd type="arrow"/>
+          </a:ln>
+        </p:spPr>
+        <p:style>
+          <a:lnRef idx="2">
+            <a:schemeClr val="accent1"/>
+          </a:lnRef>
+          <a:fillRef idx="0">
+            <a:schemeClr val="accent1"/>
+          </a:fillRef>
+          <a:effectRef idx="1">
+            <a:schemeClr val="accent1"/>
+          </a:effectRef>
+          <a:fontRef idx="minor">
+            <a:schemeClr val="tx1"/>
+          </a:fontRef>
+        </p:style>
+      </p:cxnSp>
+      <p:sp>
+        <p:nvSpPr>
+          <p:cNvPr id="8" name="TextBox 7"/>
+          <p:cNvSpPr txBox="1"/>
+          <p:nvPr/>
+        </p:nvSpPr>
+        <p:spPr>
+          <a:xfrm>
+            <a:off x="363630" y="5686167"/>
+            <a:ext cx="1304552" cy="369332"/>
+          </a:xfrm>
+          <a:prstGeom prst="rect">
+            <a:avLst/>
+          </a:prstGeom>
+          <a:noFill/>
+        </p:spPr>
+        <p:txBody>
+          <a:bodyPr wrap="square" rtlCol="0">
+            <a:spAutoFit/>
+          </a:bodyPr>
+          <a:lstStyle/>
+          <a:p>
+            <a:r>
+              <a:rPr lang="en-US" dirty="0" smtClean="0">
+                <a:solidFill>
+                  <a:srgbClr val="FF0000"/>
+                </a:solidFill>
+              </a:rPr>
+              <a:t>~Choristers</a:t>
+            </a:r>
+            <a:endParaRPr lang="en-US" dirty="0">
+              <a:solidFill>
+                <a:srgbClr val="FF0000"/>
+              </a:solidFill>
+            </a:endParaRPr>
+          </a:p>
+        </p:txBody>
+      </p:sp>
+      <p:cxnSp>
+        <p:nvCxnSpPr>
+          <p:cNvPr id="9" name="Straight Arrow Connector 8"/>
+          <p:cNvCxnSpPr/>
+          <p:nvPr/>
+        </p:nvCxnSpPr>
+        <p:spPr>
+          <a:xfrm>
+            <a:off x="381000" y="6017399"/>
+            <a:ext cx="1206500" cy="0"/>
+          </a:xfrm>
+          <a:prstGeom prst="straightConnector1">
+            <a:avLst/>
+          </a:prstGeom>
+          <a:ln>
+            <a:solidFill>
+              <a:srgbClr val="FF0000"/>
+            </a:solidFill>
+            <a:tailEnd type="arrow"/>
+          </a:ln>
+        </p:spPr>
+        <p:style>
+          <a:lnRef idx="2">
+            <a:schemeClr val="accent1"/>
+          </a:lnRef>
+          <a:fillRef idx="0">
+            <a:schemeClr val="accent1"/>
+          </a:fillRef>
+          <a:effectRef idx="1">
+            <a:schemeClr val="accent1"/>
+          </a:effectRef>
+          <a:fontRef idx="minor">
+            <a:schemeClr val="tx1"/>
+          </a:fontRef>
+        </p:style>
+      </p:cxnSp>
+      <p:sp>
+        <p:nvSpPr>
+          <p:cNvPr id="11" name="TextBox 10"/>
+          <p:cNvSpPr txBox="1"/>
+          <p:nvPr/>
+        </p:nvSpPr>
+        <p:spPr>
+          <a:xfrm rot="16200000">
+            <a:off x="-902385" y="3244333"/>
+            <a:ext cx="3139301" cy="369332"/>
+          </a:xfrm>
+          <a:prstGeom prst="rect">
+            <a:avLst/>
+          </a:prstGeom>
+          <a:noFill/>
+        </p:spPr>
+        <p:txBody>
+          <a:bodyPr wrap="square" rtlCol="0">
+            <a:spAutoFit/>
+          </a:bodyPr>
+          <a:lstStyle/>
+          <a:p>
+            <a:r>
+              <a:rPr lang="en-US" dirty="0" smtClean="0"/>
+              <a:t>Rows (cells) sorted by mean PC</a:t>
+            </a:r>
+            <a:endParaRPr lang="en-US" dirty="0"/>
+          </a:p>
+        </p:txBody>
+      </p:sp>
+      <p:sp>
+        <p:nvSpPr>
+          <p:cNvPr id="5" name="TextBox 4"/>
+          <p:cNvSpPr txBox="1"/>
+          <p:nvPr/>
+        </p:nvSpPr>
+        <p:spPr>
+          <a:xfrm>
+            <a:off x="600542" y="845066"/>
+            <a:ext cx="889001" cy="461665"/>
+          </a:xfrm>
+          <a:prstGeom prst="rect">
+            <a:avLst/>
+          </a:prstGeom>
+          <a:noFill/>
+        </p:spPr>
+        <p:txBody>
+          <a:bodyPr wrap="square" rtlCol="0">
+            <a:spAutoFit/>
+          </a:bodyPr>
+          <a:lstStyle/>
+          <a:p>
+            <a:r>
+              <a:rPr lang="en-US" sz="1200" dirty="0" smtClean="0"/>
+              <a:t>PC low and invariant</a:t>
+            </a:r>
+            <a:endParaRPr lang="en-US" sz="1200" dirty="0"/>
+          </a:p>
+        </p:txBody>
+      </p:sp>
+      <p:sp>
+        <p:nvSpPr>
+          <p:cNvPr id="12" name="TextBox 11"/>
+          <p:cNvSpPr txBox="1"/>
+          <p:nvPr/>
+        </p:nvSpPr>
+        <p:spPr>
+          <a:xfrm>
+            <a:off x="512790" y="5273458"/>
+            <a:ext cx="1096777" cy="461665"/>
+          </a:xfrm>
+          <a:prstGeom prst="rect">
+            <a:avLst/>
+          </a:prstGeom>
+          <a:noFill/>
+        </p:spPr>
+        <p:txBody>
+          <a:bodyPr wrap="square" rtlCol="0">
+            <a:spAutoFit/>
+          </a:bodyPr>
+          <a:lstStyle/>
+          <a:p>
+            <a:r>
+              <a:rPr lang="en-US" sz="1200" dirty="0" smtClean="0"/>
+              <a:t>PC high and invariant</a:t>
+            </a:r>
+            <a:endParaRPr lang="en-US" sz="1200" dirty="0"/>
+          </a:p>
+        </p:txBody>
+      </p:sp>
+    </p:spTree>
+    <p:extLst>
+      <p:ext uri="{BB962C8B-B14F-4D97-AF65-F5344CB8AC3E}">
+        <p14:creationId xmlns:p14="http://schemas.microsoft.com/office/powerpoint/2010/main" val="475790486"/>
+      </p:ext>
+    </p:extLst>
+  </p:cSld>
+  <p:clrMapOvr>
+    <a:masterClrMapping/>
+  </p:clrMapOvr>
+  <p:timing>
+    <p:tnLst>
+      <p:par>
+        <p:cTn xmlns:p14="http://schemas.microsoft.com/office/powerpoint/2010/main" id="1" dur="indefinite" restart="never" nodeType="tmRoot"/>
+      </p:par>
+    </p:tnLst>
+  </p:timing>
+</p:sld>
+</file>
+
+<file path=ppt/slides/slide23.xml><?xml version="1.0" encoding="utf-8"?>
+<p:sld xmlns:a="http://schemas.openxmlformats.org/drawingml/2006/main" xmlns:r="http://schemas.openxmlformats.org/officeDocument/2006/relationships" xmlns:p="http://schemas.openxmlformats.org/presentationml/2006/main">
+  <p:cSld>
+    <p:spTree>
+      <p:nvGrpSpPr>
+        <p:cNvPr id="1" name=""/>
+        <p:cNvGrpSpPr/>
+        <p:nvPr/>
+      </p:nvGrpSpPr>
+      <p:grpSpPr>
+        <a:xfrm>
+          <a:off x="0" y="0"/>
+          <a:ext cx="0" cy="0"/>
+          <a:chOff x="0" y="0"/>
+          <a:chExt cx="0" cy="0"/>
+        </a:xfrm>
+      </p:grpSpPr>
+      <p:sp>
+        <p:nvSpPr>
+          <p:cNvPr id="4" name="Title 3"/>
+          <p:cNvSpPr>
+            <a:spLocks noGrp="1"/>
+          </p:cNvSpPr>
+          <p:nvPr>
+            <p:ph type="ctrTitle"/>
+          </p:nvPr>
+        </p:nvSpPr>
+        <p:spPr>
+          <a:xfrm>
+            <a:off x="227744" y="1447800"/>
+            <a:ext cx="8763000" cy="1470025"/>
+          </a:xfrm>
+        </p:spPr>
+        <p:txBody>
+          <a:bodyPr>
+            <a:normAutofit fontScale="90000"/>
+          </a:bodyPr>
+          <a:lstStyle/>
+          <a:p>
+            <a:r>
+              <a:rPr lang="en-US" b="1" dirty="0" smtClean="0"/>
+              <a:t>Slides and Jupyter notebook:</a:t>
+            </a:r>
+            <a:br>
+              <a:rPr lang="en-US" b="1" dirty="0" smtClean="0"/>
+            </a:br>
+            <a:r>
+              <a:rPr lang="en-US" dirty="0" smtClean="0">
+                <a:solidFill>
+                  <a:srgbClr val="0070C0"/>
+                </a:solidFill>
+              </a:rPr>
+              <a:t>https://github.com/</a:t>
+            </a:r>
+            <a:r>
+              <a:rPr lang="en-US" dirty="0" err="1" smtClean="0">
+                <a:solidFill>
+                  <a:srgbClr val="0070C0"/>
+                </a:solidFill>
+              </a:rPr>
+              <a:t>msarvestani</a:t>
+            </a:r>
+            <a:r>
+              <a:rPr lang="en-US" dirty="0" smtClean="0">
+                <a:solidFill>
+                  <a:srgbClr val="0070C0"/>
+                </a:solidFill>
+              </a:rPr>
+              <a:t>/CNI-JC</a:t>
+            </a:r>
+            <a:endParaRPr lang="en-US" dirty="0">
+              <a:solidFill>
+                <a:srgbClr val="0070C0"/>
+              </a:solidFill>
+            </a:endParaRPr>
+          </a:p>
+        </p:txBody>
+      </p:sp>
+      <p:sp>
+        <p:nvSpPr>
+          <p:cNvPr id="6" name="Title 3"/>
+          <p:cNvSpPr txBox="1">
+            <a:spLocks/>
+          </p:cNvSpPr>
+          <p:nvPr/>
+        </p:nvSpPr>
+        <p:spPr>
+          <a:xfrm>
+            <a:off x="227744" y="3810000"/>
+            <a:ext cx="8763000" cy="1470025"/>
+          </a:xfrm>
+          <a:prstGeom prst="rect">
+            <a:avLst/>
+          </a:prstGeom>
+        </p:spPr>
+        <p:txBody>
+          <a:bodyPr vert="horz" lIns="91440" tIns="45720" rIns="91440" bIns="45720" rtlCol="0" anchor="ctr">
+            <a:normAutofit/>
+          </a:bodyPr>
+          <a:lstStyle>
+            <a:lvl1pPr algn="ctr" defTabSz="914400" rtl="0" eaLnBrk="1" latinLnBrk="0" hangingPunct="1">
+              <a:spcBef>
+                <a:spcPct val="0"/>
+              </a:spcBef>
+              <a:buNone/>
+              <a:defRPr sz="4400" kern="1200">
+                <a:solidFill>
+                  <a:schemeClr val="tx1"/>
+                </a:solidFill>
+                <a:latin typeface="+mj-lt"/>
+                <a:ea typeface="+mj-ea"/>
+                <a:cs typeface="+mj-cs"/>
+              </a:defRPr>
+            </a:lvl1pPr>
+          </a:lstStyle>
+          <a:p>
+            <a:r>
+              <a:rPr lang="en-US" b="1" dirty="0" smtClean="0"/>
+              <a:t>Much More info on Observatory:</a:t>
+            </a:r>
+            <a:br>
+              <a:rPr lang="en-US" b="1" dirty="0" smtClean="0"/>
+            </a:br>
+            <a:r>
+              <a:rPr lang="en-US" dirty="0" smtClean="0">
+                <a:solidFill>
+                  <a:srgbClr val="0070C0"/>
+                </a:solidFill>
+              </a:rPr>
+              <a:t>http://observatory.brain-map.org/</a:t>
+            </a:r>
+            <a:endParaRPr lang="en-US" dirty="0">
+              <a:solidFill>
+                <a:srgbClr val="0070C0"/>
+              </a:solidFill>
+            </a:endParaRPr>
+          </a:p>
+        </p:txBody>
+      </p:sp>
+    </p:spTree>
+    <p:extLst>
+      <p:ext uri="{BB962C8B-B14F-4D97-AF65-F5344CB8AC3E}">
+        <p14:creationId xmlns:p14="http://schemas.microsoft.com/office/powerpoint/2010/main" val="2284630223"/>
+      </p:ext>
+    </p:extLst>
+  </p:cSld>
+  <p:clrMapOvr>
+    <a:masterClrMapping/>
+  </p:clrMapOvr>
+  <p:timing>
+    <p:tnLst>
+      <p:par>
+        <p:cTn xmlns:p14="http://schemas.microsoft.com/office/powerpoint/2010/main" id="1" dur="indefinite" restart="never" nodeType="tmRoot"/>
+      </p:par>
+    </p:tnLst>
+  </p:timing>
+</p:sld>
+</file>
+
+<file path=ppt/slides/slide24.xml><?xml version="1.0" encoding="utf-8"?>
+<p:sld xmlns:a="http://schemas.openxmlformats.org/drawingml/2006/main" xmlns:r="http://schemas.openxmlformats.org/officeDocument/2006/relationships" xmlns:p="http://schemas.openxmlformats.org/presentationml/2006/main">
+  <p:cSld>
+    <p:spTree>
+      <p:nvGrpSpPr>
+        <p:cNvPr id="1" name=""/>
+        <p:cNvGrpSpPr/>
+        <p:nvPr/>
+      </p:nvGrpSpPr>
+      <p:grpSpPr>
+        <a:xfrm>
+          <a:off x="0" y="0"/>
+          <a:ext cx="0" cy="0"/>
+          <a:chOff x="0" y="0"/>
+          <a:chExt cx="0" cy="0"/>
+        </a:xfrm>
+      </p:grpSpPr>
+      <p:sp>
+        <p:nvSpPr>
+          <p:cNvPr id="2" name="Title 1"/>
+          <p:cNvSpPr>
+            <a:spLocks noGrp="1"/>
+          </p:cNvSpPr>
+          <p:nvPr>
+            <p:ph type="title"/>
+          </p:nvPr>
+        </p:nvSpPr>
+        <p:spPr/>
+        <p:txBody>
+          <a:bodyPr/>
+          <a:lstStyle/>
+          <a:p>
+            <a:r>
+              <a:rPr lang="en-US" dirty="0" err="1" smtClean="0"/>
+              <a:t>Cre</a:t>
+            </a:r>
+            <a:r>
+              <a:rPr lang="en-US" dirty="0" smtClean="0"/>
+              <a:t>-lines</a:t>
+            </a:r>
+            <a:endParaRPr lang="en-US" dirty="0"/>
+          </a:p>
+        </p:txBody>
+      </p:sp>
+      <p:pic>
+        <p:nvPicPr>
+          <p:cNvPr id="3074" name="Picture 2"/>
+          <p:cNvPicPr>
+            <a:picLocks noGrp="1" noChangeAspect="1" noChangeArrowheads="1"/>
+          </p:cNvPicPr>
+          <p:nvPr>
+            <p:ph idx="1"/>
+          </p:nvPr>
+        </p:nvPicPr>
+        <p:blipFill>
+          <a:blip r:embed="rId2">
+            <a:extLst>
+              <a:ext uri="{28A0092B-C50C-407E-A947-70E740481C1C}">
+                <a14:useLocalDpi xmlns:a14="http://schemas.microsoft.com/office/drawing/2010/main" val="0"/>
+              </a:ext>
+            </a:extLst>
+          </a:blip>
+          <a:srcRect/>
+          <a:stretch>
+            <a:fillRect/>
+          </a:stretch>
+        </p:blipFill>
+        <p:spPr bwMode="auto">
+          <a:xfrm>
+            <a:off x="457200" y="1963429"/>
+            <a:ext cx="8229600" cy="3799504"/>
+          </a:xfrm>
+          <a:prstGeom prst="rect">
+            <a:avLst/>
+          </a:prstGeom>
+          <a:noFill/>
+          <a:ln>
+            <a:noFill/>
+          </a:ln>
+          <a:extLst>
+            <a:ext uri="{909E8E84-426E-40dd-AFC4-6F175D3DCCD1}">
+              <a14:hiddenFill xmlns:a14="http://schemas.microsoft.com/office/drawing/2010/main">
+                <a:solidFill>
+                  <a:schemeClr val="accent1"/>
+                </a:solidFill>
+              </a14:hiddenFill>
+            </a:ext>
+            <a:ext uri="{91240B29-F687-4f45-9708-019B960494DF}">
+              <a14:hiddenLine xmlns:a14="http://schemas.microsoft.com/office/drawing/2010/main" w="9525">
+                <a:solidFill>
+                  <a:schemeClr val="tx1"/>
+                </a:solidFill>
+                <a:miter lim="800000"/>
+                <a:headEnd/>
+                <a:tailEnd/>
+              </a14:hiddenLine>
+            </a:ext>
+          </a:extLst>
+        </p:spPr>
+      </p:pic>
+    </p:spTree>
+    <p:extLst>
+      <p:ext uri="{BB962C8B-B14F-4D97-AF65-F5344CB8AC3E}">
+        <p14:creationId xmlns:p14="http://schemas.microsoft.com/office/powerpoint/2010/main" val="2521044364"/>
+      </p:ext>
+    </p:extLst>
+  </p:cSld>
+  <p:clrMapOvr>
+    <a:masterClrMapping/>
+  </p:clrMapOvr>
+  <p:timing>
+    <p:tnLst>
+      <p:par>
+        <p:cTn xmlns:p14="http://schemas.microsoft.com/office/powerpoint/2010/main" id="1" dur="indefinite" restart="never" nodeType="tmRoot"/>
+      </p:par>
+    </p:tnLst>
+  </p:timing>
+</p:sld>
+</file>
+
+<file path=ppt/slides/slide25.xml><?xml version="1.0" encoding="utf-8"?>
+<p:sld xmlns:a="http://schemas.openxmlformats.org/drawingml/2006/main" xmlns:r="http://schemas.openxmlformats.org/officeDocument/2006/relationships" xmlns:p="http://schemas.openxmlformats.org/presentationml/2006/main">
+  <p:cSld>
+    <p:spTree>
+      <p:nvGrpSpPr>
+        <p:cNvPr id="1" name=""/>
+        <p:cNvGrpSpPr/>
+        <p:nvPr/>
+      </p:nvGrpSpPr>
+      <p:grpSpPr>
+        <a:xfrm>
+          <a:off x="0" y="0"/>
+          <a:ext cx="0" cy="0"/>
+          <a:chOff x="0" y="0"/>
+          <a:chExt cx="0" cy="0"/>
+        </a:xfrm>
+      </p:grpSpPr>
+      <p:sp>
+        <p:nvSpPr>
+          <p:cNvPr id="2" name="Title 1"/>
+          <p:cNvSpPr>
+            <a:spLocks noGrp="1"/>
+          </p:cNvSpPr>
+          <p:nvPr>
+            <p:ph type="title"/>
+          </p:nvPr>
+        </p:nvSpPr>
+        <p:spPr/>
+        <p:txBody>
+          <a:bodyPr/>
+          <a:lstStyle/>
+          <a:p>
+            <a:r>
+              <a:rPr lang="en-US" b="1" dirty="0" smtClean="0"/>
+              <a:t>Upcoming Data Dumps</a:t>
+            </a:r>
+            <a:endParaRPr lang="en-US" b="1" dirty="0"/>
+          </a:p>
+        </p:txBody>
+      </p:sp>
+      <p:pic>
+        <p:nvPicPr>
+          <p:cNvPr id="5" name="Picture 4"/>
+          <p:cNvPicPr>
+            <a:picLocks noChangeAspect="1"/>
+          </p:cNvPicPr>
+          <p:nvPr/>
+        </p:nvPicPr>
+        <p:blipFill>
+          <a:blip r:embed="rId2"/>
+          <a:stretch>
+            <a:fillRect/>
+          </a:stretch>
+        </p:blipFill>
+        <p:spPr>
+          <a:xfrm>
+            <a:off x="29882" y="2362200"/>
+            <a:ext cx="9144000" cy="4081407"/>
+          </a:xfrm>
+          <a:prstGeom prst="rect">
+            <a:avLst/>
+          </a:prstGeom>
+        </p:spPr>
+      </p:pic>
+    </p:spTree>
+    <p:extLst>
+      <p:ext uri="{BB962C8B-B14F-4D97-AF65-F5344CB8AC3E}">
+        <p14:creationId xmlns:p14="http://schemas.microsoft.com/office/powerpoint/2010/main" val="2939602034"/>
+      </p:ext>
+    </p:extLst>
+  </p:cSld>
+  <p:clrMapOvr>
+    <a:masterClrMapping/>
+  </p:clrMapOvr>
+</p:sld>
+</file>
+
+<file path=ppt/slides/slide26.xml><?xml version="1.0" encoding="utf-8"?>
+<p:sld xmlns:a="http://schemas.openxmlformats.org/drawingml/2006/main" xmlns:r="http://schemas.openxmlformats.org/officeDocument/2006/relationships" xmlns:p="http://schemas.openxmlformats.org/presentationml/2006/main">
+  <p:cSld>
+    <p:spTree>
+      <p:nvGrpSpPr>
+        <p:cNvPr id="1" name=""/>
+        <p:cNvGrpSpPr/>
+        <p:nvPr/>
+      </p:nvGrpSpPr>
+      <p:grpSpPr>
+        <a:xfrm>
+          <a:off x="0" y="0"/>
+          <a:ext cx="0" cy="0"/>
+          <a:chOff x="0" y="0"/>
+          <a:chExt cx="0" cy="0"/>
+        </a:xfrm>
+      </p:grpSpPr>
+      <p:sp>
+        <p:nvSpPr>
+          <p:cNvPr id="2" name="Title 1"/>
+          <p:cNvSpPr>
+            <a:spLocks noGrp="1"/>
+          </p:cNvSpPr>
+          <p:nvPr>
+            <p:ph type="title"/>
+          </p:nvPr>
+        </p:nvSpPr>
+        <p:spPr/>
+        <p:txBody>
+          <a:bodyPr/>
+          <a:lstStyle/>
+          <a:p>
+            <a:r>
+              <a:rPr lang="en-US" dirty="0" err="1" smtClean="0"/>
+              <a:t>GCaMPf6f</a:t>
+            </a:r>
+            <a:r>
+              <a:rPr lang="en-US" dirty="0" smtClean="0"/>
+              <a:t> (Chen 2013)</a:t>
+            </a:r>
+            <a:endParaRPr lang="en-US" dirty="0"/>
+          </a:p>
+        </p:txBody>
+      </p:sp>
+      <p:pic>
+        <p:nvPicPr>
+          <p:cNvPr id="5122" name="Picture 2"/>
+          <p:cNvPicPr>
+            <a:picLocks noChangeAspect="1" noChangeArrowheads="1"/>
+          </p:cNvPicPr>
+          <p:nvPr/>
+        </p:nvPicPr>
+        <p:blipFill>
+          <a:blip r:embed="rId2">
+            <a:extLst>
+              <a:ext uri="{28A0092B-C50C-407E-A947-70E740481C1C}">
+                <a14:useLocalDpi xmlns:a14="http://schemas.microsoft.com/office/drawing/2010/main" val="0"/>
+              </a:ext>
+            </a:extLst>
+          </a:blip>
+          <a:srcRect/>
+          <a:stretch>
+            <a:fillRect/>
+          </a:stretch>
+        </p:blipFill>
+        <p:spPr bwMode="auto">
+          <a:xfrm>
+            <a:off x="914400" y="1447799"/>
+            <a:ext cx="7424759" cy="5076825"/>
+          </a:xfrm>
+          <a:prstGeom prst="rect">
+            <a:avLst/>
+          </a:prstGeom>
+          <a:noFill/>
+          <a:ln>
+            <a:noFill/>
+          </a:ln>
+          <a:extLst>
+            <a:ext uri="{909E8E84-426E-40dd-AFC4-6F175D3DCCD1}">
+              <a14:hiddenFill xmlns:a14="http://schemas.microsoft.com/office/drawing/2010/main">
+                <a:solidFill>
+                  <a:schemeClr val="accent1"/>
+                </a:solidFill>
+              </a14:hiddenFill>
+            </a:ext>
+            <a:ext uri="{91240B29-F687-4f45-9708-019B960494DF}">
+              <a14:hiddenLine xmlns:a14="http://schemas.microsoft.com/office/drawing/2010/main" w="9525">
+                <a:solidFill>
+                  <a:schemeClr val="tx1"/>
+                </a:solidFill>
+                <a:miter lim="800000"/>
+                <a:headEnd/>
+                <a:tailEnd/>
+              </a14:hiddenLine>
+            </a:ext>
+          </a:extLst>
+        </p:spPr>
+      </p:pic>
+    </p:spTree>
+    <p:extLst>
+      <p:ext uri="{BB962C8B-B14F-4D97-AF65-F5344CB8AC3E}">
+        <p14:creationId xmlns:p14="http://schemas.microsoft.com/office/powerpoint/2010/main" val="287711863"/>
+      </p:ext>
+    </p:extLst>
+  </p:cSld>
+  <p:clrMapOvr>
+    <a:masterClrMapping/>
+  </p:clrMapOvr>
+  <p:timing>
+    <p:tnLst>
+      <p:par>
+        <p:cTn xmlns:p14="http://schemas.microsoft.com/office/powerpoint/2010/main" id="1" dur="indefinite" restart="never" nodeType="tmRoot"/>
+      </p:par>
+    </p:tnLst>
+  </p:timing>
+</p:sld>
+</file>
+
+<file path=ppt/slides/slide3.xml><?xml version="1.0" encoding="utf-8"?>
+<p:sld xmlns:a="http://schemas.openxmlformats.org/drawingml/2006/main" xmlns:r="http://schemas.openxmlformats.org/officeDocument/2006/relationships" xmlns:p="http://schemas.openxmlformats.org/presentationml/2006/main">
+  <p:cSld>
+    <p:spTree>
+      <p:nvGrpSpPr>
+        <p:cNvPr id="1" name=""/>
+        <p:cNvGrpSpPr/>
+        <p:nvPr/>
+      </p:nvGrpSpPr>
+      <p:grpSpPr>
+        <a:xfrm>
+          <a:off x="0" y="0"/>
+          <a:ext cx="0" cy="0"/>
+          <a:chOff x="0" y="0"/>
+          <a:chExt cx="0" cy="0"/>
+        </a:xfrm>
+      </p:grpSpPr>
+      <p:sp>
+        <p:nvSpPr>
+          <p:cNvPr id="2" name="Title 1"/>
+          <p:cNvSpPr>
+            <a:spLocks noGrp="1"/>
+          </p:cNvSpPr>
+          <p:nvPr>
+            <p:ph type="title"/>
+          </p:nvPr>
+        </p:nvSpPr>
+        <p:spPr/>
+        <p:txBody>
+          <a:bodyPr/>
+          <a:lstStyle/>
+          <a:p>
+            <a:r>
+              <a:rPr lang="en-US" b="1" dirty="0" smtClean="0"/>
+              <a:t>Observatory Team @ Allen</a:t>
+            </a:r>
+            <a:endParaRPr lang="en-US" b="1" dirty="0"/>
+          </a:p>
+        </p:txBody>
+      </p:sp>
+      <p:pic>
+        <p:nvPicPr>
+          <p:cNvPr id="4" name="Picture 3"/>
+          <p:cNvPicPr>
+            <a:picLocks noChangeAspect="1"/>
+          </p:cNvPicPr>
+          <p:nvPr/>
+        </p:nvPicPr>
+        <p:blipFill rotWithShape="1">
+          <a:blip r:embed="rId2"/>
+          <a:srcRect t="2550" b="6146"/>
+          <a:stretch/>
+        </p:blipFill>
+        <p:spPr>
+          <a:xfrm>
+            <a:off x="76200" y="2133600"/>
+            <a:ext cx="2971800" cy="2713365"/>
+          </a:xfrm>
+          <a:prstGeom prst="rect">
+            <a:avLst/>
+          </a:prstGeom>
+        </p:spPr>
+      </p:pic>
+      <p:pic>
+        <p:nvPicPr>
+          <p:cNvPr id="5" name="Picture 4"/>
+          <p:cNvPicPr>
+            <a:picLocks noChangeAspect="1"/>
+          </p:cNvPicPr>
+          <p:nvPr/>
+        </p:nvPicPr>
+        <p:blipFill>
+          <a:blip r:embed="rId3"/>
+          <a:stretch>
+            <a:fillRect/>
+          </a:stretch>
+        </p:blipFill>
+        <p:spPr>
+          <a:xfrm>
+            <a:off x="6248400" y="2286000"/>
+            <a:ext cx="2590800" cy="2590800"/>
+          </a:xfrm>
+          <a:prstGeom prst="rect">
+            <a:avLst/>
+          </a:prstGeom>
+        </p:spPr>
+      </p:pic>
+      <p:pic>
+        <p:nvPicPr>
+          <p:cNvPr id="6" name="Picture 5"/>
+          <p:cNvPicPr>
+            <a:picLocks noChangeAspect="1"/>
+          </p:cNvPicPr>
+          <p:nvPr/>
+        </p:nvPicPr>
+        <p:blipFill>
+          <a:blip r:embed="rId4"/>
+          <a:stretch>
+            <a:fillRect/>
+          </a:stretch>
+        </p:blipFill>
+        <p:spPr>
+          <a:xfrm>
+            <a:off x="3276600" y="2260600"/>
+            <a:ext cx="2616200" cy="2616200"/>
+          </a:xfrm>
+          <a:prstGeom prst="rect">
+            <a:avLst/>
+          </a:prstGeom>
+        </p:spPr>
+      </p:pic>
+      <p:sp>
+        <p:nvSpPr>
+          <p:cNvPr id="7" name="TextBox 6"/>
+          <p:cNvSpPr txBox="1"/>
+          <p:nvPr/>
+        </p:nvSpPr>
+        <p:spPr>
+          <a:xfrm>
+            <a:off x="228600" y="4953000"/>
+            <a:ext cx="2895600" cy="584776"/>
+          </a:xfrm>
+          <a:prstGeom prst="rect">
+            <a:avLst/>
+          </a:prstGeom>
+          <a:noFill/>
+        </p:spPr>
+        <p:txBody>
+          <a:bodyPr wrap="square" rtlCol="0">
+            <a:spAutoFit/>
+          </a:bodyPr>
+          <a:lstStyle/>
+          <a:p>
+            <a:r>
+              <a:rPr lang="en-US" sz="3200" b="1" dirty="0" err="1" smtClean="0"/>
+              <a:t>Saskia</a:t>
+            </a:r>
+            <a:r>
+              <a:rPr lang="en-US" sz="3200" b="1" dirty="0" smtClean="0"/>
+              <a:t> de </a:t>
+            </a:r>
+            <a:r>
+              <a:rPr lang="en-US" sz="3200" b="1" dirty="0" err="1" smtClean="0"/>
+              <a:t>Vries</a:t>
+            </a:r>
+            <a:endParaRPr lang="en-US" sz="3200" b="1" dirty="0"/>
+          </a:p>
+        </p:txBody>
+      </p:sp>
+      <p:sp>
+        <p:nvSpPr>
+          <p:cNvPr id="8" name="TextBox 7"/>
+          <p:cNvSpPr txBox="1"/>
+          <p:nvPr/>
+        </p:nvSpPr>
+        <p:spPr>
+          <a:xfrm>
+            <a:off x="6400800" y="4953000"/>
+            <a:ext cx="2895600" cy="584776"/>
+          </a:xfrm>
+          <a:prstGeom prst="rect">
+            <a:avLst/>
+          </a:prstGeom>
+          <a:noFill/>
+        </p:spPr>
+        <p:txBody>
+          <a:bodyPr wrap="square" rtlCol="0">
+            <a:spAutoFit/>
+          </a:bodyPr>
+          <a:lstStyle/>
+          <a:p>
+            <a:r>
+              <a:rPr lang="en-US" sz="3200" b="1" dirty="0" smtClean="0"/>
+              <a:t>Michael </a:t>
+            </a:r>
+            <a:r>
+              <a:rPr lang="en-US" sz="3200" b="1" dirty="0" err="1" smtClean="0"/>
+              <a:t>Buice</a:t>
+            </a:r>
+            <a:endParaRPr lang="en-US" sz="3200" b="1" dirty="0"/>
+          </a:p>
+        </p:txBody>
+      </p:sp>
+      <p:sp>
+        <p:nvSpPr>
+          <p:cNvPr id="9" name="TextBox 8"/>
+          <p:cNvSpPr txBox="1"/>
+          <p:nvPr/>
+        </p:nvSpPr>
+        <p:spPr>
+          <a:xfrm>
+            <a:off x="3276600" y="4953000"/>
+            <a:ext cx="2895600" cy="584776"/>
+          </a:xfrm>
+          <a:prstGeom prst="rect">
+            <a:avLst/>
+          </a:prstGeom>
+          <a:noFill/>
+        </p:spPr>
+        <p:txBody>
+          <a:bodyPr wrap="square" rtlCol="0">
+            <a:spAutoFit/>
+          </a:bodyPr>
+          <a:lstStyle/>
+          <a:p>
+            <a:r>
+              <a:rPr lang="en-US" sz="3200" b="1" dirty="0" smtClean="0"/>
+              <a:t>Marina Garrett</a:t>
+            </a:r>
+            <a:endParaRPr lang="en-US" sz="3200" b="1" dirty="0"/>
+          </a:p>
+        </p:txBody>
+      </p:sp>
+      <p:sp>
+        <p:nvSpPr>
+          <p:cNvPr id="10" name="TextBox 9"/>
+          <p:cNvSpPr txBox="1"/>
+          <p:nvPr/>
+        </p:nvSpPr>
+        <p:spPr>
+          <a:xfrm>
+            <a:off x="3429000" y="5943600"/>
+            <a:ext cx="2743200" cy="457200"/>
+          </a:xfrm>
+          <a:prstGeom prst="rect">
+            <a:avLst/>
+          </a:prstGeom>
+          <a:noFill/>
+        </p:spPr>
+        <p:txBody>
+          <a:bodyPr wrap="square" rtlCol="0">
+            <a:spAutoFit/>
+          </a:bodyPr>
+          <a:lstStyle/>
+          <a:p>
+            <a:r>
+              <a:rPr lang="en-US" sz="2400" b="1" dirty="0" smtClean="0"/>
+              <a:t>+ many others</a:t>
+            </a:r>
+            <a:endParaRPr lang="en-US" sz="2400" b="1" dirty="0"/>
+          </a:p>
+        </p:txBody>
+      </p:sp>
+    </p:spTree>
+    <p:extLst>
+      <p:ext uri="{BB962C8B-B14F-4D97-AF65-F5344CB8AC3E}">
+        <p14:creationId xmlns:p14="http://schemas.microsoft.com/office/powerpoint/2010/main" val="4039434276"/>
+      </p:ext>
+    </p:extLst>
+  </p:cSld>
+  <p:clrMapOvr>
+    <a:masterClrMapping/>
+  </p:clrMapOvr>
+</p:sld>
+</file>
+
+<file path=ppt/slides/slide4.xml><?xml version="1.0" encoding="utf-8"?>
+<p:sld xmlns:a="http://schemas.openxmlformats.org/drawingml/2006/main" xmlns:r="http://schemas.openxmlformats.org/officeDocument/2006/relationships" xmlns:p="http://schemas.openxmlformats.org/presentationml/2006/main">
+  <p:cSld>
+    <p:spTree>
+      <p:nvGrpSpPr>
+        <p:cNvPr id="1" name=""/>
+        <p:cNvGrpSpPr/>
+        <p:nvPr/>
+      </p:nvGrpSpPr>
+      <p:grpSpPr>
+        <a:xfrm>
+          <a:off x="0" y="0"/>
+          <a:ext cx="0" cy="0"/>
+          <a:chOff x="0" y="0"/>
+          <a:chExt cx="0" cy="0"/>
+        </a:xfrm>
+      </p:grpSpPr>
+      <p:sp>
+        <p:nvSpPr>
+          <p:cNvPr id="2" name="Title 1"/>
+          <p:cNvSpPr>
+            <a:spLocks noGrp="1"/>
+          </p:cNvSpPr>
+          <p:nvPr>
+            <p:ph type="title"/>
+          </p:nvPr>
+        </p:nvSpPr>
+        <p:spPr/>
+        <p:txBody>
+          <a:bodyPr/>
+          <a:lstStyle/>
+          <a:p>
+            <a:r>
+              <a:rPr lang="en-US" b="1" dirty="0" smtClean="0"/>
+              <a:t>A ‘Window’ into the Brain</a:t>
+            </a:r>
+            <a:endParaRPr lang="en-US" b="1" dirty="0"/>
+          </a:p>
+        </p:txBody>
+      </p:sp>
+      <p:pic>
+        <p:nvPicPr>
+          <p:cNvPr id="4098" name="Picture 2"/>
+          <p:cNvPicPr>
+            <a:picLocks noChangeAspect="1" noChangeArrowheads="1"/>
+          </p:cNvPicPr>
+          <p:nvPr/>
+        </p:nvPicPr>
+        <p:blipFill>
+          <a:blip r:embed="rId3">
+            <a:extLst>
+              <a:ext uri="{28A0092B-C50C-407E-A947-70E740481C1C}">
+                <a14:useLocalDpi xmlns:a14="http://schemas.microsoft.com/office/drawing/2010/main" val="0"/>
+              </a:ext>
+            </a:extLst>
+          </a:blip>
+          <a:srcRect/>
+          <a:stretch>
+            <a:fillRect/>
+          </a:stretch>
+        </p:blipFill>
+        <p:spPr bwMode="auto">
+          <a:xfrm>
+            <a:off x="681273" y="2057400"/>
+            <a:ext cx="7772400" cy="4152900"/>
+          </a:xfrm>
+          <a:prstGeom prst="rect">
+            <a:avLst/>
+          </a:prstGeom>
+          <a:noFill/>
+          <a:ln>
+            <a:noFill/>
+          </a:ln>
+          <a:extLst>
+            <a:ext uri="{909E8E84-426E-40dd-AFC4-6F175D3DCCD1}">
+              <a14:hiddenFill xmlns:a14="http://schemas.microsoft.com/office/drawing/2010/main">
+                <a:solidFill>
+                  <a:schemeClr val="accent1"/>
+                </a:solidFill>
+              </a14:hiddenFill>
+            </a:ext>
+            <a:ext uri="{91240B29-F687-4f45-9708-019B960494DF}">
+              <a14:hiddenLine xmlns:a14="http://schemas.microsoft.com/office/drawing/2010/main" w="9525">
+                <a:solidFill>
+                  <a:schemeClr val="tx1"/>
+                </a:solidFill>
+                <a:miter lim="800000"/>
+                <a:headEnd/>
+                <a:tailEnd/>
+              </a14:hiddenLine>
+            </a:ext>
+          </a:extLst>
+        </p:spPr>
+      </p:pic>
+      <p:sp>
+        <p:nvSpPr>
+          <p:cNvPr id="4" name="TextBox 3"/>
+          <p:cNvSpPr txBox="1"/>
+          <p:nvPr/>
+        </p:nvSpPr>
+        <p:spPr>
+          <a:xfrm>
+            <a:off x="1600200" y="2057400"/>
+            <a:ext cx="1524000" cy="400110"/>
+          </a:xfrm>
+          <a:prstGeom prst="rect">
+            <a:avLst/>
+          </a:prstGeom>
+          <a:solidFill>
+            <a:schemeClr val="bg1"/>
+          </a:solidFill>
+        </p:spPr>
+        <p:txBody>
+          <a:bodyPr wrap="square" rtlCol="0">
+            <a:spAutoFit/>
+          </a:bodyPr>
+          <a:lstStyle/>
+          <a:p>
+            <a:r>
+              <a:rPr lang="en-US" sz="2000" b="1" dirty="0" smtClean="0"/>
+              <a:t>Mouse Brain</a:t>
+            </a:r>
+            <a:endParaRPr lang="en-US" sz="2000" b="1" dirty="0"/>
+          </a:p>
+        </p:txBody>
+      </p:sp>
+    </p:spTree>
+    <p:extLst>
+      <p:ext uri="{BB962C8B-B14F-4D97-AF65-F5344CB8AC3E}">
+        <p14:creationId xmlns:p14="http://schemas.microsoft.com/office/powerpoint/2010/main" val="1816441943"/>
+      </p:ext>
+    </p:extLst>
+  </p:cSld>
+  <p:clrMapOvr>
+    <a:masterClrMapping/>
+  </p:clrMapOvr>
+  <p:timing>
+    <p:tnLst>
+      <p:par>
+        <p:cTn xmlns:p14="http://schemas.microsoft.com/office/powerpoint/2010/main" id="1" dur="indefinite" restart="never" nodeType="tmRoot"/>
+      </p:par>
+    </p:tnLst>
+  </p:timing>
+</p:sld>
+</file>
+
+<file path=ppt/slides/slide5.xml><?xml version="1.0" encoding="utf-8"?>
+<p:sld xmlns:a="http://schemas.openxmlformats.org/drawingml/2006/main" xmlns:r="http://schemas.openxmlformats.org/officeDocument/2006/relationships" xmlns:p="http://schemas.openxmlformats.org/presentationml/2006/main">
+  <p:cSld>
+    <p:spTree>
+      <p:nvGrpSpPr>
+        <p:cNvPr id="1" name=""/>
+        <p:cNvGrpSpPr/>
+        <p:nvPr/>
+      </p:nvGrpSpPr>
+      <p:grpSpPr>
+        <a:xfrm>
+          <a:off x="0" y="0"/>
+          <a:ext cx="0" cy="0"/>
+          <a:chOff x="0" y="0"/>
+          <a:chExt cx="0" cy="0"/>
+        </a:xfrm>
+      </p:grpSpPr>
+      <p:pic>
+        <p:nvPicPr>
+          <p:cNvPr id="8194" name="Picture 2"/>
+          <p:cNvPicPr>
+            <a:picLocks noChangeAspect="1" noChangeArrowheads="1"/>
+          </p:cNvPicPr>
+          <p:nvPr/>
+        </p:nvPicPr>
+        <p:blipFill rotWithShape="1">
+          <a:blip r:embed="rId3">
+            <a:extLst>
+              <a:ext uri="{28A0092B-C50C-407E-A947-70E740481C1C}">
+                <a14:useLocalDpi xmlns:a14="http://schemas.microsoft.com/office/drawing/2010/main" val="0"/>
+              </a:ext>
+            </a:extLst>
+          </a:blip>
+          <a:srcRect l="2606" r="30368"/>
+          <a:stretch/>
+        </p:blipFill>
+        <p:spPr bwMode="auto">
+          <a:xfrm>
+            <a:off x="20030" y="241300"/>
+            <a:ext cx="9085870" cy="6299200"/>
+          </a:xfrm>
+          <a:prstGeom prst="rect">
+            <a:avLst/>
+          </a:prstGeom>
+          <a:noFill/>
+          <a:ln>
+            <a:noFill/>
+          </a:ln>
+          <a:extLst>
+            <a:ext uri="{909E8E84-426E-40dd-AFC4-6F175D3DCCD1}">
+              <a14:hiddenFill xmlns:a14="http://schemas.microsoft.com/office/drawing/2010/main">
+                <a:solidFill>
+                  <a:schemeClr val="accent1"/>
+                </a:solidFill>
+              </a14:hiddenFill>
+            </a:ext>
+            <a:ext uri="{91240B29-F687-4f45-9708-019B960494DF}">
+              <a14:hiddenLine xmlns:a14="http://schemas.microsoft.com/office/drawing/2010/main" w="9525">
+                <a:solidFill>
+                  <a:schemeClr val="tx1"/>
+                </a:solidFill>
+                <a:miter lim="800000"/>
+                <a:headEnd/>
+                <a:tailEnd/>
+              </a14:hiddenLine>
+            </a:ext>
+          </a:extLst>
+        </p:spPr>
+      </p:pic>
+    </p:spTree>
+    <p:extLst>
+      <p:ext uri="{BB962C8B-B14F-4D97-AF65-F5344CB8AC3E}">
+        <p14:creationId xmlns:p14="http://schemas.microsoft.com/office/powerpoint/2010/main" val="2693630248"/>
+      </p:ext>
+    </p:extLst>
+  </p:cSld>
+  <p:clrMapOvr>
+    <a:masterClrMapping/>
+  </p:clrMapOvr>
+  <p:timing>
+    <p:tnLst>
+      <p:par>
+        <p:cTn xmlns:p14="http://schemas.microsoft.com/office/powerpoint/2010/main" id="1" dur="indefinite" restart="never" nodeType="tmRoot"/>
+      </p:par>
+    </p:tnLst>
+  </p:timing>
+</p:sld>
+</file>
+
+<file path=ppt/slides/slide6.xml><?xml version="1.0" encoding="utf-8"?>
+<p:sld xmlns:a="http://schemas.openxmlformats.org/drawingml/2006/main" xmlns:r="http://schemas.openxmlformats.org/officeDocument/2006/relationships" xmlns:p="http://schemas.openxmlformats.org/presentationml/2006/main">
+  <p:cSld>
+    <p:spTree>
+      <p:nvGrpSpPr>
+        <p:cNvPr id="1" name=""/>
+        <p:cNvGrpSpPr/>
+        <p:nvPr/>
+      </p:nvGrpSpPr>
+      <p:grpSpPr>
+        <a:xfrm>
+          <a:off x="0" y="0"/>
+          <a:ext cx="0" cy="0"/>
+          <a:chOff x="0" y="0"/>
+          <a:chExt cx="0" cy="0"/>
+        </a:xfrm>
+      </p:grpSpPr>
+      <p:pic>
+        <p:nvPicPr>
+          <p:cNvPr id="2050" name="Picture 2"/>
+          <p:cNvPicPr>
+            <a:picLocks noChangeAspect="1" noChangeArrowheads="1"/>
+          </p:cNvPicPr>
+          <p:nvPr/>
+        </p:nvPicPr>
+        <p:blipFill>
+          <a:blip r:embed="rId3">
+            <a:extLst>
+              <a:ext uri="{28A0092B-C50C-407E-A947-70E740481C1C}">
+                <a14:useLocalDpi xmlns:a14="http://schemas.microsoft.com/office/drawing/2010/main" val="0"/>
+              </a:ext>
+            </a:extLst>
+          </a:blip>
+          <a:srcRect/>
+          <a:stretch>
+            <a:fillRect/>
+          </a:stretch>
+        </p:blipFill>
+        <p:spPr bwMode="auto">
+          <a:xfrm>
+            <a:off x="271793" y="1524000"/>
+            <a:ext cx="8648700" cy="2800350"/>
+          </a:xfrm>
+          <a:prstGeom prst="rect">
+            <a:avLst/>
+          </a:prstGeom>
+          <a:noFill/>
+          <a:ln>
+            <a:noFill/>
+          </a:ln>
+          <a:extLst>
+            <a:ext uri="{909E8E84-426E-40dd-AFC4-6F175D3DCCD1}">
+              <a14:hiddenFill xmlns:a14="http://schemas.microsoft.com/office/drawing/2010/main">
+                <a:solidFill>
+                  <a:schemeClr val="accent1"/>
+                </a:solidFill>
+              </a14:hiddenFill>
+            </a:ext>
+            <a:ext uri="{91240B29-F687-4f45-9708-019B960494DF}">
+              <a14:hiddenLine xmlns:a14="http://schemas.microsoft.com/office/drawing/2010/main" w="9525">
+                <a:solidFill>
+                  <a:schemeClr val="tx1"/>
+                </a:solidFill>
+                <a:miter lim="800000"/>
+                <a:headEnd/>
+                <a:tailEnd/>
+              </a14:hiddenLine>
+            </a:ext>
+          </a:extLst>
+        </p:spPr>
+      </p:pic>
+      <p:sp>
+        <p:nvSpPr>
+          <p:cNvPr id="4" name="TextBox 3"/>
+          <p:cNvSpPr txBox="1"/>
+          <p:nvPr/>
+        </p:nvSpPr>
+        <p:spPr>
+          <a:xfrm>
+            <a:off x="381000" y="4419600"/>
+            <a:ext cx="2667000" cy="1200328"/>
+          </a:xfrm>
+          <a:prstGeom prst="rect">
+            <a:avLst/>
+          </a:prstGeom>
+          <a:noFill/>
+        </p:spPr>
+        <p:txBody>
+          <a:bodyPr wrap="square" rtlCol="0">
+            <a:spAutoFit/>
+          </a:bodyPr>
+          <a:lstStyle/>
+          <a:p>
+            <a:pPr algn="ctr"/>
+            <a:r>
+              <a:rPr lang="en-US" sz="2400" b="1" dirty="0" smtClean="0"/>
+              <a:t>Awake, head-fixed mice, looking at visual stimuli</a:t>
+            </a:r>
+            <a:r>
+              <a:rPr lang="en-US" dirty="0" smtClean="0"/>
+              <a:t>.</a:t>
+            </a:r>
+            <a:endParaRPr lang="en-US" dirty="0"/>
+          </a:p>
+        </p:txBody>
+      </p:sp>
+      <p:sp>
+        <p:nvSpPr>
+          <p:cNvPr id="6" name="TextBox 5"/>
+          <p:cNvSpPr txBox="1"/>
+          <p:nvPr/>
+        </p:nvSpPr>
+        <p:spPr>
+          <a:xfrm>
+            <a:off x="3124200" y="4419600"/>
+            <a:ext cx="2895600" cy="1569660"/>
+          </a:xfrm>
+          <a:prstGeom prst="rect">
+            <a:avLst/>
+          </a:prstGeom>
+          <a:noFill/>
+        </p:spPr>
+        <p:txBody>
+          <a:bodyPr wrap="square" rtlCol="0">
+            <a:spAutoFit/>
+          </a:bodyPr>
+          <a:lstStyle/>
+          <a:p>
+            <a:pPr algn="ctr"/>
+            <a:r>
+              <a:rPr lang="en-US" sz="2400" b="1" dirty="0" err="1" smtClean="0"/>
+              <a:t>2P</a:t>
+            </a:r>
+            <a:r>
+              <a:rPr lang="en-US" sz="2400" b="1" dirty="0" smtClean="0"/>
+              <a:t> calcium fluorescence responses of hundreds of neurons.</a:t>
+            </a:r>
+            <a:endParaRPr lang="en-US" dirty="0"/>
+          </a:p>
+        </p:txBody>
+      </p:sp>
+      <p:sp>
+        <p:nvSpPr>
+          <p:cNvPr id="7" name="TextBox 6"/>
+          <p:cNvSpPr txBox="1"/>
+          <p:nvPr/>
+        </p:nvSpPr>
+        <p:spPr>
+          <a:xfrm>
+            <a:off x="5638800" y="4419600"/>
+            <a:ext cx="3276599" cy="1477328"/>
+          </a:xfrm>
+          <a:prstGeom prst="rect">
+            <a:avLst/>
+          </a:prstGeom>
+          <a:noFill/>
+        </p:spPr>
+        <p:txBody>
+          <a:bodyPr wrap="square" rtlCol="0">
+            <a:spAutoFit/>
+          </a:bodyPr>
+          <a:lstStyle/>
+          <a:p>
+            <a:pPr algn="ctr"/>
+            <a:r>
+              <a:rPr lang="en-US" sz="2400" b="1" dirty="0" smtClean="0"/>
+              <a:t>+ running speed</a:t>
+            </a:r>
+          </a:p>
+          <a:p>
+            <a:pPr algn="ctr"/>
+            <a:r>
+              <a:rPr lang="en-US" sz="2400" b="1" dirty="0" smtClean="0"/>
+              <a:t>Eye video</a:t>
+            </a:r>
+          </a:p>
+          <a:p>
+            <a:pPr algn="ctr"/>
+            <a:r>
+              <a:rPr lang="en-US" sz="2400" b="1" dirty="0" smtClean="0"/>
+              <a:t>Mouse behavior</a:t>
+            </a:r>
+          </a:p>
+          <a:p>
+            <a:pPr algn="ctr"/>
+            <a:endParaRPr lang="en-US" dirty="0"/>
+          </a:p>
+        </p:txBody>
+      </p:sp>
+    </p:spTree>
+    <p:extLst>
+      <p:ext uri="{BB962C8B-B14F-4D97-AF65-F5344CB8AC3E}">
+        <p14:creationId xmlns:p14="http://schemas.microsoft.com/office/powerpoint/2010/main" val="3090618352"/>
+      </p:ext>
+    </p:extLst>
+  </p:cSld>
+  <p:clrMapOvr>
+    <a:masterClrMapping/>
+  </p:clrMapOvr>
+  <p:timing>
+    <p:tnLst>
+      <p:par>
+        <p:cTn xmlns:p14="http://schemas.microsoft.com/office/powerpoint/2010/main" id="1" dur="indefinite" restart="never" nodeType="tmRoot"/>
+      </p:par>
+    </p:tnLst>
+  </p:timing>
+</p:sld>
+</file>
+
+<file path=ppt/slides/slide7.xml><?xml version="1.0" encoding="utf-8"?>
+<p:sld xmlns:a="http://schemas.openxmlformats.org/drawingml/2006/main" xmlns:r="http://schemas.openxmlformats.org/officeDocument/2006/relationships" xmlns:p="http://schemas.openxmlformats.org/presentationml/2006/main">
+  <p:cSld>
+    <p:spTree>
+      <p:nvGrpSpPr>
+        <p:cNvPr id="1" name=""/>
+        <p:cNvGrpSpPr/>
+        <p:nvPr/>
+      </p:nvGrpSpPr>
+      <p:grpSpPr>
+        <a:xfrm>
+          <a:off x="0" y="0"/>
+          <a:ext cx="0" cy="0"/>
+          <a:chOff x="0" y="0"/>
+          <a:chExt cx="0" cy="0"/>
+        </a:xfrm>
+      </p:grpSpPr>
+      <p:sp>
+        <p:nvSpPr>
+          <p:cNvPr id="2" name="Title 1"/>
+          <p:cNvSpPr>
+            <a:spLocks noGrp="1"/>
+          </p:cNvSpPr>
+          <p:nvPr>
+            <p:ph type="title"/>
+          </p:nvPr>
+        </p:nvSpPr>
+        <p:spPr>
+          <a:xfrm>
+            <a:off x="457200" y="1600200"/>
+            <a:ext cx="8229600" cy="4495800"/>
+          </a:xfrm>
+        </p:spPr>
+        <p:txBody>
+          <a:bodyPr>
+            <a:normAutofit fontScale="90000"/>
+          </a:bodyPr>
+          <a:lstStyle/>
+          <a:p>
+            <a:pPr algn="l"/>
+            <a:r>
+              <a:rPr lang="en-US" sz="4900" b="1" dirty="0" smtClean="0"/>
+              <a:t>Genetic tools (</a:t>
+            </a:r>
+            <a:r>
+              <a:rPr lang="en-US" sz="4900" b="1" dirty="0" err="1" smtClean="0"/>
+              <a:t>Cre</a:t>
+            </a:r>
+            <a:r>
+              <a:rPr lang="en-US" sz="4900" b="1" dirty="0" smtClean="0"/>
+              <a:t>-lines x </a:t>
+            </a:r>
+            <a:r>
+              <a:rPr lang="en-US" sz="4900" b="1" dirty="0" err="1" smtClean="0"/>
+              <a:t>GCamp</a:t>
+            </a:r>
+            <a:r>
+              <a:rPr lang="en-US" sz="4900" b="1" dirty="0" smtClean="0"/>
+              <a:t>) are used to make specific cell types glow. Observatory dataset uses mice from 4 </a:t>
+            </a:r>
+            <a:r>
+              <a:rPr lang="en-US" sz="4900" b="1" dirty="0" err="1" smtClean="0"/>
+              <a:t>cre</a:t>
+            </a:r>
+            <a:r>
+              <a:rPr lang="en-US" sz="4900" b="1" dirty="0" smtClean="0"/>
+              <a:t>-lines (all </a:t>
+            </a:r>
+            <a:r>
+              <a:rPr lang="en-US" sz="4900" b="1" dirty="0" err="1" smtClean="0"/>
+              <a:t>exc</a:t>
+            </a:r>
+            <a:r>
+              <a:rPr lang="en-US" sz="4900" b="1" dirty="0" smtClean="0"/>
+              <a:t>). 7 more (</a:t>
+            </a:r>
+            <a:r>
+              <a:rPr lang="en-US" sz="4900" b="1" dirty="0" err="1" smtClean="0"/>
+              <a:t>exc</a:t>
+            </a:r>
+            <a:r>
+              <a:rPr lang="en-US" sz="4900" b="1" dirty="0" smtClean="0"/>
+              <a:t>/</a:t>
+            </a:r>
+            <a:r>
+              <a:rPr lang="en-US" sz="4900" b="1" dirty="0" err="1" smtClean="0"/>
+              <a:t>inh</a:t>
+            </a:r>
+            <a:r>
+              <a:rPr lang="en-US" sz="4900" b="1" dirty="0" smtClean="0"/>
+              <a:t>) planned for release.</a:t>
+            </a:r>
+            <a:r>
+              <a:rPr lang="en-US" sz="4900" dirty="0" smtClean="0"/>
+              <a:t/>
+            </a:r>
+            <a:br>
+              <a:rPr lang="en-US" sz="4900" dirty="0" smtClean="0"/>
+            </a:br>
+            <a:r>
+              <a:rPr lang="en-US" b="1" dirty="0" smtClean="0"/>
+              <a:t/>
+            </a:r>
+            <a:br>
+              <a:rPr lang="en-US" b="1" dirty="0" smtClean="0"/>
+            </a:br>
+            <a:endParaRPr lang="en-US" b="1" dirty="0"/>
+          </a:p>
+        </p:txBody>
+      </p:sp>
+    </p:spTree>
+    <p:extLst>
+      <p:ext uri="{BB962C8B-B14F-4D97-AF65-F5344CB8AC3E}">
+        <p14:creationId xmlns:p14="http://schemas.microsoft.com/office/powerpoint/2010/main" val="2102926617"/>
+      </p:ext>
+    </p:extLst>
+  </p:cSld>
+  <p:clrMapOvr>
+    <a:masterClrMapping/>
+  </p:clrMapOvr>
+  <p:timing>
+    <p:tnLst>
+      <p:par>
+        <p:cTn xmlns:p14="http://schemas.microsoft.com/office/powerpoint/2010/main" id="1" dur="indefinite" restart="never" nodeType="tmRoot"/>
+      </p:par>
+    </p:tnLst>
+  </p:timing>
+</p:sld>
+</file>
+
+<file path=ppt/slides/slide8.xml><?xml version="1.0" encoding="utf-8"?>
+<p:sld xmlns:a="http://schemas.openxmlformats.org/drawingml/2006/main" xmlns:r="http://schemas.openxmlformats.org/officeDocument/2006/relationships" xmlns:p="http://schemas.openxmlformats.org/presentationml/2006/main">
+  <p:cSld>
+    <p:spTree>
+      <p:nvGrpSpPr>
+        <p:cNvPr id="1" name=""/>
+        <p:cNvGrpSpPr/>
+        <p:nvPr/>
+      </p:nvGrpSpPr>
+      <p:grpSpPr>
+        <a:xfrm>
+          <a:off x="0" y="0"/>
+          <a:ext cx="0" cy="0"/>
+          <a:chOff x="0" y="0"/>
+          <a:chExt cx="0" cy="0"/>
+        </a:xfrm>
+      </p:grpSpPr>
+      <p:sp>
+        <p:nvSpPr>
+          <p:cNvPr id="2" name="Title 1"/>
+          <p:cNvSpPr>
+            <a:spLocks noGrp="1"/>
+          </p:cNvSpPr>
+          <p:nvPr>
+            <p:ph type="title"/>
+          </p:nvPr>
+        </p:nvSpPr>
+        <p:spPr/>
+        <p:txBody>
+          <a:bodyPr/>
+          <a:lstStyle/>
+          <a:p>
+            <a:r>
+              <a:rPr lang="en-US" b="1" dirty="0" smtClean="0"/>
+              <a:t>A Rich Dataset</a:t>
+            </a:r>
+            <a:endParaRPr lang="en-US" b="1" dirty="0"/>
+          </a:p>
+        </p:txBody>
+      </p:sp>
+      <p:pic>
+        <p:nvPicPr>
+          <p:cNvPr id="1026" name="Picture 2"/>
+          <p:cNvPicPr>
+            <a:picLocks noChangeAspect="1" noChangeArrowheads="1"/>
+          </p:cNvPicPr>
+          <p:nvPr/>
+        </p:nvPicPr>
+        <p:blipFill>
+          <a:blip r:embed="rId3">
+            <a:extLst>
+              <a:ext uri="{28A0092B-C50C-407E-A947-70E740481C1C}">
+                <a14:useLocalDpi xmlns:a14="http://schemas.microsoft.com/office/drawing/2010/main" val="0"/>
+              </a:ext>
+            </a:extLst>
+          </a:blip>
+          <a:srcRect/>
+          <a:stretch>
+            <a:fillRect/>
+          </a:stretch>
+        </p:blipFill>
+        <p:spPr bwMode="auto">
+          <a:xfrm>
+            <a:off x="114300" y="1828800"/>
+            <a:ext cx="9029700" cy="3209925"/>
+          </a:xfrm>
+          <a:prstGeom prst="rect">
+            <a:avLst/>
+          </a:prstGeom>
+          <a:noFill/>
+          <a:ln>
+            <a:noFill/>
+          </a:ln>
+          <a:extLst>
+            <a:ext uri="{909E8E84-426E-40dd-AFC4-6F175D3DCCD1}">
+              <a14:hiddenFill xmlns:a14="http://schemas.microsoft.com/office/drawing/2010/main">
+                <a:solidFill>
+                  <a:schemeClr val="accent1"/>
+                </a:solidFill>
+              </a14:hiddenFill>
+            </a:ext>
+            <a:ext uri="{91240B29-F687-4f45-9708-019B960494DF}">
+              <a14:hiddenLine xmlns:a14="http://schemas.microsoft.com/office/drawing/2010/main" w="9525">
+                <a:solidFill>
+                  <a:schemeClr val="tx1"/>
+                </a:solidFill>
+                <a:miter lim="800000"/>
+                <a:headEnd/>
+                <a:tailEnd/>
+              </a14:hiddenLine>
+            </a:ext>
+          </a:extLst>
+        </p:spPr>
+      </p:pic>
+      <p:sp>
+        <p:nvSpPr>
+          <p:cNvPr id="4" name="TextBox 3"/>
+          <p:cNvSpPr txBox="1"/>
+          <p:nvPr/>
+        </p:nvSpPr>
+        <p:spPr>
+          <a:xfrm>
+            <a:off x="533400" y="4775625"/>
+            <a:ext cx="2286000" cy="461665"/>
+          </a:xfrm>
+          <a:prstGeom prst="rect">
+            <a:avLst/>
+          </a:prstGeom>
+          <a:noFill/>
+        </p:spPr>
+        <p:txBody>
+          <a:bodyPr wrap="square" rtlCol="0">
+            <a:spAutoFit/>
+          </a:bodyPr>
+          <a:lstStyle/>
+          <a:p>
+            <a:r>
+              <a:rPr lang="en-US" sz="2400" b="1" dirty="0" smtClean="0"/>
+              <a:t>4 Visual areas</a:t>
+            </a:r>
+            <a:endParaRPr lang="en-US" sz="2400" b="1" dirty="0"/>
+          </a:p>
+        </p:txBody>
+      </p:sp>
+      <p:sp>
+        <p:nvSpPr>
+          <p:cNvPr id="6" name="TextBox 5"/>
+          <p:cNvSpPr txBox="1"/>
+          <p:nvPr/>
+        </p:nvSpPr>
+        <p:spPr>
+          <a:xfrm>
+            <a:off x="3048000" y="4775625"/>
+            <a:ext cx="2286000" cy="461665"/>
+          </a:xfrm>
+          <a:prstGeom prst="rect">
+            <a:avLst/>
+          </a:prstGeom>
+          <a:noFill/>
+        </p:spPr>
+        <p:txBody>
+          <a:bodyPr wrap="square" rtlCol="0">
+            <a:spAutoFit/>
+          </a:bodyPr>
+          <a:lstStyle/>
+          <a:p>
+            <a:r>
+              <a:rPr lang="en-US" sz="2400" b="1" dirty="0" smtClean="0"/>
+              <a:t>4 </a:t>
+            </a:r>
+            <a:r>
+              <a:rPr lang="en-US" sz="2400" b="1" dirty="0" err="1" smtClean="0"/>
+              <a:t>cre</a:t>
+            </a:r>
+            <a:r>
+              <a:rPr lang="en-US" sz="2400" b="1" dirty="0" smtClean="0"/>
+              <a:t>-lines</a:t>
+            </a:r>
+          </a:p>
+        </p:txBody>
+      </p:sp>
+      <p:pic>
+        <p:nvPicPr>
+          <p:cNvPr id="1027" name="Picture 3"/>
+          <p:cNvPicPr>
+            <a:picLocks noChangeAspect="1" noChangeArrowheads="1"/>
+          </p:cNvPicPr>
+          <p:nvPr/>
+        </p:nvPicPr>
+        <p:blipFill rotWithShape="1">
+          <a:blip r:embed="rId4">
+            <a:extLst>
+              <a:ext uri="{28A0092B-C50C-407E-A947-70E740481C1C}">
+                <a14:useLocalDpi xmlns:a14="http://schemas.microsoft.com/office/drawing/2010/main" val="0"/>
+              </a:ext>
+            </a:extLst>
+          </a:blip>
+          <a:srcRect l="6797" t="5252" r="6037" b="6906"/>
+          <a:stretch/>
+        </p:blipFill>
+        <p:spPr bwMode="auto">
+          <a:xfrm>
+            <a:off x="301593" y="2527955"/>
+            <a:ext cx="2516298" cy="2228054"/>
+          </a:xfrm>
+          <a:prstGeom prst="rect">
+            <a:avLst/>
+          </a:prstGeom>
+          <a:noFill/>
+          <a:ln>
+            <a:noFill/>
+          </a:ln>
+          <a:extLst>
+            <a:ext uri="{909E8E84-426E-40dd-AFC4-6F175D3DCCD1}">
+              <a14:hiddenFill xmlns:a14="http://schemas.microsoft.com/office/drawing/2010/main">
+                <a:solidFill>
+                  <a:schemeClr val="accent1"/>
+                </a:solidFill>
+              </a14:hiddenFill>
+            </a:ext>
+            <a:ext uri="{91240B29-F687-4f45-9708-019B960494DF}">
+              <a14:hiddenLine xmlns:a14="http://schemas.microsoft.com/office/drawing/2010/main" w="9525">
+                <a:solidFill>
+                  <a:schemeClr val="tx1"/>
+                </a:solidFill>
+                <a:miter lim="800000"/>
+                <a:headEnd/>
+                <a:tailEnd/>
+              </a14:hiddenLine>
+            </a:ext>
+          </a:extLst>
+        </p:spPr>
+      </p:pic>
+      <p:sp>
+        <p:nvSpPr>
+          <p:cNvPr id="7" name="Title 1"/>
+          <p:cNvSpPr txBox="1">
+            <a:spLocks/>
+          </p:cNvSpPr>
+          <p:nvPr/>
+        </p:nvSpPr>
+        <p:spPr>
+          <a:xfrm>
+            <a:off x="609600" y="5698227"/>
+            <a:ext cx="8229600" cy="1143000"/>
+          </a:xfrm>
+          <a:prstGeom prst="rect">
+            <a:avLst/>
+          </a:prstGeom>
+        </p:spPr>
+        <p:txBody>
+          <a:bodyPr vert="horz" lIns="91440" tIns="45720" rIns="91440" bIns="45720" rtlCol="0" anchor="ctr">
+            <a:normAutofit/>
+          </a:bodyPr>
+          <a:lstStyle>
+            <a:lvl1pPr algn="ctr" defTabSz="914400" rtl="0" eaLnBrk="1" latinLnBrk="0" hangingPunct="1">
+              <a:spcBef>
+                <a:spcPct val="0"/>
+              </a:spcBef>
+              <a:buNone/>
+              <a:defRPr sz="4400" kern="1200">
+                <a:solidFill>
+                  <a:schemeClr val="tx1"/>
+                </a:solidFill>
+                <a:latin typeface="+mj-lt"/>
+                <a:ea typeface="+mj-ea"/>
+                <a:cs typeface="+mj-cs"/>
+              </a:defRPr>
+            </a:lvl1pPr>
+          </a:lstStyle>
+          <a:p>
+            <a:r>
+              <a:rPr lang="en-US" b="1" dirty="0" smtClean="0"/>
+              <a:t>Hypothesis-free</a:t>
+            </a:r>
+            <a:endParaRPr lang="en-US" b="1" dirty="0"/>
+          </a:p>
+        </p:txBody>
+      </p:sp>
+    </p:spTree>
+    <p:extLst>
+      <p:ext uri="{BB962C8B-B14F-4D97-AF65-F5344CB8AC3E}">
+        <p14:creationId xmlns:p14="http://schemas.microsoft.com/office/powerpoint/2010/main" val="3579108064"/>
+      </p:ext>
+    </p:extLst>
+  </p:cSld>
+  <p:clrMapOvr>
+    <a:masterClrMapping/>
+  </p:clrMapOvr>
+  <p:timing>
+    <p:tnLst>
+      <p:par>
+        <p:cTn xmlns:p14="http://schemas.microsoft.com/office/powerpoint/2010/main" id="1" dur="indefinite" restart="never" nodeType="tmRoot"/>
+      </p:par>
+    </p:tnLst>
+  </p:timing>
+</p:sld>
+</file>
+
+<file path=ppt/slides/slide9.xml><?xml version="1.0" encoding="utf-8"?>
+<p:sld xmlns:a="http://schemas.openxmlformats.org/drawingml/2006/main" xmlns:r="http://schemas.openxmlformats.org/officeDocument/2006/relationships" xmlns:p="http://schemas.openxmlformats.org/presentationml/2006/main">
+  <p:cSld>
+    <p:spTree>
+      <p:nvGrpSpPr>
+        <p:cNvPr id="1" name=""/>
+        <p:cNvGrpSpPr/>
+        <p:nvPr/>
+      </p:nvGrpSpPr>
+      <p:grpSpPr>
+        <a:xfrm>
+          <a:off x="0" y="0"/>
+          <a:ext cx="0" cy="0"/>
+          <a:chOff x="0" y="0"/>
+          <a:chExt cx="0" cy="0"/>
+        </a:xfrm>
+      </p:grpSpPr>
+      <p:sp>
+        <p:nvSpPr>
+          <p:cNvPr id="2" name="Title 1"/>
+          <p:cNvSpPr>
+            <a:spLocks noGrp="1"/>
+          </p:cNvSpPr>
+          <p:nvPr>
+            <p:ph type="title"/>
+          </p:nvPr>
+        </p:nvSpPr>
+        <p:spPr/>
+        <p:txBody>
+          <a:bodyPr/>
+          <a:lstStyle/>
+          <a:p>
+            <a:r>
+              <a:rPr lang="en-US" b="1" dirty="0" smtClean="0"/>
+              <a:t>A Rich, Standardized, Dataset</a:t>
+            </a:r>
+            <a:endParaRPr lang="en-US" b="1" dirty="0"/>
+          </a:p>
+        </p:txBody>
+      </p:sp>
+      <p:pic>
+        <p:nvPicPr>
+          <p:cNvPr id="7170" name="Picture 2"/>
+          <p:cNvPicPr>
+            <a:picLocks noChangeAspect="1" noChangeArrowheads="1"/>
+          </p:cNvPicPr>
+          <p:nvPr/>
+        </p:nvPicPr>
+        <p:blipFill>
+          <a:blip r:embed="rId3">
+            <a:extLst>
+              <a:ext uri="{28A0092B-C50C-407E-A947-70E740481C1C}">
+                <a14:useLocalDpi xmlns:a14="http://schemas.microsoft.com/office/drawing/2010/main" val="0"/>
+              </a:ext>
+            </a:extLst>
+          </a:blip>
+          <a:srcRect/>
+          <a:stretch>
+            <a:fillRect/>
+          </a:stretch>
+        </p:blipFill>
+        <p:spPr bwMode="auto">
+          <a:xfrm>
+            <a:off x="685800" y="2209800"/>
+            <a:ext cx="8206566" cy="2492107"/>
+          </a:xfrm>
+          <a:prstGeom prst="rect">
+            <a:avLst/>
+          </a:prstGeom>
+          <a:noFill/>
+          <a:ln>
+            <a:noFill/>
+          </a:ln>
+          <a:extLst>
+            <a:ext uri="{909E8E84-426E-40dd-AFC4-6F175D3DCCD1}">
+              <a14:hiddenFill xmlns:a14="http://schemas.microsoft.com/office/drawing/2010/main">
+                <a:solidFill>
+                  <a:schemeClr val="accent1"/>
+                </a:solidFill>
+              </a14:hiddenFill>
+            </a:ext>
+            <a:ext uri="{91240B29-F687-4f45-9708-019B960494DF}">
+              <a14:hiddenLine xmlns:a14="http://schemas.microsoft.com/office/drawing/2010/main" w="9525">
+                <a:solidFill>
+                  <a:schemeClr val="tx1"/>
+                </a:solidFill>
+                <a:miter lim="800000"/>
+                <a:headEnd/>
+                <a:tailEnd/>
+              </a14:hiddenLine>
+            </a:ext>
+          </a:extLst>
+        </p:spPr>
+      </p:pic>
+      <p:sp>
+        <p:nvSpPr>
+          <p:cNvPr id="3" name="TextBox 2"/>
+          <p:cNvSpPr txBox="1"/>
+          <p:nvPr/>
+        </p:nvSpPr>
+        <p:spPr>
+          <a:xfrm>
+            <a:off x="2147935" y="5410200"/>
+            <a:ext cx="5791200" cy="461665"/>
+          </a:xfrm>
+          <a:prstGeom prst="rect">
+            <a:avLst/>
+          </a:prstGeom>
+          <a:noFill/>
+        </p:spPr>
+        <p:txBody>
+          <a:bodyPr wrap="square" rtlCol="0">
+            <a:spAutoFit/>
+          </a:bodyPr>
+          <a:lstStyle/>
+          <a:p>
+            <a:r>
+              <a:rPr lang="en-US" sz="2400" b="1" dirty="0" smtClean="0"/>
+              <a:t>Quality control throws out bad data</a:t>
+            </a:r>
+            <a:endParaRPr lang="en-US" sz="2400" b="1" dirty="0"/>
+          </a:p>
+        </p:txBody>
+      </p:sp>
+    </p:spTree>
+    <p:extLst>
+      <p:ext uri="{BB962C8B-B14F-4D97-AF65-F5344CB8AC3E}">
+        <p14:creationId xmlns:p14="http://schemas.microsoft.com/office/powerpoint/2010/main" val="731000349"/>
+      </p:ext>
+    </p:extLst>
+  </p:cSld>
+  <p:clrMapOvr>
+    <a:masterClrMapping/>
+  </p:clrMapOvr>
+  <p:timing>
+    <p:tnLst>
+      <p:par>
+        <p:cTn xmlns:p14="http://schemas.microsoft.com/office/powerpoint/2010/main" id="1" dur="indefinite" restart="never" nodeType="tmRoot"/>
+      </p:par>
+    </p:tnLst>
   </p:timing>
 </p:sld>
 </file>

--- a/Allen_Brain_Observatory_Dataset.pptx
+++ b/Allen_Brain_Observatory_Dataset.pptx
@@ -529,272 +529,6 @@
           <a:bodyPr/>
           <a:lstStyle/>
           <a:p>
-            <a:r>
-              <a:rPr lang="en-US" sz="1200" kern="1200" dirty="0" err="1" smtClean="0">
-                <a:solidFill>
-                  <a:schemeClr val="tx1"/>
-                </a:solidFill>
-                <a:latin typeface="+mn-lt"/>
-                <a:ea typeface="+mn-ea"/>
-                <a:cs typeface="+mn-cs"/>
-              </a:rPr>
-              <a:t>i</a:t>
-            </a:r>
-            <a:r>
-              <a:rPr lang="en-US" sz="1200" kern="1200" dirty="0" smtClean="0">
-                <a:solidFill>
-                  <a:schemeClr val="tx1"/>
-                </a:solidFill>
-                <a:latin typeface="+mn-lt"/>
-                <a:ea typeface="+mn-ea"/>
-                <a:cs typeface="+mn-cs"/>
-              </a:rPr>
-              <a:t> try to go to a summer workshop every year and, this year </a:t>
-            </a:r>
-            <a:r>
-              <a:rPr lang="en-US" sz="1200" kern="1200" dirty="0" err="1" smtClean="0">
-                <a:solidFill>
-                  <a:schemeClr val="tx1"/>
-                </a:solidFill>
-                <a:latin typeface="+mn-lt"/>
-                <a:ea typeface="+mn-ea"/>
-                <a:cs typeface="+mn-cs"/>
-              </a:rPr>
-              <a:t>i</a:t>
-            </a:r>
-            <a:r>
-              <a:rPr lang="en-US" sz="1200" kern="1200" dirty="0" smtClean="0">
-                <a:solidFill>
-                  <a:schemeClr val="tx1"/>
-                </a:solidFill>
-                <a:latin typeface="+mn-lt"/>
-                <a:ea typeface="+mn-ea"/>
-                <a:cs typeface="+mn-cs"/>
-              </a:rPr>
-              <a:t> ended up at a relatively new workshop that </a:t>
-            </a:r>
-            <a:r>
-              <a:rPr lang="en-US" sz="1200" kern="1200" dirty="0" err="1" smtClean="0">
-                <a:solidFill>
-                  <a:schemeClr val="tx1"/>
-                </a:solidFill>
-                <a:latin typeface="+mn-lt"/>
-                <a:ea typeface="+mn-ea"/>
-                <a:cs typeface="+mn-cs"/>
-              </a:rPr>
-              <a:t>adrienne</a:t>
-            </a:r>
-            <a:r>
-              <a:rPr lang="en-US" sz="1200" kern="1200" dirty="0" smtClean="0">
-                <a:solidFill>
-                  <a:schemeClr val="tx1"/>
-                </a:solidFill>
-                <a:latin typeface="+mn-lt"/>
-                <a:ea typeface="+mn-ea"/>
-                <a:cs typeface="+mn-cs"/>
-              </a:rPr>
-              <a:t> </a:t>
-            </a:r>
-            <a:r>
-              <a:rPr lang="en-US" sz="1200" kern="1200" dirty="0" err="1" smtClean="0">
-                <a:solidFill>
-                  <a:schemeClr val="tx1"/>
-                </a:solidFill>
-                <a:latin typeface="+mn-lt"/>
-                <a:ea typeface="+mn-ea"/>
-                <a:cs typeface="+mn-cs"/>
-              </a:rPr>
-              <a:t>fairhall</a:t>
-            </a:r>
-            <a:r>
-              <a:rPr lang="en-US" sz="1200" kern="1200" dirty="0" smtClean="0">
-                <a:solidFill>
-                  <a:schemeClr val="tx1"/>
-                </a:solidFill>
-                <a:latin typeface="+mn-lt"/>
-                <a:ea typeface="+mn-ea"/>
-                <a:cs typeface="+mn-cs"/>
-              </a:rPr>
-              <a:t> hosts along with some people from the </a:t>
-            </a:r>
-            <a:r>
-              <a:rPr lang="en-US" sz="1200" kern="1200" dirty="0" err="1" smtClean="0">
-                <a:solidFill>
-                  <a:schemeClr val="tx1"/>
-                </a:solidFill>
-                <a:latin typeface="+mn-lt"/>
-                <a:ea typeface="+mn-ea"/>
-                <a:cs typeface="+mn-cs"/>
-              </a:rPr>
-              <a:t>allen</a:t>
-            </a:r>
-            <a:r>
-              <a:rPr lang="en-US" sz="1200" kern="1200" dirty="0" smtClean="0">
-                <a:solidFill>
-                  <a:schemeClr val="tx1"/>
-                </a:solidFill>
-                <a:latin typeface="+mn-lt"/>
-                <a:ea typeface="+mn-ea"/>
-                <a:cs typeface="+mn-cs"/>
-              </a:rPr>
-              <a:t> institute. it was a great workshop all around, but the biggest takeaway for me was familiarity with the observatory dataset that the </a:t>
-            </a:r>
-            <a:r>
-              <a:rPr lang="en-US" sz="1200" kern="1200" dirty="0" err="1" smtClean="0">
-                <a:solidFill>
-                  <a:schemeClr val="tx1"/>
-                </a:solidFill>
-                <a:latin typeface="+mn-lt"/>
-                <a:ea typeface="+mn-ea"/>
-                <a:cs typeface="+mn-cs"/>
-              </a:rPr>
-              <a:t>allen</a:t>
-            </a:r>
-            <a:r>
-              <a:rPr lang="en-US" sz="1200" kern="1200" dirty="0" smtClean="0">
-                <a:solidFill>
-                  <a:schemeClr val="tx1"/>
-                </a:solidFill>
-                <a:latin typeface="+mn-lt"/>
-                <a:ea typeface="+mn-ea"/>
-                <a:cs typeface="+mn-cs"/>
-              </a:rPr>
-              <a:t> institute published this summer. it’s a ton of data, and they’ve worked pretty hard to make it accessible and transparent, so </a:t>
-            </a:r>
-            <a:r>
-              <a:rPr lang="en-US" sz="1200" kern="1200" dirty="0" err="1" smtClean="0">
-                <a:solidFill>
-                  <a:schemeClr val="tx1"/>
-                </a:solidFill>
-                <a:latin typeface="+mn-lt"/>
-                <a:ea typeface="+mn-ea"/>
-                <a:cs typeface="+mn-cs"/>
-              </a:rPr>
-              <a:t>i</a:t>
-            </a:r>
-            <a:r>
-              <a:rPr lang="en-US" sz="1200" kern="1200" dirty="0" smtClean="0">
-                <a:solidFill>
-                  <a:schemeClr val="tx1"/>
-                </a:solidFill>
-                <a:latin typeface="+mn-lt"/>
-                <a:ea typeface="+mn-ea"/>
-                <a:cs typeface="+mn-cs"/>
-              </a:rPr>
-              <a:t> just wanted to pass on my knowledge. because </a:t>
-            </a:r>
-            <a:r>
-              <a:rPr lang="en-US" sz="1200" kern="1200" dirty="0" err="1" smtClean="0">
-                <a:solidFill>
-                  <a:schemeClr val="tx1"/>
-                </a:solidFill>
-                <a:latin typeface="+mn-lt"/>
-                <a:ea typeface="+mn-ea"/>
-                <a:cs typeface="+mn-cs"/>
-              </a:rPr>
-              <a:t>i</a:t>
-            </a:r>
-            <a:r>
-              <a:rPr lang="en-US" sz="1200" kern="1200" dirty="0" smtClean="0">
-                <a:solidFill>
-                  <a:schemeClr val="tx1"/>
-                </a:solidFill>
-                <a:latin typeface="+mn-lt"/>
-                <a:ea typeface="+mn-ea"/>
-                <a:cs typeface="+mn-cs"/>
-              </a:rPr>
-              <a:t> think there’s a lot of potential for this group to put it to good use.</a:t>
-            </a:r>
-          </a:p>
-          <a:p>
-            <a:endParaRPr lang="en-US" sz="1200" kern="1200" dirty="0" smtClean="0">
-              <a:solidFill>
-                <a:schemeClr val="tx1"/>
-              </a:solidFill>
-              <a:latin typeface="+mn-lt"/>
-              <a:ea typeface="+mn-ea"/>
-              <a:cs typeface="+mn-cs"/>
-            </a:endParaRPr>
-          </a:p>
-          <a:p>
-            <a:r>
-              <a:rPr lang="en-US" sz="1200" kern="1200" dirty="0" smtClean="0">
-                <a:solidFill>
-                  <a:schemeClr val="tx1"/>
-                </a:solidFill>
-                <a:latin typeface="+mn-lt"/>
-                <a:ea typeface="+mn-ea"/>
-                <a:cs typeface="+mn-cs"/>
-              </a:rPr>
-              <a:t>but let’s make this a conversation, </a:t>
-            </a:r>
-            <a:r>
-              <a:rPr lang="en-US" sz="1200" kern="1200" dirty="0" err="1" smtClean="0">
-                <a:solidFill>
-                  <a:schemeClr val="tx1"/>
-                </a:solidFill>
-                <a:latin typeface="+mn-lt"/>
-                <a:ea typeface="+mn-ea"/>
-                <a:cs typeface="+mn-cs"/>
-              </a:rPr>
-              <a:t>i</a:t>
-            </a:r>
-            <a:r>
-              <a:rPr lang="en-US" sz="1200" kern="1200" dirty="0" smtClean="0">
-                <a:solidFill>
-                  <a:schemeClr val="tx1"/>
-                </a:solidFill>
-                <a:latin typeface="+mn-lt"/>
-                <a:ea typeface="+mn-ea"/>
-                <a:cs typeface="+mn-cs"/>
-              </a:rPr>
-              <a:t> made the presentation pretty generic and short, so we have time to get into any details that you might be interested in. and you should interrupt me.</a:t>
-            </a:r>
-          </a:p>
-          <a:p>
-            <a:endParaRPr lang="en-US" sz="1200" kern="1200" dirty="0" smtClean="0">
-              <a:solidFill>
-                <a:schemeClr val="tx1"/>
-              </a:solidFill>
-              <a:latin typeface="+mn-lt"/>
-              <a:ea typeface="+mn-ea"/>
-              <a:cs typeface="+mn-cs"/>
-            </a:endParaRPr>
-          </a:p>
-          <a:p>
-            <a:r>
-              <a:rPr lang="en-US" sz="1200" kern="1200" dirty="0" smtClean="0">
-                <a:solidFill>
-                  <a:schemeClr val="tx1"/>
-                </a:solidFill>
-                <a:latin typeface="+mn-lt"/>
-                <a:ea typeface="+mn-ea"/>
-                <a:cs typeface="+mn-cs"/>
-              </a:rPr>
-              <a:t>there are some links in the slides </a:t>
-            </a:r>
-            <a:r>
-              <a:rPr lang="en-US" sz="1200" kern="1200" dirty="0" err="1" smtClean="0">
-                <a:solidFill>
-                  <a:schemeClr val="tx1"/>
-                </a:solidFill>
-                <a:latin typeface="+mn-lt"/>
-                <a:ea typeface="+mn-ea"/>
-                <a:cs typeface="+mn-cs"/>
-              </a:rPr>
-              <a:t>i’m</a:t>
-            </a:r>
-            <a:r>
-              <a:rPr lang="en-US" sz="1200" kern="1200" dirty="0" smtClean="0">
-                <a:solidFill>
-                  <a:schemeClr val="tx1"/>
-                </a:solidFill>
-                <a:latin typeface="+mn-lt"/>
-                <a:ea typeface="+mn-ea"/>
-                <a:cs typeface="+mn-cs"/>
-              </a:rPr>
-              <a:t> going to use, so if you have your computer and want to follow along, go here:</a:t>
-            </a:r>
             <a:endParaRPr lang="en-US" dirty="0"/>
           </a:p>
         </p:txBody>
@@ -4837,11 +4571,19 @@
           <a:p>
             <a:r>
               <a:rPr lang="en-US" b="1" dirty="0"/>
-              <a:t>https://</a:t>
+              <a:t>http://</a:t>
             </a:r>
             <a:r>
               <a:rPr lang="en-US" b="1" dirty="0" err="1"/>
-              <a:t>github.com</a:t>
+              <a:t>mybinder.org</a:t>
+            </a:r>
+            <a:r>
+              <a:rPr lang="en-US" b="1" dirty="0"/>
+              <a:t>/repo/</a:t>
+            </a:r>
+            <a:r>
+              <a:rPr lang="en-US" b="1" dirty="0" err="1"/>
+              <a:t>msarvestani</a:t>
             </a:r>
             <a:r>
               <a:rPr lang="en-US" b="1" dirty="0"/>
@@ -4849,12 +4591,9 @@
             </a:r>
             <a:r>
               <a:rPr lang="en-US" b="1" dirty="0" err="1"/>
-              <a:t>msarvestani</a:t>
-            </a:r>
-            <a:r>
-              <a:rPr lang="en-US" b="1" dirty="0"/>
-              <a:t>/CNI-JC</a:t>
-            </a:r>
+              <a:t>cni-jc</a:t>
+            </a:r>
+            <a:endParaRPr lang="en-US" b="1" dirty="0"/>
           </a:p>
         </p:txBody>
       </p:sp>
@@ -5996,6 +5735,42 @@
             </a:r>
           </a:p>
           <a:p>
+            <a:endParaRPr lang="en-US" dirty="0"/>
+          </a:p>
+          <a:p>
+            <a:pPr marL="0" indent="0">
+              <a:buNone/>
+            </a:pPr>
+            <a:r>
+              <a:rPr lang="en-US" b="1" dirty="0"/>
+              <a:t>http://</a:t>
+            </a:r>
+            <a:r>
+              <a:rPr lang="en-US" b="1" dirty="0" err="1"/>
+              <a:t>mybinder.org</a:t>
+            </a:r>
+            <a:r>
+              <a:rPr lang="en-US" b="1" dirty="0"/>
+              <a:t>/repo/</a:t>
+            </a:r>
+            <a:r>
+              <a:rPr lang="en-US" b="1" dirty="0" err="1"/>
+              <a:t>msarvestani</a:t>
+            </a:r>
+            <a:r>
+              <a:rPr lang="en-US" b="1" dirty="0"/>
+              <a:t>/</a:t>
+            </a:r>
+            <a:r>
+              <a:rPr lang="en-US" b="1" dirty="0" err="1"/>
+              <a:t>cni-jc</a:t>
+            </a:r>
+            <a:endParaRPr lang="en-US" b="1" dirty="0"/>
+          </a:p>
+          <a:p>
+            <a:endParaRPr lang="en-US" dirty="0" smtClean="0"/>
+          </a:p>
+          <a:p>
             <a:endParaRPr lang="en-US" dirty="0" smtClean="0"/>
           </a:p>
           <a:p>
@@ -6233,11 +6008,11 @@
             </a:r>
             <a:r>
               <a:rPr lang="en-US" dirty="0"/>
-              <a:t>or python</a:t>
+              <a:t>or </a:t>
             </a:r>
             <a:r>
               <a:rPr lang="en-US" dirty="0" smtClean="0"/>
-              <a:t>:</a:t>
+              <a:t>python</a:t>
             </a:r>
           </a:p>
         </p:txBody>
@@ -6438,14 +6213,14 @@
           <a:p>
             <a:r>
               <a:rPr lang="en-US" dirty="0" smtClean="0"/>
-              <a:t>Anything with precise spatial location</a:t>
+              <a:t>For now: anything requiring precise spatial position on retina</a:t>
             </a:r>
           </a:p>
           <a:p>
             <a:pPr lvl="1"/>
             <a:r>
               <a:rPr lang="en-US" dirty="0" smtClean="0"/>
-              <a:t>Eye movement  (1/4 RF width) not controlled for until future release</a:t>
+              <a:t>Eye movement  (1/4 RF width) not controlled for, until future release</a:t>
             </a:r>
           </a:p>
         </p:txBody>
@@ -6575,8 +6350,8 @@
         </p:nvSpPr>
         <p:spPr>
           <a:xfrm>
-            <a:off x="1828800" y="5699156"/>
-            <a:ext cx="6248400" cy="646331"/>
+            <a:off x="152400" y="5699156"/>
+            <a:ext cx="8686800" cy="646331"/>
           </a:xfrm>
           <a:prstGeom prst="rect">
             <a:avLst/>
